--- a/Presentation.pptx
+++ b/Presentation.pptx
@@ -5,7 +5,7 @@
     <p:sldMasterId id="2147483648" r:id="rId1"/>
   </p:sldMasterIdLst>
   <p:notesMasterIdLst>
-    <p:notesMasterId r:id="rId19"/>
+    <p:notesMasterId r:id="rId26"/>
   </p:notesMasterIdLst>
   <p:sldIdLst>
     <p:sldId id="270" r:id="rId2"/>
@@ -25,6 +25,13 @@
     <p:sldId id="282" r:id="rId16"/>
     <p:sldId id="284" r:id="rId17"/>
     <p:sldId id="285" r:id="rId18"/>
+    <p:sldId id="286" r:id="rId19"/>
+    <p:sldId id="288" r:id="rId20"/>
+    <p:sldId id="287" r:id="rId21"/>
+    <p:sldId id="289" r:id="rId22"/>
+    <p:sldId id="290" r:id="rId23"/>
+    <p:sldId id="291" r:id="rId24"/>
+    <p:sldId id="292" r:id="rId25"/>
   </p:sldIdLst>
   <p:sldSz cx="12192000" cy="6858000"/>
   <p:notesSz cx="6858000" cy="9144000"/>
@@ -213,7 +220,7 @@
           <a:p>
             <a:fld id="{C92F1DF6-7942-D245-8E2A-82481E4D325F}" type="datetimeFigureOut">
               <a:rPr lang="en-US" smtClean="0"/>
-              <a:t>2/15/21</a:t>
+              <a:t>3/3/21</a:t>
             </a:fld>
             <a:endParaRPr lang="en-US"/>
           </a:p>
@@ -1328,6 +1335,16 @@
               <a:t>A very simple component that just displays a name, making it green and italics</a:t>
             </a:r>
           </a:p>
+          <a:p>
+            <a:pPr marL="171450" indent="-171450">
+              <a:buFontTx/>
+              <a:buChar char="-"/>
+            </a:pPr>
+            <a:r>
+              <a:rPr lang="en-US" dirty="0"/>
+              <a:t>We are going to give examples then work backwards</a:t>
+            </a:r>
+          </a:p>
         </p:txBody>
       </p:sp>
       <p:sp>
@@ -1466,6 +1483,22 @@
               <a:rPr lang="en-US" dirty="0" err="1"/>
               <a:t>css</a:t>
             </a:r>
+            <a:r>
+              <a:rPr lang="en-US" dirty="0"/>
+              <a:t>. Be conscious of ‘scoped’, this limits the scope of the </a:t>
+            </a:r>
+            <a:r>
+              <a:rPr lang="en-US" dirty="0" err="1"/>
+              <a:t>css</a:t>
+            </a:r>
+            <a:r>
+              <a:rPr lang="en-US" dirty="0"/>
+              <a:t> to the </a:t>
+            </a:r>
+            <a:r>
+              <a:rPr lang="en-US"/>
+              <a:t>current component</a:t>
+            </a:r>
             <a:endParaRPr lang="en-US" dirty="0"/>
           </a:p>
         </p:txBody>
@@ -1497,6 +1530,250 @@
     <p:extLst>
       <p:ext uri="{BB962C8B-B14F-4D97-AF65-F5344CB8AC3E}">
         <p14:creationId xmlns:p14="http://schemas.microsoft.com/office/powerpoint/2010/main" val="4252910077"/>
+      </p:ext>
+    </p:extLst>
+  </p:cSld>
+  <p:clrMapOvr>
+    <a:masterClrMapping/>
+  </p:clrMapOvr>
+</p:notes>
+</file>
+
+<file path=ppt/notesSlides/notesSlide18.xml><?xml version="1.0" encoding="utf-8"?>
+<p:notes xmlns:a="http://schemas.openxmlformats.org/drawingml/2006/main" xmlns:r="http://schemas.openxmlformats.org/officeDocument/2006/relationships" xmlns:p="http://schemas.openxmlformats.org/presentationml/2006/main">
+  <p:cSld>
+    <p:spTree>
+      <p:nvGrpSpPr>
+        <p:cNvPr id="1" name=""/>
+        <p:cNvGrpSpPr/>
+        <p:nvPr/>
+      </p:nvGrpSpPr>
+      <p:grpSpPr>
+        <a:xfrm>
+          <a:off x="0" y="0"/>
+          <a:ext cx="0" cy="0"/>
+          <a:chOff x="0" y="0"/>
+          <a:chExt cx="0" cy="0"/>
+        </a:xfrm>
+      </p:grpSpPr>
+      <p:sp>
+        <p:nvSpPr>
+          <p:cNvPr id="2" name="Slide Image Placeholder 1"/>
+          <p:cNvSpPr>
+            <a:spLocks noGrp="1" noRot="1" noChangeAspect="1"/>
+          </p:cNvSpPr>
+          <p:nvPr>
+            <p:ph type="sldImg"/>
+          </p:nvPr>
+        </p:nvSpPr>
+        <p:spPr/>
+      </p:sp>
+      <p:sp>
+        <p:nvSpPr>
+          <p:cNvPr id="3" name="Notes Placeholder 2"/>
+          <p:cNvSpPr>
+            <a:spLocks noGrp="1"/>
+          </p:cNvSpPr>
+          <p:nvPr>
+            <p:ph type="body" idx="1"/>
+          </p:nvPr>
+        </p:nvSpPr>
+        <p:spPr/>
+        <p:txBody>
+          <a:bodyPr/>
+          <a:lstStyle/>
+          <a:p>
+            <a:pPr marL="171450" indent="-171450">
+              <a:buFontTx/>
+              <a:buChar char="-"/>
+            </a:pPr>
+            <a:r>
+              <a:rPr lang="en-US" dirty="0"/>
+              <a:t>Typically all </a:t>
+            </a:r>
+            <a:r>
+              <a:rPr lang="en-US" dirty="0" err="1"/>
+              <a:t>vue</a:t>
+            </a:r>
+            <a:r>
+              <a:rPr lang="en-US" dirty="0"/>
+              <a:t> applications start with a top level component called </a:t>
+            </a:r>
+            <a:r>
+              <a:rPr lang="en-US" dirty="0" err="1"/>
+              <a:t>App.vue</a:t>
+            </a:r>
+            <a:r>
+              <a:rPr lang="en-US" dirty="0"/>
+              <a:t>, it will be the parents component in your whole applications components tree</a:t>
+            </a:r>
+          </a:p>
+          <a:p>
+            <a:pPr marL="171450" indent="-171450">
+              <a:buFontTx/>
+              <a:buChar char="-"/>
+            </a:pPr>
+            <a:r>
+              <a:rPr lang="en-US" dirty="0"/>
+              <a:t>Its very common to have the Header/Navbar/Body/Footer layout and you will build from there</a:t>
+            </a:r>
+          </a:p>
+          <a:p>
+            <a:pPr marL="171450" indent="-171450">
+              <a:buFontTx/>
+              <a:buChar char="-"/>
+            </a:pPr>
+            <a:r>
+              <a:rPr lang="en-US" dirty="0"/>
+              <a:t>This is obviously a very contrived example where App only has a single child component – </a:t>
+            </a:r>
+            <a:r>
+              <a:rPr lang="en-US" dirty="0" err="1"/>
+              <a:t>NameHolder</a:t>
+            </a:r>
+            <a:r>
+              <a:rPr lang="en-US" dirty="0"/>
+              <a:t> </a:t>
+            </a:r>
+          </a:p>
+          <a:p>
+            <a:pPr marL="171450" indent="-171450">
+              <a:buFontTx/>
+              <a:buChar char="-"/>
+            </a:pPr>
+            <a:r>
+              <a:rPr lang="en-US" dirty="0"/>
+              <a:t>Notice that in the script section we don’t have the data() function because </a:t>
+            </a:r>
+            <a:r>
+              <a:rPr lang="en-US" dirty="0" err="1"/>
+              <a:t>App.vue</a:t>
+            </a:r>
+            <a:r>
+              <a:rPr lang="en-US" dirty="0"/>
+              <a:t> has no state, we do though have the components section which denotes that we are using some child components which must be registered</a:t>
+            </a:r>
+          </a:p>
+        </p:txBody>
+      </p:sp>
+      <p:sp>
+        <p:nvSpPr>
+          <p:cNvPr id="4" name="Slide Number Placeholder 3"/>
+          <p:cNvSpPr>
+            <a:spLocks noGrp="1"/>
+          </p:cNvSpPr>
+          <p:nvPr>
+            <p:ph type="sldNum" sz="quarter" idx="5"/>
+          </p:nvPr>
+        </p:nvSpPr>
+        <p:spPr/>
+        <p:txBody>
+          <a:bodyPr/>
+          <a:lstStyle/>
+          <a:p>
+            <a:fld id="{528BCB4D-E16E-E545-9924-0DE65AC31A0B}" type="slidenum">
+              <a:rPr lang="en-US" smtClean="0"/>
+              <a:t>18</a:t>
+            </a:fld>
+            <a:endParaRPr lang="en-US"/>
+          </a:p>
+        </p:txBody>
+      </p:sp>
+    </p:spTree>
+    <p:extLst>
+      <p:ext uri="{BB962C8B-B14F-4D97-AF65-F5344CB8AC3E}">
+        <p14:creationId xmlns:p14="http://schemas.microsoft.com/office/powerpoint/2010/main" val="2267008030"/>
+      </p:ext>
+    </p:extLst>
+  </p:cSld>
+  <p:clrMapOvr>
+    <a:masterClrMapping/>
+  </p:clrMapOvr>
+</p:notes>
+</file>
+
+<file path=ppt/notesSlides/notesSlide19.xml><?xml version="1.0" encoding="utf-8"?>
+<p:notes xmlns:a="http://schemas.openxmlformats.org/drawingml/2006/main" xmlns:r="http://schemas.openxmlformats.org/officeDocument/2006/relationships" xmlns:p="http://schemas.openxmlformats.org/presentationml/2006/main">
+  <p:cSld>
+    <p:spTree>
+      <p:nvGrpSpPr>
+        <p:cNvPr id="1" name=""/>
+        <p:cNvGrpSpPr/>
+        <p:nvPr/>
+      </p:nvGrpSpPr>
+      <p:grpSpPr>
+        <a:xfrm>
+          <a:off x="0" y="0"/>
+          <a:ext cx="0" cy="0"/>
+          <a:chOff x="0" y="0"/>
+          <a:chExt cx="0" cy="0"/>
+        </a:xfrm>
+      </p:grpSpPr>
+      <p:sp>
+        <p:nvSpPr>
+          <p:cNvPr id="2" name="Slide Image Placeholder 1"/>
+          <p:cNvSpPr>
+            <a:spLocks noGrp="1" noRot="1" noChangeAspect="1"/>
+          </p:cNvSpPr>
+          <p:nvPr>
+            <p:ph type="sldImg"/>
+          </p:nvPr>
+        </p:nvSpPr>
+        <p:spPr/>
+      </p:sp>
+      <p:sp>
+        <p:nvSpPr>
+          <p:cNvPr id="3" name="Notes Placeholder 2"/>
+          <p:cNvSpPr>
+            <a:spLocks noGrp="1"/>
+          </p:cNvSpPr>
+          <p:nvPr>
+            <p:ph type="body" idx="1"/>
+          </p:nvPr>
+        </p:nvSpPr>
+        <p:spPr/>
+        <p:txBody>
+          <a:bodyPr/>
+          <a:lstStyle/>
+          <a:p>
+            <a:pPr marL="171450" indent="-171450">
+              <a:buFontTx/>
+              <a:buChar char="-"/>
+            </a:pPr>
+            <a:r>
+              <a:rPr lang="en-US" dirty="0"/>
+              <a:t>Simple example of a component tree with a top level navbar, a body and an aside</a:t>
+            </a:r>
+          </a:p>
+        </p:txBody>
+      </p:sp>
+      <p:sp>
+        <p:nvSpPr>
+          <p:cNvPr id="4" name="Slide Number Placeholder 3"/>
+          <p:cNvSpPr>
+            <a:spLocks noGrp="1"/>
+          </p:cNvSpPr>
+          <p:nvPr>
+            <p:ph type="sldNum" sz="quarter" idx="5"/>
+          </p:nvPr>
+        </p:nvSpPr>
+        <p:spPr/>
+        <p:txBody>
+          <a:bodyPr/>
+          <a:lstStyle/>
+          <a:p>
+            <a:fld id="{528BCB4D-E16E-E545-9924-0DE65AC31A0B}" type="slidenum">
+              <a:rPr lang="en-US" smtClean="0"/>
+              <a:t>19</a:t>
+            </a:fld>
+            <a:endParaRPr lang="en-US"/>
+          </a:p>
+        </p:txBody>
+      </p:sp>
+    </p:spTree>
+    <p:extLst>
+      <p:ext uri="{BB962C8B-B14F-4D97-AF65-F5344CB8AC3E}">
+        <p14:creationId xmlns:p14="http://schemas.microsoft.com/office/powerpoint/2010/main" val="2185289477"/>
       </p:ext>
     </p:extLst>
   </p:cSld>
@@ -1634,6 +1911,565 @@
     <p:extLst>
       <p:ext uri="{BB962C8B-B14F-4D97-AF65-F5344CB8AC3E}">
         <p14:creationId xmlns:p14="http://schemas.microsoft.com/office/powerpoint/2010/main" val="714974039"/>
+      </p:ext>
+    </p:extLst>
+  </p:cSld>
+  <p:clrMapOvr>
+    <a:masterClrMapping/>
+  </p:clrMapOvr>
+</p:notes>
+</file>
+
+<file path=ppt/notesSlides/notesSlide20.xml><?xml version="1.0" encoding="utf-8"?>
+<p:notes xmlns:a="http://schemas.openxmlformats.org/drawingml/2006/main" xmlns:r="http://schemas.openxmlformats.org/officeDocument/2006/relationships" xmlns:p="http://schemas.openxmlformats.org/presentationml/2006/main">
+  <p:cSld>
+    <p:spTree>
+      <p:nvGrpSpPr>
+        <p:cNvPr id="1" name=""/>
+        <p:cNvGrpSpPr/>
+        <p:nvPr/>
+      </p:nvGrpSpPr>
+      <p:grpSpPr>
+        <a:xfrm>
+          <a:off x="0" y="0"/>
+          <a:ext cx="0" cy="0"/>
+          <a:chOff x="0" y="0"/>
+          <a:chExt cx="0" cy="0"/>
+        </a:xfrm>
+      </p:grpSpPr>
+      <p:sp>
+        <p:nvSpPr>
+          <p:cNvPr id="2" name="Slide Image Placeholder 1"/>
+          <p:cNvSpPr>
+            <a:spLocks noGrp="1" noRot="1" noChangeAspect="1"/>
+          </p:cNvSpPr>
+          <p:nvPr>
+            <p:ph type="sldImg"/>
+          </p:nvPr>
+        </p:nvSpPr>
+        <p:spPr/>
+      </p:sp>
+      <p:sp>
+        <p:nvSpPr>
+          <p:cNvPr id="3" name="Notes Placeholder 2"/>
+          <p:cNvSpPr>
+            <a:spLocks noGrp="1"/>
+          </p:cNvSpPr>
+          <p:nvPr>
+            <p:ph type="body" idx="1"/>
+          </p:nvPr>
+        </p:nvSpPr>
+        <p:spPr/>
+        <p:txBody>
+          <a:bodyPr/>
+          <a:lstStyle/>
+          <a:p>
+            <a:pPr marL="171450" indent="-171450">
+              <a:buFontTx/>
+              <a:buChar char="-"/>
+            </a:pPr>
+            <a:r>
+              <a:rPr lang="en-US" dirty="0"/>
+              <a:t>Props (properties) are custom attributes you can register on a component</a:t>
+            </a:r>
+          </a:p>
+          <a:p>
+            <a:pPr marL="171450" indent="-171450">
+              <a:buFontTx/>
+              <a:buChar char="-"/>
+            </a:pPr>
+            <a:r>
+              <a:rPr lang="en-US" dirty="0"/>
+              <a:t>When a value is passed to a prop attribute it becomes a property on that component instance</a:t>
+            </a:r>
+          </a:p>
+          <a:p>
+            <a:pPr marL="171450" indent="-171450">
+              <a:buFontTx/>
+              <a:buChar char="-"/>
+            </a:pPr>
+            <a:r>
+              <a:rPr lang="en-US" dirty="0"/>
+              <a:t>Props can update dynamically as your application is running so new views can be rendered to the user</a:t>
+            </a:r>
+          </a:p>
+          <a:p>
+            <a:pPr marL="171450" indent="-171450">
+              <a:buFontTx/>
+              <a:buChar char="-"/>
+            </a:pPr>
+            <a:r>
+              <a:rPr lang="en-US" dirty="0"/>
+              <a:t>Props only flow down from a parent component to a child, events flow up ( probably wont touch on that )</a:t>
+            </a:r>
+          </a:p>
+        </p:txBody>
+      </p:sp>
+      <p:sp>
+        <p:nvSpPr>
+          <p:cNvPr id="4" name="Slide Number Placeholder 3"/>
+          <p:cNvSpPr>
+            <a:spLocks noGrp="1"/>
+          </p:cNvSpPr>
+          <p:nvPr>
+            <p:ph type="sldNum" sz="quarter" idx="5"/>
+          </p:nvPr>
+        </p:nvSpPr>
+        <p:spPr/>
+        <p:txBody>
+          <a:bodyPr/>
+          <a:lstStyle/>
+          <a:p>
+            <a:fld id="{528BCB4D-E16E-E545-9924-0DE65AC31A0B}" type="slidenum">
+              <a:rPr lang="en-US" smtClean="0"/>
+              <a:t>20</a:t>
+            </a:fld>
+            <a:endParaRPr lang="en-US"/>
+          </a:p>
+        </p:txBody>
+      </p:sp>
+    </p:spTree>
+    <p:extLst>
+      <p:ext uri="{BB962C8B-B14F-4D97-AF65-F5344CB8AC3E}">
+        <p14:creationId xmlns:p14="http://schemas.microsoft.com/office/powerpoint/2010/main" val="2178558351"/>
+      </p:ext>
+    </p:extLst>
+  </p:cSld>
+  <p:clrMapOvr>
+    <a:masterClrMapping/>
+  </p:clrMapOvr>
+</p:notes>
+</file>
+
+<file path=ppt/notesSlides/notesSlide21.xml><?xml version="1.0" encoding="utf-8"?>
+<p:notes xmlns:a="http://schemas.openxmlformats.org/drawingml/2006/main" xmlns:r="http://schemas.openxmlformats.org/officeDocument/2006/relationships" xmlns:p="http://schemas.openxmlformats.org/presentationml/2006/main">
+  <p:cSld>
+    <p:spTree>
+      <p:nvGrpSpPr>
+        <p:cNvPr id="1" name=""/>
+        <p:cNvGrpSpPr/>
+        <p:nvPr/>
+      </p:nvGrpSpPr>
+      <p:grpSpPr>
+        <a:xfrm>
+          <a:off x="0" y="0"/>
+          <a:ext cx="0" cy="0"/>
+          <a:chOff x="0" y="0"/>
+          <a:chExt cx="0" cy="0"/>
+        </a:xfrm>
+      </p:grpSpPr>
+      <p:sp>
+        <p:nvSpPr>
+          <p:cNvPr id="2" name="Slide Image Placeholder 1"/>
+          <p:cNvSpPr>
+            <a:spLocks noGrp="1" noRot="1" noChangeAspect="1"/>
+          </p:cNvSpPr>
+          <p:nvPr>
+            <p:ph type="sldImg"/>
+          </p:nvPr>
+        </p:nvSpPr>
+        <p:spPr/>
+      </p:sp>
+      <p:sp>
+        <p:nvSpPr>
+          <p:cNvPr id="3" name="Notes Placeholder 2"/>
+          <p:cNvSpPr>
+            <a:spLocks noGrp="1"/>
+          </p:cNvSpPr>
+          <p:nvPr>
+            <p:ph type="body" idx="1"/>
+          </p:nvPr>
+        </p:nvSpPr>
+        <p:spPr/>
+        <p:txBody>
+          <a:bodyPr/>
+          <a:lstStyle/>
+          <a:p>
+            <a:pPr marL="171450" indent="-171450">
+              <a:buFontTx/>
+              <a:buChar char="-"/>
+            </a:pPr>
+            <a:r>
+              <a:rPr lang="en-US" dirty="0"/>
+              <a:t>Here we are binding the prop ‘name’ to the computed value “</a:t>
+            </a:r>
+            <a:r>
+              <a:rPr lang="en-US" dirty="0" err="1"/>
+              <a:t>randomName</a:t>
+            </a:r>
+            <a:r>
+              <a:rPr lang="en-US" dirty="0"/>
+              <a:t>”</a:t>
+            </a:r>
+          </a:p>
+          <a:p>
+            <a:pPr marL="171450" indent="-171450">
+              <a:buFontTx/>
+              <a:buChar char="-"/>
+            </a:pPr>
+            <a:r>
+              <a:rPr lang="en-US" dirty="0"/>
+              <a:t>Random name is returning either Walter White or Gus </a:t>
+            </a:r>
+            <a:r>
+              <a:rPr lang="en-US" dirty="0" err="1"/>
+              <a:t>Fring</a:t>
+            </a:r>
+            <a:endParaRPr lang="en-US" dirty="0"/>
+          </a:p>
+          <a:p>
+            <a:pPr marL="171450" indent="-171450">
+              <a:buFontTx/>
+              <a:buChar char="-"/>
+            </a:pPr>
+            <a:r>
+              <a:rPr lang="en-US" dirty="0"/>
+              <a:t>Computed is an instance field of the script </a:t>
+            </a:r>
+          </a:p>
+          <a:p>
+            <a:pPr marL="171450" indent="-171450">
+              <a:buFontTx/>
+              <a:buChar char="-"/>
+            </a:pPr>
+            <a:endParaRPr lang="en-US" dirty="0"/>
+          </a:p>
+        </p:txBody>
+      </p:sp>
+      <p:sp>
+        <p:nvSpPr>
+          <p:cNvPr id="4" name="Slide Number Placeholder 3"/>
+          <p:cNvSpPr>
+            <a:spLocks noGrp="1"/>
+          </p:cNvSpPr>
+          <p:nvPr>
+            <p:ph type="sldNum" sz="quarter" idx="5"/>
+          </p:nvPr>
+        </p:nvSpPr>
+        <p:spPr/>
+        <p:txBody>
+          <a:bodyPr/>
+          <a:lstStyle/>
+          <a:p>
+            <a:fld id="{528BCB4D-E16E-E545-9924-0DE65AC31A0B}" type="slidenum">
+              <a:rPr lang="en-US" smtClean="0"/>
+              <a:t>21</a:t>
+            </a:fld>
+            <a:endParaRPr lang="en-US"/>
+          </a:p>
+        </p:txBody>
+      </p:sp>
+    </p:spTree>
+    <p:extLst>
+      <p:ext uri="{BB962C8B-B14F-4D97-AF65-F5344CB8AC3E}">
+        <p14:creationId xmlns:p14="http://schemas.microsoft.com/office/powerpoint/2010/main" val="3736864984"/>
+      </p:ext>
+    </p:extLst>
+  </p:cSld>
+  <p:clrMapOvr>
+    <a:masterClrMapping/>
+  </p:clrMapOvr>
+</p:notes>
+</file>
+
+<file path=ppt/notesSlides/notesSlide22.xml><?xml version="1.0" encoding="utf-8"?>
+<p:notes xmlns:a="http://schemas.openxmlformats.org/drawingml/2006/main" xmlns:r="http://schemas.openxmlformats.org/officeDocument/2006/relationships" xmlns:p="http://schemas.openxmlformats.org/presentationml/2006/main">
+  <p:cSld>
+    <p:spTree>
+      <p:nvGrpSpPr>
+        <p:cNvPr id="1" name=""/>
+        <p:cNvGrpSpPr/>
+        <p:nvPr/>
+      </p:nvGrpSpPr>
+      <p:grpSpPr>
+        <a:xfrm>
+          <a:off x="0" y="0"/>
+          <a:ext cx="0" cy="0"/>
+          <a:chOff x="0" y="0"/>
+          <a:chExt cx="0" cy="0"/>
+        </a:xfrm>
+      </p:grpSpPr>
+      <p:sp>
+        <p:nvSpPr>
+          <p:cNvPr id="2" name="Slide Image Placeholder 1"/>
+          <p:cNvSpPr>
+            <a:spLocks noGrp="1" noRot="1" noChangeAspect="1"/>
+          </p:cNvSpPr>
+          <p:nvPr>
+            <p:ph type="sldImg"/>
+          </p:nvPr>
+        </p:nvSpPr>
+        <p:spPr/>
+      </p:sp>
+      <p:sp>
+        <p:nvSpPr>
+          <p:cNvPr id="3" name="Notes Placeholder 2"/>
+          <p:cNvSpPr>
+            <a:spLocks noGrp="1"/>
+          </p:cNvSpPr>
+          <p:nvPr>
+            <p:ph type="body" idx="1"/>
+          </p:nvPr>
+        </p:nvSpPr>
+        <p:spPr/>
+        <p:txBody>
+          <a:bodyPr/>
+          <a:lstStyle/>
+          <a:p>
+            <a:pPr marL="171450" indent="-171450">
+              <a:buFontTx/>
+              <a:buChar char="-"/>
+            </a:pPr>
+            <a:r>
+              <a:rPr lang="en-US" dirty="0"/>
+              <a:t>Here we are binding the prop ‘name’ to the computed value “</a:t>
+            </a:r>
+            <a:r>
+              <a:rPr lang="en-US" dirty="0" err="1"/>
+              <a:t>randomName</a:t>
+            </a:r>
+            <a:r>
+              <a:rPr lang="en-US" dirty="0"/>
+              <a:t>”</a:t>
+            </a:r>
+          </a:p>
+          <a:p>
+            <a:pPr marL="171450" indent="-171450">
+              <a:buFontTx/>
+              <a:buChar char="-"/>
+            </a:pPr>
+            <a:r>
+              <a:rPr lang="en-US" dirty="0"/>
+              <a:t>Random name is returning either Walter White or Gus </a:t>
+            </a:r>
+            <a:r>
+              <a:rPr lang="en-US" dirty="0" err="1"/>
+              <a:t>Fring</a:t>
+            </a:r>
+            <a:endParaRPr lang="en-US" dirty="0"/>
+          </a:p>
+          <a:p>
+            <a:pPr marL="171450" indent="-171450">
+              <a:buFontTx/>
+              <a:buChar char="-"/>
+            </a:pPr>
+            <a:r>
+              <a:rPr lang="en-US" dirty="0"/>
+              <a:t>Computed is an instance field of the script </a:t>
+            </a:r>
+          </a:p>
+          <a:p>
+            <a:pPr marL="171450" indent="-171450">
+              <a:buFontTx/>
+              <a:buChar char="-"/>
+            </a:pPr>
+            <a:endParaRPr lang="en-US" dirty="0"/>
+          </a:p>
+        </p:txBody>
+      </p:sp>
+      <p:sp>
+        <p:nvSpPr>
+          <p:cNvPr id="4" name="Slide Number Placeholder 3"/>
+          <p:cNvSpPr>
+            <a:spLocks noGrp="1"/>
+          </p:cNvSpPr>
+          <p:nvPr>
+            <p:ph type="sldNum" sz="quarter" idx="5"/>
+          </p:nvPr>
+        </p:nvSpPr>
+        <p:spPr/>
+        <p:txBody>
+          <a:bodyPr/>
+          <a:lstStyle/>
+          <a:p>
+            <a:fld id="{528BCB4D-E16E-E545-9924-0DE65AC31A0B}" type="slidenum">
+              <a:rPr lang="en-US" smtClean="0"/>
+              <a:t>22</a:t>
+            </a:fld>
+            <a:endParaRPr lang="en-US"/>
+          </a:p>
+        </p:txBody>
+      </p:sp>
+    </p:spTree>
+    <p:extLst>
+      <p:ext uri="{BB962C8B-B14F-4D97-AF65-F5344CB8AC3E}">
+        <p14:creationId xmlns:p14="http://schemas.microsoft.com/office/powerpoint/2010/main" val="2763387353"/>
+      </p:ext>
+    </p:extLst>
+  </p:cSld>
+  <p:clrMapOvr>
+    <a:masterClrMapping/>
+  </p:clrMapOvr>
+</p:notes>
+</file>
+
+<file path=ppt/notesSlides/notesSlide23.xml><?xml version="1.0" encoding="utf-8"?>
+<p:notes xmlns:a="http://schemas.openxmlformats.org/drawingml/2006/main" xmlns:r="http://schemas.openxmlformats.org/officeDocument/2006/relationships" xmlns:p="http://schemas.openxmlformats.org/presentationml/2006/main">
+  <p:cSld>
+    <p:spTree>
+      <p:nvGrpSpPr>
+        <p:cNvPr id="1" name=""/>
+        <p:cNvGrpSpPr/>
+        <p:nvPr/>
+      </p:nvGrpSpPr>
+      <p:grpSpPr>
+        <a:xfrm>
+          <a:off x="0" y="0"/>
+          <a:ext cx="0" cy="0"/>
+          <a:chOff x="0" y="0"/>
+          <a:chExt cx="0" cy="0"/>
+        </a:xfrm>
+      </p:grpSpPr>
+      <p:sp>
+        <p:nvSpPr>
+          <p:cNvPr id="2" name="Slide Image Placeholder 1"/>
+          <p:cNvSpPr>
+            <a:spLocks noGrp="1" noRot="1" noChangeAspect="1"/>
+          </p:cNvSpPr>
+          <p:nvPr>
+            <p:ph type="sldImg"/>
+          </p:nvPr>
+        </p:nvSpPr>
+        <p:spPr/>
+      </p:sp>
+      <p:sp>
+        <p:nvSpPr>
+          <p:cNvPr id="3" name="Notes Placeholder 2"/>
+          <p:cNvSpPr>
+            <a:spLocks noGrp="1"/>
+          </p:cNvSpPr>
+          <p:nvPr>
+            <p:ph type="body" idx="1"/>
+          </p:nvPr>
+        </p:nvSpPr>
+        <p:spPr/>
+        <p:txBody>
+          <a:bodyPr/>
+          <a:lstStyle/>
+          <a:p>
+            <a:pPr marL="171450" indent="-171450">
+              <a:buFontTx/>
+              <a:buChar char="-"/>
+            </a:pPr>
+            <a:endParaRPr lang="en-US" dirty="0"/>
+          </a:p>
+        </p:txBody>
+      </p:sp>
+      <p:sp>
+        <p:nvSpPr>
+          <p:cNvPr id="4" name="Slide Number Placeholder 3"/>
+          <p:cNvSpPr>
+            <a:spLocks noGrp="1"/>
+          </p:cNvSpPr>
+          <p:nvPr>
+            <p:ph type="sldNum" sz="quarter" idx="5"/>
+          </p:nvPr>
+        </p:nvSpPr>
+        <p:spPr/>
+        <p:txBody>
+          <a:bodyPr/>
+          <a:lstStyle/>
+          <a:p>
+            <a:fld id="{528BCB4D-E16E-E545-9924-0DE65AC31A0B}" type="slidenum">
+              <a:rPr lang="en-US" smtClean="0"/>
+              <a:t>23</a:t>
+            </a:fld>
+            <a:endParaRPr lang="en-US"/>
+          </a:p>
+        </p:txBody>
+      </p:sp>
+    </p:spTree>
+    <p:extLst>
+      <p:ext uri="{BB962C8B-B14F-4D97-AF65-F5344CB8AC3E}">
+        <p14:creationId xmlns:p14="http://schemas.microsoft.com/office/powerpoint/2010/main" val="1722230711"/>
+      </p:ext>
+    </p:extLst>
+  </p:cSld>
+  <p:clrMapOvr>
+    <a:masterClrMapping/>
+  </p:clrMapOvr>
+</p:notes>
+</file>
+
+<file path=ppt/notesSlides/notesSlide24.xml><?xml version="1.0" encoding="utf-8"?>
+<p:notes xmlns:a="http://schemas.openxmlformats.org/drawingml/2006/main" xmlns:r="http://schemas.openxmlformats.org/officeDocument/2006/relationships" xmlns:p="http://schemas.openxmlformats.org/presentationml/2006/main">
+  <p:cSld>
+    <p:spTree>
+      <p:nvGrpSpPr>
+        <p:cNvPr id="1" name=""/>
+        <p:cNvGrpSpPr/>
+        <p:nvPr/>
+      </p:nvGrpSpPr>
+      <p:grpSpPr>
+        <a:xfrm>
+          <a:off x="0" y="0"/>
+          <a:ext cx="0" cy="0"/>
+          <a:chOff x="0" y="0"/>
+          <a:chExt cx="0" cy="0"/>
+        </a:xfrm>
+      </p:grpSpPr>
+      <p:sp>
+        <p:nvSpPr>
+          <p:cNvPr id="2" name="Slide Image Placeholder 1"/>
+          <p:cNvSpPr>
+            <a:spLocks noGrp="1" noRot="1" noChangeAspect="1"/>
+          </p:cNvSpPr>
+          <p:nvPr>
+            <p:ph type="sldImg"/>
+          </p:nvPr>
+        </p:nvSpPr>
+        <p:spPr/>
+      </p:sp>
+      <p:sp>
+        <p:nvSpPr>
+          <p:cNvPr id="3" name="Notes Placeholder 2"/>
+          <p:cNvSpPr>
+            <a:spLocks noGrp="1"/>
+          </p:cNvSpPr>
+          <p:nvPr>
+            <p:ph type="body" idx="1"/>
+          </p:nvPr>
+        </p:nvSpPr>
+        <p:spPr/>
+        <p:txBody>
+          <a:bodyPr/>
+          <a:lstStyle/>
+          <a:p>
+            <a:pPr marL="171450" indent="-171450">
+              <a:buFontTx/>
+              <a:buChar char="-"/>
+            </a:pPr>
+            <a:endParaRPr lang="en-US" dirty="0"/>
+          </a:p>
+        </p:txBody>
+      </p:sp>
+      <p:sp>
+        <p:nvSpPr>
+          <p:cNvPr id="4" name="Slide Number Placeholder 3"/>
+          <p:cNvSpPr>
+            <a:spLocks noGrp="1"/>
+          </p:cNvSpPr>
+          <p:nvPr>
+            <p:ph type="sldNum" sz="quarter" idx="5"/>
+          </p:nvPr>
+        </p:nvSpPr>
+        <p:spPr/>
+        <p:txBody>
+          <a:bodyPr/>
+          <a:lstStyle/>
+          <a:p>
+            <a:fld id="{528BCB4D-E16E-E545-9924-0DE65AC31A0B}" type="slidenum">
+              <a:rPr lang="en-US" smtClean="0"/>
+              <a:t>24</a:t>
+            </a:fld>
+            <a:endParaRPr lang="en-US"/>
+          </a:p>
+        </p:txBody>
+      </p:sp>
+    </p:spTree>
+    <p:extLst>
+      <p:ext uri="{BB962C8B-B14F-4D97-AF65-F5344CB8AC3E}">
+        <p14:creationId xmlns:p14="http://schemas.microsoft.com/office/powerpoint/2010/main" val="4246220503"/>
       </p:ext>
     </p:extLst>
   </p:cSld>
@@ -2604,7 +3440,7 @@
           <a:p>
             <a:fld id="{E974D286-EC02-3748-9112-0F3A5220F3DC}" type="datetimeFigureOut">
               <a:rPr lang="en-US" smtClean="0"/>
-              <a:t>2/15/21</a:t>
+              <a:t>3/3/21</a:t>
             </a:fld>
             <a:endParaRPr lang="en-US"/>
           </a:p>
@@ -2802,7 +3638,7 @@
           <a:p>
             <a:fld id="{E974D286-EC02-3748-9112-0F3A5220F3DC}" type="datetimeFigureOut">
               <a:rPr lang="en-US" smtClean="0"/>
-              <a:t>2/15/21</a:t>
+              <a:t>3/3/21</a:t>
             </a:fld>
             <a:endParaRPr lang="en-US"/>
           </a:p>
@@ -3010,7 +3846,7 @@
           <a:p>
             <a:fld id="{E974D286-EC02-3748-9112-0F3A5220F3DC}" type="datetimeFigureOut">
               <a:rPr lang="en-US" smtClean="0"/>
-              <a:t>2/15/21</a:t>
+              <a:t>3/3/21</a:t>
             </a:fld>
             <a:endParaRPr lang="en-US"/>
           </a:p>
@@ -3208,7 +4044,7 @@
           <a:p>
             <a:fld id="{E974D286-EC02-3748-9112-0F3A5220F3DC}" type="datetimeFigureOut">
               <a:rPr lang="en-US" smtClean="0"/>
-              <a:t>2/15/21</a:t>
+              <a:t>3/3/21</a:t>
             </a:fld>
             <a:endParaRPr lang="en-US"/>
           </a:p>
@@ -3483,7 +4319,7 @@
           <a:p>
             <a:fld id="{E974D286-EC02-3748-9112-0F3A5220F3DC}" type="datetimeFigureOut">
               <a:rPr lang="en-US" smtClean="0"/>
-              <a:t>2/15/21</a:t>
+              <a:t>3/3/21</a:t>
             </a:fld>
             <a:endParaRPr lang="en-US"/>
           </a:p>
@@ -3748,7 +4584,7 @@
           <a:p>
             <a:fld id="{E974D286-EC02-3748-9112-0F3A5220F3DC}" type="datetimeFigureOut">
               <a:rPr lang="en-US" smtClean="0"/>
-              <a:t>2/15/21</a:t>
+              <a:t>3/3/21</a:t>
             </a:fld>
             <a:endParaRPr lang="en-US"/>
           </a:p>
@@ -4160,7 +4996,7 @@
           <a:p>
             <a:fld id="{E974D286-EC02-3748-9112-0F3A5220F3DC}" type="datetimeFigureOut">
               <a:rPr lang="en-US" smtClean="0"/>
-              <a:t>2/15/21</a:t>
+              <a:t>3/3/21</a:t>
             </a:fld>
             <a:endParaRPr lang="en-US"/>
           </a:p>
@@ -4301,7 +5137,7 @@
           <a:p>
             <a:fld id="{E974D286-EC02-3748-9112-0F3A5220F3DC}" type="datetimeFigureOut">
               <a:rPr lang="en-US" smtClean="0"/>
-              <a:t>2/15/21</a:t>
+              <a:t>3/3/21</a:t>
             </a:fld>
             <a:endParaRPr lang="en-US"/>
           </a:p>
@@ -4414,7 +5250,7 @@
           <a:p>
             <a:fld id="{E974D286-EC02-3748-9112-0F3A5220F3DC}" type="datetimeFigureOut">
               <a:rPr lang="en-US" smtClean="0"/>
-              <a:t>2/15/21</a:t>
+              <a:t>3/3/21</a:t>
             </a:fld>
             <a:endParaRPr lang="en-US"/>
           </a:p>
@@ -4725,7 +5561,7 @@
           <a:p>
             <a:fld id="{E974D286-EC02-3748-9112-0F3A5220F3DC}" type="datetimeFigureOut">
               <a:rPr lang="en-US" smtClean="0"/>
-              <a:t>2/15/21</a:t>
+              <a:t>3/3/21</a:t>
             </a:fld>
             <a:endParaRPr lang="en-US"/>
           </a:p>
@@ -5013,7 +5849,7 @@
           <a:p>
             <a:fld id="{E974D286-EC02-3748-9112-0F3A5220F3DC}" type="datetimeFigureOut">
               <a:rPr lang="en-US" smtClean="0"/>
-              <a:t>2/15/21</a:t>
+              <a:t>3/3/21</a:t>
             </a:fld>
             <a:endParaRPr lang="en-US"/>
           </a:p>
@@ -5254,7 +6090,7 @@
           <a:p>
             <a:fld id="{E974D286-EC02-3748-9112-0F3A5220F3DC}" type="datetimeFigureOut">
               <a:rPr lang="en-US" smtClean="0"/>
-              <a:t>2/15/21</a:t>
+              <a:t>3/3/21</a:t>
             </a:fld>
             <a:endParaRPr lang="en-US"/>
           </a:p>
@@ -6433,13 +7269,13 @@
   <p:clrMapOvr>
     <a:masterClrMapping/>
   </p:clrMapOvr>
-  <mc:AlternateContent xmlns:mc="http://schemas.openxmlformats.org/markup-compatibility/2006">
-    <mc:Choice xmlns:p14="http://schemas.microsoft.com/office/powerpoint/2010/main" Requires="p14">
+  <mc:AlternateContent xmlns:mc="http://schemas.openxmlformats.org/markup-compatibility/2006" xmlns:p14="http://schemas.microsoft.com/office/powerpoint/2010/main">
+    <mc:Choice Requires="p14">
       <p:transition spd="med" p14:dur="700">
         <p:fade/>
       </p:transition>
     </mc:Choice>
-    <mc:Fallback>
+    <mc:Fallback xmlns="">
       <p:transition spd="med">
         <p:fade/>
       </p:transition>
@@ -7298,13 +8134,13 @@
   <p:clrMapOvr>
     <a:masterClrMapping/>
   </p:clrMapOvr>
-  <mc:AlternateContent xmlns:mc="http://schemas.openxmlformats.org/markup-compatibility/2006">
-    <mc:Choice xmlns:p14="http://schemas.microsoft.com/office/powerpoint/2010/main" Requires="p14">
+  <mc:AlternateContent xmlns:mc="http://schemas.openxmlformats.org/markup-compatibility/2006" xmlns:p14="http://schemas.microsoft.com/office/powerpoint/2010/main">
+    <mc:Choice Requires="p14">
       <p:transition spd="med" p14:dur="700">
         <p:fade/>
       </p:transition>
     </mc:Choice>
-    <mc:Fallback>
+    <mc:Fallback xmlns="">
       <p:transition spd="med">
         <p:fade/>
       </p:transition>
@@ -8043,13 +8879,13 @@
   <p:clrMapOvr>
     <a:masterClrMapping/>
   </p:clrMapOvr>
-  <mc:AlternateContent xmlns:mc="http://schemas.openxmlformats.org/markup-compatibility/2006">
-    <mc:Choice xmlns:p14="http://schemas.microsoft.com/office/powerpoint/2010/main" Requires="p14">
+  <mc:AlternateContent xmlns:mc="http://schemas.openxmlformats.org/markup-compatibility/2006" xmlns:p14="http://schemas.microsoft.com/office/powerpoint/2010/main">
+    <mc:Choice Requires="p14">
       <p:transition spd="med" p14:dur="700">
         <p:fade/>
       </p:transition>
     </mc:Choice>
-    <mc:Fallback>
+    <mc:Fallback xmlns="">
       <p:transition spd="med">
         <p:fade/>
       </p:transition>
@@ -9046,13 +9882,13 @@
   <p:clrMapOvr>
     <a:masterClrMapping/>
   </p:clrMapOvr>
-  <mc:AlternateContent xmlns:mc="http://schemas.openxmlformats.org/markup-compatibility/2006">
-    <mc:Choice xmlns:p14="http://schemas.microsoft.com/office/powerpoint/2010/main" Requires="p14">
+  <mc:AlternateContent xmlns:mc="http://schemas.openxmlformats.org/markup-compatibility/2006" xmlns:p14="http://schemas.microsoft.com/office/powerpoint/2010/main">
+    <mc:Choice Requires="p14">
       <p:transition spd="med" p14:dur="700">
         <p:fade/>
       </p:transition>
     </mc:Choice>
-    <mc:Fallback>
+    <mc:Fallback xmlns="">
       <p:transition spd="med">
         <p:fade/>
       </p:transition>
@@ -9788,13 +10624,13 @@
   <p:clrMapOvr>
     <a:masterClrMapping/>
   </p:clrMapOvr>
-  <mc:AlternateContent xmlns:mc="http://schemas.openxmlformats.org/markup-compatibility/2006">
-    <mc:Choice xmlns:p14="http://schemas.microsoft.com/office/powerpoint/2010/main" Requires="p14">
+  <mc:AlternateContent xmlns:mc="http://schemas.openxmlformats.org/markup-compatibility/2006" xmlns:p14="http://schemas.microsoft.com/office/powerpoint/2010/main">
+    <mc:Choice Requires="p14">
       <p:transition spd="med" p14:dur="700">
         <p:fade/>
       </p:transition>
     </mc:Choice>
-    <mc:Fallback>
+    <mc:Fallback xmlns="">
       <p:transition spd="med">
         <p:fade/>
       </p:transition>
@@ -10722,13 +11558,13 @@
   <p:clrMapOvr>
     <a:masterClrMapping/>
   </p:clrMapOvr>
-  <mc:AlternateContent xmlns:mc="http://schemas.openxmlformats.org/markup-compatibility/2006">
-    <mc:Choice xmlns:p14="http://schemas.microsoft.com/office/powerpoint/2010/main" Requires="p14">
+  <mc:AlternateContent xmlns:mc="http://schemas.openxmlformats.org/markup-compatibility/2006" xmlns:p14="http://schemas.microsoft.com/office/powerpoint/2010/main">
+    <mc:Choice Requires="p14">
       <p:transition spd="med" p14:dur="700">
         <p:fade/>
       </p:transition>
     </mc:Choice>
-    <mc:Fallback>
+    <mc:Fallback xmlns="">
       <p:transition spd="med">
         <p:fade/>
       </p:transition>
@@ -12236,13 +13072,13 @@
   <p:clrMapOvr>
     <a:masterClrMapping/>
   </p:clrMapOvr>
-  <mc:AlternateContent xmlns:mc="http://schemas.openxmlformats.org/markup-compatibility/2006">
-    <mc:Choice xmlns:p14="http://schemas.microsoft.com/office/powerpoint/2010/main" Requires="p14">
+  <mc:AlternateContent xmlns:mc="http://schemas.openxmlformats.org/markup-compatibility/2006" xmlns:p14="http://schemas.microsoft.com/office/powerpoint/2010/main">
+    <mc:Choice Requires="p14">
       <p:transition spd="med" p14:dur="700">
         <p:fade/>
       </p:transition>
     </mc:Choice>
-    <mc:Fallback>
+    <mc:Fallback xmlns="">
       <p:transition spd="med">
         <p:fade/>
       </p:transition>
@@ -13392,18 +14228,150 @@
   <p:clrMapOvr>
     <a:masterClrMapping/>
   </p:clrMapOvr>
-  <mc:AlternateContent xmlns:mc="http://schemas.openxmlformats.org/markup-compatibility/2006">
-    <mc:Choice xmlns:p14="http://schemas.microsoft.com/office/powerpoint/2010/main" Requires="p14">
+  <mc:AlternateContent xmlns:mc="http://schemas.openxmlformats.org/markup-compatibility/2006" xmlns:p14="http://schemas.microsoft.com/office/powerpoint/2010/main">
+    <mc:Choice Requires="p14">
       <p:transition spd="med" p14:dur="700">
         <p:fade/>
       </p:transition>
     </mc:Choice>
-    <mc:Fallback>
+    <mc:Fallback xmlns="">
       <p:transition spd="med">
         <p:fade/>
       </p:transition>
     </mc:Fallback>
   </mc:AlternateContent>
+  <p:timing>
+    <p:tnLst>
+      <p:par>
+        <p:cTn id="1" dur="indefinite" restart="never" nodeType="tmRoot">
+          <p:childTnLst>
+            <p:seq concurrent="1" nextAc="seek">
+              <p:cTn id="2" dur="indefinite" nodeType="mainSeq">
+                <p:childTnLst>
+                  <p:par>
+                    <p:cTn id="3" fill="hold">
+                      <p:stCondLst>
+                        <p:cond delay="indefinite"/>
+                      </p:stCondLst>
+                      <p:childTnLst>
+                        <p:par>
+                          <p:cTn id="4" fill="hold">
+                            <p:stCondLst>
+                              <p:cond delay="0"/>
+                            </p:stCondLst>
+                            <p:childTnLst>
+                              <p:par>
+                                <p:cTn id="5" presetID="42" presetClass="entr" presetSubtype="0" fill="hold" grpId="0" nodeType="clickEffect">
+                                  <p:stCondLst>
+                                    <p:cond delay="0"/>
+                                  </p:stCondLst>
+                                  <p:childTnLst>
+                                    <p:set>
+                                      <p:cBhvr>
+                                        <p:cTn id="6" dur="1" fill="hold">
+                                          <p:stCondLst>
+                                            <p:cond delay="0"/>
+                                          </p:stCondLst>
+                                        </p:cTn>
+                                        <p:tgtEl>
+                                          <p:spTgt spid="9"/>
+                                        </p:tgtEl>
+                                        <p:attrNameLst>
+                                          <p:attrName>style.visibility</p:attrName>
+                                        </p:attrNameLst>
+                                      </p:cBhvr>
+                                      <p:to>
+                                        <p:strVal val="visible"/>
+                                      </p:to>
+                                    </p:set>
+                                    <p:animEffect transition="in" filter="fade">
+                                      <p:cBhvr>
+                                        <p:cTn id="7" dur="1000"/>
+                                        <p:tgtEl>
+                                          <p:spTgt spid="9"/>
+                                        </p:tgtEl>
+                                      </p:cBhvr>
+                                    </p:animEffect>
+                                    <p:anim calcmode="lin" valueType="num">
+                                      <p:cBhvr>
+                                        <p:cTn id="8" dur="1000" fill="hold"/>
+                                        <p:tgtEl>
+                                          <p:spTgt spid="9"/>
+                                        </p:tgtEl>
+                                        <p:attrNameLst>
+                                          <p:attrName>ppt_x</p:attrName>
+                                        </p:attrNameLst>
+                                      </p:cBhvr>
+                                      <p:tavLst>
+                                        <p:tav tm="0">
+                                          <p:val>
+                                            <p:strVal val="#ppt_x"/>
+                                          </p:val>
+                                        </p:tav>
+                                        <p:tav tm="100000">
+                                          <p:val>
+                                            <p:strVal val="#ppt_x"/>
+                                          </p:val>
+                                        </p:tav>
+                                      </p:tavLst>
+                                    </p:anim>
+                                    <p:anim calcmode="lin" valueType="num">
+                                      <p:cBhvr>
+                                        <p:cTn id="9" dur="1000" fill="hold"/>
+                                        <p:tgtEl>
+                                          <p:spTgt spid="9"/>
+                                        </p:tgtEl>
+                                        <p:attrNameLst>
+                                          <p:attrName>ppt_y</p:attrName>
+                                        </p:attrNameLst>
+                                      </p:cBhvr>
+                                      <p:tavLst>
+                                        <p:tav tm="0">
+                                          <p:val>
+                                            <p:strVal val="#ppt_y+.1"/>
+                                          </p:val>
+                                        </p:tav>
+                                        <p:tav tm="100000">
+                                          <p:val>
+                                            <p:strVal val="#ppt_y"/>
+                                          </p:val>
+                                        </p:tav>
+                                      </p:tavLst>
+                                    </p:anim>
+                                  </p:childTnLst>
+                                </p:cTn>
+                              </p:par>
+                            </p:childTnLst>
+                          </p:cTn>
+                        </p:par>
+                      </p:childTnLst>
+                    </p:cTn>
+                  </p:par>
+                </p:childTnLst>
+              </p:cTn>
+              <p:prevCondLst>
+                <p:cond evt="onPrev" delay="0">
+                  <p:tgtEl>
+                    <p:sldTgt/>
+                  </p:tgtEl>
+                </p:cond>
+              </p:prevCondLst>
+              <p:nextCondLst>
+                <p:cond evt="onNext" delay="0">
+                  <p:tgtEl>
+                    <p:sldTgt/>
+                  </p:tgtEl>
+                </p:cond>
+              </p:nextCondLst>
+            </p:seq>
+          </p:childTnLst>
+        </p:cTn>
+      </p:par>
+    </p:tnLst>
+    <p:bldLst>
+      <p:bldP spid="9" grpId="0"/>
+    </p:bldLst>
+  </p:timing>
 </p:sld>
 </file>
 
@@ -14343,13 +15311,13 @@
   <p:clrMapOvr>
     <a:masterClrMapping/>
   </p:clrMapOvr>
-  <mc:AlternateContent xmlns:mc="http://schemas.openxmlformats.org/markup-compatibility/2006">
-    <mc:Choice xmlns:p14="http://schemas.microsoft.com/office/powerpoint/2010/main" Requires="p14">
+  <mc:AlternateContent xmlns:mc="http://schemas.openxmlformats.org/markup-compatibility/2006" xmlns:p14="http://schemas.microsoft.com/office/powerpoint/2010/main">
+    <mc:Choice Requires="p14">
       <p:transition spd="med" p14:dur="700">
         <p:fade/>
       </p:transition>
     </mc:Choice>
-    <mc:Fallback>
+    <mc:Fallback xmlns="">
       <p:transition spd="med">
         <p:fade/>
       </p:transition>
@@ -14771,6 +15739,1071 @@
 </p:sld>
 </file>
 
+<file path=ppt/slides/slide18.xml><?xml version="1.0" encoding="utf-8"?>
+<p:sld xmlns:a="http://schemas.openxmlformats.org/drawingml/2006/main" xmlns:r="http://schemas.openxmlformats.org/officeDocument/2006/relationships" xmlns:p="http://schemas.openxmlformats.org/presentationml/2006/main">
+  <p:cSld>
+    <p:bg>
+      <p:bgPr>
+        <a:solidFill>
+          <a:schemeClr val="bg1"/>
+        </a:solidFill>
+        <a:effectLst/>
+      </p:bgPr>
+    </p:bg>
+    <p:spTree>
+      <p:nvGrpSpPr>
+        <p:cNvPr id="1" name=""/>
+        <p:cNvGrpSpPr/>
+        <p:nvPr/>
+      </p:nvGrpSpPr>
+      <p:grpSpPr>
+        <a:xfrm>
+          <a:off x="0" y="0"/>
+          <a:ext cx="0" cy="0"/>
+          <a:chOff x="0" y="0"/>
+          <a:chExt cx="0" cy="0"/>
+        </a:xfrm>
+      </p:grpSpPr>
+      <p:sp>
+        <p:nvSpPr>
+          <p:cNvPr id="19" name="Freeform: Shape 10">
+            <a:extLst>
+              <a:ext uri="{FF2B5EF4-FFF2-40B4-BE49-F238E27FC236}">
+                <a16:creationId xmlns:a16="http://schemas.microsoft.com/office/drawing/2014/main" id="{CA815F2C-4E80-4019-8E59-FAD3F7F8473D}"/>
+              </a:ext>
+              <a:ext uri="{C183D7F6-B498-43B3-948B-1728B52AA6E4}">
+                <adec:decorative xmlns:adec="http://schemas.microsoft.com/office/drawing/2017/decorative" val="1"/>
+              </a:ext>
+            </a:extLst>
+          </p:cNvPr>
+          <p:cNvSpPr>
+            <a:spLocks noGrp="1" noRot="1" noChangeAspect="1" noMove="1" noResize="1" noEditPoints="1" noAdjustHandles="1" noChangeArrowheads="1" noChangeShapeType="1" noTextEdit="1"/>
+          </p:cNvSpPr>
+          <p:nvPr>
+            <p:extLst>
+              <p:ext uri="{386F3935-93C4-4BCD-93E2-E3B085C9AB24}">
+                <p16:designElem xmlns:p16="http://schemas.microsoft.com/office/powerpoint/2015/main" val="1"/>
+              </p:ext>
+            </p:extLst>
+          </p:nvPr>
+        </p:nvSpPr>
+        <p:spPr>
+          <a:xfrm>
+            <a:off x="0" y="0"/>
+            <a:ext cx="12009304" cy="6858000"/>
+          </a:xfrm>
+          <a:custGeom>
+            <a:avLst/>
+            <a:gdLst>
+              <a:gd name="connsiteX0" fmla="*/ 8239723 w 12009304"/>
+              <a:gd name="connsiteY0" fmla="*/ 5083103 h 6858000"/>
+              <a:gd name="connsiteX1" fmla="*/ 9505105 w 12009304"/>
+              <a:gd name="connsiteY1" fmla="*/ 5083103 h 6858000"/>
+              <a:gd name="connsiteX2" fmla="*/ 9564676 w 12009304"/>
+              <a:gd name="connsiteY2" fmla="*/ 5091016 h 6858000"/>
+              <a:gd name="connsiteX3" fmla="*/ 9605648 w 12009304"/>
+              <a:gd name="connsiteY3" fmla="*/ 5108194 h 6858000"/>
+              <a:gd name="connsiteX4" fmla="*/ 9580608 w 12009304"/>
+              <a:gd name="connsiteY4" fmla="*/ 5151499 h 6858000"/>
+              <a:gd name="connsiteX5" fmla="*/ 8693486 w 12009304"/>
+              <a:gd name="connsiteY5" fmla="*/ 6685800 h 6858000"/>
+              <a:gd name="connsiteX6" fmla="*/ 8595419 w 12009304"/>
+              <a:gd name="connsiteY6" fmla="*/ 6814017 h 6858000"/>
+              <a:gd name="connsiteX7" fmla="*/ 8545620 w 12009304"/>
+              <a:gd name="connsiteY7" fmla="*/ 6858000 h 6858000"/>
+              <a:gd name="connsiteX8" fmla="*/ 7612173 w 12009304"/>
+              <a:gd name="connsiteY8" fmla="*/ 6858000 h 6858000"/>
+              <a:gd name="connsiteX9" fmla="*/ 7591825 w 12009304"/>
+              <a:gd name="connsiteY9" fmla="*/ 6822959 h 6858000"/>
+              <a:gd name="connsiteX10" fmla="*/ 7411622 w 12009304"/>
+              <a:gd name="connsiteY10" fmla="*/ 6512633 h 6858000"/>
+              <a:gd name="connsiteX11" fmla="*/ 7411622 w 12009304"/>
+              <a:gd name="connsiteY11" fmla="*/ 6289354 h 6858000"/>
+              <a:gd name="connsiteX12" fmla="*/ 8045680 w 12009304"/>
+              <a:gd name="connsiteY12" fmla="*/ 5197465 h 6858000"/>
+              <a:gd name="connsiteX13" fmla="*/ 8239723 w 12009304"/>
+              <a:gd name="connsiteY13" fmla="*/ 5083103 h 6858000"/>
+              <a:gd name="connsiteX14" fmla="*/ 10622296 w 12009304"/>
+              <a:gd name="connsiteY14" fmla="*/ 1326563 h 6858000"/>
+              <a:gd name="connsiteX15" fmla="*/ 11448522 w 12009304"/>
+              <a:gd name="connsiteY15" fmla="*/ 1326563 h 6858000"/>
+              <a:gd name="connsiteX16" fmla="*/ 11577006 w 12009304"/>
+              <a:gd name="connsiteY16" fmla="*/ 1401233 h 6858000"/>
+              <a:gd name="connsiteX17" fmla="*/ 11989228 w 12009304"/>
+              <a:gd name="connsiteY17" fmla="*/ 2114179 h 6858000"/>
+              <a:gd name="connsiteX18" fmla="*/ 11989228 w 12009304"/>
+              <a:gd name="connsiteY18" fmla="*/ 2259969 h 6858000"/>
+              <a:gd name="connsiteX19" fmla="*/ 11577006 w 12009304"/>
+              <a:gd name="connsiteY19" fmla="*/ 2972914 h 6858000"/>
+              <a:gd name="connsiteX20" fmla="*/ 11448522 w 12009304"/>
+              <a:gd name="connsiteY20" fmla="*/ 3047587 h 6858000"/>
+              <a:gd name="connsiteX21" fmla="*/ 10622296 w 12009304"/>
+              <a:gd name="connsiteY21" fmla="*/ 3047587 h 6858000"/>
+              <a:gd name="connsiteX22" fmla="*/ 10495594 w 12009304"/>
+              <a:gd name="connsiteY22" fmla="*/ 2972914 h 6858000"/>
+              <a:gd name="connsiteX23" fmla="*/ 10081589 w 12009304"/>
+              <a:gd name="connsiteY23" fmla="*/ 2259969 h 6858000"/>
+              <a:gd name="connsiteX24" fmla="*/ 10081589 w 12009304"/>
+              <a:gd name="connsiteY24" fmla="*/ 2114179 h 6858000"/>
+              <a:gd name="connsiteX25" fmla="*/ 10495594 w 12009304"/>
+              <a:gd name="connsiteY25" fmla="*/ 1401233 h 6858000"/>
+              <a:gd name="connsiteX26" fmla="*/ 10622296 w 12009304"/>
+              <a:gd name="connsiteY26" fmla="*/ 1326563 h 6858000"/>
+              <a:gd name="connsiteX27" fmla="*/ 0 w 12009304"/>
+              <a:gd name="connsiteY27" fmla="*/ 0 h 6858000"/>
+              <a:gd name="connsiteX28" fmla="*/ 4457990 w 12009304"/>
+              <a:gd name="connsiteY28" fmla="*/ 0 h 6858000"/>
+              <a:gd name="connsiteX29" fmla="*/ 5902610 w 12009304"/>
+              <a:gd name="connsiteY29" fmla="*/ 0 h 6858000"/>
+              <a:gd name="connsiteX30" fmla="*/ 8476869 w 12009304"/>
+              <a:gd name="connsiteY30" fmla="*/ 0 h 6858000"/>
+              <a:gd name="connsiteX31" fmla="*/ 8535933 w 12009304"/>
+              <a:gd name="connsiteY31" fmla="*/ 39849 h 6858000"/>
+              <a:gd name="connsiteX32" fmla="*/ 8693486 w 12009304"/>
+              <a:gd name="connsiteY32" fmla="*/ 220603 h 6858000"/>
+              <a:gd name="connsiteX33" fmla="*/ 10389180 w 12009304"/>
+              <a:gd name="connsiteY33" fmla="*/ 3153347 h 6858000"/>
+              <a:gd name="connsiteX34" fmla="*/ 10389180 w 12009304"/>
+              <a:gd name="connsiteY34" fmla="*/ 3753061 h 6858000"/>
+              <a:gd name="connsiteX35" fmla="*/ 9759557 w 12009304"/>
+              <a:gd name="connsiteY35" fmla="*/ 4842009 h 6858000"/>
+              <a:gd name="connsiteX36" fmla="*/ 9706493 w 12009304"/>
+              <a:gd name="connsiteY36" fmla="*/ 4933778 h 6858000"/>
+              <a:gd name="connsiteX37" fmla="*/ 9708360 w 12009304"/>
+              <a:gd name="connsiteY37" fmla="*/ 4934561 h 6858000"/>
+              <a:gd name="connsiteX38" fmla="*/ 9802002 w 12009304"/>
+              <a:gd name="connsiteY38" fmla="*/ 5029008 h 6858000"/>
+              <a:gd name="connsiteX39" fmla="*/ 10514131 w 12009304"/>
+              <a:gd name="connsiteY39" fmla="*/ 6260653 h 6858000"/>
+              <a:gd name="connsiteX40" fmla="*/ 10514131 w 12009304"/>
+              <a:gd name="connsiteY40" fmla="*/ 6512512 h 6858000"/>
+              <a:gd name="connsiteX41" fmla="*/ 10340271 w 12009304"/>
+              <a:gd name="connsiteY41" fmla="*/ 6813206 h 6858000"/>
+              <a:gd name="connsiteX42" fmla="*/ 10314372 w 12009304"/>
+              <a:gd name="connsiteY42" fmla="*/ 6858000 h 6858000"/>
+              <a:gd name="connsiteX43" fmla="*/ 10119136 w 12009304"/>
+              <a:gd name="connsiteY43" fmla="*/ 6858000 h 6858000"/>
+              <a:gd name="connsiteX44" fmla="*/ 10122008 w 12009304"/>
+              <a:gd name="connsiteY44" fmla="*/ 6853033 h 6858000"/>
+              <a:gd name="connsiteX45" fmla="*/ 10327158 w 12009304"/>
+              <a:gd name="connsiteY45" fmla="*/ 6498223 h 6858000"/>
+              <a:gd name="connsiteX46" fmla="*/ 10327158 w 12009304"/>
+              <a:gd name="connsiteY46" fmla="*/ 6274942 h 6858000"/>
+              <a:gd name="connsiteX47" fmla="*/ 9695832 w 12009304"/>
+              <a:gd name="connsiteY47" fmla="*/ 5183053 h 6858000"/>
+              <a:gd name="connsiteX48" fmla="*/ 9612819 w 12009304"/>
+              <a:gd name="connsiteY48" fmla="*/ 5099323 h 6858000"/>
+              <a:gd name="connsiteX49" fmla="*/ 9603213 w 12009304"/>
+              <a:gd name="connsiteY49" fmla="*/ 5095298 h 6858000"/>
+              <a:gd name="connsiteX50" fmla="*/ 9654707 w 12009304"/>
+              <a:gd name="connsiteY50" fmla="*/ 5006238 h 6858000"/>
+              <a:gd name="connsiteX51" fmla="*/ 9693004 w 12009304"/>
+              <a:gd name="connsiteY51" fmla="*/ 4940002 h 6858000"/>
+              <a:gd name="connsiteX52" fmla="*/ 9653283 w 12009304"/>
+              <a:gd name="connsiteY52" fmla="*/ 4923348 h 6858000"/>
+              <a:gd name="connsiteX53" fmla="*/ 9586087 w 12009304"/>
+              <a:gd name="connsiteY53" fmla="*/ 4914420 h 6858000"/>
+              <a:gd name="connsiteX54" fmla="*/ 8158743 w 12009304"/>
+              <a:gd name="connsiteY54" fmla="*/ 4914420 h 6858000"/>
+              <a:gd name="connsiteX55" fmla="*/ 7939863 w 12009304"/>
+              <a:gd name="connsiteY55" fmla="*/ 5043420 h 6858000"/>
+              <a:gd name="connsiteX56" fmla="*/ 7224650 w 12009304"/>
+              <a:gd name="connsiteY56" fmla="*/ 6275065 h 6858000"/>
+              <a:gd name="connsiteX57" fmla="*/ 7224650 w 12009304"/>
+              <a:gd name="connsiteY57" fmla="*/ 6526922 h 6858000"/>
+              <a:gd name="connsiteX58" fmla="*/ 7350544 w 12009304"/>
+              <a:gd name="connsiteY58" fmla="*/ 6743723 h 6858000"/>
+              <a:gd name="connsiteX59" fmla="*/ 7416905 w 12009304"/>
+              <a:gd name="connsiteY59" fmla="*/ 6858000 h 6858000"/>
+              <a:gd name="connsiteX60" fmla="*/ 5902610 w 12009304"/>
+              <a:gd name="connsiteY60" fmla="*/ 6858000 h 6858000"/>
+              <a:gd name="connsiteX61" fmla="*/ 4389357 w 12009304"/>
+              <a:gd name="connsiteY61" fmla="*/ 6858000 h 6858000"/>
+              <a:gd name="connsiteX62" fmla="*/ 0 w 12009304"/>
+              <a:gd name="connsiteY62" fmla="*/ 6858000 h 6858000"/>
+            </a:gdLst>
+            <a:ahLst/>
+            <a:cxnLst>
+              <a:cxn ang="0">
+                <a:pos x="connsiteX0" y="connsiteY0"/>
+              </a:cxn>
+              <a:cxn ang="0">
+                <a:pos x="connsiteX1" y="connsiteY1"/>
+              </a:cxn>
+              <a:cxn ang="0">
+                <a:pos x="connsiteX2" y="connsiteY2"/>
+              </a:cxn>
+              <a:cxn ang="0">
+                <a:pos x="connsiteX3" y="connsiteY3"/>
+              </a:cxn>
+              <a:cxn ang="0">
+                <a:pos x="connsiteX4" y="connsiteY4"/>
+              </a:cxn>
+              <a:cxn ang="0">
+                <a:pos x="connsiteX5" y="connsiteY5"/>
+              </a:cxn>
+              <a:cxn ang="0">
+                <a:pos x="connsiteX6" y="connsiteY6"/>
+              </a:cxn>
+              <a:cxn ang="0">
+                <a:pos x="connsiteX7" y="connsiteY7"/>
+              </a:cxn>
+              <a:cxn ang="0">
+                <a:pos x="connsiteX8" y="connsiteY8"/>
+              </a:cxn>
+              <a:cxn ang="0">
+                <a:pos x="connsiteX9" y="connsiteY9"/>
+              </a:cxn>
+              <a:cxn ang="0">
+                <a:pos x="connsiteX10" y="connsiteY10"/>
+              </a:cxn>
+              <a:cxn ang="0">
+                <a:pos x="connsiteX11" y="connsiteY11"/>
+              </a:cxn>
+              <a:cxn ang="0">
+                <a:pos x="connsiteX12" y="connsiteY12"/>
+              </a:cxn>
+              <a:cxn ang="0">
+                <a:pos x="connsiteX13" y="connsiteY13"/>
+              </a:cxn>
+              <a:cxn ang="0">
+                <a:pos x="connsiteX14" y="connsiteY14"/>
+              </a:cxn>
+              <a:cxn ang="0">
+                <a:pos x="connsiteX15" y="connsiteY15"/>
+              </a:cxn>
+              <a:cxn ang="0">
+                <a:pos x="connsiteX16" y="connsiteY16"/>
+              </a:cxn>
+              <a:cxn ang="0">
+                <a:pos x="connsiteX17" y="connsiteY17"/>
+              </a:cxn>
+              <a:cxn ang="0">
+                <a:pos x="connsiteX18" y="connsiteY18"/>
+              </a:cxn>
+              <a:cxn ang="0">
+                <a:pos x="connsiteX19" y="connsiteY19"/>
+              </a:cxn>
+              <a:cxn ang="0">
+                <a:pos x="connsiteX20" y="connsiteY20"/>
+              </a:cxn>
+              <a:cxn ang="0">
+                <a:pos x="connsiteX21" y="connsiteY21"/>
+              </a:cxn>
+              <a:cxn ang="0">
+                <a:pos x="connsiteX22" y="connsiteY22"/>
+              </a:cxn>
+              <a:cxn ang="0">
+                <a:pos x="connsiteX23" y="connsiteY23"/>
+              </a:cxn>
+              <a:cxn ang="0">
+                <a:pos x="connsiteX24" y="connsiteY24"/>
+              </a:cxn>
+              <a:cxn ang="0">
+                <a:pos x="connsiteX25" y="connsiteY25"/>
+              </a:cxn>
+              <a:cxn ang="0">
+                <a:pos x="connsiteX26" y="connsiteY26"/>
+              </a:cxn>
+              <a:cxn ang="0">
+                <a:pos x="connsiteX27" y="connsiteY27"/>
+              </a:cxn>
+              <a:cxn ang="0">
+                <a:pos x="connsiteX28" y="connsiteY28"/>
+              </a:cxn>
+              <a:cxn ang="0">
+                <a:pos x="connsiteX29" y="connsiteY29"/>
+              </a:cxn>
+              <a:cxn ang="0">
+                <a:pos x="connsiteX30" y="connsiteY30"/>
+              </a:cxn>
+              <a:cxn ang="0">
+                <a:pos x="connsiteX31" y="connsiteY31"/>
+              </a:cxn>
+              <a:cxn ang="0">
+                <a:pos x="connsiteX32" y="connsiteY32"/>
+              </a:cxn>
+              <a:cxn ang="0">
+                <a:pos x="connsiteX33" y="connsiteY33"/>
+              </a:cxn>
+              <a:cxn ang="0">
+                <a:pos x="connsiteX34" y="connsiteY34"/>
+              </a:cxn>
+              <a:cxn ang="0">
+                <a:pos x="connsiteX35" y="connsiteY35"/>
+              </a:cxn>
+              <a:cxn ang="0">
+                <a:pos x="connsiteX36" y="connsiteY36"/>
+              </a:cxn>
+              <a:cxn ang="0">
+                <a:pos x="connsiteX37" y="connsiteY37"/>
+              </a:cxn>
+              <a:cxn ang="0">
+                <a:pos x="connsiteX38" y="connsiteY38"/>
+              </a:cxn>
+              <a:cxn ang="0">
+                <a:pos x="connsiteX39" y="connsiteY39"/>
+              </a:cxn>
+              <a:cxn ang="0">
+                <a:pos x="connsiteX40" y="connsiteY40"/>
+              </a:cxn>
+              <a:cxn ang="0">
+                <a:pos x="connsiteX41" y="connsiteY41"/>
+              </a:cxn>
+              <a:cxn ang="0">
+                <a:pos x="connsiteX42" y="connsiteY42"/>
+              </a:cxn>
+              <a:cxn ang="0">
+                <a:pos x="connsiteX43" y="connsiteY43"/>
+              </a:cxn>
+              <a:cxn ang="0">
+                <a:pos x="connsiteX44" y="connsiteY44"/>
+              </a:cxn>
+              <a:cxn ang="0">
+                <a:pos x="connsiteX45" y="connsiteY45"/>
+              </a:cxn>
+              <a:cxn ang="0">
+                <a:pos x="connsiteX46" y="connsiteY46"/>
+              </a:cxn>
+              <a:cxn ang="0">
+                <a:pos x="connsiteX47" y="connsiteY47"/>
+              </a:cxn>
+              <a:cxn ang="0">
+                <a:pos x="connsiteX48" y="connsiteY48"/>
+              </a:cxn>
+              <a:cxn ang="0">
+                <a:pos x="connsiteX49" y="connsiteY49"/>
+              </a:cxn>
+              <a:cxn ang="0">
+                <a:pos x="connsiteX50" y="connsiteY50"/>
+              </a:cxn>
+              <a:cxn ang="0">
+                <a:pos x="connsiteX51" y="connsiteY51"/>
+              </a:cxn>
+              <a:cxn ang="0">
+                <a:pos x="connsiteX52" y="connsiteY52"/>
+              </a:cxn>
+              <a:cxn ang="0">
+                <a:pos x="connsiteX53" y="connsiteY53"/>
+              </a:cxn>
+              <a:cxn ang="0">
+                <a:pos x="connsiteX54" y="connsiteY54"/>
+              </a:cxn>
+              <a:cxn ang="0">
+                <a:pos x="connsiteX55" y="connsiteY55"/>
+              </a:cxn>
+              <a:cxn ang="0">
+                <a:pos x="connsiteX56" y="connsiteY56"/>
+              </a:cxn>
+              <a:cxn ang="0">
+                <a:pos x="connsiteX57" y="connsiteY57"/>
+              </a:cxn>
+              <a:cxn ang="0">
+                <a:pos x="connsiteX58" y="connsiteY58"/>
+              </a:cxn>
+              <a:cxn ang="0">
+                <a:pos x="connsiteX59" y="connsiteY59"/>
+              </a:cxn>
+              <a:cxn ang="0">
+                <a:pos x="connsiteX60" y="connsiteY60"/>
+              </a:cxn>
+              <a:cxn ang="0">
+                <a:pos x="connsiteX61" y="connsiteY61"/>
+              </a:cxn>
+              <a:cxn ang="0">
+                <a:pos x="connsiteX62" y="connsiteY62"/>
+              </a:cxn>
+            </a:cxnLst>
+            <a:rect l="l" t="t" r="r" b="b"/>
+            <a:pathLst>
+              <a:path w="12009304" h="6858000">
+                <a:moveTo>
+                  <a:pt x="8239723" y="5083103"/>
+                </a:moveTo>
+                <a:cubicBezTo>
+                  <a:pt x="8239723" y="5083103"/>
+                  <a:pt x="8239723" y="5083103"/>
+                  <a:pt x="9505105" y="5083103"/>
+                </a:cubicBezTo>
+                <a:cubicBezTo>
+                  <a:pt x="9525601" y="5083103"/>
+                  <a:pt x="9545588" y="5085825"/>
+                  <a:pt x="9564676" y="5091016"/>
+                </a:cubicBezTo>
+                <a:lnTo>
+                  <a:pt x="9605648" y="5108194"/>
+                </a:lnTo>
+                <a:lnTo>
+                  <a:pt x="9580608" y="5151499"/>
+                </a:lnTo>
+                <a:cubicBezTo>
+                  <a:pt x="9354208" y="5543062"/>
+                  <a:pt x="9064418" y="6044264"/>
+                  <a:pt x="8693486" y="6685800"/>
+                </a:cubicBezTo>
+                <a:cubicBezTo>
+                  <a:pt x="8665958" y="6733339"/>
+                  <a:pt x="8632925" y="6776306"/>
+                  <a:pt x="8595419" y="6814017"/>
+                </a:cubicBezTo>
+                <a:lnTo>
+                  <a:pt x="8545620" y="6858000"/>
+                </a:lnTo>
+                <a:lnTo>
+                  <a:pt x="7612173" y="6858000"/>
+                </a:lnTo>
+                <a:lnTo>
+                  <a:pt x="7591825" y="6822959"/>
+                </a:lnTo>
+                <a:cubicBezTo>
+                  <a:pt x="7538315" y="6730809"/>
+                  <a:pt x="7478495" y="6627794"/>
+                  <a:pt x="7411622" y="6512633"/>
+                </a:cubicBezTo>
+                <a:cubicBezTo>
+                  <a:pt x="7370628" y="6444560"/>
+                  <a:pt x="7370628" y="6357427"/>
+                  <a:pt x="7411622" y="6289354"/>
+                </a:cubicBezTo>
+                <a:cubicBezTo>
+                  <a:pt x="7411622" y="6289354"/>
+                  <a:pt x="7411622" y="6289354"/>
+                  <a:pt x="8045680" y="5197465"/>
+                </a:cubicBezTo>
+                <a:cubicBezTo>
+                  <a:pt x="8083943" y="5126669"/>
+                  <a:pt x="8160465" y="5083103"/>
+                  <a:pt x="8239723" y="5083103"/>
+                </a:cubicBezTo>
+                <a:close/>
+                <a:moveTo>
+                  <a:pt x="10622296" y="1326563"/>
+                </a:moveTo>
+                <a:cubicBezTo>
+                  <a:pt x="10622296" y="1326563"/>
+                  <a:pt x="10622296" y="1326563"/>
+                  <a:pt x="11448522" y="1326563"/>
+                </a:cubicBezTo>
+                <a:cubicBezTo>
+                  <a:pt x="11502058" y="1326563"/>
+                  <a:pt x="11550238" y="1355009"/>
+                  <a:pt x="11577006" y="1401233"/>
+                </a:cubicBezTo>
+                <a:cubicBezTo>
+                  <a:pt x="11577006" y="1401233"/>
+                  <a:pt x="11577006" y="1401233"/>
+                  <a:pt x="11989228" y="2114179"/>
+                </a:cubicBezTo>
+                <a:cubicBezTo>
+                  <a:pt x="12015996" y="2158629"/>
+                  <a:pt x="12015996" y="2215522"/>
+                  <a:pt x="11989228" y="2259969"/>
+                </a:cubicBezTo>
+                <a:cubicBezTo>
+                  <a:pt x="11989228" y="2259969"/>
+                  <a:pt x="11989228" y="2259969"/>
+                  <a:pt x="11577006" y="2972914"/>
+                </a:cubicBezTo>
+                <a:cubicBezTo>
+                  <a:pt x="11550238" y="3019141"/>
+                  <a:pt x="11502058" y="3047587"/>
+                  <a:pt x="11448522" y="3047587"/>
+                </a:cubicBezTo>
+                <a:cubicBezTo>
+                  <a:pt x="11448522" y="3047587"/>
+                  <a:pt x="11448522" y="3047587"/>
+                  <a:pt x="10622296" y="3047587"/>
+                </a:cubicBezTo>
+                <a:cubicBezTo>
+                  <a:pt x="10570544" y="3047587"/>
+                  <a:pt x="10520578" y="3019141"/>
+                  <a:pt x="10495594" y="2972914"/>
+                </a:cubicBezTo>
+                <a:cubicBezTo>
+                  <a:pt x="10495594" y="2972914"/>
+                  <a:pt x="10495594" y="2972914"/>
+                  <a:pt x="10081589" y="2259969"/>
+                </a:cubicBezTo>
+                <a:cubicBezTo>
+                  <a:pt x="10054821" y="2215522"/>
+                  <a:pt x="10054821" y="2158629"/>
+                  <a:pt x="10081589" y="2114179"/>
+                </a:cubicBezTo>
+                <a:cubicBezTo>
+                  <a:pt x="10081589" y="2114179"/>
+                  <a:pt x="10081589" y="2114179"/>
+                  <a:pt x="10495594" y="1401233"/>
+                </a:cubicBezTo>
+                <a:cubicBezTo>
+                  <a:pt x="10520578" y="1355009"/>
+                  <a:pt x="10570544" y="1326563"/>
+                  <a:pt x="10622296" y="1326563"/>
+                </a:cubicBezTo>
+                <a:close/>
+                <a:moveTo>
+                  <a:pt x="0" y="0"/>
+                </a:moveTo>
+                <a:lnTo>
+                  <a:pt x="4457990" y="0"/>
+                </a:lnTo>
+                <a:lnTo>
+                  <a:pt x="5902610" y="0"/>
+                </a:lnTo>
+                <a:lnTo>
+                  <a:pt x="8476869" y="0"/>
+                </a:lnTo>
+                <a:lnTo>
+                  <a:pt x="8535933" y="39849"/>
+                </a:lnTo>
+                <a:cubicBezTo>
+                  <a:pt x="8598516" y="88273"/>
+                  <a:pt x="8652195" y="149296"/>
+                  <a:pt x="8693486" y="220603"/>
+                </a:cubicBezTo>
+                <a:cubicBezTo>
+                  <a:pt x="8693486" y="220603"/>
+                  <a:pt x="8693486" y="220603"/>
+                  <a:pt x="10389180" y="3153347"/>
+                </a:cubicBezTo>
+                <a:cubicBezTo>
+                  <a:pt x="10499291" y="3336185"/>
+                  <a:pt x="10499291" y="3570221"/>
+                  <a:pt x="10389180" y="3753061"/>
+                </a:cubicBezTo>
+                <a:cubicBezTo>
+                  <a:pt x="10389180" y="3753061"/>
+                  <a:pt x="10389180" y="3753061"/>
+                  <a:pt x="9759557" y="4842009"/>
+                </a:cubicBezTo>
+                <a:lnTo>
+                  <a:pt x="9706493" y="4933778"/>
+                </a:lnTo>
+                <a:lnTo>
+                  <a:pt x="9708360" y="4934561"/>
+                </a:lnTo>
+                <a:cubicBezTo>
+                  <a:pt x="9746510" y="4956830"/>
+                  <a:pt x="9778880" y="4989078"/>
+                  <a:pt x="9802002" y="5029008"/>
+                </a:cubicBezTo>
+                <a:cubicBezTo>
+                  <a:pt x="9802002" y="5029008"/>
+                  <a:pt x="9802002" y="5029008"/>
+                  <a:pt x="10514131" y="6260653"/>
+                </a:cubicBezTo>
+                <a:cubicBezTo>
+                  <a:pt x="10560376" y="6337439"/>
+                  <a:pt x="10560376" y="6435725"/>
+                  <a:pt x="10514131" y="6512512"/>
+                </a:cubicBezTo>
+                <a:cubicBezTo>
+                  <a:pt x="10514131" y="6512512"/>
+                  <a:pt x="10514131" y="6512512"/>
+                  <a:pt x="10340271" y="6813206"/>
+                </a:cubicBezTo>
+                <a:lnTo>
+                  <a:pt x="10314372" y="6858000"/>
+                </a:lnTo>
+                <a:lnTo>
+                  <a:pt x="10119136" y="6858000"/>
+                </a:lnTo>
+                <a:lnTo>
+                  <a:pt x="10122008" y="6853033"/>
+                </a:lnTo>
+                <a:cubicBezTo>
+                  <a:pt x="10327158" y="6498223"/>
+                  <a:pt x="10327158" y="6498223"/>
+                  <a:pt x="10327158" y="6498223"/>
+                </a:cubicBezTo>
+                <a:cubicBezTo>
+                  <a:pt x="10368154" y="6430148"/>
+                  <a:pt x="10368154" y="6343015"/>
+                  <a:pt x="10327158" y="6274942"/>
+                </a:cubicBezTo>
+                <a:cubicBezTo>
+                  <a:pt x="9695832" y="5183053"/>
+                  <a:pt x="9695832" y="5183053"/>
+                  <a:pt x="9695832" y="5183053"/>
+                </a:cubicBezTo>
+                <a:cubicBezTo>
+                  <a:pt x="9675334" y="5147654"/>
+                  <a:pt x="9646640" y="5119063"/>
+                  <a:pt x="9612819" y="5099323"/>
+                </a:cubicBezTo>
+                <a:lnTo>
+                  <a:pt x="9603213" y="5095298"/>
+                </a:lnTo>
+                <a:lnTo>
+                  <a:pt x="9654707" y="5006238"/>
+                </a:lnTo>
+                <a:lnTo>
+                  <a:pt x="9693004" y="4940002"/>
+                </a:lnTo>
+                <a:lnTo>
+                  <a:pt x="9653283" y="4923348"/>
+                </a:lnTo>
+                <a:cubicBezTo>
+                  <a:pt x="9631750" y="4917491"/>
+                  <a:pt x="9609208" y="4914420"/>
+                  <a:pt x="9586087" y="4914420"/>
+                </a:cubicBezTo>
+                <a:cubicBezTo>
+                  <a:pt x="8158743" y="4914420"/>
+                  <a:pt x="8158743" y="4914420"/>
+                  <a:pt x="8158743" y="4914420"/>
+                </a:cubicBezTo>
+                <a:cubicBezTo>
+                  <a:pt x="8069341" y="4914420"/>
+                  <a:pt x="7983024" y="4963563"/>
+                  <a:pt x="7939863" y="5043420"/>
+                </a:cubicBezTo>
+                <a:cubicBezTo>
+                  <a:pt x="7224650" y="6275065"/>
+                  <a:pt x="7224650" y="6275065"/>
+                  <a:pt x="7224650" y="6275065"/>
+                </a:cubicBezTo>
+                <a:cubicBezTo>
+                  <a:pt x="7178407" y="6351849"/>
+                  <a:pt x="7178407" y="6450135"/>
+                  <a:pt x="7224650" y="6526922"/>
+                </a:cubicBezTo>
+                <a:cubicBezTo>
+                  <a:pt x="7269350" y="6603900"/>
+                  <a:pt x="7311257" y="6676067"/>
+                  <a:pt x="7350544" y="6743723"/>
+                </a:cubicBezTo>
+                <a:lnTo>
+                  <a:pt x="7416905" y="6858000"/>
+                </a:lnTo>
+                <a:lnTo>
+                  <a:pt x="5902610" y="6858000"/>
+                </a:lnTo>
+                <a:lnTo>
+                  <a:pt x="4389357" y="6858000"/>
+                </a:lnTo>
+                <a:lnTo>
+                  <a:pt x="0" y="6858000"/>
+                </a:lnTo>
+                <a:close/>
+              </a:path>
+            </a:pathLst>
+          </a:custGeom>
+          <a:solidFill>
+            <a:schemeClr val="tx1">
+              <a:lumMod val="50000"/>
+              <a:lumOff val="50000"/>
+              <a:alpha val="15000"/>
+            </a:schemeClr>
+          </a:solidFill>
+          <a:ln>
+            <a:noFill/>
+          </a:ln>
+        </p:spPr>
+        <p:style>
+          <a:lnRef idx="2">
+            <a:schemeClr val="accent1">
+              <a:shade val="50000"/>
+            </a:schemeClr>
+          </a:lnRef>
+          <a:fillRef idx="1">
+            <a:schemeClr val="accent1"/>
+          </a:fillRef>
+          <a:effectRef idx="0">
+            <a:schemeClr val="accent1"/>
+          </a:effectRef>
+          <a:fontRef idx="minor">
+            <a:schemeClr val="lt1"/>
+          </a:fontRef>
+        </p:style>
+        <p:txBody>
+          <a:bodyPr wrap="square" rtlCol="0" anchor="ctr">
+            <a:noAutofit/>
+          </a:bodyPr>
+          <a:lstStyle/>
+          <a:p>
+            <a:pPr algn="ctr"/>
+            <a:endParaRPr lang="en-US"/>
+          </a:p>
+        </p:txBody>
+      </p:sp>
+      <p:pic>
+        <p:nvPicPr>
+          <p:cNvPr id="5" name="Picture 4" descr="Text&#10;&#10;Description automatically generated">
+            <a:extLst>
+              <a:ext uri="{FF2B5EF4-FFF2-40B4-BE49-F238E27FC236}">
+                <a16:creationId xmlns:a16="http://schemas.microsoft.com/office/drawing/2014/main" id="{EB113CB6-5834-1543-9993-7610B66F7000}"/>
+              </a:ext>
+            </a:extLst>
+          </p:cNvPr>
+          <p:cNvPicPr>
+            <a:picLocks noChangeAspect="1"/>
+          </p:cNvPicPr>
+          <p:nvPr/>
+        </p:nvPicPr>
+        <p:blipFill>
+          <a:blip r:embed="rId3"/>
+          <a:stretch>
+            <a:fillRect/>
+          </a:stretch>
+        </p:blipFill>
+        <p:spPr>
+          <a:xfrm>
+            <a:off x="6676372" y="303756"/>
+            <a:ext cx="4421688" cy="5771367"/>
+          </a:xfrm>
+          <a:prstGeom prst="rect">
+            <a:avLst/>
+          </a:prstGeom>
+        </p:spPr>
+      </p:pic>
+      <p:sp>
+        <p:nvSpPr>
+          <p:cNvPr id="6" name="TextBox 5">
+            <a:extLst>
+              <a:ext uri="{FF2B5EF4-FFF2-40B4-BE49-F238E27FC236}">
+                <a16:creationId xmlns:a16="http://schemas.microsoft.com/office/drawing/2014/main" id="{ACA0721A-06B0-0244-97B9-AD5743D62B67}"/>
+              </a:ext>
+            </a:extLst>
+          </p:cNvPr>
+          <p:cNvSpPr txBox="1"/>
+          <p:nvPr/>
+        </p:nvSpPr>
+        <p:spPr>
+          <a:xfrm>
+            <a:off x="7616614" y="6234831"/>
+            <a:ext cx="2104373" cy="369518"/>
+          </a:xfrm>
+          <a:prstGeom prst="rect">
+            <a:avLst/>
+          </a:prstGeom>
+          <a:noFill/>
+        </p:spPr>
+        <p:txBody>
+          <a:bodyPr wrap="square" rtlCol="0">
+            <a:spAutoFit/>
+          </a:bodyPr>
+          <a:lstStyle/>
+          <a:p>
+            <a:r>
+              <a:rPr lang="en-US" dirty="0" err="1">
+                <a:latin typeface="Avenir Light" panose="020B0402020203020204" pitchFamily="34" charset="77"/>
+              </a:rPr>
+              <a:t>NameHolder.vue</a:t>
+            </a:r>
+            <a:endParaRPr lang="en-US" dirty="0">
+              <a:latin typeface="Avenir Light" panose="020B0402020203020204" pitchFamily="34" charset="77"/>
+            </a:endParaRPr>
+          </a:p>
+        </p:txBody>
+      </p:sp>
+      <p:pic>
+        <p:nvPicPr>
+          <p:cNvPr id="7" name="Picture 6" descr="Text&#10;&#10;Description automatically generated">
+            <a:extLst>
+              <a:ext uri="{FF2B5EF4-FFF2-40B4-BE49-F238E27FC236}">
+                <a16:creationId xmlns:a16="http://schemas.microsoft.com/office/drawing/2014/main" id="{FD0B5402-6C8C-414C-A3C3-9BC8D1B5A6D8}"/>
+              </a:ext>
+            </a:extLst>
+          </p:cNvPr>
+          <p:cNvPicPr>
+            <a:picLocks noChangeAspect="1"/>
+          </p:cNvPicPr>
+          <p:nvPr/>
+        </p:nvPicPr>
+        <p:blipFill>
+          <a:blip r:embed="rId4"/>
+          <a:stretch>
+            <a:fillRect/>
+          </a:stretch>
+        </p:blipFill>
+        <p:spPr>
+          <a:xfrm>
+            <a:off x="620039" y="303756"/>
+            <a:ext cx="4597051" cy="5812077"/>
+          </a:xfrm>
+          <a:prstGeom prst="rect">
+            <a:avLst/>
+          </a:prstGeom>
+        </p:spPr>
+      </p:pic>
+      <p:sp>
+        <p:nvSpPr>
+          <p:cNvPr id="8" name="TextBox 7">
+            <a:extLst>
+              <a:ext uri="{FF2B5EF4-FFF2-40B4-BE49-F238E27FC236}">
+                <a16:creationId xmlns:a16="http://schemas.microsoft.com/office/drawing/2014/main" id="{FAE8B4C0-E9B6-224A-BAF3-7FA505AD6D7B}"/>
+              </a:ext>
+            </a:extLst>
+          </p:cNvPr>
+          <p:cNvSpPr txBox="1"/>
+          <p:nvPr/>
+        </p:nvSpPr>
+        <p:spPr>
+          <a:xfrm>
+            <a:off x="2088715" y="6234831"/>
+            <a:ext cx="1080370" cy="369332"/>
+          </a:xfrm>
+          <a:prstGeom prst="rect">
+            <a:avLst/>
+          </a:prstGeom>
+          <a:noFill/>
+        </p:spPr>
+        <p:txBody>
+          <a:bodyPr wrap="square" rtlCol="0">
+            <a:spAutoFit/>
+          </a:bodyPr>
+          <a:lstStyle/>
+          <a:p>
+            <a:r>
+              <a:rPr lang="en-US" dirty="0" err="1">
+                <a:latin typeface="Avenir Book" panose="02000503020000020003" pitchFamily="2" charset="0"/>
+              </a:rPr>
+              <a:t>App.vue</a:t>
+            </a:r>
+            <a:endParaRPr lang="en-US" dirty="0">
+              <a:latin typeface="Avenir Book" panose="02000503020000020003" pitchFamily="2" charset="0"/>
+            </a:endParaRPr>
+          </a:p>
+        </p:txBody>
+      </p:sp>
+    </p:spTree>
+    <p:extLst>
+      <p:ext uri="{BB962C8B-B14F-4D97-AF65-F5344CB8AC3E}">
+        <p14:creationId xmlns:p14="http://schemas.microsoft.com/office/powerpoint/2010/main" val="3296094265"/>
+      </p:ext>
+    </p:extLst>
+  </p:cSld>
+  <p:clrMapOvr>
+    <a:masterClrMapping/>
+  </p:clrMapOvr>
+  <mc:AlternateContent xmlns:mc="http://schemas.openxmlformats.org/markup-compatibility/2006">
+    <mc:Choice xmlns:p14="http://schemas.microsoft.com/office/powerpoint/2010/main" Requires="p14">
+      <p:transition spd="med" p14:dur="700">
+        <p:fade/>
+      </p:transition>
+    </mc:Choice>
+    <mc:Fallback>
+      <p:transition spd="med">
+        <p:fade/>
+      </p:transition>
+    </mc:Fallback>
+  </mc:AlternateContent>
+</p:sld>
+</file>
+
+<file path=ppt/slides/slide19.xml><?xml version="1.0" encoding="utf-8"?>
+<p:sld xmlns:a="http://schemas.openxmlformats.org/drawingml/2006/main" xmlns:r="http://schemas.openxmlformats.org/officeDocument/2006/relationships" xmlns:p="http://schemas.openxmlformats.org/presentationml/2006/main">
+  <p:cSld>
+    <p:bg>
+      <p:bgPr>
+        <a:solidFill>
+          <a:schemeClr val="bg1"/>
+        </a:solidFill>
+        <a:effectLst/>
+      </p:bgPr>
+    </p:bg>
+    <p:spTree>
+      <p:nvGrpSpPr>
+        <p:cNvPr id="1" name=""/>
+        <p:cNvGrpSpPr/>
+        <p:nvPr/>
+      </p:nvGrpSpPr>
+      <p:grpSpPr>
+        <a:xfrm>
+          <a:off x="0" y="0"/>
+          <a:ext cx="0" cy="0"/>
+          <a:chOff x="0" y="0"/>
+          <a:chExt cx="0" cy="0"/>
+        </a:xfrm>
+      </p:grpSpPr>
+      <p:sp>
+        <p:nvSpPr>
+          <p:cNvPr id="24" name="Rectangle 23">
+            <a:extLst>
+              <a:ext uri="{FF2B5EF4-FFF2-40B4-BE49-F238E27FC236}">
+                <a16:creationId xmlns:a16="http://schemas.microsoft.com/office/drawing/2014/main" id="{01D0AF59-99C3-4251-AB9A-C966C6AD4400}"/>
+              </a:ext>
+              <a:ext uri="{C183D7F6-B498-43B3-948B-1728B52AA6E4}">
+                <adec:decorative xmlns:adec="http://schemas.microsoft.com/office/drawing/2017/decorative" val="1"/>
+              </a:ext>
+            </a:extLst>
+          </p:cNvPr>
+          <p:cNvSpPr>
+            <a:spLocks noGrp="1" noRot="1" noChangeAspect="1" noMove="1" noResize="1" noEditPoints="1" noAdjustHandles="1" noChangeArrowheads="1" noChangeShapeType="1" noTextEdit="1"/>
+          </p:cNvSpPr>
+          <p:nvPr>
+            <p:extLst>
+              <p:ext uri="{386F3935-93C4-4BCD-93E2-E3B085C9AB24}">
+                <p16:designElem xmlns:p16="http://schemas.microsoft.com/office/powerpoint/2015/main" val="1"/>
+              </p:ext>
+            </p:extLst>
+          </p:nvPr>
+        </p:nvSpPr>
+        <p:spPr>
+          <a:xfrm>
+            <a:off x="0" y="0"/>
+            <a:ext cx="12192000" cy="6858000"/>
+          </a:xfrm>
+          <a:prstGeom prst="rect">
+            <a:avLst/>
+          </a:prstGeom>
+          <a:solidFill>
+            <a:schemeClr val="bg2"/>
+          </a:solidFill>
+          <a:ln>
+            <a:noFill/>
+          </a:ln>
+        </p:spPr>
+        <p:style>
+          <a:lnRef idx="2">
+            <a:schemeClr val="accent1">
+              <a:shade val="50000"/>
+            </a:schemeClr>
+          </a:lnRef>
+          <a:fillRef idx="1">
+            <a:schemeClr val="accent1"/>
+          </a:fillRef>
+          <a:effectRef idx="0">
+            <a:schemeClr val="accent1"/>
+          </a:effectRef>
+          <a:fontRef idx="minor">
+            <a:schemeClr val="lt1"/>
+          </a:fontRef>
+        </p:style>
+        <p:txBody>
+          <a:bodyPr rtlCol="0" anchor="ctr"/>
+          <a:lstStyle/>
+          <a:p>
+            <a:pPr algn="ctr"/>
+            <a:endParaRPr lang="en-US"/>
+          </a:p>
+        </p:txBody>
+      </p:sp>
+      <p:sp>
+        <p:nvSpPr>
+          <p:cNvPr id="26" name="Rectangle 25">
+            <a:extLst>
+              <a:ext uri="{FF2B5EF4-FFF2-40B4-BE49-F238E27FC236}">
+                <a16:creationId xmlns:a16="http://schemas.microsoft.com/office/drawing/2014/main" id="{1855405F-37A2-4869-9154-F8BE3BECE6C3}"/>
+              </a:ext>
+              <a:ext uri="{C183D7F6-B498-43B3-948B-1728B52AA6E4}">
+                <adec:decorative xmlns:adec="http://schemas.microsoft.com/office/drawing/2017/decorative" val="1"/>
+              </a:ext>
+            </a:extLst>
+          </p:cNvPr>
+          <p:cNvSpPr>
+            <a:spLocks noGrp="1" noRot="1" noChangeAspect="1" noMove="1" noResize="1" noEditPoints="1" noAdjustHandles="1" noChangeArrowheads="1" noChangeShapeType="1" noTextEdit="1"/>
+          </p:cNvSpPr>
+          <p:nvPr>
+            <p:extLst>
+              <p:ext uri="{386F3935-93C4-4BCD-93E2-E3B085C9AB24}">
+                <p16:designElem xmlns:p16="http://schemas.microsoft.com/office/powerpoint/2015/main" val="1"/>
+              </p:ext>
+            </p:extLst>
+          </p:nvPr>
+        </p:nvSpPr>
+        <p:spPr>
+          <a:xfrm>
+            <a:off x="477012" y="480060"/>
+            <a:ext cx="11237976" cy="5897880"/>
+          </a:xfrm>
+          <a:prstGeom prst="rect">
+            <a:avLst/>
+          </a:prstGeom>
+          <a:solidFill>
+            <a:srgbClr val="FFFFFF"/>
+          </a:solidFill>
+          <a:ln w="9525">
+            <a:noFill/>
+          </a:ln>
+          <a:effectLst>
+            <a:outerShdw blurRad="63500" dist="17780" dir="5400000" algn="t" rotWithShape="0">
+              <a:prstClr val="black">
+                <a:alpha val="43000"/>
+              </a:prstClr>
+            </a:outerShdw>
+          </a:effectLst>
+        </p:spPr>
+        <p:style>
+          <a:lnRef idx="2">
+            <a:schemeClr val="accent1">
+              <a:shade val="50000"/>
+            </a:schemeClr>
+          </a:lnRef>
+          <a:fillRef idx="1">
+            <a:schemeClr val="accent1"/>
+          </a:fillRef>
+          <a:effectRef idx="0">
+            <a:schemeClr val="accent1"/>
+          </a:effectRef>
+          <a:fontRef idx="minor">
+            <a:schemeClr val="lt1"/>
+          </a:fontRef>
+        </p:style>
+        <p:txBody>
+          <a:bodyPr rtlCol="0" anchor="ctr"/>
+          <a:lstStyle/>
+          <a:p>
+            <a:pPr algn="ctr"/>
+            <a:endParaRPr lang="en-US"/>
+          </a:p>
+        </p:txBody>
+      </p:sp>
+      <p:pic>
+        <p:nvPicPr>
+          <p:cNvPr id="2" name="Picture 1">
+            <a:extLst>
+              <a:ext uri="{FF2B5EF4-FFF2-40B4-BE49-F238E27FC236}">
+                <a16:creationId xmlns:a16="http://schemas.microsoft.com/office/drawing/2014/main" id="{97ACD838-9756-0E40-A312-07A932A2DA52}"/>
+              </a:ext>
+            </a:extLst>
+          </p:cNvPr>
+          <p:cNvPicPr>
+            <a:picLocks noChangeAspect="1"/>
+          </p:cNvPicPr>
+          <p:nvPr/>
+        </p:nvPicPr>
+        <p:blipFill>
+          <a:blip r:embed="rId3"/>
+          <a:stretch>
+            <a:fillRect/>
+          </a:stretch>
+        </p:blipFill>
+        <p:spPr>
+          <a:xfrm>
+            <a:off x="2022953" y="1353355"/>
+            <a:ext cx="8404965" cy="3925822"/>
+          </a:xfrm>
+          <a:prstGeom prst="rect">
+            <a:avLst/>
+          </a:prstGeom>
+        </p:spPr>
+      </p:pic>
+    </p:spTree>
+    <p:extLst>
+      <p:ext uri="{BB962C8B-B14F-4D97-AF65-F5344CB8AC3E}">
+        <p14:creationId xmlns:p14="http://schemas.microsoft.com/office/powerpoint/2010/main" val="3349370945"/>
+      </p:ext>
+    </p:extLst>
+  </p:cSld>
+  <p:clrMapOvr>
+    <a:masterClrMapping/>
+  </p:clrMapOvr>
+  <mc:AlternateContent xmlns:mc="http://schemas.openxmlformats.org/markup-compatibility/2006">
+    <mc:Choice xmlns:p14="http://schemas.microsoft.com/office/powerpoint/2010/main" Requires="p14">
+      <p:transition spd="med" p14:dur="700">
+        <p:fade/>
+      </p:transition>
+    </mc:Choice>
+    <mc:Fallback>
+      <p:transition spd="med">
+        <p:fade/>
+      </p:transition>
+    </mc:Fallback>
+  </mc:AlternateContent>
+</p:sld>
+</file>
+
 <file path=ppt/slides/slide2.xml><?xml version="1.0" encoding="utf-8"?>
 <p:sld xmlns:a="http://schemas.openxmlformats.org/drawingml/2006/main" xmlns:r="http://schemas.openxmlformats.org/officeDocument/2006/relationships" xmlns:p="http://schemas.openxmlformats.org/presentationml/2006/main">
   <p:cSld>
@@ -15645,6 +17678,6524 @@
     <p:extLst>
       <p:ext uri="{BB962C8B-B14F-4D97-AF65-F5344CB8AC3E}">
         <p14:creationId xmlns:p14="http://schemas.microsoft.com/office/powerpoint/2010/main" val="3348492676"/>
+      </p:ext>
+    </p:extLst>
+  </p:cSld>
+  <p:clrMapOvr>
+    <a:masterClrMapping/>
+  </p:clrMapOvr>
+  <mc:AlternateContent xmlns:mc="http://schemas.openxmlformats.org/markup-compatibility/2006" xmlns:p14="http://schemas.microsoft.com/office/powerpoint/2010/main">
+    <mc:Choice Requires="p14">
+      <p:transition spd="med" p14:dur="700">
+        <p:fade/>
+      </p:transition>
+    </mc:Choice>
+    <mc:Fallback xmlns="">
+      <p:transition spd="med">
+        <p:fade/>
+      </p:transition>
+    </mc:Fallback>
+  </mc:AlternateContent>
+</p:sld>
+</file>
+
+<file path=ppt/slides/slide20.xml><?xml version="1.0" encoding="utf-8"?>
+<p:sld xmlns:a="http://schemas.openxmlformats.org/drawingml/2006/main" xmlns:r="http://schemas.openxmlformats.org/officeDocument/2006/relationships" xmlns:p="http://schemas.openxmlformats.org/presentationml/2006/main">
+  <p:cSld>
+    <p:bg>
+      <p:bgPr>
+        <a:solidFill>
+          <a:schemeClr val="bg1"/>
+        </a:solidFill>
+        <a:effectLst/>
+      </p:bgPr>
+    </p:bg>
+    <p:spTree>
+      <p:nvGrpSpPr>
+        <p:cNvPr id="1" name=""/>
+        <p:cNvGrpSpPr/>
+        <p:nvPr/>
+      </p:nvGrpSpPr>
+      <p:grpSpPr>
+        <a:xfrm>
+          <a:off x="0" y="0"/>
+          <a:ext cx="0" cy="0"/>
+          <a:chOff x="0" y="0"/>
+          <a:chExt cx="0" cy="0"/>
+        </a:xfrm>
+      </p:grpSpPr>
+      <p:sp>
+        <p:nvSpPr>
+          <p:cNvPr id="19" name="Freeform: Shape 10">
+            <a:extLst>
+              <a:ext uri="{FF2B5EF4-FFF2-40B4-BE49-F238E27FC236}">
+                <a16:creationId xmlns:a16="http://schemas.microsoft.com/office/drawing/2014/main" id="{CA815F2C-4E80-4019-8E59-FAD3F7F8473D}"/>
+              </a:ext>
+              <a:ext uri="{C183D7F6-B498-43B3-948B-1728B52AA6E4}">
+                <adec:decorative xmlns:adec="http://schemas.microsoft.com/office/drawing/2017/decorative" val="1"/>
+              </a:ext>
+            </a:extLst>
+          </p:cNvPr>
+          <p:cNvSpPr>
+            <a:spLocks noGrp="1" noRot="1" noChangeAspect="1" noMove="1" noResize="1" noEditPoints="1" noAdjustHandles="1" noChangeArrowheads="1" noChangeShapeType="1" noTextEdit="1"/>
+          </p:cNvSpPr>
+          <p:nvPr>
+            <p:extLst>
+              <p:ext uri="{386F3935-93C4-4BCD-93E2-E3B085C9AB24}">
+                <p16:designElem xmlns:p16="http://schemas.microsoft.com/office/powerpoint/2015/main" val="1"/>
+              </p:ext>
+            </p:extLst>
+          </p:nvPr>
+        </p:nvSpPr>
+        <p:spPr>
+          <a:xfrm>
+            <a:off x="0" y="0"/>
+            <a:ext cx="12009304" cy="6858000"/>
+          </a:xfrm>
+          <a:custGeom>
+            <a:avLst/>
+            <a:gdLst>
+              <a:gd name="connsiteX0" fmla="*/ 8239723 w 12009304"/>
+              <a:gd name="connsiteY0" fmla="*/ 5083103 h 6858000"/>
+              <a:gd name="connsiteX1" fmla="*/ 9505105 w 12009304"/>
+              <a:gd name="connsiteY1" fmla="*/ 5083103 h 6858000"/>
+              <a:gd name="connsiteX2" fmla="*/ 9564676 w 12009304"/>
+              <a:gd name="connsiteY2" fmla="*/ 5091016 h 6858000"/>
+              <a:gd name="connsiteX3" fmla="*/ 9605648 w 12009304"/>
+              <a:gd name="connsiteY3" fmla="*/ 5108194 h 6858000"/>
+              <a:gd name="connsiteX4" fmla="*/ 9580608 w 12009304"/>
+              <a:gd name="connsiteY4" fmla="*/ 5151499 h 6858000"/>
+              <a:gd name="connsiteX5" fmla="*/ 8693486 w 12009304"/>
+              <a:gd name="connsiteY5" fmla="*/ 6685800 h 6858000"/>
+              <a:gd name="connsiteX6" fmla="*/ 8595419 w 12009304"/>
+              <a:gd name="connsiteY6" fmla="*/ 6814017 h 6858000"/>
+              <a:gd name="connsiteX7" fmla="*/ 8545620 w 12009304"/>
+              <a:gd name="connsiteY7" fmla="*/ 6858000 h 6858000"/>
+              <a:gd name="connsiteX8" fmla="*/ 7612173 w 12009304"/>
+              <a:gd name="connsiteY8" fmla="*/ 6858000 h 6858000"/>
+              <a:gd name="connsiteX9" fmla="*/ 7591825 w 12009304"/>
+              <a:gd name="connsiteY9" fmla="*/ 6822959 h 6858000"/>
+              <a:gd name="connsiteX10" fmla="*/ 7411622 w 12009304"/>
+              <a:gd name="connsiteY10" fmla="*/ 6512633 h 6858000"/>
+              <a:gd name="connsiteX11" fmla="*/ 7411622 w 12009304"/>
+              <a:gd name="connsiteY11" fmla="*/ 6289354 h 6858000"/>
+              <a:gd name="connsiteX12" fmla="*/ 8045680 w 12009304"/>
+              <a:gd name="connsiteY12" fmla="*/ 5197465 h 6858000"/>
+              <a:gd name="connsiteX13" fmla="*/ 8239723 w 12009304"/>
+              <a:gd name="connsiteY13" fmla="*/ 5083103 h 6858000"/>
+              <a:gd name="connsiteX14" fmla="*/ 10622296 w 12009304"/>
+              <a:gd name="connsiteY14" fmla="*/ 1326563 h 6858000"/>
+              <a:gd name="connsiteX15" fmla="*/ 11448522 w 12009304"/>
+              <a:gd name="connsiteY15" fmla="*/ 1326563 h 6858000"/>
+              <a:gd name="connsiteX16" fmla="*/ 11577006 w 12009304"/>
+              <a:gd name="connsiteY16" fmla="*/ 1401233 h 6858000"/>
+              <a:gd name="connsiteX17" fmla="*/ 11989228 w 12009304"/>
+              <a:gd name="connsiteY17" fmla="*/ 2114179 h 6858000"/>
+              <a:gd name="connsiteX18" fmla="*/ 11989228 w 12009304"/>
+              <a:gd name="connsiteY18" fmla="*/ 2259969 h 6858000"/>
+              <a:gd name="connsiteX19" fmla="*/ 11577006 w 12009304"/>
+              <a:gd name="connsiteY19" fmla="*/ 2972914 h 6858000"/>
+              <a:gd name="connsiteX20" fmla="*/ 11448522 w 12009304"/>
+              <a:gd name="connsiteY20" fmla="*/ 3047587 h 6858000"/>
+              <a:gd name="connsiteX21" fmla="*/ 10622296 w 12009304"/>
+              <a:gd name="connsiteY21" fmla="*/ 3047587 h 6858000"/>
+              <a:gd name="connsiteX22" fmla="*/ 10495594 w 12009304"/>
+              <a:gd name="connsiteY22" fmla="*/ 2972914 h 6858000"/>
+              <a:gd name="connsiteX23" fmla="*/ 10081589 w 12009304"/>
+              <a:gd name="connsiteY23" fmla="*/ 2259969 h 6858000"/>
+              <a:gd name="connsiteX24" fmla="*/ 10081589 w 12009304"/>
+              <a:gd name="connsiteY24" fmla="*/ 2114179 h 6858000"/>
+              <a:gd name="connsiteX25" fmla="*/ 10495594 w 12009304"/>
+              <a:gd name="connsiteY25" fmla="*/ 1401233 h 6858000"/>
+              <a:gd name="connsiteX26" fmla="*/ 10622296 w 12009304"/>
+              <a:gd name="connsiteY26" fmla="*/ 1326563 h 6858000"/>
+              <a:gd name="connsiteX27" fmla="*/ 0 w 12009304"/>
+              <a:gd name="connsiteY27" fmla="*/ 0 h 6858000"/>
+              <a:gd name="connsiteX28" fmla="*/ 4457990 w 12009304"/>
+              <a:gd name="connsiteY28" fmla="*/ 0 h 6858000"/>
+              <a:gd name="connsiteX29" fmla="*/ 5902610 w 12009304"/>
+              <a:gd name="connsiteY29" fmla="*/ 0 h 6858000"/>
+              <a:gd name="connsiteX30" fmla="*/ 8476869 w 12009304"/>
+              <a:gd name="connsiteY30" fmla="*/ 0 h 6858000"/>
+              <a:gd name="connsiteX31" fmla="*/ 8535933 w 12009304"/>
+              <a:gd name="connsiteY31" fmla="*/ 39849 h 6858000"/>
+              <a:gd name="connsiteX32" fmla="*/ 8693486 w 12009304"/>
+              <a:gd name="connsiteY32" fmla="*/ 220603 h 6858000"/>
+              <a:gd name="connsiteX33" fmla="*/ 10389180 w 12009304"/>
+              <a:gd name="connsiteY33" fmla="*/ 3153347 h 6858000"/>
+              <a:gd name="connsiteX34" fmla="*/ 10389180 w 12009304"/>
+              <a:gd name="connsiteY34" fmla="*/ 3753061 h 6858000"/>
+              <a:gd name="connsiteX35" fmla="*/ 9759557 w 12009304"/>
+              <a:gd name="connsiteY35" fmla="*/ 4842009 h 6858000"/>
+              <a:gd name="connsiteX36" fmla="*/ 9706493 w 12009304"/>
+              <a:gd name="connsiteY36" fmla="*/ 4933778 h 6858000"/>
+              <a:gd name="connsiteX37" fmla="*/ 9708360 w 12009304"/>
+              <a:gd name="connsiteY37" fmla="*/ 4934561 h 6858000"/>
+              <a:gd name="connsiteX38" fmla="*/ 9802002 w 12009304"/>
+              <a:gd name="connsiteY38" fmla="*/ 5029008 h 6858000"/>
+              <a:gd name="connsiteX39" fmla="*/ 10514131 w 12009304"/>
+              <a:gd name="connsiteY39" fmla="*/ 6260653 h 6858000"/>
+              <a:gd name="connsiteX40" fmla="*/ 10514131 w 12009304"/>
+              <a:gd name="connsiteY40" fmla="*/ 6512512 h 6858000"/>
+              <a:gd name="connsiteX41" fmla="*/ 10340271 w 12009304"/>
+              <a:gd name="connsiteY41" fmla="*/ 6813206 h 6858000"/>
+              <a:gd name="connsiteX42" fmla="*/ 10314372 w 12009304"/>
+              <a:gd name="connsiteY42" fmla="*/ 6858000 h 6858000"/>
+              <a:gd name="connsiteX43" fmla="*/ 10119136 w 12009304"/>
+              <a:gd name="connsiteY43" fmla="*/ 6858000 h 6858000"/>
+              <a:gd name="connsiteX44" fmla="*/ 10122008 w 12009304"/>
+              <a:gd name="connsiteY44" fmla="*/ 6853033 h 6858000"/>
+              <a:gd name="connsiteX45" fmla="*/ 10327158 w 12009304"/>
+              <a:gd name="connsiteY45" fmla="*/ 6498223 h 6858000"/>
+              <a:gd name="connsiteX46" fmla="*/ 10327158 w 12009304"/>
+              <a:gd name="connsiteY46" fmla="*/ 6274942 h 6858000"/>
+              <a:gd name="connsiteX47" fmla="*/ 9695832 w 12009304"/>
+              <a:gd name="connsiteY47" fmla="*/ 5183053 h 6858000"/>
+              <a:gd name="connsiteX48" fmla="*/ 9612819 w 12009304"/>
+              <a:gd name="connsiteY48" fmla="*/ 5099323 h 6858000"/>
+              <a:gd name="connsiteX49" fmla="*/ 9603213 w 12009304"/>
+              <a:gd name="connsiteY49" fmla="*/ 5095298 h 6858000"/>
+              <a:gd name="connsiteX50" fmla="*/ 9654707 w 12009304"/>
+              <a:gd name="connsiteY50" fmla="*/ 5006238 h 6858000"/>
+              <a:gd name="connsiteX51" fmla="*/ 9693004 w 12009304"/>
+              <a:gd name="connsiteY51" fmla="*/ 4940002 h 6858000"/>
+              <a:gd name="connsiteX52" fmla="*/ 9653283 w 12009304"/>
+              <a:gd name="connsiteY52" fmla="*/ 4923348 h 6858000"/>
+              <a:gd name="connsiteX53" fmla="*/ 9586087 w 12009304"/>
+              <a:gd name="connsiteY53" fmla="*/ 4914420 h 6858000"/>
+              <a:gd name="connsiteX54" fmla="*/ 8158743 w 12009304"/>
+              <a:gd name="connsiteY54" fmla="*/ 4914420 h 6858000"/>
+              <a:gd name="connsiteX55" fmla="*/ 7939863 w 12009304"/>
+              <a:gd name="connsiteY55" fmla="*/ 5043420 h 6858000"/>
+              <a:gd name="connsiteX56" fmla="*/ 7224650 w 12009304"/>
+              <a:gd name="connsiteY56" fmla="*/ 6275065 h 6858000"/>
+              <a:gd name="connsiteX57" fmla="*/ 7224650 w 12009304"/>
+              <a:gd name="connsiteY57" fmla="*/ 6526922 h 6858000"/>
+              <a:gd name="connsiteX58" fmla="*/ 7350544 w 12009304"/>
+              <a:gd name="connsiteY58" fmla="*/ 6743723 h 6858000"/>
+              <a:gd name="connsiteX59" fmla="*/ 7416905 w 12009304"/>
+              <a:gd name="connsiteY59" fmla="*/ 6858000 h 6858000"/>
+              <a:gd name="connsiteX60" fmla="*/ 5902610 w 12009304"/>
+              <a:gd name="connsiteY60" fmla="*/ 6858000 h 6858000"/>
+              <a:gd name="connsiteX61" fmla="*/ 4389357 w 12009304"/>
+              <a:gd name="connsiteY61" fmla="*/ 6858000 h 6858000"/>
+              <a:gd name="connsiteX62" fmla="*/ 0 w 12009304"/>
+              <a:gd name="connsiteY62" fmla="*/ 6858000 h 6858000"/>
+            </a:gdLst>
+            <a:ahLst/>
+            <a:cxnLst>
+              <a:cxn ang="0">
+                <a:pos x="connsiteX0" y="connsiteY0"/>
+              </a:cxn>
+              <a:cxn ang="0">
+                <a:pos x="connsiteX1" y="connsiteY1"/>
+              </a:cxn>
+              <a:cxn ang="0">
+                <a:pos x="connsiteX2" y="connsiteY2"/>
+              </a:cxn>
+              <a:cxn ang="0">
+                <a:pos x="connsiteX3" y="connsiteY3"/>
+              </a:cxn>
+              <a:cxn ang="0">
+                <a:pos x="connsiteX4" y="connsiteY4"/>
+              </a:cxn>
+              <a:cxn ang="0">
+                <a:pos x="connsiteX5" y="connsiteY5"/>
+              </a:cxn>
+              <a:cxn ang="0">
+                <a:pos x="connsiteX6" y="connsiteY6"/>
+              </a:cxn>
+              <a:cxn ang="0">
+                <a:pos x="connsiteX7" y="connsiteY7"/>
+              </a:cxn>
+              <a:cxn ang="0">
+                <a:pos x="connsiteX8" y="connsiteY8"/>
+              </a:cxn>
+              <a:cxn ang="0">
+                <a:pos x="connsiteX9" y="connsiteY9"/>
+              </a:cxn>
+              <a:cxn ang="0">
+                <a:pos x="connsiteX10" y="connsiteY10"/>
+              </a:cxn>
+              <a:cxn ang="0">
+                <a:pos x="connsiteX11" y="connsiteY11"/>
+              </a:cxn>
+              <a:cxn ang="0">
+                <a:pos x="connsiteX12" y="connsiteY12"/>
+              </a:cxn>
+              <a:cxn ang="0">
+                <a:pos x="connsiteX13" y="connsiteY13"/>
+              </a:cxn>
+              <a:cxn ang="0">
+                <a:pos x="connsiteX14" y="connsiteY14"/>
+              </a:cxn>
+              <a:cxn ang="0">
+                <a:pos x="connsiteX15" y="connsiteY15"/>
+              </a:cxn>
+              <a:cxn ang="0">
+                <a:pos x="connsiteX16" y="connsiteY16"/>
+              </a:cxn>
+              <a:cxn ang="0">
+                <a:pos x="connsiteX17" y="connsiteY17"/>
+              </a:cxn>
+              <a:cxn ang="0">
+                <a:pos x="connsiteX18" y="connsiteY18"/>
+              </a:cxn>
+              <a:cxn ang="0">
+                <a:pos x="connsiteX19" y="connsiteY19"/>
+              </a:cxn>
+              <a:cxn ang="0">
+                <a:pos x="connsiteX20" y="connsiteY20"/>
+              </a:cxn>
+              <a:cxn ang="0">
+                <a:pos x="connsiteX21" y="connsiteY21"/>
+              </a:cxn>
+              <a:cxn ang="0">
+                <a:pos x="connsiteX22" y="connsiteY22"/>
+              </a:cxn>
+              <a:cxn ang="0">
+                <a:pos x="connsiteX23" y="connsiteY23"/>
+              </a:cxn>
+              <a:cxn ang="0">
+                <a:pos x="connsiteX24" y="connsiteY24"/>
+              </a:cxn>
+              <a:cxn ang="0">
+                <a:pos x="connsiteX25" y="connsiteY25"/>
+              </a:cxn>
+              <a:cxn ang="0">
+                <a:pos x="connsiteX26" y="connsiteY26"/>
+              </a:cxn>
+              <a:cxn ang="0">
+                <a:pos x="connsiteX27" y="connsiteY27"/>
+              </a:cxn>
+              <a:cxn ang="0">
+                <a:pos x="connsiteX28" y="connsiteY28"/>
+              </a:cxn>
+              <a:cxn ang="0">
+                <a:pos x="connsiteX29" y="connsiteY29"/>
+              </a:cxn>
+              <a:cxn ang="0">
+                <a:pos x="connsiteX30" y="connsiteY30"/>
+              </a:cxn>
+              <a:cxn ang="0">
+                <a:pos x="connsiteX31" y="connsiteY31"/>
+              </a:cxn>
+              <a:cxn ang="0">
+                <a:pos x="connsiteX32" y="connsiteY32"/>
+              </a:cxn>
+              <a:cxn ang="0">
+                <a:pos x="connsiteX33" y="connsiteY33"/>
+              </a:cxn>
+              <a:cxn ang="0">
+                <a:pos x="connsiteX34" y="connsiteY34"/>
+              </a:cxn>
+              <a:cxn ang="0">
+                <a:pos x="connsiteX35" y="connsiteY35"/>
+              </a:cxn>
+              <a:cxn ang="0">
+                <a:pos x="connsiteX36" y="connsiteY36"/>
+              </a:cxn>
+              <a:cxn ang="0">
+                <a:pos x="connsiteX37" y="connsiteY37"/>
+              </a:cxn>
+              <a:cxn ang="0">
+                <a:pos x="connsiteX38" y="connsiteY38"/>
+              </a:cxn>
+              <a:cxn ang="0">
+                <a:pos x="connsiteX39" y="connsiteY39"/>
+              </a:cxn>
+              <a:cxn ang="0">
+                <a:pos x="connsiteX40" y="connsiteY40"/>
+              </a:cxn>
+              <a:cxn ang="0">
+                <a:pos x="connsiteX41" y="connsiteY41"/>
+              </a:cxn>
+              <a:cxn ang="0">
+                <a:pos x="connsiteX42" y="connsiteY42"/>
+              </a:cxn>
+              <a:cxn ang="0">
+                <a:pos x="connsiteX43" y="connsiteY43"/>
+              </a:cxn>
+              <a:cxn ang="0">
+                <a:pos x="connsiteX44" y="connsiteY44"/>
+              </a:cxn>
+              <a:cxn ang="0">
+                <a:pos x="connsiteX45" y="connsiteY45"/>
+              </a:cxn>
+              <a:cxn ang="0">
+                <a:pos x="connsiteX46" y="connsiteY46"/>
+              </a:cxn>
+              <a:cxn ang="0">
+                <a:pos x="connsiteX47" y="connsiteY47"/>
+              </a:cxn>
+              <a:cxn ang="0">
+                <a:pos x="connsiteX48" y="connsiteY48"/>
+              </a:cxn>
+              <a:cxn ang="0">
+                <a:pos x="connsiteX49" y="connsiteY49"/>
+              </a:cxn>
+              <a:cxn ang="0">
+                <a:pos x="connsiteX50" y="connsiteY50"/>
+              </a:cxn>
+              <a:cxn ang="0">
+                <a:pos x="connsiteX51" y="connsiteY51"/>
+              </a:cxn>
+              <a:cxn ang="0">
+                <a:pos x="connsiteX52" y="connsiteY52"/>
+              </a:cxn>
+              <a:cxn ang="0">
+                <a:pos x="connsiteX53" y="connsiteY53"/>
+              </a:cxn>
+              <a:cxn ang="0">
+                <a:pos x="connsiteX54" y="connsiteY54"/>
+              </a:cxn>
+              <a:cxn ang="0">
+                <a:pos x="connsiteX55" y="connsiteY55"/>
+              </a:cxn>
+              <a:cxn ang="0">
+                <a:pos x="connsiteX56" y="connsiteY56"/>
+              </a:cxn>
+              <a:cxn ang="0">
+                <a:pos x="connsiteX57" y="connsiteY57"/>
+              </a:cxn>
+              <a:cxn ang="0">
+                <a:pos x="connsiteX58" y="connsiteY58"/>
+              </a:cxn>
+              <a:cxn ang="0">
+                <a:pos x="connsiteX59" y="connsiteY59"/>
+              </a:cxn>
+              <a:cxn ang="0">
+                <a:pos x="connsiteX60" y="connsiteY60"/>
+              </a:cxn>
+              <a:cxn ang="0">
+                <a:pos x="connsiteX61" y="connsiteY61"/>
+              </a:cxn>
+              <a:cxn ang="0">
+                <a:pos x="connsiteX62" y="connsiteY62"/>
+              </a:cxn>
+            </a:cxnLst>
+            <a:rect l="l" t="t" r="r" b="b"/>
+            <a:pathLst>
+              <a:path w="12009304" h="6858000">
+                <a:moveTo>
+                  <a:pt x="8239723" y="5083103"/>
+                </a:moveTo>
+                <a:cubicBezTo>
+                  <a:pt x="8239723" y="5083103"/>
+                  <a:pt x="8239723" y="5083103"/>
+                  <a:pt x="9505105" y="5083103"/>
+                </a:cubicBezTo>
+                <a:cubicBezTo>
+                  <a:pt x="9525601" y="5083103"/>
+                  <a:pt x="9545588" y="5085825"/>
+                  <a:pt x="9564676" y="5091016"/>
+                </a:cubicBezTo>
+                <a:lnTo>
+                  <a:pt x="9605648" y="5108194"/>
+                </a:lnTo>
+                <a:lnTo>
+                  <a:pt x="9580608" y="5151499"/>
+                </a:lnTo>
+                <a:cubicBezTo>
+                  <a:pt x="9354208" y="5543062"/>
+                  <a:pt x="9064418" y="6044264"/>
+                  <a:pt x="8693486" y="6685800"/>
+                </a:cubicBezTo>
+                <a:cubicBezTo>
+                  <a:pt x="8665958" y="6733339"/>
+                  <a:pt x="8632925" y="6776306"/>
+                  <a:pt x="8595419" y="6814017"/>
+                </a:cubicBezTo>
+                <a:lnTo>
+                  <a:pt x="8545620" y="6858000"/>
+                </a:lnTo>
+                <a:lnTo>
+                  <a:pt x="7612173" y="6858000"/>
+                </a:lnTo>
+                <a:lnTo>
+                  <a:pt x="7591825" y="6822959"/>
+                </a:lnTo>
+                <a:cubicBezTo>
+                  <a:pt x="7538315" y="6730809"/>
+                  <a:pt x="7478495" y="6627794"/>
+                  <a:pt x="7411622" y="6512633"/>
+                </a:cubicBezTo>
+                <a:cubicBezTo>
+                  <a:pt x="7370628" y="6444560"/>
+                  <a:pt x="7370628" y="6357427"/>
+                  <a:pt x="7411622" y="6289354"/>
+                </a:cubicBezTo>
+                <a:cubicBezTo>
+                  <a:pt x="7411622" y="6289354"/>
+                  <a:pt x="7411622" y="6289354"/>
+                  <a:pt x="8045680" y="5197465"/>
+                </a:cubicBezTo>
+                <a:cubicBezTo>
+                  <a:pt x="8083943" y="5126669"/>
+                  <a:pt x="8160465" y="5083103"/>
+                  <a:pt x="8239723" y="5083103"/>
+                </a:cubicBezTo>
+                <a:close/>
+                <a:moveTo>
+                  <a:pt x="10622296" y="1326563"/>
+                </a:moveTo>
+                <a:cubicBezTo>
+                  <a:pt x="10622296" y="1326563"/>
+                  <a:pt x="10622296" y="1326563"/>
+                  <a:pt x="11448522" y="1326563"/>
+                </a:cubicBezTo>
+                <a:cubicBezTo>
+                  <a:pt x="11502058" y="1326563"/>
+                  <a:pt x="11550238" y="1355009"/>
+                  <a:pt x="11577006" y="1401233"/>
+                </a:cubicBezTo>
+                <a:cubicBezTo>
+                  <a:pt x="11577006" y="1401233"/>
+                  <a:pt x="11577006" y="1401233"/>
+                  <a:pt x="11989228" y="2114179"/>
+                </a:cubicBezTo>
+                <a:cubicBezTo>
+                  <a:pt x="12015996" y="2158629"/>
+                  <a:pt x="12015996" y="2215522"/>
+                  <a:pt x="11989228" y="2259969"/>
+                </a:cubicBezTo>
+                <a:cubicBezTo>
+                  <a:pt x="11989228" y="2259969"/>
+                  <a:pt x="11989228" y="2259969"/>
+                  <a:pt x="11577006" y="2972914"/>
+                </a:cubicBezTo>
+                <a:cubicBezTo>
+                  <a:pt x="11550238" y="3019141"/>
+                  <a:pt x="11502058" y="3047587"/>
+                  <a:pt x="11448522" y="3047587"/>
+                </a:cubicBezTo>
+                <a:cubicBezTo>
+                  <a:pt x="11448522" y="3047587"/>
+                  <a:pt x="11448522" y="3047587"/>
+                  <a:pt x="10622296" y="3047587"/>
+                </a:cubicBezTo>
+                <a:cubicBezTo>
+                  <a:pt x="10570544" y="3047587"/>
+                  <a:pt x="10520578" y="3019141"/>
+                  <a:pt x="10495594" y="2972914"/>
+                </a:cubicBezTo>
+                <a:cubicBezTo>
+                  <a:pt x="10495594" y="2972914"/>
+                  <a:pt x="10495594" y="2972914"/>
+                  <a:pt x="10081589" y="2259969"/>
+                </a:cubicBezTo>
+                <a:cubicBezTo>
+                  <a:pt x="10054821" y="2215522"/>
+                  <a:pt x="10054821" y="2158629"/>
+                  <a:pt x="10081589" y="2114179"/>
+                </a:cubicBezTo>
+                <a:cubicBezTo>
+                  <a:pt x="10081589" y="2114179"/>
+                  <a:pt x="10081589" y="2114179"/>
+                  <a:pt x="10495594" y="1401233"/>
+                </a:cubicBezTo>
+                <a:cubicBezTo>
+                  <a:pt x="10520578" y="1355009"/>
+                  <a:pt x="10570544" y="1326563"/>
+                  <a:pt x="10622296" y="1326563"/>
+                </a:cubicBezTo>
+                <a:close/>
+                <a:moveTo>
+                  <a:pt x="0" y="0"/>
+                </a:moveTo>
+                <a:lnTo>
+                  <a:pt x="4457990" y="0"/>
+                </a:lnTo>
+                <a:lnTo>
+                  <a:pt x="5902610" y="0"/>
+                </a:lnTo>
+                <a:lnTo>
+                  <a:pt x="8476869" y="0"/>
+                </a:lnTo>
+                <a:lnTo>
+                  <a:pt x="8535933" y="39849"/>
+                </a:lnTo>
+                <a:cubicBezTo>
+                  <a:pt x="8598516" y="88273"/>
+                  <a:pt x="8652195" y="149296"/>
+                  <a:pt x="8693486" y="220603"/>
+                </a:cubicBezTo>
+                <a:cubicBezTo>
+                  <a:pt x="8693486" y="220603"/>
+                  <a:pt x="8693486" y="220603"/>
+                  <a:pt x="10389180" y="3153347"/>
+                </a:cubicBezTo>
+                <a:cubicBezTo>
+                  <a:pt x="10499291" y="3336185"/>
+                  <a:pt x="10499291" y="3570221"/>
+                  <a:pt x="10389180" y="3753061"/>
+                </a:cubicBezTo>
+                <a:cubicBezTo>
+                  <a:pt x="10389180" y="3753061"/>
+                  <a:pt x="10389180" y="3753061"/>
+                  <a:pt x="9759557" y="4842009"/>
+                </a:cubicBezTo>
+                <a:lnTo>
+                  <a:pt x="9706493" y="4933778"/>
+                </a:lnTo>
+                <a:lnTo>
+                  <a:pt x="9708360" y="4934561"/>
+                </a:lnTo>
+                <a:cubicBezTo>
+                  <a:pt x="9746510" y="4956830"/>
+                  <a:pt x="9778880" y="4989078"/>
+                  <a:pt x="9802002" y="5029008"/>
+                </a:cubicBezTo>
+                <a:cubicBezTo>
+                  <a:pt x="9802002" y="5029008"/>
+                  <a:pt x="9802002" y="5029008"/>
+                  <a:pt x="10514131" y="6260653"/>
+                </a:cubicBezTo>
+                <a:cubicBezTo>
+                  <a:pt x="10560376" y="6337439"/>
+                  <a:pt x="10560376" y="6435725"/>
+                  <a:pt x="10514131" y="6512512"/>
+                </a:cubicBezTo>
+                <a:cubicBezTo>
+                  <a:pt x="10514131" y="6512512"/>
+                  <a:pt x="10514131" y="6512512"/>
+                  <a:pt x="10340271" y="6813206"/>
+                </a:cubicBezTo>
+                <a:lnTo>
+                  <a:pt x="10314372" y="6858000"/>
+                </a:lnTo>
+                <a:lnTo>
+                  <a:pt x="10119136" y="6858000"/>
+                </a:lnTo>
+                <a:lnTo>
+                  <a:pt x="10122008" y="6853033"/>
+                </a:lnTo>
+                <a:cubicBezTo>
+                  <a:pt x="10327158" y="6498223"/>
+                  <a:pt x="10327158" y="6498223"/>
+                  <a:pt x="10327158" y="6498223"/>
+                </a:cubicBezTo>
+                <a:cubicBezTo>
+                  <a:pt x="10368154" y="6430148"/>
+                  <a:pt x="10368154" y="6343015"/>
+                  <a:pt x="10327158" y="6274942"/>
+                </a:cubicBezTo>
+                <a:cubicBezTo>
+                  <a:pt x="9695832" y="5183053"/>
+                  <a:pt x="9695832" y="5183053"/>
+                  <a:pt x="9695832" y="5183053"/>
+                </a:cubicBezTo>
+                <a:cubicBezTo>
+                  <a:pt x="9675334" y="5147654"/>
+                  <a:pt x="9646640" y="5119063"/>
+                  <a:pt x="9612819" y="5099323"/>
+                </a:cubicBezTo>
+                <a:lnTo>
+                  <a:pt x="9603213" y="5095298"/>
+                </a:lnTo>
+                <a:lnTo>
+                  <a:pt x="9654707" y="5006238"/>
+                </a:lnTo>
+                <a:lnTo>
+                  <a:pt x="9693004" y="4940002"/>
+                </a:lnTo>
+                <a:lnTo>
+                  <a:pt x="9653283" y="4923348"/>
+                </a:lnTo>
+                <a:cubicBezTo>
+                  <a:pt x="9631750" y="4917491"/>
+                  <a:pt x="9609208" y="4914420"/>
+                  <a:pt x="9586087" y="4914420"/>
+                </a:cubicBezTo>
+                <a:cubicBezTo>
+                  <a:pt x="8158743" y="4914420"/>
+                  <a:pt x="8158743" y="4914420"/>
+                  <a:pt x="8158743" y="4914420"/>
+                </a:cubicBezTo>
+                <a:cubicBezTo>
+                  <a:pt x="8069341" y="4914420"/>
+                  <a:pt x="7983024" y="4963563"/>
+                  <a:pt x="7939863" y="5043420"/>
+                </a:cubicBezTo>
+                <a:cubicBezTo>
+                  <a:pt x="7224650" y="6275065"/>
+                  <a:pt x="7224650" y="6275065"/>
+                  <a:pt x="7224650" y="6275065"/>
+                </a:cubicBezTo>
+                <a:cubicBezTo>
+                  <a:pt x="7178407" y="6351849"/>
+                  <a:pt x="7178407" y="6450135"/>
+                  <a:pt x="7224650" y="6526922"/>
+                </a:cubicBezTo>
+                <a:cubicBezTo>
+                  <a:pt x="7269350" y="6603900"/>
+                  <a:pt x="7311257" y="6676067"/>
+                  <a:pt x="7350544" y="6743723"/>
+                </a:cubicBezTo>
+                <a:lnTo>
+                  <a:pt x="7416905" y="6858000"/>
+                </a:lnTo>
+                <a:lnTo>
+                  <a:pt x="5902610" y="6858000"/>
+                </a:lnTo>
+                <a:lnTo>
+                  <a:pt x="4389357" y="6858000"/>
+                </a:lnTo>
+                <a:lnTo>
+                  <a:pt x="0" y="6858000"/>
+                </a:lnTo>
+                <a:close/>
+              </a:path>
+            </a:pathLst>
+          </a:custGeom>
+          <a:solidFill>
+            <a:schemeClr val="tx1">
+              <a:lumMod val="50000"/>
+              <a:lumOff val="50000"/>
+              <a:alpha val="15000"/>
+            </a:schemeClr>
+          </a:solidFill>
+          <a:ln>
+            <a:noFill/>
+          </a:ln>
+        </p:spPr>
+        <p:style>
+          <a:lnRef idx="2">
+            <a:schemeClr val="accent1">
+              <a:shade val="50000"/>
+            </a:schemeClr>
+          </a:lnRef>
+          <a:fillRef idx="1">
+            <a:schemeClr val="accent1"/>
+          </a:fillRef>
+          <a:effectRef idx="0">
+            <a:schemeClr val="accent1"/>
+          </a:effectRef>
+          <a:fontRef idx="minor">
+            <a:schemeClr val="lt1"/>
+          </a:fontRef>
+        </p:style>
+        <p:txBody>
+          <a:bodyPr wrap="square" rtlCol="0" anchor="ctr">
+            <a:noAutofit/>
+          </a:bodyPr>
+          <a:lstStyle/>
+          <a:p>
+            <a:pPr algn="ctr"/>
+            <a:endParaRPr lang="en-US"/>
+          </a:p>
+        </p:txBody>
+      </p:sp>
+      <p:pic>
+        <p:nvPicPr>
+          <p:cNvPr id="3" name="Picture 2" descr="Text&#10;&#10;Description automatically generated">
+            <a:extLst>
+              <a:ext uri="{FF2B5EF4-FFF2-40B4-BE49-F238E27FC236}">
+                <a16:creationId xmlns:a16="http://schemas.microsoft.com/office/drawing/2014/main" id="{A7F96372-313E-FC48-ACF4-C998BE994353}"/>
+              </a:ext>
+            </a:extLst>
+          </p:cNvPr>
+          <p:cNvPicPr>
+            <a:picLocks noChangeAspect="1"/>
+          </p:cNvPicPr>
+          <p:nvPr/>
+        </p:nvPicPr>
+        <p:blipFill>
+          <a:blip r:embed="rId3"/>
+          <a:stretch>
+            <a:fillRect/>
+          </a:stretch>
+        </p:blipFill>
+        <p:spPr>
+          <a:xfrm>
+            <a:off x="182696" y="861165"/>
+            <a:ext cx="4241638" cy="5311036"/>
+          </a:xfrm>
+          <a:prstGeom prst="rect">
+            <a:avLst/>
+          </a:prstGeom>
+        </p:spPr>
+      </p:pic>
+      <p:pic>
+        <p:nvPicPr>
+          <p:cNvPr id="11" name="Picture 10" descr="Text&#10;&#10;Description automatically generated">
+            <a:extLst>
+              <a:ext uri="{FF2B5EF4-FFF2-40B4-BE49-F238E27FC236}">
+                <a16:creationId xmlns:a16="http://schemas.microsoft.com/office/drawing/2014/main" id="{246E409B-1C9F-4646-95C9-20C275D71A61}"/>
+              </a:ext>
+            </a:extLst>
+          </p:cNvPr>
+          <p:cNvPicPr>
+            <a:picLocks noChangeAspect="1"/>
+          </p:cNvPicPr>
+          <p:nvPr/>
+        </p:nvPicPr>
+        <p:blipFill>
+          <a:blip r:embed="rId4"/>
+          <a:stretch>
+            <a:fillRect/>
+          </a:stretch>
+        </p:blipFill>
+        <p:spPr>
+          <a:xfrm>
+            <a:off x="4781102" y="861165"/>
+            <a:ext cx="4479633" cy="5311036"/>
+          </a:xfrm>
+          <a:prstGeom prst="rect">
+            <a:avLst/>
+          </a:prstGeom>
+        </p:spPr>
+      </p:pic>
+      <p:sp>
+        <p:nvSpPr>
+          <p:cNvPr id="12" name="TextBox 11">
+            <a:extLst>
+              <a:ext uri="{FF2B5EF4-FFF2-40B4-BE49-F238E27FC236}">
+                <a16:creationId xmlns:a16="http://schemas.microsoft.com/office/drawing/2014/main" id="{ADF81841-B0C0-E649-9860-D3BD3C9217C6}"/>
+              </a:ext>
+            </a:extLst>
+          </p:cNvPr>
+          <p:cNvSpPr txBox="1"/>
+          <p:nvPr/>
+        </p:nvSpPr>
+        <p:spPr>
+          <a:xfrm>
+            <a:off x="1661555" y="6172201"/>
+            <a:ext cx="1283919" cy="369332"/>
+          </a:xfrm>
+          <a:prstGeom prst="rect">
+            <a:avLst/>
+          </a:prstGeom>
+          <a:noFill/>
+        </p:spPr>
+        <p:txBody>
+          <a:bodyPr wrap="square" rtlCol="0">
+            <a:spAutoFit/>
+          </a:bodyPr>
+          <a:lstStyle/>
+          <a:p>
+            <a:r>
+              <a:rPr lang="en-US" dirty="0" err="1">
+                <a:latin typeface="Avenir Book" panose="02000503020000020003" pitchFamily="2" charset="0"/>
+              </a:rPr>
+              <a:t>App.vue</a:t>
+            </a:r>
+            <a:endParaRPr lang="en-US" dirty="0">
+              <a:latin typeface="Avenir Book" panose="02000503020000020003" pitchFamily="2" charset="0"/>
+            </a:endParaRPr>
+          </a:p>
+        </p:txBody>
+      </p:sp>
+      <p:sp>
+        <p:nvSpPr>
+          <p:cNvPr id="13" name="TextBox 12">
+            <a:extLst>
+              <a:ext uri="{FF2B5EF4-FFF2-40B4-BE49-F238E27FC236}">
+                <a16:creationId xmlns:a16="http://schemas.microsoft.com/office/drawing/2014/main" id="{5703DAED-E517-3A43-B2CC-1BD656436211}"/>
+              </a:ext>
+            </a:extLst>
+          </p:cNvPr>
+          <p:cNvSpPr txBox="1"/>
+          <p:nvPr/>
+        </p:nvSpPr>
+        <p:spPr>
+          <a:xfrm>
+            <a:off x="6009441" y="6172201"/>
+            <a:ext cx="1913271" cy="369332"/>
+          </a:xfrm>
+          <a:prstGeom prst="rect">
+            <a:avLst/>
+          </a:prstGeom>
+          <a:noFill/>
+        </p:spPr>
+        <p:txBody>
+          <a:bodyPr wrap="square" rtlCol="0">
+            <a:spAutoFit/>
+          </a:bodyPr>
+          <a:lstStyle/>
+          <a:p>
+            <a:r>
+              <a:rPr lang="en-US" dirty="0" err="1">
+                <a:latin typeface="Avenir Light" panose="020B0402020203020204" pitchFamily="34" charset="77"/>
+              </a:rPr>
+              <a:t>NameHolder.vue</a:t>
+            </a:r>
+            <a:endParaRPr lang="en-US" dirty="0">
+              <a:latin typeface="Avenir Light" panose="020B0402020203020204" pitchFamily="34" charset="77"/>
+            </a:endParaRPr>
+          </a:p>
+        </p:txBody>
+      </p:sp>
+      <p:sp>
+        <p:nvSpPr>
+          <p:cNvPr id="16" name="Right Arrow 15">
+            <a:extLst>
+              <a:ext uri="{FF2B5EF4-FFF2-40B4-BE49-F238E27FC236}">
+                <a16:creationId xmlns:a16="http://schemas.microsoft.com/office/drawing/2014/main" id="{2000CB8F-F911-F64A-81F0-F9EFB9F3BC5B}"/>
+              </a:ext>
+            </a:extLst>
+          </p:cNvPr>
+          <p:cNvSpPr/>
+          <p:nvPr/>
+        </p:nvSpPr>
+        <p:spPr>
+          <a:xfrm>
+            <a:off x="9369469" y="3300609"/>
+            <a:ext cx="983293" cy="432148"/>
+          </a:xfrm>
+          <a:prstGeom prst="rightArrow">
+            <a:avLst/>
+          </a:prstGeom>
+        </p:spPr>
+        <p:style>
+          <a:lnRef idx="2">
+            <a:schemeClr val="accent1">
+              <a:shade val="50000"/>
+            </a:schemeClr>
+          </a:lnRef>
+          <a:fillRef idx="1">
+            <a:schemeClr val="accent1"/>
+          </a:fillRef>
+          <a:effectRef idx="0">
+            <a:schemeClr val="accent1"/>
+          </a:effectRef>
+          <a:fontRef idx="minor">
+            <a:schemeClr val="lt1"/>
+          </a:fontRef>
+        </p:style>
+        <p:txBody>
+          <a:bodyPr rtlCol="0" anchor="ctr"/>
+          <a:lstStyle/>
+          <a:p>
+            <a:pPr algn="ctr"/>
+            <a:endParaRPr lang="en-US"/>
+          </a:p>
+        </p:txBody>
+      </p:sp>
+      <p:sp>
+        <p:nvSpPr>
+          <p:cNvPr id="17" name="TextBox 16">
+            <a:extLst>
+              <a:ext uri="{FF2B5EF4-FFF2-40B4-BE49-F238E27FC236}">
+                <a16:creationId xmlns:a16="http://schemas.microsoft.com/office/drawing/2014/main" id="{3E60C5AE-46EB-0C46-8DE8-18756DF5B783}"/>
+              </a:ext>
+            </a:extLst>
+          </p:cNvPr>
+          <p:cNvSpPr txBox="1"/>
+          <p:nvPr/>
+        </p:nvSpPr>
+        <p:spPr>
+          <a:xfrm>
+            <a:off x="10465496" y="3300609"/>
+            <a:ext cx="1672225" cy="369332"/>
+          </a:xfrm>
+          <a:prstGeom prst="rect">
+            <a:avLst/>
+          </a:prstGeom>
+          <a:noFill/>
+        </p:spPr>
+        <p:txBody>
+          <a:bodyPr wrap="square" rtlCol="0">
+            <a:spAutoFit/>
+          </a:bodyPr>
+          <a:lstStyle/>
+          <a:p>
+            <a:r>
+              <a:rPr lang="en-US" i="1" dirty="0">
+                <a:solidFill>
+                  <a:schemeClr val="accent6"/>
+                </a:solidFill>
+                <a:latin typeface="Avenir Book" panose="02000503020000020003" pitchFamily="2" charset="0"/>
+              </a:rPr>
+              <a:t>Walter White</a:t>
+            </a:r>
+          </a:p>
+        </p:txBody>
+      </p:sp>
+      <p:sp>
+        <p:nvSpPr>
+          <p:cNvPr id="18" name="TextBox 17">
+            <a:extLst>
+              <a:ext uri="{FF2B5EF4-FFF2-40B4-BE49-F238E27FC236}">
+                <a16:creationId xmlns:a16="http://schemas.microsoft.com/office/drawing/2014/main" id="{7FBA3E7A-A172-4143-B19C-88D919D847B7}"/>
+              </a:ext>
+            </a:extLst>
+          </p:cNvPr>
+          <p:cNvSpPr txBox="1"/>
+          <p:nvPr/>
+        </p:nvSpPr>
+        <p:spPr>
+          <a:xfrm>
+            <a:off x="3249795" y="245917"/>
+            <a:ext cx="3062613" cy="369332"/>
+          </a:xfrm>
+          <a:prstGeom prst="rect">
+            <a:avLst/>
+          </a:prstGeom>
+          <a:noFill/>
+        </p:spPr>
+        <p:txBody>
+          <a:bodyPr wrap="square" rtlCol="0">
+            <a:spAutoFit/>
+          </a:bodyPr>
+          <a:lstStyle/>
+          <a:p>
+            <a:r>
+              <a:rPr lang="en-US" dirty="0">
+                <a:latin typeface="Avenir Light" panose="020B0402020203020204" pitchFamily="34" charset="77"/>
+              </a:rPr>
+              <a:t>Passing data with props</a:t>
+            </a:r>
+          </a:p>
+        </p:txBody>
+      </p:sp>
+    </p:spTree>
+    <p:extLst>
+      <p:ext uri="{BB962C8B-B14F-4D97-AF65-F5344CB8AC3E}">
+        <p14:creationId xmlns:p14="http://schemas.microsoft.com/office/powerpoint/2010/main" val="2092986254"/>
+      </p:ext>
+    </p:extLst>
+  </p:cSld>
+  <p:clrMapOvr>
+    <a:masterClrMapping/>
+  </p:clrMapOvr>
+  <mc:AlternateContent xmlns:mc="http://schemas.openxmlformats.org/markup-compatibility/2006">
+    <mc:Choice xmlns:p14="http://schemas.microsoft.com/office/powerpoint/2010/main" Requires="p14">
+      <p:transition spd="med" p14:dur="700">
+        <p:fade/>
+      </p:transition>
+    </mc:Choice>
+    <mc:Fallback>
+      <p:transition spd="med">
+        <p:fade/>
+      </p:transition>
+    </mc:Fallback>
+  </mc:AlternateContent>
+  <p:timing>
+    <p:tnLst>
+      <p:par>
+        <p:cTn id="1" dur="indefinite" restart="never" nodeType="tmRoot">
+          <p:childTnLst>
+            <p:seq concurrent="1" nextAc="seek">
+              <p:cTn id="2" dur="indefinite" nodeType="mainSeq">
+                <p:childTnLst>
+                  <p:par>
+                    <p:cTn id="3" fill="hold">
+                      <p:stCondLst>
+                        <p:cond delay="indefinite"/>
+                      </p:stCondLst>
+                      <p:childTnLst>
+                        <p:par>
+                          <p:cTn id="4" fill="hold">
+                            <p:stCondLst>
+                              <p:cond delay="0"/>
+                            </p:stCondLst>
+                            <p:childTnLst>
+                              <p:par>
+                                <p:cTn id="5" presetID="37" presetClass="entr" presetSubtype="0" fill="hold" grpId="0" nodeType="clickEffect">
+                                  <p:stCondLst>
+                                    <p:cond delay="0"/>
+                                  </p:stCondLst>
+                                  <p:childTnLst>
+                                    <p:set>
+                                      <p:cBhvr>
+                                        <p:cTn id="6" dur="1" fill="hold">
+                                          <p:stCondLst>
+                                            <p:cond delay="0"/>
+                                          </p:stCondLst>
+                                        </p:cTn>
+                                        <p:tgtEl>
+                                          <p:spTgt spid="17"/>
+                                        </p:tgtEl>
+                                        <p:attrNameLst>
+                                          <p:attrName>style.visibility</p:attrName>
+                                        </p:attrNameLst>
+                                      </p:cBhvr>
+                                      <p:to>
+                                        <p:strVal val="visible"/>
+                                      </p:to>
+                                    </p:set>
+                                    <p:animEffect transition="in" filter="fade">
+                                      <p:cBhvr>
+                                        <p:cTn id="7" dur="1000"/>
+                                        <p:tgtEl>
+                                          <p:spTgt spid="17"/>
+                                        </p:tgtEl>
+                                      </p:cBhvr>
+                                    </p:animEffect>
+                                    <p:anim calcmode="lin" valueType="num">
+                                      <p:cBhvr>
+                                        <p:cTn id="8" dur="1000" fill="hold"/>
+                                        <p:tgtEl>
+                                          <p:spTgt spid="17"/>
+                                        </p:tgtEl>
+                                        <p:attrNameLst>
+                                          <p:attrName>ppt_x</p:attrName>
+                                        </p:attrNameLst>
+                                      </p:cBhvr>
+                                      <p:tavLst>
+                                        <p:tav tm="0">
+                                          <p:val>
+                                            <p:strVal val="#ppt_x"/>
+                                          </p:val>
+                                        </p:tav>
+                                        <p:tav tm="100000">
+                                          <p:val>
+                                            <p:strVal val="#ppt_x"/>
+                                          </p:val>
+                                        </p:tav>
+                                      </p:tavLst>
+                                    </p:anim>
+                                    <p:anim calcmode="lin" valueType="num">
+                                      <p:cBhvr>
+                                        <p:cTn id="9" dur="900" decel="100000" fill="hold"/>
+                                        <p:tgtEl>
+                                          <p:spTgt spid="17"/>
+                                        </p:tgtEl>
+                                        <p:attrNameLst>
+                                          <p:attrName>ppt_y</p:attrName>
+                                        </p:attrNameLst>
+                                      </p:cBhvr>
+                                      <p:tavLst>
+                                        <p:tav tm="0">
+                                          <p:val>
+                                            <p:strVal val="#ppt_y+1"/>
+                                          </p:val>
+                                        </p:tav>
+                                        <p:tav tm="100000">
+                                          <p:val>
+                                            <p:strVal val="#ppt_y-.03"/>
+                                          </p:val>
+                                        </p:tav>
+                                      </p:tavLst>
+                                    </p:anim>
+                                    <p:anim calcmode="lin" valueType="num">
+                                      <p:cBhvr>
+                                        <p:cTn id="10" dur="100" accel="100000" fill="hold">
+                                          <p:stCondLst>
+                                            <p:cond delay="900"/>
+                                          </p:stCondLst>
+                                        </p:cTn>
+                                        <p:tgtEl>
+                                          <p:spTgt spid="17"/>
+                                        </p:tgtEl>
+                                        <p:attrNameLst>
+                                          <p:attrName>ppt_y</p:attrName>
+                                        </p:attrNameLst>
+                                      </p:cBhvr>
+                                      <p:tavLst>
+                                        <p:tav tm="0">
+                                          <p:val>
+                                            <p:strVal val="#ppt_y-.03"/>
+                                          </p:val>
+                                        </p:tav>
+                                        <p:tav tm="100000">
+                                          <p:val>
+                                            <p:strVal val="#ppt_y"/>
+                                          </p:val>
+                                        </p:tav>
+                                      </p:tavLst>
+                                    </p:anim>
+                                  </p:childTnLst>
+                                </p:cTn>
+                              </p:par>
+                            </p:childTnLst>
+                          </p:cTn>
+                        </p:par>
+                      </p:childTnLst>
+                    </p:cTn>
+                  </p:par>
+                </p:childTnLst>
+              </p:cTn>
+              <p:prevCondLst>
+                <p:cond evt="onPrev" delay="0">
+                  <p:tgtEl>
+                    <p:sldTgt/>
+                  </p:tgtEl>
+                </p:cond>
+              </p:prevCondLst>
+              <p:nextCondLst>
+                <p:cond evt="onNext" delay="0">
+                  <p:tgtEl>
+                    <p:sldTgt/>
+                  </p:tgtEl>
+                </p:cond>
+              </p:nextCondLst>
+            </p:seq>
+          </p:childTnLst>
+        </p:cTn>
+      </p:par>
+    </p:tnLst>
+    <p:bldLst>
+      <p:bldP spid="17" grpId="0"/>
+    </p:bldLst>
+  </p:timing>
+</p:sld>
+</file>
+
+<file path=ppt/slides/slide21.xml><?xml version="1.0" encoding="utf-8"?>
+<p:sld xmlns:a="http://schemas.openxmlformats.org/drawingml/2006/main" xmlns:r="http://schemas.openxmlformats.org/officeDocument/2006/relationships" xmlns:p="http://schemas.openxmlformats.org/presentationml/2006/main">
+  <p:cSld>
+    <p:bg>
+      <p:bgPr>
+        <a:solidFill>
+          <a:schemeClr val="bg1"/>
+        </a:solidFill>
+        <a:effectLst/>
+      </p:bgPr>
+    </p:bg>
+    <p:spTree>
+      <p:nvGrpSpPr>
+        <p:cNvPr id="1" name=""/>
+        <p:cNvGrpSpPr/>
+        <p:nvPr/>
+      </p:nvGrpSpPr>
+      <p:grpSpPr>
+        <a:xfrm>
+          <a:off x="0" y="0"/>
+          <a:ext cx="0" cy="0"/>
+          <a:chOff x="0" y="0"/>
+          <a:chExt cx="0" cy="0"/>
+        </a:xfrm>
+      </p:grpSpPr>
+      <p:sp>
+        <p:nvSpPr>
+          <p:cNvPr id="19" name="Freeform: Shape 10">
+            <a:extLst>
+              <a:ext uri="{FF2B5EF4-FFF2-40B4-BE49-F238E27FC236}">
+                <a16:creationId xmlns:a16="http://schemas.microsoft.com/office/drawing/2014/main" id="{CA815F2C-4E80-4019-8E59-FAD3F7F8473D}"/>
+              </a:ext>
+              <a:ext uri="{C183D7F6-B498-43B3-948B-1728B52AA6E4}">
+                <adec:decorative xmlns:adec="http://schemas.microsoft.com/office/drawing/2017/decorative" val="1"/>
+              </a:ext>
+            </a:extLst>
+          </p:cNvPr>
+          <p:cNvSpPr>
+            <a:spLocks noGrp="1" noRot="1" noChangeAspect="1" noMove="1" noResize="1" noEditPoints="1" noAdjustHandles="1" noChangeArrowheads="1" noChangeShapeType="1" noTextEdit="1"/>
+          </p:cNvSpPr>
+          <p:nvPr>
+            <p:extLst>
+              <p:ext uri="{386F3935-93C4-4BCD-93E2-E3B085C9AB24}">
+                <p16:designElem xmlns:p16="http://schemas.microsoft.com/office/powerpoint/2015/main" val="1"/>
+              </p:ext>
+            </p:extLst>
+          </p:nvPr>
+        </p:nvSpPr>
+        <p:spPr>
+          <a:xfrm>
+            <a:off x="0" y="0"/>
+            <a:ext cx="12009304" cy="6858000"/>
+          </a:xfrm>
+          <a:custGeom>
+            <a:avLst/>
+            <a:gdLst>
+              <a:gd name="connsiteX0" fmla="*/ 8239723 w 12009304"/>
+              <a:gd name="connsiteY0" fmla="*/ 5083103 h 6858000"/>
+              <a:gd name="connsiteX1" fmla="*/ 9505105 w 12009304"/>
+              <a:gd name="connsiteY1" fmla="*/ 5083103 h 6858000"/>
+              <a:gd name="connsiteX2" fmla="*/ 9564676 w 12009304"/>
+              <a:gd name="connsiteY2" fmla="*/ 5091016 h 6858000"/>
+              <a:gd name="connsiteX3" fmla="*/ 9605648 w 12009304"/>
+              <a:gd name="connsiteY3" fmla="*/ 5108194 h 6858000"/>
+              <a:gd name="connsiteX4" fmla="*/ 9580608 w 12009304"/>
+              <a:gd name="connsiteY4" fmla="*/ 5151499 h 6858000"/>
+              <a:gd name="connsiteX5" fmla="*/ 8693486 w 12009304"/>
+              <a:gd name="connsiteY5" fmla="*/ 6685800 h 6858000"/>
+              <a:gd name="connsiteX6" fmla="*/ 8595419 w 12009304"/>
+              <a:gd name="connsiteY6" fmla="*/ 6814017 h 6858000"/>
+              <a:gd name="connsiteX7" fmla="*/ 8545620 w 12009304"/>
+              <a:gd name="connsiteY7" fmla="*/ 6858000 h 6858000"/>
+              <a:gd name="connsiteX8" fmla="*/ 7612173 w 12009304"/>
+              <a:gd name="connsiteY8" fmla="*/ 6858000 h 6858000"/>
+              <a:gd name="connsiteX9" fmla="*/ 7591825 w 12009304"/>
+              <a:gd name="connsiteY9" fmla="*/ 6822959 h 6858000"/>
+              <a:gd name="connsiteX10" fmla="*/ 7411622 w 12009304"/>
+              <a:gd name="connsiteY10" fmla="*/ 6512633 h 6858000"/>
+              <a:gd name="connsiteX11" fmla="*/ 7411622 w 12009304"/>
+              <a:gd name="connsiteY11" fmla="*/ 6289354 h 6858000"/>
+              <a:gd name="connsiteX12" fmla="*/ 8045680 w 12009304"/>
+              <a:gd name="connsiteY12" fmla="*/ 5197465 h 6858000"/>
+              <a:gd name="connsiteX13" fmla="*/ 8239723 w 12009304"/>
+              <a:gd name="connsiteY13" fmla="*/ 5083103 h 6858000"/>
+              <a:gd name="connsiteX14" fmla="*/ 10622296 w 12009304"/>
+              <a:gd name="connsiteY14" fmla="*/ 1326563 h 6858000"/>
+              <a:gd name="connsiteX15" fmla="*/ 11448522 w 12009304"/>
+              <a:gd name="connsiteY15" fmla="*/ 1326563 h 6858000"/>
+              <a:gd name="connsiteX16" fmla="*/ 11577006 w 12009304"/>
+              <a:gd name="connsiteY16" fmla="*/ 1401233 h 6858000"/>
+              <a:gd name="connsiteX17" fmla="*/ 11989228 w 12009304"/>
+              <a:gd name="connsiteY17" fmla="*/ 2114179 h 6858000"/>
+              <a:gd name="connsiteX18" fmla="*/ 11989228 w 12009304"/>
+              <a:gd name="connsiteY18" fmla="*/ 2259969 h 6858000"/>
+              <a:gd name="connsiteX19" fmla="*/ 11577006 w 12009304"/>
+              <a:gd name="connsiteY19" fmla="*/ 2972914 h 6858000"/>
+              <a:gd name="connsiteX20" fmla="*/ 11448522 w 12009304"/>
+              <a:gd name="connsiteY20" fmla="*/ 3047587 h 6858000"/>
+              <a:gd name="connsiteX21" fmla="*/ 10622296 w 12009304"/>
+              <a:gd name="connsiteY21" fmla="*/ 3047587 h 6858000"/>
+              <a:gd name="connsiteX22" fmla="*/ 10495594 w 12009304"/>
+              <a:gd name="connsiteY22" fmla="*/ 2972914 h 6858000"/>
+              <a:gd name="connsiteX23" fmla="*/ 10081589 w 12009304"/>
+              <a:gd name="connsiteY23" fmla="*/ 2259969 h 6858000"/>
+              <a:gd name="connsiteX24" fmla="*/ 10081589 w 12009304"/>
+              <a:gd name="connsiteY24" fmla="*/ 2114179 h 6858000"/>
+              <a:gd name="connsiteX25" fmla="*/ 10495594 w 12009304"/>
+              <a:gd name="connsiteY25" fmla="*/ 1401233 h 6858000"/>
+              <a:gd name="connsiteX26" fmla="*/ 10622296 w 12009304"/>
+              <a:gd name="connsiteY26" fmla="*/ 1326563 h 6858000"/>
+              <a:gd name="connsiteX27" fmla="*/ 0 w 12009304"/>
+              <a:gd name="connsiteY27" fmla="*/ 0 h 6858000"/>
+              <a:gd name="connsiteX28" fmla="*/ 4457990 w 12009304"/>
+              <a:gd name="connsiteY28" fmla="*/ 0 h 6858000"/>
+              <a:gd name="connsiteX29" fmla="*/ 5902610 w 12009304"/>
+              <a:gd name="connsiteY29" fmla="*/ 0 h 6858000"/>
+              <a:gd name="connsiteX30" fmla="*/ 8476869 w 12009304"/>
+              <a:gd name="connsiteY30" fmla="*/ 0 h 6858000"/>
+              <a:gd name="connsiteX31" fmla="*/ 8535933 w 12009304"/>
+              <a:gd name="connsiteY31" fmla="*/ 39849 h 6858000"/>
+              <a:gd name="connsiteX32" fmla="*/ 8693486 w 12009304"/>
+              <a:gd name="connsiteY32" fmla="*/ 220603 h 6858000"/>
+              <a:gd name="connsiteX33" fmla="*/ 10389180 w 12009304"/>
+              <a:gd name="connsiteY33" fmla="*/ 3153347 h 6858000"/>
+              <a:gd name="connsiteX34" fmla="*/ 10389180 w 12009304"/>
+              <a:gd name="connsiteY34" fmla="*/ 3753061 h 6858000"/>
+              <a:gd name="connsiteX35" fmla="*/ 9759557 w 12009304"/>
+              <a:gd name="connsiteY35" fmla="*/ 4842009 h 6858000"/>
+              <a:gd name="connsiteX36" fmla="*/ 9706493 w 12009304"/>
+              <a:gd name="connsiteY36" fmla="*/ 4933778 h 6858000"/>
+              <a:gd name="connsiteX37" fmla="*/ 9708360 w 12009304"/>
+              <a:gd name="connsiteY37" fmla="*/ 4934561 h 6858000"/>
+              <a:gd name="connsiteX38" fmla="*/ 9802002 w 12009304"/>
+              <a:gd name="connsiteY38" fmla="*/ 5029008 h 6858000"/>
+              <a:gd name="connsiteX39" fmla="*/ 10514131 w 12009304"/>
+              <a:gd name="connsiteY39" fmla="*/ 6260653 h 6858000"/>
+              <a:gd name="connsiteX40" fmla="*/ 10514131 w 12009304"/>
+              <a:gd name="connsiteY40" fmla="*/ 6512512 h 6858000"/>
+              <a:gd name="connsiteX41" fmla="*/ 10340271 w 12009304"/>
+              <a:gd name="connsiteY41" fmla="*/ 6813206 h 6858000"/>
+              <a:gd name="connsiteX42" fmla="*/ 10314372 w 12009304"/>
+              <a:gd name="connsiteY42" fmla="*/ 6858000 h 6858000"/>
+              <a:gd name="connsiteX43" fmla="*/ 10119136 w 12009304"/>
+              <a:gd name="connsiteY43" fmla="*/ 6858000 h 6858000"/>
+              <a:gd name="connsiteX44" fmla="*/ 10122008 w 12009304"/>
+              <a:gd name="connsiteY44" fmla="*/ 6853033 h 6858000"/>
+              <a:gd name="connsiteX45" fmla="*/ 10327158 w 12009304"/>
+              <a:gd name="connsiteY45" fmla="*/ 6498223 h 6858000"/>
+              <a:gd name="connsiteX46" fmla="*/ 10327158 w 12009304"/>
+              <a:gd name="connsiteY46" fmla="*/ 6274942 h 6858000"/>
+              <a:gd name="connsiteX47" fmla="*/ 9695832 w 12009304"/>
+              <a:gd name="connsiteY47" fmla="*/ 5183053 h 6858000"/>
+              <a:gd name="connsiteX48" fmla="*/ 9612819 w 12009304"/>
+              <a:gd name="connsiteY48" fmla="*/ 5099323 h 6858000"/>
+              <a:gd name="connsiteX49" fmla="*/ 9603213 w 12009304"/>
+              <a:gd name="connsiteY49" fmla="*/ 5095298 h 6858000"/>
+              <a:gd name="connsiteX50" fmla="*/ 9654707 w 12009304"/>
+              <a:gd name="connsiteY50" fmla="*/ 5006238 h 6858000"/>
+              <a:gd name="connsiteX51" fmla="*/ 9693004 w 12009304"/>
+              <a:gd name="connsiteY51" fmla="*/ 4940002 h 6858000"/>
+              <a:gd name="connsiteX52" fmla="*/ 9653283 w 12009304"/>
+              <a:gd name="connsiteY52" fmla="*/ 4923348 h 6858000"/>
+              <a:gd name="connsiteX53" fmla="*/ 9586087 w 12009304"/>
+              <a:gd name="connsiteY53" fmla="*/ 4914420 h 6858000"/>
+              <a:gd name="connsiteX54" fmla="*/ 8158743 w 12009304"/>
+              <a:gd name="connsiteY54" fmla="*/ 4914420 h 6858000"/>
+              <a:gd name="connsiteX55" fmla="*/ 7939863 w 12009304"/>
+              <a:gd name="connsiteY55" fmla="*/ 5043420 h 6858000"/>
+              <a:gd name="connsiteX56" fmla="*/ 7224650 w 12009304"/>
+              <a:gd name="connsiteY56" fmla="*/ 6275065 h 6858000"/>
+              <a:gd name="connsiteX57" fmla="*/ 7224650 w 12009304"/>
+              <a:gd name="connsiteY57" fmla="*/ 6526922 h 6858000"/>
+              <a:gd name="connsiteX58" fmla="*/ 7350544 w 12009304"/>
+              <a:gd name="connsiteY58" fmla="*/ 6743723 h 6858000"/>
+              <a:gd name="connsiteX59" fmla="*/ 7416905 w 12009304"/>
+              <a:gd name="connsiteY59" fmla="*/ 6858000 h 6858000"/>
+              <a:gd name="connsiteX60" fmla="*/ 5902610 w 12009304"/>
+              <a:gd name="connsiteY60" fmla="*/ 6858000 h 6858000"/>
+              <a:gd name="connsiteX61" fmla="*/ 4389357 w 12009304"/>
+              <a:gd name="connsiteY61" fmla="*/ 6858000 h 6858000"/>
+              <a:gd name="connsiteX62" fmla="*/ 0 w 12009304"/>
+              <a:gd name="connsiteY62" fmla="*/ 6858000 h 6858000"/>
+            </a:gdLst>
+            <a:ahLst/>
+            <a:cxnLst>
+              <a:cxn ang="0">
+                <a:pos x="connsiteX0" y="connsiteY0"/>
+              </a:cxn>
+              <a:cxn ang="0">
+                <a:pos x="connsiteX1" y="connsiteY1"/>
+              </a:cxn>
+              <a:cxn ang="0">
+                <a:pos x="connsiteX2" y="connsiteY2"/>
+              </a:cxn>
+              <a:cxn ang="0">
+                <a:pos x="connsiteX3" y="connsiteY3"/>
+              </a:cxn>
+              <a:cxn ang="0">
+                <a:pos x="connsiteX4" y="connsiteY4"/>
+              </a:cxn>
+              <a:cxn ang="0">
+                <a:pos x="connsiteX5" y="connsiteY5"/>
+              </a:cxn>
+              <a:cxn ang="0">
+                <a:pos x="connsiteX6" y="connsiteY6"/>
+              </a:cxn>
+              <a:cxn ang="0">
+                <a:pos x="connsiteX7" y="connsiteY7"/>
+              </a:cxn>
+              <a:cxn ang="0">
+                <a:pos x="connsiteX8" y="connsiteY8"/>
+              </a:cxn>
+              <a:cxn ang="0">
+                <a:pos x="connsiteX9" y="connsiteY9"/>
+              </a:cxn>
+              <a:cxn ang="0">
+                <a:pos x="connsiteX10" y="connsiteY10"/>
+              </a:cxn>
+              <a:cxn ang="0">
+                <a:pos x="connsiteX11" y="connsiteY11"/>
+              </a:cxn>
+              <a:cxn ang="0">
+                <a:pos x="connsiteX12" y="connsiteY12"/>
+              </a:cxn>
+              <a:cxn ang="0">
+                <a:pos x="connsiteX13" y="connsiteY13"/>
+              </a:cxn>
+              <a:cxn ang="0">
+                <a:pos x="connsiteX14" y="connsiteY14"/>
+              </a:cxn>
+              <a:cxn ang="0">
+                <a:pos x="connsiteX15" y="connsiteY15"/>
+              </a:cxn>
+              <a:cxn ang="0">
+                <a:pos x="connsiteX16" y="connsiteY16"/>
+              </a:cxn>
+              <a:cxn ang="0">
+                <a:pos x="connsiteX17" y="connsiteY17"/>
+              </a:cxn>
+              <a:cxn ang="0">
+                <a:pos x="connsiteX18" y="connsiteY18"/>
+              </a:cxn>
+              <a:cxn ang="0">
+                <a:pos x="connsiteX19" y="connsiteY19"/>
+              </a:cxn>
+              <a:cxn ang="0">
+                <a:pos x="connsiteX20" y="connsiteY20"/>
+              </a:cxn>
+              <a:cxn ang="0">
+                <a:pos x="connsiteX21" y="connsiteY21"/>
+              </a:cxn>
+              <a:cxn ang="0">
+                <a:pos x="connsiteX22" y="connsiteY22"/>
+              </a:cxn>
+              <a:cxn ang="0">
+                <a:pos x="connsiteX23" y="connsiteY23"/>
+              </a:cxn>
+              <a:cxn ang="0">
+                <a:pos x="connsiteX24" y="connsiteY24"/>
+              </a:cxn>
+              <a:cxn ang="0">
+                <a:pos x="connsiteX25" y="connsiteY25"/>
+              </a:cxn>
+              <a:cxn ang="0">
+                <a:pos x="connsiteX26" y="connsiteY26"/>
+              </a:cxn>
+              <a:cxn ang="0">
+                <a:pos x="connsiteX27" y="connsiteY27"/>
+              </a:cxn>
+              <a:cxn ang="0">
+                <a:pos x="connsiteX28" y="connsiteY28"/>
+              </a:cxn>
+              <a:cxn ang="0">
+                <a:pos x="connsiteX29" y="connsiteY29"/>
+              </a:cxn>
+              <a:cxn ang="0">
+                <a:pos x="connsiteX30" y="connsiteY30"/>
+              </a:cxn>
+              <a:cxn ang="0">
+                <a:pos x="connsiteX31" y="connsiteY31"/>
+              </a:cxn>
+              <a:cxn ang="0">
+                <a:pos x="connsiteX32" y="connsiteY32"/>
+              </a:cxn>
+              <a:cxn ang="0">
+                <a:pos x="connsiteX33" y="connsiteY33"/>
+              </a:cxn>
+              <a:cxn ang="0">
+                <a:pos x="connsiteX34" y="connsiteY34"/>
+              </a:cxn>
+              <a:cxn ang="0">
+                <a:pos x="connsiteX35" y="connsiteY35"/>
+              </a:cxn>
+              <a:cxn ang="0">
+                <a:pos x="connsiteX36" y="connsiteY36"/>
+              </a:cxn>
+              <a:cxn ang="0">
+                <a:pos x="connsiteX37" y="connsiteY37"/>
+              </a:cxn>
+              <a:cxn ang="0">
+                <a:pos x="connsiteX38" y="connsiteY38"/>
+              </a:cxn>
+              <a:cxn ang="0">
+                <a:pos x="connsiteX39" y="connsiteY39"/>
+              </a:cxn>
+              <a:cxn ang="0">
+                <a:pos x="connsiteX40" y="connsiteY40"/>
+              </a:cxn>
+              <a:cxn ang="0">
+                <a:pos x="connsiteX41" y="connsiteY41"/>
+              </a:cxn>
+              <a:cxn ang="0">
+                <a:pos x="connsiteX42" y="connsiteY42"/>
+              </a:cxn>
+              <a:cxn ang="0">
+                <a:pos x="connsiteX43" y="connsiteY43"/>
+              </a:cxn>
+              <a:cxn ang="0">
+                <a:pos x="connsiteX44" y="connsiteY44"/>
+              </a:cxn>
+              <a:cxn ang="0">
+                <a:pos x="connsiteX45" y="connsiteY45"/>
+              </a:cxn>
+              <a:cxn ang="0">
+                <a:pos x="connsiteX46" y="connsiteY46"/>
+              </a:cxn>
+              <a:cxn ang="0">
+                <a:pos x="connsiteX47" y="connsiteY47"/>
+              </a:cxn>
+              <a:cxn ang="0">
+                <a:pos x="connsiteX48" y="connsiteY48"/>
+              </a:cxn>
+              <a:cxn ang="0">
+                <a:pos x="connsiteX49" y="connsiteY49"/>
+              </a:cxn>
+              <a:cxn ang="0">
+                <a:pos x="connsiteX50" y="connsiteY50"/>
+              </a:cxn>
+              <a:cxn ang="0">
+                <a:pos x="connsiteX51" y="connsiteY51"/>
+              </a:cxn>
+              <a:cxn ang="0">
+                <a:pos x="connsiteX52" y="connsiteY52"/>
+              </a:cxn>
+              <a:cxn ang="0">
+                <a:pos x="connsiteX53" y="connsiteY53"/>
+              </a:cxn>
+              <a:cxn ang="0">
+                <a:pos x="connsiteX54" y="connsiteY54"/>
+              </a:cxn>
+              <a:cxn ang="0">
+                <a:pos x="connsiteX55" y="connsiteY55"/>
+              </a:cxn>
+              <a:cxn ang="0">
+                <a:pos x="connsiteX56" y="connsiteY56"/>
+              </a:cxn>
+              <a:cxn ang="0">
+                <a:pos x="connsiteX57" y="connsiteY57"/>
+              </a:cxn>
+              <a:cxn ang="0">
+                <a:pos x="connsiteX58" y="connsiteY58"/>
+              </a:cxn>
+              <a:cxn ang="0">
+                <a:pos x="connsiteX59" y="connsiteY59"/>
+              </a:cxn>
+              <a:cxn ang="0">
+                <a:pos x="connsiteX60" y="connsiteY60"/>
+              </a:cxn>
+              <a:cxn ang="0">
+                <a:pos x="connsiteX61" y="connsiteY61"/>
+              </a:cxn>
+              <a:cxn ang="0">
+                <a:pos x="connsiteX62" y="connsiteY62"/>
+              </a:cxn>
+            </a:cxnLst>
+            <a:rect l="l" t="t" r="r" b="b"/>
+            <a:pathLst>
+              <a:path w="12009304" h="6858000">
+                <a:moveTo>
+                  <a:pt x="8239723" y="5083103"/>
+                </a:moveTo>
+                <a:cubicBezTo>
+                  <a:pt x="8239723" y="5083103"/>
+                  <a:pt x="8239723" y="5083103"/>
+                  <a:pt x="9505105" y="5083103"/>
+                </a:cubicBezTo>
+                <a:cubicBezTo>
+                  <a:pt x="9525601" y="5083103"/>
+                  <a:pt x="9545588" y="5085825"/>
+                  <a:pt x="9564676" y="5091016"/>
+                </a:cubicBezTo>
+                <a:lnTo>
+                  <a:pt x="9605648" y="5108194"/>
+                </a:lnTo>
+                <a:lnTo>
+                  <a:pt x="9580608" y="5151499"/>
+                </a:lnTo>
+                <a:cubicBezTo>
+                  <a:pt x="9354208" y="5543062"/>
+                  <a:pt x="9064418" y="6044264"/>
+                  <a:pt x="8693486" y="6685800"/>
+                </a:cubicBezTo>
+                <a:cubicBezTo>
+                  <a:pt x="8665958" y="6733339"/>
+                  <a:pt x="8632925" y="6776306"/>
+                  <a:pt x="8595419" y="6814017"/>
+                </a:cubicBezTo>
+                <a:lnTo>
+                  <a:pt x="8545620" y="6858000"/>
+                </a:lnTo>
+                <a:lnTo>
+                  <a:pt x="7612173" y="6858000"/>
+                </a:lnTo>
+                <a:lnTo>
+                  <a:pt x="7591825" y="6822959"/>
+                </a:lnTo>
+                <a:cubicBezTo>
+                  <a:pt x="7538315" y="6730809"/>
+                  <a:pt x="7478495" y="6627794"/>
+                  <a:pt x="7411622" y="6512633"/>
+                </a:cubicBezTo>
+                <a:cubicBezTo>
+                  <a:pt x="7370628" y="6444560"/>
+                  <a:pt x="7370628" y="6357427"/>
+                  <a:pt x="7411622" y="6289354"/>
+                </a:cubicBezTo>
+                <a:cubicBezTo>
+                  <a:pt x="7411622" y="6289354"/>
+                  <a:pt x="7411622" y="6289354"/>
+                  <a:pt x="8045680" y="5197465"/>
+                </a:cubicBezTo>
+                <a:cubicBezTo>
+                  <a:pt x="8083943" y="5126669"/>
+                  <a:pt x="8160465" y="5083103"/>
+                  <a:pt x="8239723" y="5083103"/>
+                </a:cubicBezTo>
+                <a:close/>
+                <a:moveTo>
+                  <a:pt x="10622296" y="1326563"/>
+                </a:moveTo>
+                <a:cubicBezTo>
+                  <a:pt x="10622296" y="1326563"/>
+                  <a:pt x="10622296" y="1326563"/>
+                  <a:pt x="11448522" y="1326563"/>
+                </a:cubicBezTo>
+                <a:cubicBezTo>
+                  <a:pt x="11502058" y="1326563"/>
+                  <a:pt x="11550238" y="1355009"/>
+                  <a:pt x="11577006" y="1401233"/>
+                </a:cubicBezTo>
+                <a:cubicBezTo>
+                  <a:pt x="11577006" y="1401233"/>
+                  <a:pt x="11577006" y="1401233"/>
+                  <a:pt x="11989228" y="2114179"/>
+                </a:cubicBezTo>
+                <a:cubicBezTo>
+                  <a:pt x="12015996" y="2158629"/>
+                  <a:pt x="12015996" y="2215522"/>
+                  <a:pt x="11989228" y="2259969"/>
+                </a:cubicBezTo>
+                <a:cubicBezTo>
+                  <a:pt x="11989228" y="2259969"/>
+                  <a:pt x="11989228" y="2259969"/>
+                  <a:pt x="11577006" y="2972914"/>
+                </a:cubicBezTo>
+                <a:cubicBezTo>
+                  <a:pt x="11550238" y="3019141"/>
+                  <a:pt x="11502058" y="3047587"/>
+                  <a:pt x="11448522" y="3047587"/>
+                </a:cubicBezTo>
+                <a:cubicBezTo>
+                  <a:pt x="11448522" y="3047587"/>
+                  <a:pt x="11448522" y="3047587"/>
+                  <a:pt x="10622296" y="3047587"/>
+                </a:cubicBezTo>
+                <a:cubicBezTo>
+                  <a:pt x="10570544" y="3047587"/>
+                  <a:pt x="10520578" y="3019141"/>
+                  <a:pt x="10495594" y="2972914"/>
+                </a:cubicBezTo>
+                <a:cubicBezTo>
+                  <a:pt x="10495594" y="2972914"/>
+                  <a:pt x="10495594" y="2972914"/>
+                  <a:pt x="10081589" y="2259969"/>
+                </a:cubicBezTo>
+                <a:cubicBezTo>
+                  <a:pt x="10054821" y="2215522"/>
+                  <a:pt x="10054821" y="2158629"/>
+                  <a:pt x="10081589" y="2114179"/>
+                </a:cubicBezTo>
+                <a:cubicBezTo>
+                  <a:pt x="10081589" y="2114179"/>
+                  <a:pt x="10081589" y="2114179"/>
+                  <a:pt x="10495594" y="1401233"/>
+                </a:cubicBezTo>
+                <a:cubicBezTo>
+                  <a:pt x="10520578" y="1355009"/>
+                  <a:pt x="10570544" y="1326563"/>
+                  <a:pt x="10622296" y="1326563"/>
+                </a:cubicBezTo>
+                <a:close/>
+                <a:moveTo>
+                  <a:pt x="0" y="0"/>
+                </a:moveTo>
+                <a:lnTo>
+                  <a:pt x="4457990" y="0"/>
+                </a:lnTo>
+                <a:lnTo>
+                  <a:pt x="5902610" y="0"/>
+                </a:lnTo>
+                <a:lnTo>
+                  <a:pt x="8476869" y="0"/>
+                </a:lnTo>
+                <a:lnTo>
+                  <a:pt x="8535933" y="39849"/>
+                </a:lnTo>
+                <a:cubicBezTo>
+                  <a:pt x="8598516" y="88273"/>
+                  <a:pt x="8652195" y="149296"/>
+                  <a:pt x="8693486" y="220603"/>
+                </a:cubicBezTo>
+                <a:cubicBezTo>
+                  <a:pt x="8693486" y="220603"/>
+                  <a:pt x="8693486" y="220603"/>
+                  <a:pt x="10389180" y="3153347"/>
+                </a:cubicBezTo>
+                <a:cubicBezTo>
+                  <a:pt x="10499291" y="3336185"/>
+                  <a:pt x="10499291" y="3570221"/>
+                  <a:pt x="10389180" y="3753061"/>
+                </a:cubicBezTo>
+                <a:cubicBezTo>
+                  <a:pt x="10389180" y="3753061"/>
+                  <a:pt x="10389180" y="3753061"/>
+                  <a:pt x="9759557" y="4842009"/>
+                </a:cubicBezTo>
+                <a:lnTo>
+                  <a:pt x="9706493" y="4933778"/>
+                </a:lnTo>
+                <a:lnTo>
+                  <a:pt x="9708360" y="4934561"/>
+                </a:lnTo>
+                <a:cubicBezTo>
+                  <a:pt x="9746510" y="4956830"/>
+                  <a:pt x="9778880" y="4989078"/>
+                  <a:pt x="9802002" y="5029008"/>
+                </a:cubicBezTo>
+                <a:cubicBezTo>
+                  <a:pt x="9802002" y="5029008"/>
+                  <a:pt x="9802002" y="5029008"/>
+                  <a:pt x="10514131" y="6260653"/>
+                </a:cubicBezTo>
+                <a:cubicBezTo>
+                  <a:pt x="10560376" y="6337439"/>
+                  <a:pt x="10560376" y="6435725"/>
+                  <a:pt x="10514131" y="6512512"/>
+                </a:cubicBezTo>
+                <a:cubicBezTo>
+                  <a:pt x="10514131" y="6512512"/>
+                  <a:pt x="10514131" y="6512512"/>
+                  <a:pt x="10340271" y="6813206"/>
+                </a:cubicBezTo>
+                <a:lnTo>
+                  <a:pt x="10314372" y="6858000"/>
+                </a:lnTo>
+                <a:lnTo>
+                  <a:pt x="10119136" y="6858000"/>
+                </a:lnTo>
+                <a:lnTo>
+                  <a:pt x="10122008" y="6853033"/>
+                </a:lnTo>
+                <a:cubicBezTo>
+                  <a:pt x="10327158" y="6498223"/>
+                  <a:pt x="10327158" y="6498223"/>
+                  <a:pt x="10327158" y="6498223"/>
+                </a:cubicBezTo>
+                <a:cubicBezTo>
+                  <a:pt x="10368154" y="6430148"/>
+                  <a:pt x="10368154" y="6343015"/>
+                  <a:pt x="10327158" y="6274942"/>
+                </a:cubicBezTo>
+                <a:cubicBezTo>
+                  <a:pt x="9695832" y="5183053"/>
+                  <a:pt x="9695832" y="5183053"/>
+                  <a:pt x="9695832" y="5183053"/>
+                </a:cubicBezTo>
+                <a:cubicBezTo>
+                  <a:pt x="9675334" y="5147654"/>
+                  <a:pt x="9646640" y="5119063"/>
+                  <a:pt x="9612819" y="5099323"/>
+                </a:cubicBezTo>
+                <a:lnTo>
+                  <a:pt x="9603213" y="5095298"/>
+                </a:lnTo>
+                <a:lnTo>
+                  <a:pt x="9654707" y="5006238"/>
+                </a:lnTo>
+                <a:lnTo>
+                  <a:pt x="9693004" y="4940002"/>
+                </a:lnTo>
+                <a:lnTo>
+                  <a:pt x="9653283" y="4923348"/>
+                </a:lnTo>
+                <a:cubicBezTo>
+                  <a:pt x="9631750" y="4917491"/>
+                  <a:pt x="9609208" y="4914420"/>
+                  <a:pt x="9586087" y="4914420"/>
+                </a:cubicBezTo>
+                <a:cubicBezTo>
+                  <a:pt x="8158743" y="4914420"/>
+                  <a:pt x="8158743" y="4914420"/>
+                  <a:pt x="8158743" y="4914420"/>
+                </a:cubicBezTo>
+                <a:cubicBezTo>
+                  <a:pt x="8069341" y="4914420"/>
+                  <a:pt x="7983024" y="4963563"/>
+                  <a:pt x="7939863" y="5043420"/>
+                </a:cubicBezTo>
+                <a:cubicBezTo>
+                  <a:pt x="7224650" y="6275065"/>
+                  <a:pt x="7224650" y="6275065"/>
+                  <a:pt x="7224650" y="6275065"/>
+                </a:cubicBezTo>
+                <a:cubicBezTo>
+                  <a:pt x="7178407" y="6351849"/>
+                  <a:pt x="7178407" y="6450135"/>
+                  <a:pt x="7224650" y="6526922"/>
+                </a:cubicBezTo>
+                <a:cubicBezTo>
+                  <a:pt x="7269350" y="6603900"/>
+                  <a:pt x="7311257" y="6676067"/>
+                  <a:pt x="7350544" y="6743723"/>
+                </a:cubicBezTo>
+                <a:lnTo>
+                  <a:pt x="7416905" y="6858000"/>
+                </a:lnTo>
+                <a:lnTo>
+                  <a:pt x="5902610" y="6858000"/>
+                </a:lnTo>
+                <a:lnTo>
+                  <a:pt x="4389357" y="6858000"/>
+                </a:lnTo>
+                <a:lnTo>
+                  <a:pt x="0" y="6858000"/>
+                </a:lnTo>
+                <a:close/>
+              </a:path>
+            </a:pathLst>
+          </a:custGeom>
+          <a:solidFill>
+            <a:schemeClr val="tx1">
+              <a:lumMod val="50000"/>
+              <a:lumOff val="50000"/>
+              <a:alpha val="15000"/>
+            </a:schemeClr>
+          </a:solidFill>
+          <a:ln>
+            <a:noFill/>
+          </a:ln>
+        </p:spPr>
+        <p:style>
+          <a:lnRef idx="2">
+            <a:schemeClr val="accent1">
+              <a:shade val="50000"/>
+            </a:schemeClr>
+          </a:lnRef>
+          <a:fillRef idx="1">
+            <a:schemeClr val="accent1"/>
+          </a:fillRef>
+          <a:effectRef idx="0">
+            <a:schemeClr val="accent1"/>
+          </a:effectRef>
+          <a:fontRef idx="minor">
+            <a:schemeClr val="lt1"/>
+          </a:fontRef>
+        </p:style>
+        <p:txBody>
+          <a:bodyPr wrap="square" rtlCol="0" anchor="ctr">
+            <a:noAutofit/>
+          </a:bodyPr>
+          <a:lstStyle/>
+          <a:p>
+            <a:pPr algn="ctr"/>
+            <a:endParaRPr lang="en-US"/>
+          </a:p>
+        </p:txBody>
+      </p:sp>
+      <p:pic>
+        <p:nvPicPr>
+          <p:cNvPr id="11" name="Picture 10" descr="Text&#10;&#10;Description automatically generated">
+            <a:extLst>
+              <a:ext uri="{FF2B5EF4-FFF2-40B4-BE49-F238E27FC236}">
+                <a16:creationId xmlns:a16="http://schemas.microsoft.com/office/drawing/2014/main" id="{246E409B-1C9F-4646-95C9-20C275D71A61}"/>
+              </a:ext>
+            </a:extLst>
+          </p:cNvPr>
+          <p:cNvPicPr>
+            <a:picLocks noChangeAspect="1"/>
+          </p:cNvPicPr>
+          <p:nvPr/>
+        </p:nvPicPr>
+        <p:blipFill>
+          <a:blip r:embed="rId3"/>
+          <a:stretch>
+            <a:fillRect/>
+          </a:stretch>
+        </p:blipFill>
+        <p:spPr>
+          <a:xfrm>
+            <a:off x="4781102" y="861165"/>
+            <a:ext cx="4479633" cy="5311036"/>
+          </a:xfrm>
+          <a:prstGeom prst="rect">
+            <a:avLst/>
+          </a:prstGeom>
+        </p:spPr>
+      </p:pic>
+      <p:sp>
+        <p:nvSpPr>
+          <p:cNvPr id="12" name="TextBox 11">
+            <a:extLst>
+              <a:ext uri="{FF2B5EF4-FFF2-40B4-BE49-F238E27FC236}">
+                <a16:creationId xmlns:a16="http://schemas.microsoft.com/office/drawing/2014/main" id="{ADF81841-B0C0-E649-9860-D3BD3C9217C6}"/>
+              </a:ext>
+            </a:extLst>
+          </p:cNvPr>
+          <p:cNvSpPr txBox="1"/>
+          <p:nvPr/>
+        </p:nvSpPr>
+        <p:spPr>
+          <a:xfrm>
+            <a:off x="1661555" y="6172201"/>
+            <a:ext cx="1283919" cy="369332"/>
+          </a:xfrm>
+          <a:prstGeom prst="rect">
+            <a:avLst/>
+          </a:prstGeom>
+          <a:noFill/>
+        </p:spPr>
+        <p:txBody>
+          <a:bodyPr wrap="square" rtlCol="0">
+            <a:spAutoFit/>
+          </a:bodyPr>
+          <a:lstStyle/>
+          <a:p>
+            <a:r>
+              <a:rPr lang="en-US" dirty="0" err="1">
+                <a:latin typeface="Avenir Book" panose="02000503020000020003" pitchFamily="2" charset="0"/>
+              </a:rPr>
+              <a:t>App.vue</a:t>
+            </a:r>
+            <a:endParaRPr lang="en-US" dirty="0">
+              <a:latin typeface="Avenir Book" panose="02000503020000020003" pitchFamily="2" charset="0"/>
+            </a:endParaRPr>
+          </a:p>
+        </p:txBody>
+      </p:sp>
+      <p:sp>
+        <p:nvSpPr>
+          <p:cNvPr id="13" name="TextBox 12">
+            <a:extLst>
+              <a:ext uri="{FF2B5EF4-FFF2-40B4-BE49-F238E27FC236}">
+                <a16:creationId xmlns:a16="http://schemas.microsoft.com/office/drawing/2014/main" id="{5703DAED-E517-3A43-B2CC-1BD656436211}"/>
+              </a:ext>
+            </a:extLst>
+          </p:cNvPr>
+          <p:cNvSpPr txBox="1"/>
+          <p:nvPr/>
+        </p:nvSpPr>
+        <p:spPr>
+          <a:xfrm>
+            <a:off x="6009441" y="6172201"/>
+            <a:ext cx="1913271" cy="369332"/>
+          </a:xfrm>
+          <a:prstGeom prst="rect">
+            <a:avLst/>
+          </a:prstGeom>
+          <a:noFill/>
+        </p:spPr>
+        <p:txBody>
+          <a:bodyPr wrap="square" rtlCol="0">
+            <a:spAutoFit/>
+          </a:bodyPr>
+          <a:lstStyle/>
+          <a:p>
+            <a:r>
+              <a:rPr lang="en-US" dirty="0" err="1">
+                <a:latin typeface="Avenir Light" panose="020B0402020203020204" pitchFamily="34" charset="77"/>
+              </a:rPr>
+              <a:t>NameHolder.vue</a:t>
+            </a:r>
+            <a:endParaRPr lang="en-US" dirty="0">
+              <a:latin typeface="Avenir Light" panose="020B0402020203020204" pitchFamily="34" charset="77"/>
+            </a:endParaRPr>
+          </a:p>
+        </p:txBody>
+      </p:sp>
+      <p:sp>
+        <p:nvSpPr>
+          <p:cNvPr id="18" name="TextBox 17">
+            <a:extLst>
+              <a:ext uri="{FF2B5EF4-FFF2-40B4-BE49-F238E27FC236}">
+                <a16:creationId xmlns:a16="http://schemas.microsoft.com/office/drawing/2014/main" id="{7FBA3E7A-A172-4143-B19C-88D919D847B7}"/>
+              </a:ext>
+            </a:extLst>
+          </p:cNvPr>
+          <p:cNvSpPr txBox="1"/>
+          <p:nvPr/>
+        </p:nvSpPr>
+        <p:spPr>
+          <a:xfrm>
+            <a:off x="2931425" y="175366"/>
+            <a:ext cx="3699353" cy="369332"/>
+          </a:xfrm>
+          <a:prstGeom prst="rect">
+            <a:avLst/>
+          </a:prstGeom>
+          <a:noFill/>
+        </p:spPr>
+        <p:txBody>
+          <a:bodyPr wrap="square" rtlCol="0">
+            <a:spAutoFit/>
+          </a:bodyPr>
+          <a:lstStyle/>
+          <a:p>
+            <a:r>
+              <a:rPr lang="en-US" dirty="0">
+                <a:latin typeface="Avenir Light" panose="020B0402020203020204" pitchFamily="34" charset="77"/>
+              </a:rPr>
+              <a:t>Passing data with dynamic props</a:t>
+            </a:r>
+          </a:p>
+        </p:txBody>
+      </p:sp>
+      <p:pic>
+        <p:nvPicPr>
+          <p:cNvPr id="4" name="Picture 3" descr="Text&#10;&#10;Description automatically generated">
+            <a:extLst>
+              <a:ext uri="{FF2B5EF4-FFF2-40B4-BE49-F238E27FC236}">
+                <a16:creationId xmlns:a16="http://schemas.microsoft.com/office/drawing/2014/main" id="{E9F250D0-1ACF-9A47-93F2-2AC1F4844B1D}"/>
+              </a:ext>
+            </a:extLst>
+          </p:cNvPr>
+          <p:cNvPicPr>
+            <a:picLocks noChangeAspect="1"/>
+          </p:cNvPicPr>
+          <p:nvPr/>
+        </p:nvPicPr>
+        <p:blipFill>
+          <a:blip r:embed="rId4"/>
+          <a:stretch>
+            <a:fillRect/>
+          </a:stretch>
+        </p:blipFill>
+        <p:spPr>
+          <a:xfrm>
+            <a:off x="154203" y="861165"/>
+            <a:ext cx="4298621" cy="5311036"/>
+          </a:xfrm>
+          <a:prstGeom prst="rect">
+            <a:avLst/>
+          </a:prstGeom>
+        </p:spPr>
+      </p:pic>
+      <p:sp>
+        <p:nvSpPr>
+          <p:cNvPr id="5" name="TextBox 4">
+            <a:extLst>
+              <a:ext uri="{FF2B5EF4-FFF2-40B4-BE49-F238E27FC236}">
+                <a16:creationId xmlns:a16="http://schemas.microsoft.com/office/drawing/2014/main" id="{AEDAB8A0-F95C-D444-AB67-092DD3A02287}"/>
+              </a:ext>
+            </a:extLst>
+          </p:cNvPr>
+          <p:cNvSpPr txBox="1"/>
+          <p:nvPr/>
+        </p:nvSpPr>
+        <p:spPr>
+          <a:xfrm>
+            <a:off x="9425851" y="1320730"/>
+            <a:ext cx="2583453" cy="4216539"/>
+          </a:xfrm>
+          <a:prstGeom prst="rect">
+            <a:avLst/>
+          </a:prstGeom>
+          <a:noFill/>
+        </p:spPr>
+        <p:txBody>
+          <a:bodyPr wrap="square" rtlCol="0">
+            <a:spAutoFit/>
+          </a:bodyPr>
+          <a:lstStyle/>
+          <a:p>
+            <a:pPr marL="171450" indent="-171450">
+              <a:buFont typeface="Arial" panose="020B0604020202020204" pitchFamily="34" charset="0"/>
+              <a:buChar char="•"/>
+            </a:pPr>
+            <a:r>
+              <a:rPr lang="en-US" sz="1200" dirty="0">
+                <a:latin typeface="Avenir Book" panose="02000503020000020003" pitchFamily="2" charset="0"/>
+              </a:rPr>
+              <a:t> v-bind: allows you to bind the property ‘name’ to the computed value of ‘</a:t>
+            </a:r>
+            <a:r>
+              <a:rPr lang="en-US" sz="1200" dirty="0" err="1">
+                <a:latin typeface="Avenir Book" panose="02000503020000020003" pitchFamily="2" charset="0"/>
+              </a:rPr>
+              <a:t>randomName</a:t>
+            </a:r>
+            <a:r>
+              <a:rPr lang="en-US" sz="1200" dirty="0">
+                <a:latin typeface="Avenir Book" panose="02000503020000020003" pitchFamily="2" charset="0"/>
+              </a:rPr>
+              <a:t>’</a:t>
+            </a:r>
+          </a:p>
+          <a:p>
+            <a:endParaRPr lang="en-US" sz="1200" dirty="0">
+              <a:latin typeface="Avenir Book" panose="02000503020000020003" pitchFamily="2" charset="0"/>
+            </a:endParaRPr>
+          </a:p>
+          <a:p>
+            <a:pPr marL="171450" indent="-171450">
+              <a:buFont typeface="Arial" panose="020B0604020202020204" pitchFamily="34" charset="0"/>
+              <a:buChar char="•"/>
+            </a:pPr>
+            <a:r>
+              <a:rPr lang="en-US" sz="1200" dirty="0">
+                <a:latin typeface="Avenir Book" panose="02000503020000020003" pitchFamily="2" charset="0"/>
+              </a:rPr>
+              <a:t>v-bind: is a type of directive</a:t>
+            </a:r>
+          </a:p>
+          <a:p>
+            <a:endParaRPr lang="en-US" sz="1200" dirty="0">
+              <a:latin typeface="Avenir Book" panose="02000503020000020003" pitchFamily="2" charset="0"/>
+            </a:endParaRPr>
+          </a:p>
+          <a:p>
+            <a:pPr marL="171450" indent="-171450">
+              <a:buFont typeface="Arial" panose="020B0604020202020204" pitchFamily="34" charset="0"/>
+              <a:buChar char="•"/>
+            </a:pPr>
+            <a:r>
+              <a:rPr lang="en-US" sz="1200" dirty="0">
+                <a:latin typeface="Avenir Book" panose="02000503020000020003" pitchFamily="2" charset="0"/>
+              </a:rPr>
+              <a:t>directives are special tokens in the &lt;template&gt; that tells the Vue library to do something to the DOM element</a:t>
+            </a:r>
+          </a:p>
+          <a:p>
+            <a:endParaRPr lang="en-US" sz="1200" dirty="0">
+              <a:latin typeface="Avenir Book" panose="02000503020000020003" pitchFamily="2" charset="0"/>
+            </a:endParaRPr>
+          </a:p>
+          <a:p>
+            <a:pPr marL="171450" indent="-171450">
+              <a:buFont typeface="Arial" panose="020B0604020202020204" pitchFamily="34" charset="0"/>
+              <a:buChar char="•"/>
+            </a:pPr>
+            <a:r>
+              <a:rPr lang="en-US" sz="1200" dirty="0">
+                <a:latin typeface="Avenir Book" panose="02000503020000020003" pitchFamily="2" charset="0"/>
+              </a:rPr>
+              <a:t>Shorthand for                             </a:t>
+            </a:r>
+            <a:r>
+              <a:rPr lang="en-US" sz="1200" dirty="0" err="1">
+                <a:latin typeface="Avenir Book" panose="02000503020000020003" pitchFamily="2" charset="0"/>
+              </a:rPr>
+              <a:t>v-bind:name</a:t>
+            </a:r>
+            <a:r>
+              <a:rPr lang="en-US" sz="1200" dirty="0">
+                <a:latin typeface="Avenir Book" panose="02000503020000020003" pitchFamily="2" charset="0"/>
+              </a:rPr>
+              <a:t>=“</a:t>
+            </a:r>
+            <a:r>
+              <a:rPr lang="en-US" sz="1200" dirty="0" err="1">
+                <a:latin typeface="Avenir Book" panose="02000503020000020003" pitchFamily="2" charset="0"/>
+              </a:rPr>
+              <a:t>RandomName</a:t>
+            </a:r>
+            <a:r>
+              <a:rPr lang="en-US" sz="1200" dirty="0">
+                <a:latin typeface="Avenir Book" panose="02000503020000020003" pitchFamily="2" charset="0"/>
+              </a:rPr>
+              <a:t>” :name=“</a:t>
+            </a:r>
+            <a:r>
+              <a:rPr lang="en-US" sz="1200" dirty="0" err="1">
+                <a:latin typeface="Avenir Book" panose="02000503020000020003" pitchFamily="2" charset="0"/>
+              </a:rPr>
+              <a:t>randomName</a:t>
+            </a:r>
+            <a:endParaRPr lang="en-US" sz="1200" dirty="0">
+              <a:latin typeface="Avenir Book" panose="02000503020000020003" pitchFamily="2" charset="0"/>
+            </a:endParaRPr>
+          </a:p>
+          <a:p>
+            <a:endParaRPr lang="en-US" sz="1200" dirty="0">
+              <a:latin typeface="Avenir Book" panose="02000503020000020003" pitchFamily="2" charset="0"/>
+            </a:endParaRPr>
+          </a:p>
+          <a:p>
+            <a:pPr marL="171450" indent="-171450">
+              <a:buFont typeface="Arial" panose="020B0604020202020204" pitchFamily="34" charset="0"/>
+              <a:buChar char="•"/>
+            </a:pPr>
+            <a:r>
+              <a:rPr lang="en-US" sz="1200" dirty="0">
+                <a:latin typeface="Avenir Book" panose="02000503020000020003" pitchFamily="2" charset="0"/>
+              </a:rPr>
+              <a:t>computed is a field of the component which defines various functions which ‘compute’ values…always have a return value</a:t>
+            </a:r>
+          </a:p>
+          <a:p>
+            <a:endParaRPr lang="en-US" sz="1600" dirty="0">
+              <a:latin typeface="Avenir Book" panose="02000503020000020003" pitchFamily="2" charset="0"/>
+            </a:endParaRPr>
+          </a:p>
+        </p:txBody>
+      </p:sp>
+    </p:spTree>
+    <p:extLst>
+      <p:ext uri="{BB962C8B-B14F-4D97-AF65-F5344CB8AC3E}">
+        <p14:creationId xmlns:p14="http://schemas.microsoft.com/office/powerpoint/2010/main" val="1974363140"/>
+      </p:ext>
+    </p:extLst>
+  </p:cSld>
+  <p:clrMapOvr>
+    <a:masterClrMapping/>
+  </p:clrMapOvr>
+  <mc:AlternateContent xmlns:mc="http://schemas.openxmlformats.org/markup-compatibility/2006">
+    <mc:Choice xmlns:p14="http://schemas.microsoft.com/office/powerpoint/2010/main" Requires="p14">
+      <p:transition spd="med" p14:dur="700">
+        <p:fade/>
+      </p:transition>
+    </mc:Choice>
+    <mc:Fallback>
+      <p:transition spd="med">
+        <p:fade/>
+      </p:transition>
+    </mc:Fallback>
+  </mc:AlternateContent>
+  <p:timing>
+    <p:tnLst>
+      <p:par>
+        <p:cTn id="1" dur="indefinite" restart="never" nodeType="tmRoot">
+          <p:childTnLst>
+            <p:seq concurrent="1" nextAc="seek">
+              <p:cTn id="2" dur="indefinite" nodeType="mainSeq">
+                <p:childTnLst>
+                  <p:par>
+                    <p:cTn id="3" fill="hold">
+                      <p:stCondLst>
+                        <p:cond delay="indefinite"/>
+                      </p:stCondLst>
+                      <p:childTnLst>
+                        <p:par>
+                          <p:cTn id="4" fill="hold">
+                            <p:stCondLst>
+                              <p:cond delay="0"/>
+                            </p:stCondLst>
+                            <p:childTnLst>
+                              <p:par>
+                                <p:cTn id="5" presetID="37" presetClass="entr" presetSubtype="0" fill="hold" grpId="0" nodeType="clickEffect">
+                                  <p:stCondLst>
+                                    <p:cond delay="0"/>
+                                  </p:stCondLst>
+                                  <p:childTnLst>
+                                    <p:set>
+                                      <p:cBhvr>
+                                        <p:cTn id="6" dur="1" fill="hold">
+                                          <p:stCondLst>
+                                            <p:cond delay="0"/>
+                                          </p:stCondLst>
+                                        </p:cTn>
+                                        <p:tgtEl>
+                                          <p:spTgt spid="5"/>
+                                        </p:tgtEl>
+                                        <p:attrNameLst>
+                                          <p:attrName>style.visibility</p:attrName>
+                                        </p:attrNameLst>
+                                      </p:cBhvr>
+                                      <p:to>
+                                        <p:strVal val="visible"/>
+                                      </p:to>
+                                    </p:set>
+                                    <p:animEffect transition="in" filter="fade">
+                                      <p:cBhvr>
+                                        <p:cTn id="7" dur="1000"/>
+                                        <p:tgtEl>
+                                          <p:spTgt spid="5"/>
+                                        </p:tgtEl>
+                                      </p:cBhvr>
+                                    </p:animEffect>
+                                    <p:anim calcmode="lin" valueType="num">
+                                      <p:cBhvr>
+                                        <p:cTn id="8" dur="1000" fill="hold"/>
+                                        <p:tgtEl>
+                                          <p:spTgt spid="5"/>
+                                        </p:tgtEl>
+                                        <p:attrNameLst>
+                                          <p:attrName>ppt_x</p:attrName>
+                                        </p:attrNameLst>
+                                      </p:cBhvr>
+                                      <p:tavLst>
+                                        <p:tav tm="0">
+                                          <p:val>
+                                            <p:strVal val="#ppt_x"/>
+                                          </p:val>
+                                        </p:tav>
+                                        <p:tav tm="100000">
+                                          <p:val>
+                                            <p:strVal val="#ppt_x"/>
+                                          </p:val>
+                                        </p:tav>
+                                      </p:tavLst>
+                                    </p:anim>
+                                    <p:anim calcmode="lin" valueType="num">
+                                      <p:cBhvr>
+                                        <p:cTn id="9" dur="900" decel="100000" fill="hold"/>
+                                        <p:tgtEl>
+                                          <p:spTgt spid="5"/>
+                                        </p:tgtEl>
+                                        <p:attrNameLst>
+                                          <p:attrName>ppt_y</p:attrName>
+                                        </p:attrNameLst>
+                                      </p:cBhvr>
+                                      <p:tavLst>
+                                        <p:tav tm="0">
+                                          <p:val>
+                                            <p:strVal val="#ppt_y+1"/>
+                                          </p:val>
+                                        </p:tav>
+                                        <p:tav tm="100000">
+                                          <p:val>
+                                            <p:strVal val="#ppt_y-.03"/>
+                                          </p:val>
+                                        </p:tav>
+                                      </p:tavLst>
+                                    </p:anim>
+                                    <p:anim calcmode="lin" valueType="num">
+                                      <p:cBhvr>
+                                        <p:cTn id="10" dur="100" accel="100000" fill="hold">
+                                          <p:stCondLst>
+                                            <p:cond delay="900"/>
+                                          </p:stCondLst>
+                                        </p:cTn>
+                                        <p:tgtEl>
+                                          <p:spTgt spid="5"/>
+                                        </p:tgtEl>
+                                        <p:attrNameLst>
+                                          <p:attrName>ppt_y</p:attrName>
+                                        </p:attrNameLst>
+                                      </p:cBhvr>
+                                      <p:tavLst>
+                                        <p:tav tm="0">
+                                          <p:val>
+                                            <p:strVal val="#ppt_y-.03"/>
+                                          </p:val>
+                                        </p:tav>
+                                        <p:tav tm="100000">
+                                          <p:val>
+                                            <p:strVal val="#ppt_y"/>
+                                          </p:val>
+                                        </p:tav>
+                                      </p:tavLst>
+                                    </p:anim>
+                                  </p:childTnLst>
+                                </p:cTn>
+                              </p:par>
+                            </p:childTnLst>
+                          </p:cTn>
+                        </p:par>
+                      </p:childTnLst>
+                    </p:cTn>
+                  </p:par>
+                </p:childTnLst>
+              </p:cTn>
+              <p:prevCondLst>
+                <p:cond evt="onPrev" delay="0">
+                  <p:tgtEl>
+                    <p:sldTgt/>
+                  </p:tgtEl>
+                </p:cond>
+              </p:prevCondLst>
+              <p:nextCondLst>
+                <p:cond evt="onNext" delay="0">
+                  <p:tgtEl>
+                    <p:sldTgt/>
+                  </p:tgtEl>
+                </p:cond>
+              </p:nextCondLst>
+            </p:seq>
+          </p:childTnLst>
+        </p:cTn>
+      </p:par>
+    </p:tnLst>
+    <p:bldLst>
+      <p:bldP spid="5" grpId="0"/>
+    </p:bldLst>
+  </p:timing>
+</p:sld>
+</file>
+
+<file path=ppt/slides/slide22.xml><?xml version="1.0" encoding="utf-8"?>
+<p:sld xmlns:a="http://schemas.openxmlformats.org/drawingml/2006/main" xmlns:r="http://schemas.openxmlformats.org/officeDocument/2006/relationships" xmlns:p="http://schemas.openxmlformats.org/presentationml/2006/main">
+  <p:cSld>
+    <p:bg>
+      <p:bgPr>
+        <a:solidFill>
+          <a:schemeClr val="bg1"/>
+        </a:solidFill>
+        <a:effectLst/>
+      </p:bgPr>
+    </p:bg>
+    <p:spTree>
+      <p:nvGrpSpPr>
+        <p:cNvPr id="1" name=""/>
+        <p:cNvGrpSpPr/>
+        <p:nvPr/>
+      </p:nvGrpSpPr>
+      <p:grpSpPr>
+        <a:xfrm>
+          <a:off x="0" y="0"/>
+          <a:ext cx="0" cy="0"/>
+          <a:chOff x="0" y="0"/>
+          <a:chExt cx="0" cy="0"/>
+        </a:xfrm>
+      </p:grpSpPr>
+      <p:sp>
+        <p:nvSpPr>
+          <p:cNvPr id="19" name="Freeform: Shape 10">
+            <a:extLst>
+              <a:ext uri="{FF2B5EF4-FFF2-40B4-BE49-F238E27FC236}">
+                <a16:creationId xmlns:a16="http://schemas.microsoft.com/office/drawing/2014/main" id="{CA815F2C-4E80-4019-8E59-FAD3F7F8473D}"/>
+              </a:ext>
+              <a:ext uri="{C183D7F6-B498-43B3-948B-1728B52AA6E4}">
+                <adec:decorative xmlns:adec="http://schemas.microsoft.com/office/drawing/2017/decorative" val="1"/>
+              </a:ext>
+            </a:extLst>
+          </p:cNvPr>
+          <p:cNvSpPr>
+            <a:spLocks noGrp="1" noRot="1" noChangeAspect="1" noMove="1" noResize="1" noEditPoints="1" noAdjustHandles="1" noChangeArrowheads="1" noChangeShapeType="1" noTextEdit="1"/>
+          </p:cNvSpPr>
+          <p:nvPr>
+            <p:extLst>
+              <p:ext uri="{386F3935-93C4-4BCD-93E2-E3B085C9AB24}">
+                <p16:designElem xmlns:p16="http://schemas.microsoft.com/office/powerpoint/2015/main" val="1"/>
+              </p:ext>
+            </p:extLst>
+          </p:nvPr>
+        </p:nvSpPr>
+        <p:spPr>
+          <a:xfrm>
+            <a:off x="0" y="0"/>
+            <a:ext cx="12009304" cy="6858000"/>
+          </a:xfrm>
+          <a:custGeom>
+            <a:avLst/>
+            <a:gdLst>
+              <a:gd name="connsiteX0" fmla="*/ 8239723 w 12009304"/>
+              <a:gd name="connsiteY0" fmla="*/ 5083103 h 6858000"/>
+              <a:gd name="connsiteX1" fmla="*/ 9505105 w 12009304"/>
+              <a:gd name="connsiteY1" fmla="*/ 5083103 h 6858000"/>
+              <a:gd name="connsiteX2" fmla="*/ 9564676 w 12009304"/>
+              <a:gd name="connsiteY2" fmla="*/ 5091016 h 6858000"/>
+              <a:gd name="connsiteX3" fmla="*/ 9605648 w 12009304"/>
+              <a:gd name="connsiteY3" fmla="*/ 5108194 h 6858000"/>
+              <a:gd name="connsiteX4" fmla="*/ 9580608 w 12009304"/>
+              <a:gd name="connsiteY4" fmla="*/ 5151499 h 6858000"/>
+              <a:gd name="connsiteX5" fmla="*/ 8693486 w 12009304"/>
+              <a:gd name="connsiteY5" fmla="*/ 6685800 h 6858000"/>
+              <a:gd name="connsiteX6" fmla="*/ 8595419 w 12009304"/>
+              <a:gd name="connsiteY6" fmla="*/ 6814017 h 6858000"/>
+              <a:gd name="connsiteX7" fmla="*/ 8545620 w 12009304"/>
+              <a:gd name="connsiteY7" fmla="*/ 6858000 h 6858000"/>
+              <a:gd name="connsiteX8" fmla="*/ 7612173 w 12009304"/>
+              <a:gd name="connsiteY8" fmla="*/ 6858000 h 6858000"/>
+              <a:gd name="connsiteX9" fmla="*/ 7591825 w 12009304"/>
+              <a:gd name="connsiteY9" fmla="*/ 6822959 h 6858000"/>
+              <a:gd name="connsiteX10" fmla="*/ 7411622 w 12009304"/>
+              <a:gd name="connsiteY10" fmla="*/ 6512633 h 6858000"/>
+              <a:gd name="connsiteX11" fmla="*/ 7411622 w 12009304"/>
+              <a:gd name="connsiteY11" fmla="*/ 6289354 h 6858000"/>
+              <a:gd name="connsiteX12" fmla="*/ 8045680 w 12009304"/>
+              <a:gd name="connsiteY12" fmla="*/ 5197465 h 6858000"/>
+              <a:gd name="connsiteX13" fmla="*/ 8239723 w 12009304"/>
+              <a:gd name="connsiteY13" fmla="*/ 5083103 h 6858000"/>
+              <a:gd name="connsiteX14" fmla="*/ 10622296 w 12009304"/>
+              <a:gd name="connsiteY14" fmla="*/ 1326563 h 6858000"/>
+              <a:gd name="connsiteX15" fmla="*/ 11448522 w 12009304"/>
+              <a:gd name="connsiteY15" fmla="*/ 1326563 h 6858000"/>
+              <a:gd name="connsiteX16" fmla="*/ 11577006 w 12009304"/>
+              <a:gd name="connsiteY16" fmla="*/ 1401233 h 6858000"/>
+              <a:gd name="connsiteX17" fmla="*/ 11989228 w 12009304"/>
+              <a:gd name="connsiteY17" fmla="*/ 2114179 h 6858000"/>
+              <a:gd name="connsiteX18" fmla="*/ 11989228 w 12009304"/>
+              <a:gd name="connsiteY18" fmla="*/ 2259969 h 6858000"/>
+              <a:gd name="connsiteX19" fmla="*/ 11577006 w 12009304"/>
+              <a:gd name="connsiteY19" fmla="*/ 2972914 h 6858000"/>
+              <a:gd name="connsiteX20" fmla="*/ 11448522 w 12009304"/>
+              <a:gd name="connsiteY20" fmla="*/ 3047587 h 6858000"/>
+              <a:gd name="connsiteX21" fmla="*/ 10622296 w 12009304"/>
+              <a:gd name="connsiteY21" fmla="*/ 3047587 h 6858000"/>
+              <a:gd name="connsiteX22" fmla="*/ 10495594 w 12009304"/>
+              <a:gd name="connsiteY22" fmla="*/ 2972914 h 6858000"/>
+              <a:gd name="connsiteX23" fmla="*/ 10081589 w 12009304"/>
+              <a:gd name="connsiteY23" fmla="*/ 2259969 h 6858000"/>
+              <a:gd name="connsiteX24" fmla="*/ 10081589 w 12009304"/>
+              <a:gd name="connsiteY24" fmla="*/ 2114179 h 6858000"/>
+              <a:gd name="connsiteX25" fmla="*/ 10495594 w 12009304"/>
+              <a:gd name="connsiteY25" fmla="*/ 1401233 h 6858000"/>
+              <a:gd name="connsiteX26" fmla="*/ 10622296 w 12009304"/>
+              <a:gd name="connsiteY26" fmla="*/ 1326563 h 6858000"/>
+              <a:gd name="connsiteX27" fmla="*/ 0 w 12009304"/>
+              <a:gd name="connsiteY27" fmla="*/ 0 h 6858000"/>
+              <a:gd name="connsiteX28" fmla="*/ 4457990 w 12009304"/>
+              <a:gd name="connsiteY28" fmla="*/ 0 h 6858000"/>
+              <a:gd name="connsiteX29" fmla="*/ 5902610 w 12009304"/>
+              <a:gd name="connsiteY29" fmla="*/ 0 h 6858000"/>
+              <a:gd name="connsiteX30" fmla="*/ 8476869 w 12009304"/>
+              <a:gd name="connsiteY30" fmla="*/ 0 h 6858000"/>
+              <a:gd name="connsiteX31" fmla="*/ 8535933 w 12009304"/>
+              <a:gd name="connsiteY31" fmla="*/ 39849 h 6858000"/>
+              <a:gd name="connsiteX32" fmla="*/ 8693486 w 12009304"/>
+              <a:gd name="connsiteY32" fmla="*/ 220603 h 6858000"/>
+              <a:gd name="connsiteX33" fmla="*/ 10389180 w 12009304"/>
+              <a:gd name="connsiteY33" fmla="*/ 3153347 h 6858000"/>
+              <a:gd name="connsiteX34" fmla="*/ 10389180 w 12009304"/>
+              <a:gd name="connsiteY34" fmla="*/ 3753061 h 6858000"/>
+              <a:gd name="connsiteX35" fmla="*/ 9759557 w 12009304"/>
+              <a:gd name="connsiteY35" fmla="*/ 4842009 h 6858000"/>
+              <a:gd name="connsiteX36" fmla="*/ 9706493 w 12009304"/>
+              <a:gd name="connsiteY36" fmla="*/ 4933778 h 6858000"/>
+              <a:gd name="connsiteX37" fmla="*/ 9708360 w 12009304"/>
+              <a:gd name="connsiteY37" fmla="*/ 4934561 h 6858000"/>
+              <a:gd name="connsiteX38" fmla="*/ 9802002 w 12009304"/>
+              <a:gd name="connsiteY38" fmla="*/ 5029008 h 6858000"/>
+              <a:gd name="connsiteX39" fmla="*/ 10514131 w 12009304"/>
+              <a:gd name="connsiteY39" fmla="*/ 6260653 h 6858000"/>
+              <a:gd name="connsiteX40" fmla="*/ 10514131 w 12009304"/>
+              <a:gd name="connsiteY40" fmla="*/ 6512512 h 6858000"/>
+              <a:gd name="connsiteX41" fmla="*/ 10340271 w 12009304"/>
+              <a:gd name="connsiteY41" fmla="*/ 6813206 h 6858000"/>
+              <a:gd name="connsiteX42" fmla="*/ 10314372 w 12009304"/>
+              <a:gd name="connsiteY42" fmla="*/ 6858000 h 6858000"/>
+              <a:gd name="connsiteX43" fmla="*/ 10119136 w 12009304"/>
+              <a:gd name="connsiteY43" fmla="*/ 6858000 h 6858000"/>
+              <a:gd name="connsiteX44" fmla="*/ 10122008 w 12009304"/>
+              <a:gd name="connsiteY44" fmla="*/ 6853033 h 6858000"/>
+              <a:gd name="connsiteX45" fmla="*/ 10327158 w 12009304"/>
+              <a:gd name="connsiteY45" fmla="*/ 6498223 h 6858000"/>
+              <a:gd name="connsiteX46" fmla="*/ 10327158 w 12009304"/>
+              <a:gd name="connsiteY46" fmla="*/ 6274942 h 6858000"/>
+              <a:gd name="connsiteX47" fmla="*/ 9695832 w 12009304"/>
+              <a:gd name="connsiteY47" fmla="*/ 5183053 h 6858000"/>
+              <a:gd name="connsiteX48" fmla="*/ 9612819 w 12009304"/>
+              <a:gd name="connsiteY48" fmla="*/ 5099323 h 6858000"/>
+              <a:gd name="connsiteX49" fmla="*/ 9603213 w 12009304"/>
+              <a:gd name="connsiteY49" fmla="*/ 5095298 h 6858000"/>
+              <a:gd name="connsiteX50" fmla="*/ 9654707 w 12009304"/>
+              <a:gd name="connsiteY50" fmla="*/ 5006238 h 6858000"/>
+              <a:gd name="connsiteX51" fmla="*/ 9693004 w 12009304"/>
+              <a:gd name="connsiteY51" fmla="*/ 4940002 h 6858000"/>
+              <a:gd name="connsiteX52" fmla="*/ 9653283 w 12009304"/>
+              <a:gd name="connsiteY52" fmla="*/ 4923348 h 6858000"/>
+              <a:gd name="connsiteX53" fmla="*/ 9586087 w 12009304"/>
+              <a:gd name="connsiteY53" fmla="*/ 4914420 h 6858000"/>
+              <a:gd name="connsiteX54" fmla="*/ 8158743 w 12009304"/>
+              <a:gd name="connsiteY54" fmla="*/ 4914420 h 6858000"/>
+              <a:gd name="connsiteX55" fmla="*/ 7939863 w 12009304"/>
+              <a:gd name="connsiteY55" fmla="*/ 5043420 h 6858000"/>
+              <a:gd name="connsiteX56" fmla="*/ 7224650 w 12009304"/>
+              <a:gd name="connsiteY56" fmla="*/ 6275065 h 6858000"/>
+              <a:gd name="connsiteX57" fmla="*/ 7224650 w 12009304"/>
+              <a:gd name="connsiteY57" fmla="*/ 6526922 h 6858000"/>
+              <a:gd name="connsiteX58" fmla="*/ 7350544 w 12009304"/>
+              <a:gd name="connsiteY58" fmla="*/ 6743723 h 6858000"/>
+              <a:gd name="connsiteX59" fmla="*/ 7416905 w 12009304"/>
+              <a:gd name="connsiteY59" fmla="*/ 6858000 h 6858000"/>
+              <a:gd name="connsiteX60" fmla="*/ 5902610 w 12009304"/>
+              <a:gd name="connsiteY60" fmla="*/ 6858000 h 6858000"/>
+              <a:gd name="connsiteX61" fmla="*/ 4389357 w 12009304"/>
+              <a:gd name="connsiteY61" fmla="*/ 6858000 h 6858000"/>
+              <a:gd name="connsiteX62" fmla="*/ 0 w 12009304"/>
+              <a:gd name="connsiteY62" fmla="*/ 6858000 h 6858000"/>
+            </a:gdLst>
+            <a:ahLst/>
+            <a:cxnLst>
+              <a:cxn ang="0">
+                <a:pos x="connsiteX0" y="connsiteY0"/>
+              </a:cxn>
+              <a:cxn ang="0">
+                <a:pos x="connsiteX1" y="connsiteY1"/>
+              </a:cxn>
+              <a:cxn ang="0">
+                <a:pos x="connsiteX2" y="connsiteY2"/>
+              </a:cxn>
+              <a:cxn ang="0">
+                <a:pos x="connsiteX3" y="connsiteY3"/>
+              </a:cxn>
+              <a:cxn ang="0">
+                <a:pos x="connsiteX4" y="connsiteY4"/>
+              </a:cxn>
+              <a:cxn ang="0">
+                <a:pos x="connsiteX5" y="connsiteY5"/>
+              </a:cxn>
+              <a:cxn ang="0">
+                <a:pos x="connsiteX6" y="connsiteY6"/>
+              </a:cxn>
+              <a:cxn ang="0">
+                <a:pos x="connsiteX7" y="connsiteY7"/>
+              </a:cxn>
+              <a:cxn ang="0">
+                <a:pos x="connsiteX8" y="connsiteY8"/>
+              </a:cxn>
+              <a:cxn ang="0">
+                <a:pos x="connsiteX9" y="connsiteY9"/>
+              </a:cxn>
+              <a:cxn ang="0">
+                <a:pos x="connsiteX10" y="connsiteY10"/>
+              </a:cxn>
+              <a:cxn ang="0">
+                <a:pos x="connsiteX11" y="connsiteY11"/>
+              </a:cxn>
+              <a:cxn ang="0">
+                <a:pos x="connsiteX12" y="connsiteY12"/>
+              </a:cxn>
+              <a:cxn ang="0">
+                <a:pos x="connsiteX13" y="connsiteY13"/>
+              </a:cxn>
+              <a:cxn ang="0">
+                <a:pos x="connsiteX14" y="connsiteY14"/>
+              </a:cxn>
+              <a:cxn ang="0">
+                <a:pos x="connsiteX15" y="connsiteY15"/>
+              </a:cxn>
+              <a:cxn ang="0">
+                <a:pos x="connsiteX16" y="connsiteY16"/>
+              </a:cxn>
+              <a:cxn ang="0">
+                <a:pos x="connsiteX17" y="connsiteY17"/>
+              </a:cxn>
+              <a:cxn ang="0">
+                <a:pos x="connsiteX18" y="connsiteY18"/>
+              </a:cxn>
+              <a:cxn ang="0">
+                <a:pos x="connsiteX19" y="connsiteY19"/>
+              </a:cxn>
+              <a:cxn ang="0">
+                <a:pos x="connsiteX20" y="connsiteY20"/>
+              </a:cxn>
+              <a:cxn ang="0">
+                <a:pos x="connsiteX21" y="connsiteY21"/>
+              </a:cxn>
+              <a:cxn ang="0">
+                <a:pos x="connsiteX22" y="connsiteY22"/>
+              </a:cxn>
+              <a:cxn ang="0">
+                <a:pos x="connsiteX23" y="connsiteY23"/>
+              </a:cxn>
+              <a:cxn ang="0">
+                <a:pos x="connsiteX24" y="connsiteY24"/>
+              </a:cxn>
+              <a:cxn ang="0">
+                <a:pos x="connsiteX25" y="connsiteY25"/>
+              </a:cxn>
+              <a:cxn ang="0">
+                <a:pos x="connsiteX26" y="connsiteY26"/>
+              </a:cxn>
+              <a:cxn ang="0">
+                <a:pos x="connsiteX27" y="connsiteY27"/>
+              </a:cxn>
+              <a:cxn ang="0">
+                <a:pos x="connsiteX28" y="connsiteY28"/>
+              </a:cxn>
+              <a:cxn ang="0">
+                <a:pos x="connsiteX29" y="connsiteY29"/>
+              </a:cxn>
+              <a:cxn ang="0">
+                <a:pos x="connsiteX30" y="connsiteY30"/>
+              </a:cxn>
+              <a:cxn ang="0">
+                <a:pos x="connsiteX31" y="connsiteY31"/>
+              </a:cxn>
+              <a:cxn ang="0">
+                <a:pos x="connsiteX32" y="connsiteY32"/>
+              </a:cxn>
+              <a:cxn ang="0">
+                <a:pos x="connsiteX33" y="connsiteY33"/>
+              </a:cxn>
+              <a:cxn ang="0">
+                <a:pos x="connsiteX34" y="connsiteY34"/>
+              </a:cxn>
+              <a:cxn ang="0">
+                <a:pos x="connsiteX35" y="connsiteY35"/>
+              </a:cxn>
+              <a:cxn ang="0">
+                <a:pos x="connsiteX36" y="connsiteY36"/>
+              </a:cxn>
+              <a:cxn ang="0">
+                <a:pos x="connsiteX37" y="connsiteY37"/>
+              </a:cxn>
+              <a:cxn ang="0">
+                <a:pos x="connsiteX38" y="connsiteY38"/>
+              </a:cxn>
+              <a:cxn ang="0">
+                <a:pos x="connsiteX39" y="connsiteY39"/>
+              </a:cxn>
+              <a:cxn ang="0">
+                <a:pos x="connsiteX40" y="connsiteY40"/>
+              </a:cxn>
+              <a:cxn ang="0">
+                <a:pos x="connsiteX41" y="connsiteY41"/>
+              </a:cxn>
+              <a:cxn ang="0">
+                <a:pos x="connsiteX42" y="connsiteY42"/>
+              </a:cxn>
+              <a:cxn ang="0">
+                <a:pos x="connsiteX43" y="connsiteY43"/>
+              </a:cxn>
+              <a:cxn ang="0">
+                <a:pos x="connsiteX44" y="connsiteY44"/>
+              </a:cxn>
+              <a:cxn ang="0">
+                <a:pos x="connsiteX45" y="connsiteY45"/>
+              </a:cxn>
+              <a:cxn ang="0">
+                <a:pos x="connsiteX46" y="connsiteY46"/>
+              </a:cxn>
+              <a:cxn ang="0">
+                <a:pos x="connsiteX47" y="connsiteY47"/>
+              </a:cxn>
+              <a:cxn ang="0">
+                <a:pos x="connsiteX48" y="connsiteY48"/>
+              </a:cxn>
+              <a:cxn ang="0">
+                <a:pos x="connsiteX49" y="connsiteY49"/>
+              </a:cxn>
+              <a:cxn ang="0">
+                <a:pos x="connsiteX50" y="connsiteY50"/>
+              </a:cxn>
+              <a:cxn ang="0">
+                <a:pos x="connsiteX51" y="connsiteY51"/>
+              </a:cxn>
+              <a:cxn ang="0">
+                <a:pos x="connsiteX52" y="connsiteY52"/>
+              </a:cxn>
+              <a:cxn ang="0">
+                <a:pos x="connsiteX53" y="connsiteY53"/>
+              </a:cxn>
+              <a:cxn ang="0">
+                <a:pos x="connsiteX54" y="connsiteY54"/>
+              </a:cxn>
+              <a:cxn ang="0">
+                <a:pos x="connsiteX55" y="connsiteY55"/>
+              </a:cxn>
+              <a:cxn ang="0">
+                <a:pos x="connsiteX56" y="connsiteY56"/>
+              </a:cxn>
+              <a:cxn ang="0">
+                <a:pos x="connsiteX57" y="connsiteY57"/>
+              </a:cxn>
+              <a:cxn ang="0">
+                <a:pos x="connsiteX58" y="connsiteY58"/>
+              </a:cxn>
+              <a:cxn ang="0">
+                <a:pos x="connsiteX59" y="connsiteY59"/>
+              </a:cxn>
+              <a:cxn ang="0">
+                <a:pos x="connsiteX60" y="connsiteY60"/>
+              </a:cxn>
+              <a:cxn ang="0">
+                <a:pos x="connsiteX61" y="connsiteY61"/>
+              </a:cxn>
+              <a:cxn ang="0">
+                <a:pos x="connsiteX62" y="connsiteY62"/>
+              </a:cxn>
+            </a:cxnLst>
+            <a:rect l="l" t="t" r="r" b="b"/>
+            <a:pathLst>
+              <a:path w="12009304" h="6858000">
+                <a:moveTo>
+                  <a:pt x="8239723" y="5083103"/>
+                </a:moveTo>
+                <a:cubicBezTo>
+                  <a:pt x="8239723" y="5083103"/>
+                  <a:pt x="8239723" y="5083103"/>
+                  <a:pt x="9505105" y="5083103"/>
+                </a:cubicBezTo>
+                <a:cubicBezTo>
+                  <a:pt x="9525601" y="5083103"/>
+                  <a:pt x="9545588" y="5085825"/>
+                  <a:pt x="9564676" y="5091016"/>
+                </a:cubicBezTo>
+                <a:lnTo>
+                  <a:pt x="9605648" y="5108194"/>
+                </a:lnTo>
+                <a:lnTo>
+                  <a:pt x="9580608" y="5151499"/>
+                </a:lnTo>
+                <a:cubicBezTo>
+                  <a:pt x="9354208" y="5543062"/>
+                  <a:pt x="9064418" y="6044264"/>
+                  <a:pt x="8693486" y="6685800"/>
+                </a:cubicBezTo>
+                <a:cubicBezTo>
+                  <a:pt x="8665958" y="6733339"/>
+                  <a:pt x="8632925" y="6776306"/>
+                  <a:pt x="8595419" y="6814017"/>
+                </a:cubicBezTo>
+                <a:lnTo>
+                  <a:pt x="8545620" y="6858000"/>
+                </a:lnTo>
+                <a:lnTo>
+                  <a:pt x="7612173" y="6858000"/>
+                </a:lnTo>
+                <a:lnTo>
+                  <a:pt x="7591825" y="6822959"/>
+                </a:lnTo>
+                <a:cubicBezTo>
+                  <a:pt x="7538315" y="6730809"/>
+                  <a:pt x="7478495" y="6627794"/>
+                  <a:pt x="7411622" y="6512633"/>
+                </a:cubicBezTo>
+                <a:cubicBezTo>
+                  <a:pt x="7370628" y="6444560"/>
+                  <a:pt x="7370628" y="6357427"/>
+                  <a:pt x="7411622" y="6289354"/>
+                </a:cubicBezTo>
+                <a:cubicBezTo>
+                  <a:pt x="7411622" y="6289354"/>
+                  <a:pt x="7411622" y="6289354"/>
+                  <a:pt x="8045680" y="5197465"/>
+                </a:cubicBezTo>
+                <a:cubicBezTo>
+                  <a:pt x="8083943" y="5126669"/>
+                  <a:pt x="8160465" y="5083103"/>
+                  <a:pt x="8239723" y="5083103"/>
+                </a:cubicBezTo>
+                <a:close/>
+                <a:moveTo>
+                  <a:pt x="10622296" y="1326563"/>
+                </a:moveTo>
+                <a:cubicBezTo>
+                  <a:pt x="10622296" y="1326563"/>
+                  <a:pt x="10622296" y="1326563"/>
+                  <a:pt x="11448522" y="1326563"/>
+                </a:cubicBezTo>
+                <a:cubicBezTo>
+                  <a:pt x="11502058" y="1326563"/>
+                  <a:pt x="11550238" y="1355009"/>
+                  <a:pt x="11577006" y="1401233"/>
+                </a:cubicBezTo>
+                <a:cubicBezTo>
+                  <a:pt x="11577006" y="1401233"/>
+                  <a:pt x="11577006" y="1401233"/>
+                  <a:pt x="11989228" y="2114179"/>
+                </a:cubicBezTo>
+                <a:cubicBezTo>
+                  <a:pt x="12015996" y="2158629"/>
+                  <a:pt x="12015996" y="2215522"/>
+                  <a:pt x="11989228" y="2259969"/>
+                </a:cubicBezTo>
+                <a:cubicBezTo>
+                  <a:pt x="11989228" y="2259969"/>
+                  <a:pt x="11989228" y="2259969"/>
+                  <a:pt x="11577006" y="2972914"/>
+                </a:cubicBezTo>
+                <a:cubicBezTo>
+                  <a:pt x="11550238" y="3019141"/>
+                  <a:pt x="11502058" y="3047587"/>
+                  <a:pt x="11448522" y="3047587"/>
+                </a:cubicBezTo>
+                <a:cubicBezTo>
+                  <a:pt x="11448522" y="3047587"/>
+                  <a:pt x="11448522" y="3047587"/>
+                  <a:pt x="10622296" y="3047587"/>
+                </a:cubicBezTo>
+                <a:cubicBezTo>
+                  <a:pt x="10570544" y="3047587"/>
+                  <a:pt x="10520578" y="3019141"/>
+                  <a:pt x="10495594" y="2972914"/>
+                </a:cubicBezTo>
+                <a:cubicBezTo>
+                  <a:pt x="10495594" y="2972914"/>
+                  <a:pt x="10495594" y="2972914"/>
+                  <a:pt x="10081589" y="2259969"/>
+                </a:cubicBezTo>
+                <a:cubicBezTo>
+                  <a:pt x="10054821" y="2215522"/>
+                  <a:pt x="10054821" y="2158629"/>
+                  <a:pt x="10081589" y="2114179"/>
+                </a:cubicBezTo>
+                <a:cubicBezTo>
+                  <a:pt x="10081589" y="2114179"/>
+                  <a:pt x="10081589" y="2114179"/>
+                  <a:pt x="10495594" y="1401233"/>
+                </a:cubicBezTo>
+                <a:cubicBezTo>
+                  <a:pt x="10520578" y="1355009"/>
+                  <a:pt x="10570544" y="1326563"/>
+                  <a:pt x="10622296" y="1326563"/>
+                </a:cubicBezTo>
+                <a:close/>
+                <a:moveTo>
+                  <a:pt x="0" y="0"/>
+                </a:moveTo>
+                <a:lnTo>
+                  <a:pt x="4457990" y="0"/>
+                </a:lnTo>
+                <a:lnTo>
+                  <a:pt x="5902610" y="0"/>
+                </a:lnTo>
+                <a:lnTo>
+                  <a:pt x="8476869" y="0"/>
+                </a:lnTo>
+                <a:lnTo>
+                  <a:pt x="8535933" y="39849"/>
+                </a:lnTo>
+                <a:cubicBezTo>
+                  <a:pt x="8598516" y="88273"/>
+                  <a:pt x="8652195" y="149296"/>
+                  <a:pt x="8693486" y="220603"/>
+                </a:cubicBezTo>
+                <a:cubicBezTo>
+                  <a:pt x="8693486" y="220603"/>
+                  <a:pt x="8693486" y="220603"/>
+                  <a:pt x="10389180" y="3153347"/>
+                </a:cubicBezTo>
+                <a:cubicBezTo>
+                  <a:pt x="10499291" y="3336185"/>
+                  <a:pt x="10499291" y="3570221"/>
+                  <a:pt x="10389180" y="3753061"/>
+                </a:cubicBezTo>
+                <a:cubicBezTo>
+                  <a:pt x="10389180" y="3753061"/>
+                  <a:pt x="10389180" y="3753061"/>
+                  <a:pt x="9759557" y="4842009"/>
+                </a:cubicBezTo>
+                <a:lnTo>
+                  <a:pt x="9706493" y="4933778"/>
+                </a:lnTo>
+                <a:lnTo>
+                  <a:pt x="9708360" y="4934561"/>
+                </a:lnTo>
+                <a:cubicBezTo>
+                  <a:pt x="9746510" y="4956830"/>
+                  <a:pt x="9778880" y="4989078"/>
+                  <a:pt x="9802002" y="5029008"/>
+                </a:cubicBezTo>
+                <a:cubicBezTo>
+                  <a:pt x="9802002" y="5029008"/>
+                  <a:pt x="9802002" y="5029008"/>
+                  <a:pt x="10514131" y="6260653"/>
+                </a:cubicBezTo>
+                <a:cubicBezTo>
+                  <a:pt x="10560376" y="6337439"/>
+                  <a:pt x="10560376" y="6435725"/>
+                  <a:pt x="10514131" y="6512512"/>
+                </a:cubicBezTo>
+                <a:cubicBezTo>
+                  <a:pt x="10514131" y="6512512"/>
+                  <a:pt x="10514131" y="6512512"/>
+                  <a:pt x="10340271" y="6813206"/>
+                </a:cubicBezTo>
+                <a:lnTo>
+                  <a:pt x="10314372" y="6858000"/>
+                </a:lnTo>
+                <a:lnTo>
+                  <a:pt x="10119136" y="6858000"/>
+                </a:lnTo>
+                <a:lnTo>
+                  <a:pt x="10122008" y="6853033"/>
+                </a:lnTo>
+                <a:cubicBezTo>
+                  <a:pt x="10327158" y="6498223"/>
+                  <a:pt x="10327158" y="6498223"/>
+                  <a:pt x="10327158" y="6498223"/>
+                </a:cubicBezTo>
+                <a:cubicBezTo>
+                  <a:pt x="10368154" y="6430148"/>
+                  <a:pt x="10368154" y="6343015"/>
+                  <a:pt x="10327158" y="6274942"/>
+                </a:cubicBezTo>
+                <a:cubicBezTo>
+                  <a:pt x="9695832" y="5183053"/>
+                  <a:pt x="9695832" y="5183053"/>
+                  <a:pt x="9695832" y="5183053"/>
+                </a:cubicBezTo>
+                <a:cubicBezTo>
+                  <a:pt x="9675334" y="5147654"/>
+                  <a:pt x="9646640" y="5119063"/>
+                  <a:pt x="9612819" y="5099323"/>
+                </a:cubicBezTo>
+                <a:lnTo>
+                  <a:pt x="9603213" y="5095298"/>
+                </a:lnTo>
+                <a:lnTo>
+                  <a:pt x="9654707" y="5006238"/>
+                </a:lnTo>
+                <a:lnTo>
+                  <a:pt x="9693004" y="4940002"/>
+                </a:lnTo>
+                <a:lnTo>
+                  <a:pt x="9653283" y="4923348"/>
+                </a:lnTo>
+                <a:cubicBezTo>
+                  <a:pt x="9631750" y="4917491"/>
+                  <a:pt x="9609208" y="4914420"/>
+                  <a:pt x="9586087" y="4914420"/>
+                </a:cubicBezTo>
+                <a:cubicBezTo>
+                  <a:pt x="8158743" y="4914420"/>
+                  <a:pt x="8158743" y="4914420"/>
+                  <a:pt x="8158743" y="4914420"/>
+                </a:cubicBezTo>
+                <a:cubicBezTo>
+                  <a:pt x="8069341" y="4914420"/>
+                  <a:pt x="7983024" y="4963563"/>
+                  <a:pt x="7939863" y="5043420"/>
+                </a:cubicBezTo>
+                <a:cubicBezTo>
+                  <a:pt x="7224650" y="6275065"/>
+                  <a:pt x="7224650" y="6275065"/>
+                  <a:pt x="7224650" y="6275065"/>
+                </a:cubicBezTo>
+                <a:cubicBezTo>
+                  <a:pt x="7178407" y="6351849"/>
+                  <a:pt x="7178407" y="6450135"/>
+                  <a:pt x="7224650" y="6526922"/>
+                </a:cubicBezTo>
+                <a:cubicBezTo>
+                  <a:pt x="7269350" y="6603900"/>
+                  <a:pt x="7311257" y="6676067"/>
+                  <a:pt x="7350544" y="6743723"/>
+                </a:cubicBezTo>
+                <a:lnTo>
+                  <a:pt x="7416905" y="6858000"/>
+                </a:lnTo>
+                <a:lnTo>
+                  <a:pt x="5902610" y="6858000"/>
+                </a:lnTo>
+                <a:lnTo>
+                  <a:pt x="4389357" y="6858000"/>
+                </a:lnTo>
+                <a:lnTo>
+                  <a:pt x="0" y="6858000"/>
+                </a:lnTo>
+                <a:close/>
+              </a:path>
+            </a:pathLst>
+          </a:custGeom>
+          <a:solidFill>
+            <a:schemeClr val="tx1">
+              <a:lumMod val="50000"/>
+              <a:lumOff val="50000"/>
+              <a:alpha val="15000"/>
+            </a:schemeClr>
+          </a:solidFill>
+          <a:ln>
+            <a:noFill/>
+          </a:ln>
+        </p:spPr>
+        <p:style>
+          <a:lnRef idx="2">
+            <a:schemeClr val="accent1">
+              <a:shade val="50000"/>
+            </a:schemeClr>
+          </a:lnRef>
+          <a:fillRef idx="1">
+            <a:schemeClr val="accent1"/>
+          </a:fillRef>
+          <a:effectRef idx="0">
+            <a:schemeClr val="accent1"/>
+          </a:effectRef>
+          <a:fontRef idx="minor">
+            <a:schemeClr val="lt1"/>
+          </a:fontRef>
+        </p:style>
+        <p:txBody>
+          <a:bodyPr wrap="square" rtlCol="0" anchor="ctr">
+            <a:noAutofit/>
+          </a:bodyPr>
+          <a:lstStyle/>
+          <a:p>
+            <a:pPr algn="ctr"/>
+            <a:endParaRPr lang="en-US"/>
+          </a:p>
+        </p:txBody>
+      </p:sp>
+      <p:pic>
+        <p:nvPicPr>
+          <p:cNvPr id="11" name="Picture 10" descr="Text&#10;&#10;Description automatically generated">
+            <a:extLst>
+              <a:ext uri="{FF2B5EF4-FFF2-40B4-BE49-F238E27FC236}">
+                <a16:creationId xmlns:a16="http://schemas.microsoft.com/office/drawing/2014/main" id="{246E409B-1C9F-4646-95C9-20C275D71A61}"/>
+              </a:ext>
+            </a:extLst>
+          </p:cNvPr>
+          <p:cNvPicPr>
+            <a:picLocks noChangeAspect="1"/>
+          </p:cNvPicPr>
+          <p:nvPr/>
+        </p:nvPicPr>
+        <p:blipFill>
+          <a:blip r:embed="rId3"/>
+          <a:stretch>
+            <a:fillRect/>
+          </a:stretch>
+        </p:blipFill>
+        <p:spPr>
+          <a:xfrm>
+            <a:off x="4781102" y="861165"/>
+            <a:ext cx="4479633" cy="5311036"/>
+          </a:xfrm>
+          <a:prstGeom prst="rect">
+            <a:avLst/>
+          </a:prstGeom>
+        </p:spPr>
+      </p:pic>
+      <p:sp>
+        <p:nvSpPr>
+          <p:cNvPr id="12" name="TextBox 11">
+            <a:extLst>
+              <a:ext uri="{FF2B5EF4-FFF2-40B4-BE49-F238E27FC236}">
+                <a16:creationId xmlns:a16="http://schemas.microsoft.com/office/drawing/2014/main" id="{ADF81841-B0C0-E649-9860-D3BD3C9217C6}"/>
+              </a:ext>
+            </a:extLst>
+          </p:cNvPr>
+          <p:cNvSpPr txBox="1"/>
+          <p:nvPr/>
+        </p:nvSpPr>
+        <p:spPr>
+          <a:xfrm>
+            <a:off x="1661555" y="6172201"/>
+            <a:ext cx="1283919" cy="369332"/>
+          </a:xfrm>
+          <a:prstGeom prst="rect">
+            <a:avLst/>
+          </a:prstGeom>
+          <a:noFill/>
+        </p:spPr>
+        <p:txBody>
+          <a:bodyPr wrap="square" rtlCol="0">
+            <a:spAutoFit/>
+          </a:bodyPr>
+          <a:lstStyle/>
+          <a:p>
+            <a:r>
+              <a:rPr lang="en-US" dirty="0" err="1">
+                <a:latin typeface="Avenir Book" panose="02000503020000020003" pitchFamily="2" charset="0"/>
+              </a:rPr>
+              <a:t>App.vue</a:t>
+            </a:r>
+            <a:endParaRPr lang="en-US" dirty="0">
+              <a:latin typeface="Avenir Book" panose="02000503020000020003" pitchFamily="2" charset="0"/>
+            </a:endParaRPr>
+          </a:p>
+        </p:txBody>
+      </p:sp>
+      <p:sp>
+        <p:nvSpPr>
+          <p:cNvPr id="13" name="TextBox 12">
+            <a:extLst>
+              <a:ext uri="{FF2B5EF4-FFF2-40B4-BE49-F238E27FC236}">
+                <a16:creationId xmlns:a16="http://schemas.microsoft.com/office/drawing/2014/main" id="{5703DAED-E517-3A43-B2CC-1BD656436211}"/>
+              </a:ext>
+            </a:extLst>
+          </p:cNvPr>
+          <p:cNvSpPr txBox="1"/>
+          <p:nvPr/>
+        </p:nvSpPr>
+        <p:spPr>
+          <a:xfrm>
+            <a:off x="6009441" y="6172201"/>
+            <a:ext cx="1913271" cy="369332"/>
+          </a:xfrm>
+          <a:prstGeom prst="rect">
+            <a:avLst/>
+          </a:prstGeom>
+          <a:noFill/>
+        </p:spPr>
+        <p:txBody>
+          <a:bodyPr wrap="square" rtlCol="0">
+            <a:spAutoFit/>
+          </a:bodyPr>
+          <a:lstStyle/>
+          <a:p>
+            <a:r>
+              <a:rPr lang="en-US" dirty="0" err="1">
+                <a:latin typeface="Avenir Light" panose="020B0402020203020204" pitchFamily="34" charset="77"/>
+              </a:rPr>
+              <a:t>NameHolder.vue</a:t>
+            </a:r>
+            <a:endParaRPr lang="en-US" dirty="0">
+              <a:latin typeface="Avenir Light" panose="020B0402020203020204" pitchFamily="34" charset="77"/>
+            </a:endParaRPr>
+          </a:p>
+        </p:txBody>
+      </p:sp>
+      <p:sp>
+        <p:nvSpPr>
+          <p:cNvPr id="18" name="TextBox 17">
+            <a:extLst>
+              <a:ext uri="{FF2B5EF4-FFF2-40B4-BE49-F238E27FC236}">
+                <a16:creationId xmlns:a16="http://schemas.microsoft.com/office/drawing/2014/main" id="{7FBA3E7A-A172-4143-B19C-88D919D847B7}"/>
+              </a:ext>
+            </a:extLst>
+          </p:cNvPr>
+          <p:cNvSpPr txBox="1"/>
+          <p:nvPr/>
+        </p:nvSpPr>
+        <p:spPr>
+          <a:xfrm>
+            <a:off x="2931425" y="175366"/>
+            <a:ext cx="3699353" cy="369332"/>
+          </a:xfrm>
+          <a:prstGeom prst="rect">
+            <a:avLst/>
+          </a:prstGeom>
+          <a:noFill/>
+        </p:spPr>
+        <p:txBody>
+          <a:bodyPr wrap="square" rtlCol="0">
+            <a:spAutoFit/>
+          </a:bodyPr>
+          <a:lstStyle/>
+          <a:p>
+            <a:r>
+              <a:rPr lang="en-US" dirty="0">
+                <a:latin typeface="Avenir Light" panose="020B0402020203020204" pitchFamily="34" charset="77"/>
+              </a:rPr>
+              <a:t>Passing data with dynamic props</a:t>
+            </a:r>
+          </a:p>
+        </p:txBody>
+      </p:sp>
+      <p:pic>
+        <p:nvPicPr>
+          <p:cNvPr id="4" name="Picture 3" descr="Text&#10;&#10;Description automatically generated">
+            <a:extLst>
+              <a:ext uri="{FF2B5EF4-FFF2-40B4-BE49-F238E27FC236}">
+                <a16:creationId xmlns:a16="http://schemas.microsoft.com/office/drawing/2014/main" id="{E9F250D0-1ACF-9A47-93F2-2AC1F4844B1D}"/>
+              </a:ext>
+            </a:extLst>
+          </p:cNvPr>
+          <p:cNvPicPr>
+            <a:picLocks noChangeAspect="1"/>
+          </p:cNvPicPr>
+          <p:nvPr/>
+        </p:nvPicPr>
+        <p:blipFill>
+          <a:blip r:embed="rId4"/>
+          <a:stretch>
+            <a:fillRect/>
+          </a:stretch>
+        </p:blipFill>
+        <p:spPr>
+          <a:xfrm>
+            <a:off x="154203" y="861165"/>
+            <a:ext cx="4298621" cy="5311036"/>
+          </a:xfrm>
+          <a:prstGeom prst="rect">
+            <a:avLst/>
+          </a:prstGeom>
+        </p:spPr>
+      </p:pic>
+      <p:sp>
+        <p:nvSpPr>
+          <p:cNvPr id="5" name="TextBox 4">
+            <a:extLst>
+              <a:ext uri="{FF2B5EF4-FFF2-40B4-BE49-F238E27FC236}">
+                <a16:creationId xmlns:a16="http://schemas.microsoft.com/office/drawing/2014/main" id="{AEDAB8A0-F95C-D444-AB67-092DD3A02287}"/>
+              </a:ext>
+            </a:extLst>
+          </p:cNvPr>
+          <p:cNvSpPr txBox="1"/>
+          <p:nvPr/>
+        </p:nvSpPr>
+        <p:spPr>
+          <a:xfrm>
+            <a:off x="9425851" y="1320730"/>
+            <a:ext cx="2583453" cy="4216539"/>
+          </a:xfrm>
+          <a:prstGeom prst="rect">
+            <a:avLst/>
+          </a:prstGeom>
+          <a:noFill/>
+        </p:spPr>
+        <p:txBody>
+          <a:bodyPr wrap="square" rtlCol="0">
+            <a:spAutoFit/>
+          </a:bodyPr>
+          <a:lstStyle/>
+          <a:p>
+            <a:pPr marL="171450" indent="-171450">
+              <a:buFont typeface="Arial" panose="020B0604020202020204" pitchFamily="34" charset="0"/>
+              <a:buChar char="•"/>
+            </a:pPr>
+            <a:r>
+              <a:rPr lang="en-US" sz="1200" dirty="0">
+                <a:latin typeface="Avenir Book" panose="02000503020000020003" pitchFamily="2" charset="0"/>
+              </a:rPr>
+              <a:t> v-bind: allows you to bind the property ‘name’ to the computed value of ‘</a:t>
+            </a:r>
+            <a:r>
+              <a:rPr lang="en-US" sz="1200" dirty="0" err="1">
+                <a:latin typeface="Avenir Book" panose="02000503020000020003" pitchFamily="2" charset="0"/>
+              </a:rPr>
+              <a:t>randomName</a:t>
+            </a:r>
+            <a:r>
+              <a:rPr lang="en-US" sz="1200" dirty="0">
+                <a:latin typeface="Avenir Book" panose="02000503020000020003" pitchFamily="2" charset="0"/>
+              </a:rPr>
+              <a:t>’</a:t>
+            </a:r>
+          </a:p>
+          <a:p>
+            <a:endParaRPr lang="en-US" sz="1200" dirty="0">
+              <a:latin typeface="Avenir Book" panose="02000503020000020003" pitchFamily="2" charset="0"/>
+            </a:endParaRPr>
+          </a:p>
+          <a:p>
+            <a:pPr marL="171450" indent="-171450">
+              <a:buFont typeface="Arial" panose="020B0604020202020204" pitchFamily="34" charset="0"/>
+              <a:buChar char="•"/>
+            </a:pPr>
+            <a:r>
+              <a:rPr lang="en-US" sz="1200" dirty="0">
+                <a:latin typeface="Avenir Book" panose="02000503020000020003" pitchFamily="2" charset="0"/>
+              </a:rPr>
+              <a:t>v-bind: is a type of directive</a:t>
+            </a:r>
+          </a:p>
+          <a:p>
+            <a:endParaRPr lang="en-US" sz="1200" dirty="0">
+              <a:latin typeface="Avenir Book" panose="02000503020000020003" pitchFamily="2" charset="0"/>
+            </a:endParaRPr>
+          </a:p>
+          <a:p>
+            <a:pPr marL="171450" indent="-171450">
+              <a:buFont typeface="Arial" panose="020B0604020202020204" pitchFamily="34" charset="0"/>
+              <a:buChar char="•"/>
+            </a:pPr>
+            <a:r>
+              <a:rPr lang="en-US" sz="1200" dirty="0">
+                <a:latin typeface="Avenir Book" panose="02000503020000020003" pitchFamily="2" charset="0"/>
+              </a:rPr>
+              <a:t>directives are special tokens in the &lt;template&gt; that tells the Vue library to do something to the DOM element</a:t>
+            </a:r>
+          </a:p>
+          <a:p>
+            <a:endParaRPr lang="en-US" sz="1200" dirty="0">
+              <a:latin typeface="Avenir Book" panose="02000503020000020003" pitchFamily="2" charset="0"/>
+            </a:endParaRPr>
+          </a:p>
+          <a:p>
+            <a:pPr marL="171450" indent="-171450">
+              <a:buFont typeface="Arial" panose="020B0604020202020204" pitchFamily="34" charset="0"/>
+              <a:buChar char="•"/>
+            </a:pPr>
+            <a:r>
+              <a:rPr lang="en-US" sz="1200" dirty="0">
+                <a:latin typeface="Avenir Book" panose="02000503020000020003" pitchFamily="2" charset="0"/>
+              </a:rPr>
+              <a:t>Shorthand for                             </a:t>
+            </a:r>
+            <a:r>
+              <a:rPr lang="en-US" sz="1200" dirty="0" err="1">
+                <a:latin typeface="Avenir Book" panose="02000503020000020003" pitchFamily="2" charset="0"/>
+              </a:rPr>
+              <a:t>v-bind:name</a:t>
+            </a:r>
+            <a:r>
+              <a:rPr lang="en-US" sz="1200" dirty="0">
+                <a:latin typeface="Avenir Book" panose="02000503020000020003" pitchFamily="2" charset="0"/>
+              </a:rPr>
+              <a:t>=“</a:t>
+            </a:r>
+            <a:r>
+              <a:rPr lang="en-US" sz="1200" dirty="0" err="1">
+                <a:latin typeface="Avenir Book" panose="02000503020000020003" pitchFamily="2" charset="0"/>
+              </a:rPr>
+              <a:t>RandomName</a:t>
+            </a:r>
+            <a:r>
+              <a:rPr lang="en-US" sz="1200" dirty="0">
+                <a:latin typeface="Avenir Book" panose="02000503020000020003" pitchFamily="2" charset="0"/>
+              </a:rPr>
+              <a:t>” :name=“</a:t>
+            </a:r>
+            <a:r>
+              <a:rPr lang="en-US" sz="1200" dirty="0" err="1">
+                <a:latin typeface="Avenir Book" panose="02000503020000020003" pitchFamily="2" charset="0"/>
+              </a:rPr>
+              <a:t>randomName</a:t>
+            </a:r>
+            <a:endParaRPr lang="en-US" sz="1200" dirty="0">
+              <a:latin typeface="Avenir Book" panose="02000503020000020003" pitchFamily="2" charset="0"/>
+            </a:endParaRPr>
+          </a:p>
+          <a:p>
+            <a:endParaRPr lang="en-US" sz="1200" dirty="0">
+              <a:latin typeface="Avenir Book" panose="02000503020000020003" pitchFamily="2" charset="0"/>
+            </a:endParaRPr>
+          </a:p>
+          <a:p>
+            <a:pPr marL="171450" indent="-171450">
+              <a:buFont typeface="Arial" panose="020B0604020202020204" pitchFamily="34" charset="0"/>
+              <a:buChar char="•"/>
+            </a:pPr>
+            <a:r>
+              <a:rPr lang="en-US" sz="1200" dirty="0">
+                <a:latin typeface="Avenir Book" panose="02000503020000020003" pitchFamily="2" charset="0"/>
+              </a:rPr>
+              <a:t>computed is a field of the component which defines various functions which ‘compute’ values…always have a return value</a:t>
+            </a:r>
+          </a:p>
+          <a:p>
+            <a:endParaRPr lang="en-US" sz="1600" dirty="0">
+              <a:latin typeface="Avenir Book" panose="02000503020000020003" pitchFamily="2" charset="0"/>
+            </a:endParaRPr>
+          </a:p>
+        </p:txBody>
+      </p:sp>
+    </p:spTree>
+    <p:extLst>
+      <p:ext uri="{BB962C8B-B14F-4D97-AF65-F5344CB8AC3E}">
+        <p14:creationId xmlns:p14="http://schemas.microsoft.com/office/powerpoint/2010/main" val="963536193"/>
+      </p:ext>
+    </p:extLst>
+  </p:cSld>
+  <p:clrMapOvr>
+    <a:masterClrMapping/>
+  </p:clrMapOvr>
+  <mc:AlternateContent xmlns:mc="http://schemas.openxmlformats.org/markup-compatibility/2006">
+    <mc:Choice xmlns:p14="http://schemas.microsoft.com/office/powerpoint/2010/main" Requires="p14">
+      <p:transition spd="med" p14:dur="700">
+        <p:fade/>
+      </p:transition>
+    </mc:Choice>
+    <mc:Fallback>
+      <p:transition spd="med">
+        <p:fade/>
+      </p:transition>
+    </mc:Fallback>
+  </mc:AlternateContent>
+  <p:timing>
+    <p:tnLst>
+      <p:par>
+        <p:cTn id="1" dur="indefinite" restart="never" nodeType="tmRoot">
+          <p:childTnLst>
+            <p:seq concurrent="1" nextAc="seek">
+              <p:cTn id="2" dur="indefinite" nodeType="mainSeq">
+                <p:childTnLst>
+                  <p:par>
+                    <p:cTn id="3" fill="hold">
+                      <p:stCondLst>
+                        <p:cond delay="indefinite"/>
+                      </p:stCondLst>
+                      <p:childTnLst>
+                        <p:par>
+                          <p:cTn id="4" fill="hold">
+                            <p:stCondLst>
+                              <p:cond delay="0"/>
+                            </p:stCondLst>
+                            <p:childTnLst>
+                              <p:par>
+                                <p:cTn id="5" presetID="37" presetClass="entr" presetSubtype="0" fill="hold" grpId="0" nodeType="clickEffect">
+                                  <p:stCondLst>
+                                    <p:cond delay="0"/>
+                                  </p:stCondLst>
+                                  <p:childTnLst>
+                                    <p:set>
+                                      <p:cBhvr>
+                                        <p:cTn id="6" dur="1" fill="hold">
+                                          <p:stCondLst>
+                                            <p:cond delay="0"/>
+                                          </p:stCondLst>
+                                        </p:cTn>
+                                        <p:tgtEl>
+                                          <p:spTgt spid="5"/>
+                                        </p:tgtEl>
+                                        <p:attrNameLst>
+                                          <p:attrName>style.visibility</p:attrName>
+                                        </p:attrNameLst>
+                                      </p:cBhvr>
+                                      <p:to>
+                                        <p:strVal val="visible"/>
+                                      </p:to>
+                                    </p:set>
+                                    <p:animEffect transition="in" filter="fade">
+                                      <p:cBhvr>
+                                        <p:cTn id="7" dur="1000"/>
+                                        <p:tgtEl>
+                                          <p:spTgt spid="5"/>
+                                        </p:tgtEl>
+                                      </p:cBhvr>
+                                    </p:animEffect>
+                                    <p:anim calcmode="lin" valueType="num">
+                                      <p:cBhvr>
+                                        <p:cTn id="8" dur="1000" fill="hold"/>
+                                        <p:tgtEl>
+                                          <p:spTgt spid="5"/>
+                                        </p:tgtEl>
+                                        <p:attrNameLst>
+                                          <p:attrName>ppt_x</p:attrName>
+                                        </p:attrNameLst>
+                                      </p:cBhvr>
+                                      <p:tavLst>
+                                        <p:tav tm="0">
+                                          <p:val>
+                                            <p:strVal val="#ppt_x"/>
+                                          </p:val>
+                                        </p:tav>
+                                        <p:tav tm="100000">
+                                          <p:val>
+                                            <p:strVal val="#ppt_x"/>
+                                          </p:val>
+                                        </p:tav>
+                                      </p:tavLst>
+                                    </p:anim>
+                                    <p:anim calcmode="lin" valueType="num">
+                                      <p:cBhvr>
+                                        <p:cTn id="9" dur="900" decel="100000" fill="hold"/>
+                                        <p:tgtEl>
+                                          <p:spTgt spid="5"/>
+                                        </p:tgtEl>
+                                        <p:attrNameLst>
+                                          <p:attrName>ppt_y</p:attrName>
+                                        </p:attrNameLst>
+                                      </p:cBhvr>
+                                      <p:tavLst>
+                                        <p:tav tm="0">
+                                          <p:val>
+                                            <p:strVal val="#ppt_y+1"/>
+                                          </p:val>
+                                        </p:tav>
+                                        <p:tav tm="100000">
+                                          <p:val>
+                                            <p:strVal val="#ppt_y-.03"/>
+                                          </p:val>
+                                        </p:tav>
+                                      </p:tavLst>
+                                    </p:anim>
+                                    <p:anim calcmode="lin" valueType="num">
+                                      <p:cBhvr>
+                                        <p:cTn id="10" dur="100" accel="100000" fill="hold">
+                                          <p:stCondLst>
+                                            <p:cond delay="900"/>
+                                          </p:stCondLst>
+                                        </p:cTn>
+                                        <p:tgtEl>
+                                          <p:spTgt spid="5"/>
+                                        </p:tgtEl>
+                                        <p:attrNameLst>
+                                          <p:attrName>ppt_y</p:attrName>
+                                        </p:attrNameLst>
+                                      </p:cBhvr>
+                                      <p:tavLst>
+                                        <p:tav tm="0">
+                                          <p:val>
+                                            <p:strVal val="#ppt_y-.03"/>
+                                          </p:val>
+                                        </p:tav>
+                                        <p:tav tm="100000">
+                                          <p:val>
+                                            <p:strVal val="#ppt_y"/>
+                                          </p:val>
+                                        </p:tav>
+                                      </p:tavLst>
+                                    </p:anim>
+                                  </p:childTnLst>
+                                </p:cTn>
+                              </p:par>
+                            </p:childTnLst>
+                          </p:cTn>
+                        </p:par>
+                      </p:childTnLst>
+                    </p:cTn>
+                  </p:par>
+                </p:childTnLst>
+              </p:cTn>
+              <p:prevCondLst>
+                <p:cond evt="onPrev" delay="0">
+                  <p:tgtEl>
+                    <p:sldTgt/>
+                  </p:tgtEl>
+                </p:cond>
+              </p:prevCondLst>
+              <p:nextCondLst>
+                <p:cond evt="onNext" delay="0">
+                  <p:tgtEl>
+                    <p:sldTgt/>
+                  </p:tgtEl>
+                </p:cond>
+              </p:nextCondLst>
+            </p:seq>
+          </p:childTnLst>
+        </p:cTn>
+      </p:par>
+    </p:tnLst>
+    <p:bldLst>
+      <p:bldP spid="5" grpId="0"/>
+    </p:bldLst>
+  </p:timing>
+</p:sld>
+</file>
+
+<file path=ppt/slides/slide23.xml><?xml version="1.0" encoding="utf-8"?>
+<p:sld xmlns:a="http://schemas.openxmlformats.org/drawingml/2006/main" xmlns:r="http://schemas.openxmlformats.org/officeDocument/2006/relationships" xmlns:p="http://schemas.openxmlformats.org/presentationml/2006/main">
+  <p:cSld>
+    <p:bg>
+      <p:bgPr>
+        <a:solidFill>
+          <a:schemeClr val="bg1"/>
+        </a:solidFill>
+        <a:effectLst/>
+      </p:bgPr>
+    </p:bg>
+    <p:spTree>
+      <p:nvGrpSpPr>
+        <p:cNvPr id="1" name=""/>
+        <p:cNvGrpSpPr/>
+        <p:nvPr/>
+      </p:nvGrpSpPr>
+      <p:grpSpPr>
+        <a:xfrm>
+          <a:off x="0" y="0"/>
+          <a:ext cx="0" cy="0"/>
+          <a:chOff x="0" y="0"/>
+          <a:chExt cx="0" cy="0"/>
+        </a:xfrm>
+      </p:grpSpPr>
+      <p:sp>
+        <p:nvSpPr>
+          <p:cNvPr id="19" name="Freeform: Shape 10">
+            <a:extLst>
+              <a:ext uri="{FF2B5EF4-FFF2-40B4-BE49-F238E27FC236}">
+                <a16:creationId xmlns:a16="http://schemas.microsoft.com/office/drawing/2014/main" id="{CA815F2C-4E80-4019-8E59-FAD3F7F8473D}"/>
+              </a:ext>
+              <a:ext uri="{C183D7F6-B498-43B3-948B-1728B52AA6E4}">
+                <adec:decorative xmlns:adec="http://schemas.microsoft.com/office/drawing/2017/decorative" val="1"/>
+              </a:ext>
+            </a:extLst>
+          </p:cNvPr>
+          <p:cNvSpPr>
+            <a:spLocks noGrp="1" noRot="1" noChangeAspect="1" noMove="1" noResize="1" noEditPoints="1" noAdjustHandles="1" noChangeArrowheads="1" noChangeShapeType="1" noTextEdit="1"/>
+          </p:cNvSpPr>
+          <p:nvPr>
+            <p:extLst>
+              <p:ext uri="{386F3935-93C4-4BCD-93E2-E3B085C9AB24}">
+                <p16:designElem xmlns:p16="http://schemas.microsoft.com/office/powerpoint/2015/main" val="1"/>
+              </p:ext>
+            </p:extLst>
+          </p:nvPr>
+        </p:nvSpPr>
+        <p:spPr>
+          <a:xfrm>
+            <a:off x="0" y="0"/>
+            <a:ext cx="12009304" cy="6858000"/>
+          </a:xfrm>
+          <a:custGeom>
+            <a:avLst/>
+            <a:gdLst>
+              <a:gd name="connsiteX0" fmla="*/ 8239723 w 12009304"/>
+              <a:gd name="connsiteY0" fmla="*/ 5083103 h 6858000"/>
+              <a:gd name="connsiteX1" fmla="*/ 9505105 w 12009304"/>
+              <a:gd name="connsiteY1" fmla="*/ 5083103 h 6858000"/>
+              <a:gd name="connsiteX2" fmla="*/ 9564676 w 12009304"/>
+              <a:gd name="connsiteY2" fmla="*/ 5091016 h 6858000"/>
+              <a:gd name="connsiteX3" fmla="*/ 9605648 w 12009304"/>
+              <a:gd name="connsiteY3" fmla="*/ 5108194 h 6858000"/>
+              <a:gd name="connsiteX4" fmla="*/ 9580608 w 12009304"/>
+              <a:gd name="connsiteY4" fmla="*/ 5151499 h 6858000"/>
+              <a:gd name="connsiteX5" fmla="*/ 8693486 w 12009304"/>
+              <a:gd name="connsiteY5" fmla="*/ 6685800 h 6858000"/>
+              <a:gd name="connsiteX6" fmla="*/ 8595419 w 12009304"/>
+              <a:gd name="connsiteY6" fmla="*/ 6814017 h 6858000"/>
+              <a:gd name="connsiteX7" fmla="*/ 8545620 w 12009304"/>
+              <a:gd name="connsiteY7" fmla="*/ 6858000 h 6858000"/>
+              <a:gd name="connsiteX8" fmla="*/ 7612173 w 12009304"/>
+              <a:gd name="connsiteY8" fmla="*/ 6858000 h 6858000"/>
+              <a:gd name="connsiteX9" fmla="*/ 7591825 w 12009304"/>
+              <a:gd name="connsiteY9" fmla="*/ 6822959 h 6858000"/>
+              <a:gd name="connsiteX10" fmla="*/ 7411622 w 12009304"/>
+              <a:gd name="connsiteY10" fmla="*/ 6512633 h 6858000"/>
+              <a:gd name="connsiteX11" fmla="*/ 7411622 w 12009304"/>
+              <a:gd name="connsiteY11" fmla="*/ 6289354 h 6858000"/>
+              <a:gd name="connsiteX12" fmla="*/ 8045680 w 12009304"/>
+              <a:gd name="connsiteY12" fmla="*/ 5197465 h 6858000"/>
+              <a:gd name="connsiteX13" fmla="*/ 8239723 w 12009304"/>
+              <a:gd name="connsiteY13" fmla="*/ 5083103 h 6858000"/>
+              <a:gd name="connsiteX14" fmla="*/ 10622296 w 12009304"/>
+              <a:gd name="connsiteY14" fmla="*/ 1326563 h 6858000"/>
+              <a:gd name="connsiteX15" fmla="*/ 11448522 w 12009304"/>
+              <a:gd name="connsiteY15" fmla="*/ 1326563 h 6858000"/>
+              <a:gd name="connsiteX16" fmla="*/ 11577006 w 12009304"/>
+              <a:gd name="connsiteY16" fmla="*/ 1401233 h 6858000"/>
+              <a:gd name="connsiteX17" fmla="*/ 11989228 w 12009304"/>
+              <a:gd name="connsiteY17" fmla="*/ 2114179 h 6858000"/>
+              <a:gd name="connsiteX18" fmla="*/ 11989228 w 12009304"/>
+              <a:gd name="connsiteY18" fmla="*/ 2259969 h 6858000"/>
+              <a:gd name="connsiteX19" fmla="*/ 11577006 w 12009304"/>
+              <a:gd name="connsiteY19" fmla="*/ 2972914 h 6858000"/>
+              <a:gd name="connsiteX20" fmla="*/ 11448522 w 12009304"/>
+              <a:gd name="connsiteY20" fmla="*/ 3047587 h 6858000"/>
+              <a:gd name="connsiteX21" fmla="*/ 10622296 w 12009304"/>
+              <a:gd name="connsiteY21" fmla="*/ 3047587 h 6858000"/>
+              <a:gd name="connsiteX22" fmla="*/ 10495594 w 12009304"/>
+              <a:gd name="connsiteY22" fmla="*/ 2972914 h 6858000"/>
+              <a:gd name="connsiteX23" fmla="*/ 10081589 w 12009304"/>
+              <a:gd name="connsiteY23" fmla="*/ 2259969 h 6858000"/>
+              <a:gd name="connsiteX24" fmla="*/ 10081589 w 12009304"/>
+              <a:gd name="connsiteY24" fmla="*/ 2114179 h 6858000"/>
+              <a:gd name="connsiteX25" fmla="*/ 10495594 w 12009304"/>
+              <a:gd name="connsiteY25" fmla="*/ 1401233 h 6858000"/>
+              <a:gd name="connsiteX26" fmla="*/ 10622296 w 12009304"/>
+              <a:gd name="connsiteY26" fmla="*/ 1326563 h 6858000"/>
+              <a:gd name="connsiteX27" fmla="*/ 0 w 12009304"/>
+              <a:gd name="connsiteY27" fmla="*/ 0 h 6858000"/>
+              <a:gd name="connsiteX28" fmla="*/ 4457990 w 12009304"/>
+              <a:gd name="connsiteY28" fmla="*/ 0 h 6858000"/>
+              <a:gd name="connsiteX29" fmla="*/ 5902610 w 12009304"/>
+              <a:gd name="connsiteY29" fmla="*/ 0 h 6858000"/>
+              <a:gd name="connsiteX30" fmla="*/ 8476869 w 12009304"/>
+              <a:gd name="connsiteY30" fmla="*/ 0 h 6858000"/>
+              <a:gd name="connsiteX31" fmla="*/ 8535933 w 12009304"/>
+              <a:gd name="connsiteY31" fmla="*/ 39849 h 6858000"/>
+              <a:gd name="connsiteX32" fmla="*/ 8693486 w 12009304"/>
+              <a:gd name="connsiteY32" fmla="*/ 220603 h 6858000"/>
+              <a:gd name="connsiteX33" fmla="*/ 10389180 w 12009304"/>
+              <a:gd name="connsiteY33" fmla="*/ 3153347 h 6858000"/>
+              <a:gd name="connsiteX34" fmla="*/ 10389180 w 12009304"/>
+              <a:gd name="connsiteY34" fmla="*/ 3753061 h 6858000"/>
+              <a:gd name="connsiteX35" fmla="*/ 9759557 w 12009304"/>
+              <a:gd name="connsiteY35" fmla="*/ 4842009 h 6858000"/>
+              <a:gd name="connsiteX36" fmla="*/ 9706493 w 12009304"/>
+              <a:gd name="connsiteY36" fmla="*/ 4933778 h 6858000"/>
+              <a:gd name="connsiteX37" fmla="*/ 9708360 w 12009304"/>
+              <a:gd name="connsiteY37" fmla="*/ 4934561 h 6858000"/>
+              <a:gd name="connsiteX38" fmla="*/ 9802002 w 12009304"/>
+              <a:gd name="connsiteY38" fmla="*/ 5029008 h 6858000"/>
+              <a:gd name="connsiteX39" fmla="*/ 10514131 w 12009304"/>
+              <a:gd name="connsiteY39" fmla="*/ 6260653 h 6858000"/>
+              <a:gd name="connsiteX40" fmla="*/ 10514131 w 12009304"/>
+              <a:gd name="connsiteY40" fmla="*/ 6512512 h 6858000"/>
+              <a:gd name="connsiteX41" fmla="*/ 10340271 w 12009304"/>
+              <a:gd name="connsiteY41" fmla="*/ 6813206 h 6858000"/>
+              <a:gd name="connsiteX42" fmla="*/ 10314372 w 12009304"/>
+              <a:gd name="connsiteY42" fmla="*/ 6858000 h 6858000"/>
+              <a:gd name="connsiteX43" fmla="*/ 10119136 w 12009304"/>
+              <a:gd name="connsiteY43" fmla="*/ 6858000 h 6858000"/>
+              <a:gd name="connsiteX44" fmla="*/ 10122008 w 12009304"/>
+              <a:gd name="connsiteY44" fmla="*/ 6853033 h 6858000"/>
+              <a:gd name="connsiteX45" fmla="*/ 10327158 w 12009304"/>
+              <a:gd name="connsiteY45" fmla="*/ 6498223 h 6858000"/>
+              <a:gd name="connsiteX46" fmla="*/ 10327158 w 12009304"/>
+              <a:gd name="connsiteY46" fmla="*/ 6274942 h 6858000"/>
+              <a:gd name="connsiteX47" fmla="*/ 9695832 w 12009304"/>
+              <a:gd name="connsiteY47" fmla="*/ 5183053 h 6858000"/>
+              <a:gd name="connsiteX48" fmla="*/ 9612819 w 12009304"/>
+              <a:gd name="connsiteY48" fmla="*/ 5099323 h 6858000"/>
+              <a:gd name="connsiteX49" fmla="*/ 9603213 w 12009304"/>
+              <a:gd name="connsiteY49" fmla="*/ 5095298 h 6858000"/>
+              <a:gd name="connsiteX50" fmla="*/ 9654707 w 12009304"/>
+              <a:gd name="connsiteY50" fmla="*/ 5006238 h 6858000"/>
+              <a:gd name="connsiteX51" fmla="*/ 9693004 w 12009304"/>
+              <a:gd name="connsiteY51" fmla="*/ 4940002 h 6858000"/>
+              <a:gd name="connsiteX52" fmla="*/ 9653283 w 12009304"/>
+              <a:gd name="connsiteY52" fmla="*/ 4923348 h 6858000"/>
+              <a:gd name="connsiteX53" fmla="*/ 9586087 w 12009304"/>
+              <a:gd name="connsiteY53" fmla="*/ 4914420 h 6858000"/>
+              <a:gd name="connsiteX54" fmla="*/ 8158743 w 12009304"/>
+              <a:gd name="connsiteY54" fmla="*/ 4914420 h 6858000"/>
+              <a:gd name="connsiteX55" fmla="*/ 7939863 w 12009304"/>
+              <a:gd name="connsiteY55" fmla="*/ 5043420 h 6858000"/>
+              <a:gd name="connsiteX56" fmla="*/ 7224650 w 12009304"/>
+              <a:gd name="connsiteY56" fmla="*/ 6275065 h 6858000"/>
+              <a:gd name="connsiteX57" fmla="*/ 7224650 w 12009304"/>
+              <a:gd name="connsiteY57" fmla="*/ 6526922 h 6858000"/>
+              <a:gd name="connsiteX58" fmla="*/ 7350544 w 12009304"/>
+              <a:gd name="connsiteY58" fmla="*/ 6743723 h 6858000"/>
+              <a:gd name="connsiteX59" fmla="*/ 7416905 w 12009304"/>
+              <a:gd name="connsiteY59" fmla="*/ 6858000 h 6858000"/>
+              <a:gd name="connsiteX60" fmla="*/ 5902610 w 12009304"/>
+              <a:gd name="connsiteY60" fmla="*/ 6858000 h 6858000"/>
+              <a:gd name="connsiteX61" fmla="*/ 4389357 w 12009304"/>
+              <a:gd name="connsiteY61" fmla="*/ 6858000 h 6858000"/>
+              <a:gd name="connsiteX62" fmla="*/ 0 w 12009304"/>
+              <a:gd name="connsiteY62" fmla="*/ 6858000 h 6858000"/>
+            </a:gdLst>
+            <a:ahLst/>
+            <a:cxnLst>
+              <a:cxn ang="0">
+                <a:pos x="connsiteX0" y="connsiteY0"/>
+              </a:cxn>
+              <a:cxn ang="0">
+                <a:pos x="connsiteX1" y="connsiteY1"/>
+              </a:cxn>
+              <a:cxn ang="0">
+                <a:pos x="connsiteX2" y="connsiteY2"/>
+              </a:cxn>
+              <a:cxn ang="0">
+                <a:pos x="connsiteX3" y="connsiteY3"/>
+              </a:cxn>
+              <a:cxn ang="0">
+                <a:pos x="connsiteX4" y="connsiteY4"/>
+              </a:cxn>
+              <a:cxn ang="0">
+                <a:pos x="connsiteX5" y="connsiteY5"/>
+              </a:cxn>
+              <a:cxn ang="0">
+                <a:pos x="connsiteX6" y="connsiteY6"/>
+              </a:cxn>
+              <a:cxn ang="0">
+                <a:pos x="connsiteX7" y="connsiteY7"/>
+              </a:cxn>
+              <a:cxn ang="0">
+                <a:pos x="connsiteX8" y="connsiteY8"/>
+              </a:cxn>
+              <a:cxn ang="0">
+                <a:pos x="connsiteX9" y="connsiteY9"/>
+              </a:cxn>
+              <a:cxn ang="0">
+                <a:pos x="connsiteX10" y="connsiteY10"/>
+              </a:cxn>
+              <a:cxn ang="0">
+                <a:pos x="connsiteX11" y="connsiteY11"/>
+              </a:cxn>
+              <a:cxn ang="0">
+                <a:pos x="connsiteX12" y="connsiteY12"/>
+              </a:cxn>
+              <a:cxn ang="0">
+                <a:pos x="connsiteX13" y="connsiteY13"/>
+              </a:cxn>
+              <a:cxn ang="0">
+                <a:pos x="connsiteX14" y="connsiteY14"/>
+              </a:cxn>
+              <a:cxn ang="0">
+                <a:pos x="connsiteX15" y="connsiteY15"/>
+              </a:cxn>
+              <a:cxn ang="0">
+                <a:pos x="connsiteX16" y="connsiteY16"/>
+              </a:cxn>
+              <a:cxn ang="0">
+                <a:pos x="connsiteX17" y="connsiteY17"/>
+              </a:cxn>
+              <a:cxn ang="0">
+                <a:pos x="connsiteX18" y="connsiteY18"/>
+              </a:cxn>
+              <a:cxn ang="0">
+                <a:pos x="connsiteX19" y="connsiteY19"/>
+              </a:cxn>
+              <a:cxn ang="0">
+                <a:pos x="connsiteX20" y="connsiteY20"/>
+              </a:cxn>
+              <a:cxn ang="0">
+                <a:pos x="connsiteX21" y="connsiteY21"/>
+              </a:cxn>
+              <a:cxn ang="0">
+                <a:pos x="connsiteX22" y="connsiteY22"/>
+              </a:cxn>
+              <a:cxn ang="0">
+                <a:pos x="connsiteX23" y="connsiteY23"/>
+              </a:cxn>
+              <a:cxn ang="0">
+                <a:pos x="connsiteX24" y="connsiteY24"/>
+              </a:cxn>
+              <a:cxn ang="0">
+                <a:pos x="connsiteX25" y="connsiteY25"/>
+              </a:cxn>
+              <a:cxn ang="0">
+                <a:pos x="connsiteX26" y="connsiteY26"/>
+              </a:cxn>
+              <a:cxn ang="0">
+                <a:pos x="connsiteX27" y="connsiteY27"/>
+              </a:cxn>
+              <a:cxn ang="0">
+                <a:pos x="connsiteX28" y="connsiteY28"/>
+              </a:cxn>
+              <a:cxn ang="0">
+                <a:pos x="connsiteX29" y="connsiteY29"/>
+              </a:cxn>
+              <a:cxn ang="0">
+                <a:pos x="connsiteX30" y="connsiteY30"/>
+              </a:cxn>
+              <a:cxn ang="0">
+                <a:pos x="connsiteX31" y="connsiteY31"/>
+              </a:cxn>
+              <a:cxn ang="0">
+                <a:pos x="connsiteX32" y="connsiteY32"/>
+              </a:cxn>
+              <a:cxn ang="0">
+                <a:pos x="connsiteX33" y="connsiteY33"/>
+              </a:cxn>
+              <a:cxn ang="0">
+                <a:pos x="connsiteX34" y="connsiteY34"/>
+              </a:cxn>
+              <a:cxn ang="0">
+                <a:pos x="connsiteX35" y="connsiteY35"/>
+              </a:cxn>
+              <a:cxn ang="0">
+                <a:pos x="connsiteX36" y="connsiteY36"/>
+              </a:cxn>
+              <a:cxn ang="0">
+                <a:pos x="connsiteX37" y="connsiteY37"/>
+              </a:cxn>
+              <a:cxn ang="0">
+                <a:pos x="connsiteX38" y="connsiteY38"/>
+              </a:cxn>
+              <a:cxn ang="0">
+                <a:pos x="connsiteX39" y="connsiteY39"/>
+              </a:cxn>
+              <a:cxn ang="0">
+                <a:pos x="connsiteX40" y="connsiteY40"/>
+              </a:cxn>
+              <a:cxn ang="0">
+                <a:pos x="connsiteX41" y="connsiteY41"/>
+              </a:cxn>
+              <a:cxn ang="0">
+                <a:pos x="connsiteX42" y="connsiteY42"/>
+              </a:cxn>
+              <a:cxn ang="0">
+                <a:pos x="connsiteX43" y="connsiteY43"/>
+              </a:cxn>
+              <a:cxn ang="0">
+                <a:pos x="connsiteX44" y="connsiteY44"/>
+              </a:cxn>
+              <a:cxn ang="0">
+                <a:pos x="connsiteX45" y="connsiteY45"/>
+              </a:cxn>
+              <a:cxn ang="0">
+                <a:pos x="connsiteX46" y="connsiteY46"/>
+              </a:cxn>
+              <a:cxn ang="0">
+                <a:pos x="connsiteX47" y="connsiteY47"/>
+              </a:cxn>
+              <a:cxn ang="0">
+                <a:pos x="connsiteX48" y="connsiteY48"/>
+              </a:cxn>
+              <a:cxn ang="0">
+                <a:pos x="connsiteX49" y="connsiteY49"/>
+              </a:cxn>
+              <a:cxn ang="0">
+                <a:pos x="connsiteX50" y="connsiteY50"/>
+              </a:cxn>
+              <a:cxn ang="0">
+                <a:pos x="connsiteX51" y="connsiteY51"/>
+              </a:cxn>
+              <a:cxn ang="0">
+                <a:pos x="connsiteX52" y="connsiteY52"/>
+              </a:cxn>
+              <a:cxn ang="0">
+                <a:pos x="connsiteX53" y="connsiteY53"/>
+              </a:cxn>
+              <a:cxn ang="0">
+                <a:pos x="connsiteX54" y="connsiteY54"/>
+              </a:cxn>
+              <a:cxn ang="0">
+                <a:pos x="connsiteX55" y="connsiteY55"/>
+              </a:cxn>
+              <a:cxn ang="0">
+                <a:pos x="connsiteX56" y="connsiteY56"/>
+              </a:cxn>
+              <a:cxn ang="0">
+                <a:pos x="connsiteX57" y="connsiteY57"/>
+              </a:cxn>
+              <a:cxn ang="0">
+                <a:pos x="connsiteX58" y="connsiteY58"/>
+              </a:cxn>
+              <a:cxn ang="0">
+                <a:pos x="connsiteX59" y="connsiteY59"/>
+              </a:cxn>
+              <a:cxn ang="0">
+                <a:pos x="connsiteX60" y="connsiteY60"/>
+              </a:cxn>
+              <a:cxn ang="0">
+                <a:pos x="connsiteX61" y="connsiteY61"/>
+              </a:cxn>
+              <a:cxn ang="0">
+                <a:pos x="connsiteX62" y="connsiteY62"/>
+              </a:cxn>
+            </a:cxnLst>
+            <a:rect l="l" t="t" r="r" b="b"/>
+            <a:pathLst>
+              <a:path w="12009304" h="6858000">
+                <a:moveTo>
+                  <a:pt x="8239723" y="5083103"/>
+                </a:moveTo>
+                <a:cubicBezTo>
+                  <a:pt x="8239723" y="5083103"/>
+                  <a:pt x="8239723" y="5083103"/>
+                  <a:pt x="9505105" y="5083103"/>
+                </a:cubicBezTo>
+                <a:cubicBezTo>
+                  <a:pt x="9525601" y="5083103"/>
+                  <a:pt x="9545588" y="5085825"/>
+                  <a:pt x="9564676" y="5091016"/>
+                </a:cubicBezTo>
+                <a:lnTo>
+                  <a:pt x="9605648" y="5108194"/>
+                </a:lnTo>
+                <a:lnTo>
+                  <a:pt x="9580608" y="5151499"/>
+                </a:lnTo>
+                <a:cubicBezTo>
+                  <a:pt x="9354208" y="5543062"/>
+                  <a:pt x="9064418" y="6044264"/>
+                  <a:pt x="8693486" y="6685800"/>
+                </a:cubicBezTo>
+                <a:cubicBezTo>
+                  <a:pt x="8665958" y="6733339"/>
+                  <a:pt x="8632925" y="6776306"/>
+                  <a:pt x="8595419" y="6814017"/>
+                </a:cubicBezTo>
+                <a:lnTo>
+                  <a:pt x="8545620" y="6858000"/>
+                </a:lnTo>
+                <a:lnTo>
+                  <a:pt x="7612173" y="6858000"/>
+                </a:lnTo>
+                <a:lnTo>
+                  <a:pt x="7591825" y="6822959"/>
+                </a:lnTo>
+                <a:cubicBezTo>
+                  <a:pt x="7538315" y="6730809"/>
+                  <a:pt x="7478495" y="6627794"/>
+                  <a:pt x="7411622" y="6512633"/>
+                </a:cubicBezTo>
+                <a:cubicBezTo>
+                  <a:pt x="7370628" y="6444560"/>
+                  <a:pt x="7370628" y="6357427"/>
+                  <a:pt x="7411622" y="6289354"/>
+                </a:cubicBezTo>
+                <a:cubicBezTo>
+                  <a:pt x="7411622" y="6289354"/>
+                  <a:pt x="7411622" y="6289354"/>
+                  <a:pt x="8045680" y="5197465"/>
+                </a:cubicBezTo>
+                <a:cubicBezTo>
+                  <a:pt x="8083943" y="5126669"/>
+                  <a:pt x="8160465" y="5083103"/>
+                  <a:pt x="8239723" y="5083103"/>
+                </a:cubicBezTo>
+                <a:close/>
+                <a:moveTo>
+                  <a:pt x="10622296" y="1326563"/>
+                </a:moveTo>
+                <a:cubicBezTo>
+                  <a:pt x="10622296" y="1326563"/>
+                  <a:pt x="10622296" y="1326563"/>
+                  <a:pt x="11448522" y="1326563"/>
+                </a:cubicBezTo>
+                <a:cubicBezTo>
+                  <a:pt x="11502058" y="1326563"/>
+                  <a:pt x="11550238" y="1355009"/>
+                  <a:pt x="11577006" y="1401233"/>
+                </a:cubicBezTo>
+                <a:cubicBezTo>
+                  <a:pt x="11577006" y="1401233"/>
+                  <a:pt x="11577006" y="1401233"/>
+                  <a:pt x="11989228" y="2114179"/>
+                </a:cubicBezTo>
+                <a:cubicBezTo>
+                  <a:pt x="12015996" y="2158629"/>
+                  <a:pt x="12015996" y="2215522"/>
+                  <a:pt x="11989228" y="2259969"/>
+                </a:cubicBezTo>
+                <a:cubicBezTo>
+                  <a:pt x="11989228" y="2259969"/>
+                  <a:pt x="11989228" y="2259969"/>
+                  <a:pt x="11577006" y="2972914"/>
+                </a:cubicBezTo>
+                <a:cubicBezTo>
+                  <a:pt x="11550238" y="3019141"/>
+                  <a:pt x="11502058" y="3047587"/>
+                  <a:pt x="11448522" y="3047587"/>
+                </a:cubicBezTo>
+                <a:cubicBezTo>
+                  <a:pt x="11448522" y="3047587"/>
+                  <a:pt x="11448522" y="3047587"/>
+                  <a:pt x="10622296" y="3047587"/>
+                </a:cubicBezTo>
+                <a:cubicBezTo>
+                  <a:pt x="10570544" y="3047587"/>
+                  <a:pt x="10520578" y="3019141"/>
+                  <a:pt x="10495594" y="2972914"/>
+                </a:cubicBezTo>
+                <a:cubicBezTo>
+                  <a:pt x="10495594" y="2972914"/>
+                  <a:pt x="10495594" y="2972914"/>
+                  <a:pt x="10081589" y="2259969"/>
+                </a:cubicBezTo>
+                <a:cubicBezTo>
+                  <a:pt x="10054821" y="2215522"/>
+                  <a:pt x="10054821" y="2158629"/>
+                  <a:pt x="10081589" y="2114179"/>
+                </a:cubicBezTo>
+                <a:cubicBezTo>
+                  <a:pt x="10081589" y="2114179"/>
+                  <a:pt x="10081589" y="2114179"/>
+                  <a:pt x="10495594" y="1401233"/>
+                </a:cubicBezTo>
+                <a:cubicBezTo>
+                  <a:pt x="10520578" y="1355009"/>
+                  <a:pt x="10570544" y="1326563"/>
+                  <a:pt x="10622296" y="1326563"/>
+                </a:cubicBezTo>
+                <a:close/>
+                <a:moveTo>
+                  <a:pt x="0" y="0"/>
+                </a:moveTo>
+                <a:lnTo>
+                  <a:pt x="4457990" y="0"/>
+                </a:lnTo>
+                <a:lnTo>
+                  <a:pt x="5902610" y="0"/>
+                </a:lnTo>
+                <a:lnTo>
+                  <a:pt x="8476869" y="0"/>
+                </a:lnTo>
+                <a:lnTo>
+                  <a:pt x="8535933" y="39849"/>
+                </a:lnTo>
+                <a:cubicBezTo>
+                  <a:pt x="8598516" y="88273"/>
+                  <a:pt x="8652195" y="149296"/>
+                  <a:pt x="8693486" y="220603"/>
+                </a:cubicBezTo>
+                <a:cubicBezTo>
+                  <a:pt x="8693486" y="220603"/>
+                  <a:pt x="8693486" y="220603"/>
+                  <a:pt x="10389180" y="3153347"/>
+                </a:cubicBezTo>
+                <a:cubicBezTo>
+                  <a:pt x="10499291" y="3336185"/>
+                  <a:pt x="10499291" y="3570221"/>
+                  <a:pt x="10389180" y="3753061"/>
+                </a:cubicBezTo>
+                <a:cubicBezTo>
+                  <a:pt x="10389180" y="3753061"/>
+                  <a:pt x="10389180" y="3753061"/>
+                  <a:pt x="9759557" y="4842009"/>
+                </a:cubicBezTo>
+                <a:lnTo>
+                  <a:pt x="9706493" y="4933778"/>
+                </a:lnTo>
+                <a:lnTo>
+                  <a:pt x="9708360" y="4934561"/>
+                </a:lnTo>
+                <a:cubicBezTo>
+                  <a:pt x="9746510" y="4956830"/>
+                  <a:pt x="9778880" y="4989078"/>
+                  <a:pt x="9802002" y="5029008"/>
+                </a:cubicBezTo>
+                <a:cubicBezTo>
+                  <a:pt x="9802002" y="5029008"/>
+                  <a:pt x="9802002" y="5029008"/>
+                  <a:pt x="10514131" y="6260653"/>
+                </a:cubicBezTo>
+                <a:cubicBezTo>
+                  <a:pt x="10560376" y="6337439"/>
+                  <a:pt x="10560376" y="6435725"/>
+                  <a:pt x="10514131" y="6512512"/>
+                </a:cubicBezTo>
+                <a:cubicBezTo>
+                  <a:pt x="10514131" y="6512512"/>
+                  <a:pt x="10514131" y="6512512"/>
+                  <a:pt x="10340271" y="6813206"/>
+                </a:cubicBezTo>
+                <a:lnTo>
+                  <a:pt x="10314372" y="6858000"/>
+                </a:lnTo>
+                <a:lnTo>
+                  <a:pt x="10119136" y="6858000"/>
+                </a:lnTo>
+                <a:lnTo>
+                  <a:pt x="10122008" y="6853033"/>
+                </a:lnTo>
+                <a:cubicBezTo>
+                  <a:pt x="10327158" y="6498223"/>
+                  <a:pt x="10327158" y="6498223"/>
+                  <a:pt x="10327158" y="6498223"/>
+                </a:cubicBezTo>
+                <a:cubicBezTo>
+                  <a:pt x="10368154" y="6430148"/>
+                  <a:pt x="10368154" y="6343015"/>
+                  <a:pt x="10327158" y="6274942"/>
+                </a:cubicBezTo>
+                <a:cubicBezTo>
+                  <a:pt x="9695832" y="5183053"/>
+                  <a:pt x="9695832" y="5183053"/>
+                  <a:pt x="9695832" y="5183053"/>
+                </a:cubicBezTo>
+                <a:cubicBezTo>
+                  <a:pt x="9675334" y="5147654"/>
+                  <a:pt x="9646640" y="5119063"/>
+                  <a:pt x="9612819" y="5099323"/>
+                </a:cubicBezTo>
+                <a:lnTo>
+                  <a:pt x="9603213" y="5095298"/>
+                </a:lnTo>
+                <a:lnTo>
+                  <a:pt x="9654707" y="5006238"/>
+                </a:lnTo>
+                <a:lnTo>
+                  <a:pt x="9693004" y="4940002"/>
+                </a:lnTo>
+                <a:lnTo>
+                  <a:pt x="9653283" y="4923348"/>
+                </a:lnTo>
+                <a:cubicBezTo>
+                  <a:pt x="9631750" y="4917491"/>
+                  <a:pt x="9609208" y="4914420"/>
+                  <a:pt x="9586087" y="4914420"/>
+                </a:cubicBezTo>
+                <a:cubicBezTo>
+                  <a:pt x="8158743" y="4914420"/>
+                  <a:pt x="8158743" y="4914420"/>
+                  <a:pt x="8158743" y="4914420"/>
+                </a:cubicBezTo>
+                <a:cubicBezTo>
+                  <a:pt x="8069341" y="4914420"/>
+                  <a:pt x="7983024" y="4963563"/>
+                  <a:pt x="7939863" y="5043420"/>
+                </a:cubicBezTo>
+                <a:cubicBezTo>
+                  <a:pt x="7224650" y="6275065"/>
+                  <a:pt x="7224650" y="6275065"/>
+                  <a:pt x="7224650" y="6275065"/>
+                </a:cubicBezTo>
+                <a:cubicBezTo>
+                  <a:pt x="7178407" y="6351849"/>
+                  <a:pt x="7178407" y="6450135"/>
+                  <a:pt x="7224650" y="6526922"/>
+                </a:cubicBezTo>
+                <a:cubicBezTo>
+                  <a:pt x="7269350" y="6603900"/>
+                  <a:pt x="7311257" y="6676067"/>
+                  <a:pt x="7350544" y="6743723"/>
+                </a:cubicBezTo>
+                <a:lnTo>
+                  <a:pt x="7416905" y="6858000"/>
+                </a:lnTo>
+                <a:lnTo>
+                  <a:pt x="5902610" y="6858000"/>
+                </a:lnTo>
+                <a:lnTo>
+                  <a:pt x="4389357" y="6858000"/>
+                </a:lnTo>
+                <a:lnTo>
+                  <a:pt x="0" y="6858000"/>
+                </a:lnTo>
+                <a:close/>
+              </a:path>
+            </a:pathLst>
+          </a:custGeom>
+          <a:solidFill>
+            <a:schemeClr val="tx1">
+              <a:lumMod val="50000"/>
+              <a:lumOff val="50000"/>
+              <a:alpha val="15000"/>
+            </a:schemeClr>
+          </a:solidFill>
+          <a:ln>
+            <a:noFill/>
+          </a:ln>
+        </p:spPr>
+        <p:style>
+          <a:lnRef idx="2">
+            <a:schemeClr val="accent1">
+              <a:shade val="50000"/>
+            </a:schemeClr>
+          </a:lnRef>
+          <a:fillRef idx="1">
+            <a:schemeClr val="accent1"/>
+          </a:fillRef>
+          <a:effectRef idx="0">
+            <a:schemeClr val="accent1"/>
+          </a:effectRef>
+          <a:fontRef idx="minor">
+            <a:schemeClr val="lt1"/>
+          </a:fontRef>
+        </p:style>
+        <p:txBody>
+          <a:bodyPr wrap="square" rtlCol="0" anchor="ctr">
+            <a:noAutofit/>
+          </a:bodyPr>
+          <a:lstStyle/>
+          <a:p>
+            <a:pPr algn="ctr"/>
+            <a:endParaRPr lang="en-US"/>
+          </a:p>
+        </p:txBody>
+      </p:sp>
+      <p:sp>
+        <p:nvSpPr>
+          <p:cNvPr id="12" name="TextBox 11">
+            <a:extLst>
+              <a:ext uri="{FF2B5EF4-FFF2-40B4-BE49-F238E27FC236}">
+                <a16:creationId xmlns:a16="http://schemas.microsoft.com/office/drawing/2014/main" id="{ADF81841-B0C0-E649-9860-D3BD3C9217C6}"/>
+              </a:ext>
+            </a:extLst>
+          </p:cNvPr>
+          <p:cNvSpPr txBox="1"/>
+          <p:nvPr/>
+        </p:nvSpPr>
+        <p:spPr>
+          <a:xfrm>
+            <a:off x="2244015" y="6313302"/>
+            <a:ext cx="1283919" cy="369332"/>
+          </a:xfrm>
+          <a:prstGeom prst="rect">
+            <a:avLst/>
+          </a:prstGeom>
+          <a:noFill/>
+        </p:spPr>
+        <p:txBody>
+          <a:bodyPr wrap="square" rtlCol="0">
+            <a:spAutoFit/>
+          </a:bodyPr>
+          <a:lstStyle/>
+          <a:p>
+            <a:r>
+              <a:rPr lang="en-US" dirty="0" err="1">
+                <a:latin typeface="Avenir Book" panose="02000503020000020003" pitchFamily="2" charset="0"/>
+              </a:rPr>
+              <a:t>App.vue</a:t>
+            </a:r>
+            <a:endParaRPr lang="en-US" dirty="0">
+              <a:latin typeface="Avenir Book" panose="02000503020000020003" pitchFamily="2" charset="0"/>
+            </a:endParaRPr>
+          </a:p>
+        </p:txBody>
+      </p:sp>
+      <p:sp>
+        <p:nvSpPr>
+          <p:cNvPr id="18" name="TextBox 17">
+            <a:extLst>
+              <a:ext uri="{FF2B5EF4-FFF2-40B4-BE49-F238E27FC236}">
+                <a16:creationId xmlns:a16="http://schemas.microsoft.com/office/drawing/2014/main" id="{7FBA3E7A-A172-4143-B19C-88D919D847B7}"/>
+              </a:ext>
+            </a:extLst>
+          </p:cNvPr>
+          <p:cNvSpPr txBox="1"/>
+          <p:nvPr/>
+        </p:nvSpPr>
+        <p:spPr>
+          <a:xfrm>
+            <a:off x="2931425" y="175366"/>
+            <a:ext cx="3699353" cy="369332"/>
+          </a:xfrm>
+          <a:prstGeom prst="rect">
+            <a:avLst/>
+          </a:prstGeom>
+          <a:noFill/>
+        </p:spPr>
+        <p:txBody>
+          <a:bodyPr wrap="square" rtlCol="0">
+            <a:spAutoFit/>
+          </a:bodyPr>
+          <a:lstStyle/>
+          <a:p>
+            <a:r>
+              <a:rPr lang="en-US" dirty="0">
+                <a:latin typeface="Avenir Light" panose="020B0402020203020204" pitchFamily="34" charset="77"/>
+              </a:rPr>
+              <a:t>Component Attributes</a:t>
+            </a:r>
+          </a:p>
+        </p:txBody>
+      </p:sp>
+      <p:pic>
+        <p:nvPicPr>
+          <p:cNvPr id="3" name="Picture 2" descr="Text&#10;&#10;Description automatically generated">
+            <a:extLst>
+              <a:ext uri="{FF2B5EF4-FFF2-40B4-BE49-F238E27FC236}">
+                <a16:creationId xmlns:a16="http://schemas.microsoft.com/office/drawing/2014/main" id="{4D0D9905-A549-CB4C-B94A-08B3FD06241C}"/>
+              </a:ext>
+            </a:extLst>
+          </p:cNvPr>
+          <p:cNvPicPr>
+            <a:picLocks noChangeAspect="1"/>
+          </p:cNvPicPr>
+          <p:nvPr/>
+        </p:nvPicPr>
+        <p:blipFill>
+          <a:blip r:embed="rId3"/>
+          <a:stretch>
+            <a:fillRect/>
+          </a:stretch>
+        </p:blipFill>
+        <p:spPr>
+          <a:xfrm>
+            <a:off x="747040" y="720064"/>
+            <a:ext cx="4515862" cy="5473874"/>
+          </a:xfrm>
+          <a:prstGeom prst="rect">
+            <a:avLst/>
+          </a:prstGeom>
+        </p:spPr>
+      </p:pic>
+      <p:sp>
+        <p:nvSpPr>
+          <p:cNvPr id="7" name="TextBox 6">
+            <a:extLst>
+              <a:ext uri="{FF2B5EF4-FFF2-40B4-BE49-F238E27FC236}">
+                <a16:creationId xmlns:a16="http://schemas.microsoft.com/office/drawing/2014/main" id="{ADB774E2-4D53-014E-B14A-48302DC024C8}"/>
+              </a:ext>
+            </a:extLst>
+          </p:cNvPr>
+          <p:cNvSpPr txBox="1"/>
+          <p:nvPr/>
+        </p:nvSpPr>
+        <p:spPr>
+          <a:xfrm>
+            <a:off x="5724394" y="845507"/>
+            <a:ext cx="3338186" cy="276999"/>
+          </a:xfrm>
+          <a:prstGeom prst="rect">
+            <a:avLst/>
+          </a:prstGeom>
+          <a:noFill/>
+        </p:spPr>
+        <p:txBody>
+          <a:bodyPr wrap="square" rtlCol="0">
+            <a:spAutoFit/>
+          </a:bodyPr>
+          <a:lstStyle/>
+          <a:p>
+            <a:pPr marL="285750" indent="-285750">
+              <a:buFont typeface="Arial" panose="020B0604020202020204" pitchFamily="34" charset="0"/>
+              <a:buChar char="•"/>
+            </a:pPr>
+            <a:r>
+              <a:rPr lang="en-US" sz="1200" dirty="0">
+                <a:latin typeface="Avenir Light" panose="020B0402020203020204" pitchFamily="34" charset="77"/>
+              </a:rPr>
+              <a:t>name – name of the component</a:t>
+            </a:r>
+          </a:p>
+        </p:txBody>
+      </p:sp>
+      <p:sp>
+        <p:nvSpPr>
+          <p:cNvPr id="14" name="TextBox 13">
+            <a:extLst>
+              <a:ext uri="{FF2B5EF4-FFF2-40B4-BE49-F238E27FC236}">
+                <a16:creationId xmlns:a16="http://schemas.microsoft.com/office/drawing/2014/main" id="{1E108BD8-78EB-6748-BF92-8037492E43CD}"/>
+              </a:ext>
+            </a:extLst>
+          </p:cNvPr>
+          <p:cNvSpPr txBox="1"/>
+          <p:nvPr/>
+        </p:nvSpPr>
+        <p:spPr>
+          <a:xfrm>
+            <a:off x="5724394" y="1192482"/>
+            <a:ext cx="4778680" cy="276999"/>
+          </a:xfrm>
+          <a:prstGeom prst="rect">
+            <a:avLst/>
+          </a:prstGeom>
+          <a:noFill/>
+        </p:spPr>
+        <p:txBody>
+          <a:bodyPr wrap="square" rtlCol="0">
+            <a:spAutoFit/>
+          </a:bodyPr>
+          <a:lstStyle/>
+          <a:p>
+            <a:pPr marL="285750" indent="-285750">
+              <a:buFont typeface="Arial" panose="020B0604020202020204" pitchFamily="34" charset="0"/>
+              <a:buChar char="•"/>
+            </a:pPr>
+            <a:r>
+              <a:rPr lang="en-US" sz="1200" dirty="0">
+                <a:latin typeface="Avenir Light" panose="020B0402020203020204" pitchFamily="34" charset="77"/>
+              </a:rPr>
+              <a:t>components – where child components are registered</a:t>
+            </a:r>
+          </a:p>
+        </p:txBody>
+      </p:sp>
+      <p:sp>
+        <p:nvSpPr>
+          <p:cNvPr id="15" name="TextBox 14">
+            <a:extLst>
+              <a:ext uri="{FF2B5EF4-FFF2-40B4-BE49-F238E27FC236}">
+                <a16:creationId xmlns:a16="http://schemas.microsoft.com/office/drawing/2014/main" id="{C9951E1F-4A8D-4243-9616-662039CE15F1}"/>
+              </a:ext>
+            </a:extLst>
+          </p:cNvPr>
+          <p:cNvSpPr txBox="1"/>
+          <p:nvPr/>
+        </p:nvSpPr>
+        <p:spPr>
+          <a:xfrm>
+            <a:off x="5724394" y="1598680"/>
+            <a:ext cx="4778680" cy="276999"/>
+          </a:xfrm>
+          <a:prstGeom prst="rect">
+            <a:avLst/>
+          </a:prstGeom>
+          <a:noFill/>
+        </p:spPr>
+        <p:txBody>
+          <a:bodyPr wrap="square" rtlCol="0">
+            <a:spAutoFit/>
+          </a:bodyPr>
+          <a:lstStyle/>
+          <a:p>
+            <a:pPr marL="285750" indent="-285750">
+              <a:buFont typeface="Arial" panose="020B0604020202020204" pitchFamily="34" charset="0"/>
+              <a:buChar char="•"/>
+            </a:pPr>
+            <a:r>
+              <a:rPr lang="en-US" sz="1200" dirty="0">
+                <a:latin typeface="Avenir Light" panose="020B0402020203020204" pitchFamily="34" charset="77"/>
+              </a:rPr>
+              <a:t>data – where the state of the component lives</a:t>
+            </a:r>
+          </a:p>
+        </p:txBody>
+      </p:sp>
+      <p:sp>
+        <p:nvSpPr>
+          <p:cNvPr id="16" name="TextBox 15">
+            <a:extLst>
+              <a:ext uri="{FF2B5EF4-FFF2-40B4-BE49-F238E27FC236}">
+                <a16:creationId xmlns:a16="http://schemas.microsoft.com/office/drawing/2014/main" id="{9C9F6F0F-1DC3-7848-BEF7-77935C193BB0}"/>
+              </a:ext>
+            </a:extLst>
+          </p:cNvPr>
+          <p:cNvSpPr txBox="1"/>
+          <p:nvPr/>
+        </p:nvSpPr>
+        <p:spPr>
+          <a:xfrm>
+            <a:off x="5724394" y="2008100"/>
+            <a:ext cx="4778680" cy="461665"/>
+          </a:xfrm>
+          <a:prstGeom prst="rect">
+            <a:avLst/>
+          </a:prstGeom>
+          <a:noFill/>
+        </p:spPr>
+        <p:txBody>
+          <a:bodyPr wrap="square" rtlCol="0">
+            <a:spAutoFit/>
+          </a:bodyPr>
+          <a:lstStyle/>
+          <a:p>
+            <a:pPr marL="285750" indent="-285750">
+              <a:buFont typeface="Arial" panose="020B0604020202020204" pitchFamily="34" charset="0"/>
+              <a:buChar char="•"/>
+            </a:pPr>
+            <a:r>
+              <a:rPr lang="en-US" sz="1200" dirty="0">
+                <a:latin typeface="Avenir Light" panose="020B0402020203020204" pitchFamily="34" charset="77"/>
+              </a:rPr>
+              <a:t>props – the props that the component consumes from a parent component</a:t>
+            </a:r>
+          </a:p>
+        </p:txBody>
+      </p:sp>
+      <p:sp>
+        <p:nvSpPr>
+          <p:cNvPr id="17" name="TextBox 16">
+            <a:extLst>
+              <a:ext uri="{FF2B5EF4-FFF2-40B4-BE49-F238E27FC236}">
+                <a16:creationId xmlns:a16="http://schemas.microsoft.com/office/drawing/2014/main" id="{0AC0E966-BA44-3442-89B1-C0FBE94FBA78}"/>
+              </a:ext>
+            </a:extLst>
+          </p:cNvPr>
+          <p:cNvSpPr txBox="1"/>
+          <p:nvPr/>
+        </p:nvSpPr>
+        <p:spPr>
+          <a:xfrm>
+            <a:off x="5724394" y="2600316"/>
+            <a:ext cx="4778680" cy="461665"/>
+          </a:xfrm>
+          <a:prstGeom prst="rect">
+            <a:avLst/>
+          </a:prstGeom>
+          <a:noFill/>
+        </p:spPr>
+        <p:txBody>
+          <a:bodyPr wrap="square" rtlCol="0">
+            <a:spAutoFit/>
+          </a:bodyPr>
+          <a:lstStyle/>
+          <a:p>
+            <a:pPr marL="285750" indent="-285750">
+              <a:buFont typeface="Arial" panose="020B0604020202020204" pitchFamily="34" charset="0"/>
+              <a:buChar char="•"/>
+            </a:pPr>
+            <a:r>
+              <a:rPr lang="en-US" sz="1200" dirty="0">
+                <a:latin typeface="Avenir Light" panose="020B0402020203020204" pitchFamily="34" charset="77"/>
+              </a:rPr>
+              <a:t>computed – collection of functions that ‘compute’ a return value</a:t>
+            </a:r>
+          </a:p>
+        </p:txBody>
+      </p:sp>
+      <p:sp>
+        <p:nvSpPr>
+          <p:cNvPr id="20" name="TextBox 19">
+            <a:extLst>
+              <a:ext uri="{FF2B5EF4-FFF2-40B4-BE49-F238E27FC236}">
+                <a16:creationId xmlns:a16="http://schemas.microsoft.com/office/drawing/2014/main" id="{89B8D6CB-D8B8-1E4A-B70B-60E737AF2B8F}"/>
+              </a:ext>
+            </a:extLst>
+          </p:cNvPr>
+          <p:cNvSpPr txBox="1"/>
+          <p:nvPr/>
+        </p:nvSpPr>
+        <p:spPr>
+          <a:xfrm>
+            <a:off x="5724394" y="3155223"/>
+            <a:ext cx="4778680" cy="461665"/>
+          </a:xfrm>
+          <a:prstGeom prst="rect">
+            <a:avLst/>
+          </a:prstGeom>
+          <a:noFill/>
+        </p:spPr>
+        <p:txBody>
+          <a:bodyPr wrap="square" rtlCol="0">
+            <a:spAutoFit/>
+          </a:bodyPr>
+          <a:lstStyle/>
+          <a:p>
+            <a:pPr marL="285750" indent="-285750">
+              <a:buFont typeface="Arial" panose="020B0604020202020204" pitchFamily="34" charset="0"/>
+              <a:buChar char="•"/>
+            </a:pPr>
+            <a:r>
+              <a:rPr lang="en-US" sz="1200" dirty="0">
+                <a:latin typeface="Avenir Light" panose="020B0402020203020204" pitchFamily="34" charset="77"/>
+              </a:rPr>
+              <a:t>methods – collection of functions that ‘do something’ i.e. trigger an event, log to the console, mutate the state</a:t>
+            </a:r>
+          </a:p>
+        </p:txBody>
+      </p:sp>
+      <p:sp>
+        <p:nvSpPr>
+          <p:cNvPr id="21" name="TextBox 20">
+            <a:extLst>
+              <a:ext uri="{FF2B5EF4-FFF2-40B4-BE49-F238E27FC236}">
+                <a16:creationId xmlns:a16="http://schemas.microsoft.com/office/drawing/2014/main" id="{CCDD0A32-3398-454D-85E7-518A0893D218}"/>
+              </a:ext>
+            </a:extLst>
+          </p:cNvPr>
+          <p:cNvSpPr txBox="1"/>
+          <p:nvPr/>
+        </p:nvSpPr>
+        <p:spPr>
+          <a:xfrm>
+            <a:off x="5724394" y="3796020"/>
+            <a:ext cx="4778680" cy="646331"/>
+          </a:xfrm>
+          <a:prstGeom prst="rect">
+            <a:avLst/>
+          </a:prstGeom>
+          <a:noFill/>
+        </p:spPr>
+        <p:txBody>
+          <a:bodyPr wrap="square" rtlCol="0">
+            <a:spAutoFit/>
+          </a:bodyPr>
+          <a:lstStyle/>
+          <a:p>
+            <a:pPr marL="285750" indent="-285750">
+              <a:buFont typeface="Arial" panose="020B0604020202020204" pitchFamily="34" charset="0"/>
+              <a:buChar char="•"/>
+            </a:pPr>
+            <a:r>
+              <a:rPr lang="en-US" sz="1200" dirty="0">
+                <a:latin typeface="Avenir Light" panose="020B0402020203020204" pitchFamily="34" charset="77"/>
+              </a:rPr>
+              <a:t>watch – allows you to watch fields for changes…you could watch a state value and every time it changes then you would do something</a:t>
+            </a:r>
+          </a:p>
+        </p:txBody>
+      </p:sp>
+      <p:sp>
+        <p:nvSpPr>
+          <p:cNvPr id="8" name="TextBox 7">
+            <a:extLst>
+              <a:ext uri="{FF2B5EF4-FFF2-40B4-BE49-F238E27FC236}">
+                <a16:creationId xmlns:a16="http://schemas.microsoft.com/office/drawing/2014/main" id="{05F2B89F-FBF5-1646-B83C-0B5B460191A6}"/>
+              </a:ext>
+            </a:extLst>
+          </p:cNvPr>
+          <p:cNvSpPr txBox="1"/>
+          <p:nvPr/>
+        </p:nvSpPr>
+        <p:spPr>
+          <a:xfrm>
+            <a:off x="5885655" y="4736100"/>
+            <a:ext cx="4686312" cy="523220"/>
+          </a:xfrm>
+          <a:prstGeom prst="rect">
+            <a:avLst/>
+          </a:prstGeom>
+          <a:noFill/>
+        </p:spPr>
+        <p:txBody>
+          <a:bodyPr wrap="square" rtlCol="0">
+            <a:spAutoFit/>
+          </a:bodyPr>
+          <a:lstStyle/>
+          <a:p>
+            <a:r>
+              <a:rPr lang="en-US" sz="1400" dirty="0">
+                <a:latin typeface="Avenir Light" panose="020B0402020203020204" pitchFamily="34" charset="77"/>
+              </a:rPr>
+              <a:t>There are also lifecycle methods that you can kick off depending on where the component is in its ‘lifecycle’</a:t>
+            </a:r>
+          </a:p>
+        </p:txBody>
+      </p:sp>
+    </p:spTree>
+    <p:extLst>
+      <p:ext uri="{BB962C8B-B14F-4D97-AF65-F5344CB8AC3E}">
+        <p14:creationId xmlns:p14="http://schemas.microsoft.com/office/powerpoint/2010/main" val="583039893"/>
+      </p:ext>
+    </p:extLst>
+  </p:cSld>
+  <p:clrMapOvr>
+    <a:masterClrMapping/>
+  </p:clrMapOvr>
+  <mc:AlternateContent xmlns:mc="http://schemas.openxmlformats.org/markup-compatibility/2006">
+    <mc:Choice xmlns:p14="http://schemas.microsoft.com/office/powerpoint/2010/main" Requires="p14">
+      <p:transition spd="med" p14:dur="700">
+        <p:fade/>
+      </p:transition>
+    </mc:Choice>
+    <mc:Fallback>
+      <p:transition spd="med">
+        <p:fade/>
+      </p:transition>
+    </mc:Fallback>
+  </mc:AlternateContent>
+  <p:timing>
+    <p:tnLst>
+      <p:par>
+        <p:cTn id="1" dur="indefinite" restart="never" nodeType="tmRoot">
+          <p:childTnLst>
+            <p:seq concurrent="1" nextAc="seek">
+              <p:cTn id="2" dur="indefinite" nodeType="mainSeq">
+                <p:childTnLst>
+                  <p:par>
+                    <p:cTn id="3" fill="hold">
+                      <p:stCondLst>
+                        <p:cond delay="indefinite"/>
+                      </p:stCondLst>
+                      <p:childTnLst>
+                        <p:par>
+                          <p:cTn id="4" fill="hold">
+                            <p:stCondLst>
+                              <p:cond delay="0"/>
+                            </p:stCondLst>
+                            <p:childTnLst>
+                              <p:par>
+                                <p:cTn id="5" presetID="37" presetClass="entr" presetSubtype="0" fill="hold" grpId="0" nodeType="clickEffect">
+                                  <p:stCondLst>
+                                    <p:cond delay="0"/>
+                                  </p:stCondLst>
+                                  <p:childTnLst>
+                                    <p:set>
+                                      <p:cBhvr>
+                                        <p:cTn id="6" dur="1" fill="hold">
+                                          <p:stCondLst>
+                                            <p:cond delay="0"/>
+                                          </p:stCondLst>
+                                        </p:cTn>
+                                        <p:tgtEl>
+                                          <p:spTgt spid="7"/>
+                                        </p:tgtEl>
+                                        <p:attrNameLst>
+                                          <p:attrName>style.visibility</p:attrName>
+                                        </p:attrNameLst>
+                                      </p:cBhvr>
+                                      <p:to>
+                                        <p:strVal val="visible"/>
+                                      </p:to>
+                                    </p:set>
+                                    <p:animEffect transition="in" filter="fade">
+                                      <p:cBhvr>
+                                        <p:cTn id="7" dur="1000"/>
+                                        <p:tgtEl>
+                                          <p:spTgt spid="7"/>
+                                        </p:tgtEl>
+                                      </p:cBhvr>
+                                    </p:animEffect>
+                                    <p:anim calcmode="lin" valueType="num">
+                                      <p:cBhvr>
+                                        <p:cTn id="8" dur="1000" fill="hold"/>
+                                        <p:tgtEl>
+                                          <p:spTgt spid="7"/>
+                                        </p:tgtEl>
+                                        <p:attrNameLst>
+                                          <p:attrName>ppt_x</p:attrName>
+                                        </p:attrNameLst>
+                                      </p:cBhvr>
+                                      <p:tavLst>
+                                        <p:tav tm="0">
+                                          <p:val>
+                                            <p:strVal val="#ppt_x"/>
+                                          </p:val>
+                                        </p:tav>
+                                        <p:tav tm="100000">
+                                          <p:val>
+                                            <p:strVal val="#ppt_x"/>
+                                          </p:val>
+                                        </p:tav>
+                                      </p:tavLst>
+                                    </p:anim>
+                                    <p:anim calcmode="lin" valueType="num">
+                                      <p:cBhvr>
+                                        <p:cTn id="9" dur="900" decel="100000" fill="hold"/>
+                                        <p:tgtEl>
+                                          <p:spTgt spid="7"/>
+                                        </p:tgtEl>
+                                        <p:attrNameLst>
+                                          <p:attrName>ppt_y</p:attrName>
+                                        </p:attrNameLst>
+                                      </p:cBhvr>
+                                      <p:tavLst>
+                                        <p:tav tm="0">
+                                          <p:val>
+                                            <p:strVal val="#ppt_y+1"/>
+                                          </p:val>
+                                        </p:tav>
+                                        <p:tav tm="100000">
+                                          <p:val>
+                                            <p:strVal val="#ppt_y-.03"/>
+                                          </p:val>
+                                        </p:tav>
+                                      </p:tavLst>
+                                    </p:anim>
+                                    <p:anim calcmode="lin" valueType="num">
+                                      <p:cBhvr>
+                                        <p:cTn id="10" dur="100" accel="100000" fill="hold">
+                                          <p:stCondLst>
+                                            <p:cond delay="900"/>
+                                          </p:stCondLst>
+                                        </p:cTn>
+                                        <p:tgtEl>
+                                          <p:spTgt spid="7"/>
+                                        </p:tgtEl>
+                                        <p:attrNameLst>
+                                          <p:attrName>ppt_y</p:attrName>
+                                        </p:attrNameLst>
+                                      </p:cBhvr>
+                                      <p:tavLst>
+                                        <p:tav tm="0">
+                                          <p:val>
+                                            <p:strVal val="#ppt_y-.03"/>
+                                          </p:val>
+                                        </p:tav>
+                                        <p:tav tm="100000">
+                                          <p:val>
+                                            <p:strVal val="#ppt_y"/>
+                                          </p:val>
+                                        </p:tav>
+                                      </p:tavLst>
+                                    </p:anim>
+                                  </p:childTnLst>
+                                </p:cTn>
+                              </p:par>
+                            </p:childTnLst>
+                          </p:cTn>
+                        </p:par>
+                      </p:childTnLst>
+                    </p:cTn>
+                  </p:par>
+                  <p:par>
+                    <p:cTn id="11" fill="hold">
+                      <p:stCondLst>
+                        <p:cond delay="indefinite"/>
+                      </p:stCondLst>
+                      <p:childTnLst>
+                        <p:par>
+                          <p:cTn id="12" fill="hold">
+                            <p:stCondLst>
+                              <p:cond delay="0"/>
+                            </p:stCondLst>
+                            <p:childTnLst>
+                              <p:par>
+                                <p:cTn id="13" presetID="37" presetClass="entr" presetSubtype="0" fill="hold" grpId="0" nodeType="clickEffect">
+                                  <p:stCondLst>
+                                    <p:cond delay="0"/>
+                                  </p:stCondLst>
+                                  <p:childTnLst>
+                                    <p:set>
+                                      <p:cBhvr>
+                                        <p:cTn id="14" dur="1" fill="hold">
+                                          <p:stCondLst>
+                                            <p:cond delay="0"/>
+                                          </p:stCondLst>
+                                        </p:cTn>
+                                        <p:tgtEl>
+                                          <p:spTgt spid="14"/>
+                                        </p:tgtEl>
+                                        <p:attrNameLst>
+                                          <p:attrName>style.visibility</p:attrName>
+                                        </p:attrNameLst>
+                                      </p:cBhvr>
+                                      <p:to>
+                                        <p:strVal val="visible"/>
+                                      </p:to>
+                                    </p:set>
+                                    <p:animEffect transition="in" filter="fade">
+                                      <p:cBhvr>
+                                        <p:cTn id="15" dur="1000"/>
+                                        <p:tgtEl>
+                                          <p:spTgt spid="14"/>
+                                        </p:tgtEl>
+                                      </p:cBhvr>
+                                    </p:animEffect>
+                                    <p:anim calcmode="lin" valueType="num">
+                                      <p:cBhvr>
+                                        <p:cTn id="16" dur="1000" fill="hold"/>
+                                        <p:tgtEl>
+                                          <p:spTgt spid="14"/>
+                                        </p:tgtEl>
+                                        <p:attrNameLst>
+                                          <p:attrName>ppt_x</p:attrName>
+                                        </p:attrNameLst>
+                                      </p:cBhvr>
+                                      <p:tavLst>
+                                        <p:tav tm="0">
+                                          <p:val>
+                                            <p:strVal val="#ppt_x"/>
+                                          </p:val>
+                                        </p:tav>
+                                        <p:tav tm="100000">
+                                          <p:val>
+                                            <p:strVal val="#ppt_x"/>
+                                          </p:val>
+                                        </p:tav>
+                                      </p:tavLst>
+                                    </p:anim>
+                                    <p:anim calcmode="lin" valueType="num">
+                                      <p:cBhvr>
+                                        <p:cTn id="17" dur="900" decel="100000" fill="hold"/>
+                                        <p:tgtEl>
+                                          <p:spTgt spid="14"/>
+                                        </p:tgtEl>
+                                        <p:attrNameLst>
+                                          <p:attrName>ppt_y</p:attrName>
+                                        </p:attrNameLst>
+                                      </p:cBhvr>
+                                      <p:tavLst>
+                                        <p:tav tm="0">
+                                          <p:val>
+                                            <p:strVal val="#ppt_y+1"/>
+                                          </p:val>
+                                        </p:tav>
+                                        <p:tav tm="100000">
+                                          <p:val>
+                                            <p:strVal val="#ppt_y-.03"/>
+                                          </p:val>
+                                        </p:tav>
+                                      </p:tavLst>
+                                    </p:anim>
+                                    <p:anim calcmode="lin" valueType="num">
+                                      <p:cBhvr>
+                                        <p:cTn id="18" dur="100" accel="100000" fill="hold">
+                                          <p:stCondLst>
+                                            <p:cond delay="900"/>
+                                          </p:stCondLst>
+                                        </p:cTn>
+                                        <p:tgtEl>
+                                          <p:spTgt spid="14"/>
+                                        </p:tgtEl>
+                                        <p:attrNameLst>
+                                          <p:attrName>ppt_y</p:attrName>
+                                        </p:attrNameLst>
+                                      </p:cBhvr>
+                                      <p:tavLst>
+                                        <p:tav tm="0">
+                                          <p:val>
+                                            <p:strVal val="#ppt_y-.03"/>
+                                          </p:val>
+                                        </p:tav>
+                                        <p:tav tm="100000">
+                                          <p:val>
+                                            <p:strVal val="#ppt_y"/>
+                                          </p:val>
+                                        </p:tav>
+                                      </p:tavLst>
+                                    </p:anim>
+                                  </p:childTnLst>
+                                </p:cTn>
+                              </p:par>
+                            </p:childTnLst>
+                          </p:cTn>
+                        </p:par>
+                      </p:childTnLst>
+                    </p:cTn>
+                  </p:par>
+                  <p:par>
+                    <p:cTn id="19" fill="hold">
+                      <p:stCondLst>
+                        <p:cond delay="indefinite"/>
+                      </p:stCondLst>
+                      <p:childTnLst>
+                        <p:par>
+                          <p:cTn id="20" fill="hold">
+                            <p:stCondLst>
+                              <p:cond delay="0"/>
+                            </p:stCondLst>
+                            <p:childTnLst>
+                              <p:par>
+                                <p:cTn id="21" presetID="37" presetClass="entr" presetSubtype="0" fill="hold" grpId="0" nodeType="clickEffect">
+                                  <p:stCondLst>
+                                    <p:cond delay="0"/>
+                                  </p:stCondLst>
+                                  <p:childTnLst>
+                                    <p:set>
+                                      <p:cBhvr>
+                                        <p:cTn id="22" dur="1" fill="hold">
+                                          <p:stCondLst>
+                                            <p:cond delay="0"/>
+                                          </p:stCondLst>
+                                        </p:cTn>
+                                        <p:tgtEl>
+                                          <p:spTgt spid="15"/>
+                                        </p:tgtEl>
+                                        <p:attrNameLst>
+                                          <p:attrName>style.visibility</p:attrName>
+                                        </p:attrNameLst>
+                                      </p:cBhvr>
+                                      <p:to>
+                                        <p:strVal val="visible"/>
+                                      </p:to>
+                                    </p:set>
+                                    <p:animEffect transition="in" filter="fade">
+                                      <p:cBhvr>
+                                        <p:cTn id="23" dur="1000"/>
+                                        <p:tgtEl>
+                                          <p:spTgt spid="15"/>
+                                        </p:tgtEl>
+                                      </p:cBhvr>
+                                    </p:animEffect>
+                                    <p:anim calcmode="lin" valueType="num">
+                                      <p:cBhvr>
+                                        <p:cTn id="24" dur="1000" fill="hold"/>
+                                        <p:tgtEl>
+                                          <p:spTgt spid="15"/>
+                                        </p:tgtEl>
+                                        <p:attrNameLst>
+                                          <p:attrName>ppt_x</p:attrName>
+                                        </p:attrNameLst>
+                                      </p:cBhvr>
+                                      <p:tavLst>
+                                        <p:tav tm="0">
+                                          <p:val>
+                                            <p:strVal val="#ppt_x"/>
+                                          </p:val>
+                                        </p:tav>
+                                        <p:tav tm="100000">
+                                          <p:val>
+                                            <p:strVal val="#ppt_x"/>
+                                          </p:val>
+                                        </p:tav>
+                                      </p:tavLst>
+                                    </p:anim>
+                                    <p:anim calcmode="lin" valueType="num">
+                                      <p:cBhvr>
+                                        <p:cTn id="25" dur="900" decel="100000" fill="hold"/>
+                                        <p:tgtEl>
+                                          <p:spTgt spid="15"/>
+                                        </p:tgtEl>
+                                        <p:attrNameLst>
+                                          <p:attrName>ppt_y</p:attrName>
+                                        </p:attrNameLst>
+                                      </p:cBhvr>
+                                      <p:tavLst>
+                                        <p:tav tm="0">
+                                          <p:val>
+                                            <p:strVal val="#ppt_y+1"/>
+                                          </p:val>
+                                        </p:tav>
+                                        <p:tav tm="100000">
+                                          <p:val>
+                                            <p:strVal val="#ppt_y-.03"/>
+                                          </p:val>
+                                        </p:tav>
+                                      </p:tavLst>
+                                    </p:anim>
+                                    <p:anim calcmode="lin" valueType="num">
+                                      <p:cBhvr>
+                                        <p:cTn id="26" dur="100" accel="100000" fill="hold">
+                                          <p:stCondLst>
+                                            <p:cond delay="900"/>
+                                          </p:stCondLst>
+                                        </p:cTn>
+                                        <p:tgtEl>
+                                          <p:spTgt spid="15"/>
+                                        </p:tgtEl>
+                                        <p:attrNameLst>
+                                          <p:attrName>ppt_y</p:attrName>
+                                        </p:attrNameLst>
+                                      </p:cBhvr>
+                                      <p:tavLst>
+                                        <p:tav tm="0">
+                                          <p:val>
+                                            <p:strVal val="#ppt_y-.03"/>
+                                          </p:val>
+                                        </p:tav>
+                                        <p:tav tm="100000">
+                                          <p:val>
+                                            <p:strVal val="#ppt_y"/>
+                                          </p:val>
+                                        </p:tav>
+                                      </p:tavLst>
+                                    </p:anim>
+                                  </p:childTnLst>
+                                </p:cTn>
+                              </p:par>
+                            </p:childTnLst>
+                          </p:cTn>
+                        </p:par>
+                      </p:childTnLst>
+                    </p:cTn>
+                  </p:par>
+                  <p:par>
+                    <p:cTn id="27" fill="hold">
+                      <p:stCondLst>
+                        <p:cond delay="indefinite"/>
+                      </p:stCondLst>
+                      <p:childTnLst>
+                        <p:par>
+                          <p:cTn id="28" fill="hold">
+                            <p:stCondLst>
+                              <p:cond delay="0"/>
+                            </p:stCondLst>
+                            <p:childTnLst>
+                              <p:par>
+                                <p:cTn id="29" presetID="37" presetClass="entr" presetSubtype="0" fill="hold" grpId="0" nodeType="clickEffect">
+                                  <p:stCondLst>
+                                    <p:cond delay="0"/>
+                                  </p:stCondLst>
+                                  <p:childTnLst>
+                                    <p:set>
+                                      <p:cBhvr>
+                                        <p:cTn id="30" dur="1" fill="hold">
+                                          <p:stCondLst>
+                                            <p:cond delay="0"/>
+                                          </p:stCondLst>
+                                        </p:cTn>
+                                        <p:tgtEl>
+                                          <p:spTgt spid="16"/>
+                                        </p:tgtEl>
+                                        <p:attrNameLst>
+                                          <p:attrName>style.visibility</p:attrName>
+                                        </p:attrNameLst>
+                                      </p:cBhvr>
+                                      <p:to>
+                                        <p:strVal val="visible"/>
+                                      </p:to>
+                                    </p:set>
+                                    <p:animEffect transition="in" filter="fade">
+                                      <p:cBhvr>
+                                        <p:cTn id="31" dur="1000"/>
+                                        <p:tgtEl>
+                                          <p:spTgt spid="16"/>
+                                        </p:tgtEl>
+                                      </p:cBhvr>
+                                    </p:animEffect>
+                                    <p:anim calcmode="lin" valueType="num">
+                                      <p:cBhvr>
+                                        <p:cTn id="32" dur="1000" fill="hold"/>
+                                        <p:tgtEl>
+                                          <p:spTgt spid="16"/>
+                                        </p:tgtEl>
+                                        <p:attrNameLst>
+                                          <p:attrName>ppt_x</p:attrName>
+                                        </p:attrNameLst>
+                                      </p:cBhvr>
+                                      <p:tavLst>
+                                        <p:tav tm="0">
+                                          <p:val>
+                                            <p:strVal val="#ppt_x"/>
+                                          </p:val>
+                                        </p:tav>
+                                        <p:tav tm="100000">
+                                          <p:val>
+                                            <p:strVal val="#ppt_x"/>
+                                          </p:val>
+                                        </p:tav>
+                                      </p:tavLst>
+                                    </p:anim>
+                                    <p:anim calcmode="lin" valueType="num">
+                                      <p:cBhvr>
+                                        <p:cTn id="33" dur="900" decel="100000" fill="hold"/>
+                                        <p:tgtEl>
+                                          <p:spTgt spid="16"/>
+                                        </p:tgtEl>
+                                        <p:attrNameLst>
+                                          <p:attrName>ppt_y</p:attrName>
+                                        </p:attrNameLst>
+                                      </p:cBhvr>
+                                      <p:tavLst>
+                                        <p:tav tm="0">
+                                          <p:val>
+                                            <p:strVal val="#ppt_y+1"/>
+                                          </p:val>
+                                        </p:tav>
+                                        <p:tav tm="100000">
+                                          <p:val>
+                                            <p:strVal val="#ppt_y-.03"/>
+                                          </p:val>
+                                        </p:tav>
+                                      </p:tavLst>
+                                    </p:anim>
+                                    <p:anim calcmode="lin" valueType="num">
+                                      <p:cBhvr>
+                                        <p:cTn id="34" dur="100" accel="100000" fill="hold">
+                                          <p:stCondLst>
+                                            <p:cond delay="900"/>
+                                          </p:stCondLst>
+                                        </p:cTn>
+                                        <p:tgtEl>
+                                          <p:spTgt spid="16"/>
+                                        </p:tgtEl>
+                                        <p:attrNameLst>
+                                          <p:attrName>ppt_y</p:attrName>
+                                        </p:attrNameLst>
+                                      </p:cBhvr>
+                                      <p:tavLst>
+                                        <p:tav tm="0">
+                                          <p:val>
+                                            <p:strVal val="#ppt_y-.03"/>
+                                          </p:val>
+                                        </p:tav>
+                                        <p:tav tm="100000">
+                                          <p:val>
+                                            <p:strVal val="#ppt_y"/>
+                                          </p:val>
+                                        </p:tav>
+                                      </p:tavLst>
+                                    </p:anim>
+                                  </p:childTnLst>
+                                </p:cTn>
+                              </p:par>
+                            </p:childTnLst>
+                          </p:cTn>
+                        </p:par>
+                      </p:childTnLst>
+                    </p:cTn>
+                  </p:par>
+                  <p:par>
+                    <p:cTn id="35" fill="hold">
+                      <p:stCondLst>
+                        <p:cond delay="indefinite"/>
+                      </p:stCondLst>
+                      <p:childTnLst>
+                        <p:par>
+                          <p:cTn id="36" fill="hold">
+                            <p:stCondLst>
+                              <p:cond delay="0"/>
+                            </p:stCondLst>
+                            <p:childTnLst>
+                              <p:par>
+                                <p:cTn id="37" presetID="37" presetClass="entr" presetSubtype="0" fill="hold" grpId="0" nodeType="clickEffect">
+                                  <p:stCondLst>
+                                    <p:cond delay="0"/>
+                                  </p:stCondLst>
+                                  <p:childTnLst>
+                                    <p:set>
+                                      <p:cBhvr>
+                                        <p:cTn id="38" dur="1" fill="hold">
+                                          <p:stCondLst>
+                                            <p:cond delay="0"/>
+                                          </p:stCondLst>
+                                        </p:cTn>
+                                        <p:tgtEl>
+                                          <p:spTgt spid="17"/>
+                                        </p:tgtEl>
+                                        <p:attrNameLst>
+                                          <p:attrName>style.visibility</p:attrName>
+                                        </p:attrNameLst>
+                                      </p:cBhvr>
+                                      <p:to>
+                                        <p:strVal val="visible"/>
+                                      </p:to>
+                                    </p:set>
+                                    <p:animEffect transition="in" filter="fade">
+                                      <p:cBhvr>
+                                        <p:cTn id="39" dur="1000"/>
+                                        <p:tgtEl>
+                                          <p:spTgt spid="17"/>
+                                        </p:tgtEl>
+                                      </p:cBhvr>
+                                    </p:animEffect>
+                                    <p:anim calcmode="lin" valueType="num">
+                                      <p:cBhvr>
+                                        <p:cTn id="40" dur="1000" fill="hold"/>
+                                        <p:tgtEl>
+                                          <p:spTgt spid="17"/>
+                                        </p:tgtEl>
+                                        <p:attrNameLst>
+                                          <p:attrName>ppt_x</p:attrName>
+                                        </p:attrNameLst>
+                                      </p:cBhvr>
+                                      <p:tavLst>
+                                        <p:tav tm="0">
+                                          <p:val>
+                                            <p:strVal val="#ppt_x"/>
+                                          </p:val>
+                                        </p:tav>
+                                        <p:tav tm="100000">
+                                          <p:val>
+                                            <p:strVal val="#ppt_x"/>
+                                          </p:val>
+                                        </p:tav>
+                                      </p:tavLst>
+                                    </p:anim>
+                                    <p:anim calcmode="lin" valueType="num">
+                                      <p:cBhvr>
+                                        <p:cTn id="41" dur="900" decel="100000" fill="hold"/>
+                                        <p:tgtEl>
+                                          <p:spTgt spid="17"/>
+                                        </p:tgtEl>
+                                        <p:attrNameLst>
+                                          <p:attrName>ppt_y</p:attrName>
+                                        </p:attrNameLst>
+                                      </p:cBhvr>
+                                      <p:tavLst>
+                                        <p:tav tm="0">
+                                          <p:val>
+                                            <p:strVal val="#ppt_y+1"/>
+                                          </p:val>
+                                        </p:tav>
+                                        <p:tav tm="100000">
+                                          <p:val>
+                                            <p:strVal val="#ppt_y-.03"/>
+                                          </p:val>
+                                        </p:tav>
+                                      </p:tavLst>
+                                    </p:anim>
+                                    <p:anim calcmode="lin" valueType="num">
+                                      <p:cBhvr>
+                                        <p:cTn id="42" dur="100" accel="100000" fill="hold">
+                                          <p:stCondLst>
+                                            <p:cond delay="900"/>
+                                          </p:stCondLst>
+                                        </p:cTn>
+                                        <p:tgtEl>
+                                          <p:spTgt spid="17"/>
+                                        </p:tgtEl>
+                                        <p:attrNameLst>
+                                          <p:attrName>ppt_y</p:attrName>
+                                        </p:attrNameLst>
+                                      </p:cBhvr>
+                                      <p:tavLst>
+                                        <p:tav tm="0">
+                                          <p:val>
+                                            <p:strVal val="#ppt_y-.03"/>
+                                          </p:val>
+                                        </p:tav>
+                                        <p:tav tm="100000">
+                                          <p:val>
+                                            <p:strVal val="#ppt_y"/>
+                                          </p:val>
+                                        </p:tav>
+                                      </p:tavLst>
+                                    </p:anim>
+                                  </p:childTnLst>
+                                </p:cTn>
+                              </p:par>
+                            </p:childTnLst>
+                          </p:cTn>
+                        </p:par>
+                      </p:childTnLst>
+                    </p:cTn>
+                  </p:par>
+                  <p:par>
+                    <p:cTn id="43" fill="hold">
+                      <p:stCondLst>
+                        <p:cond delay="indefinite"/>
+                      </p:stCondLst>
+                      <p:childTnLst>
+                        <p:par>
+                          <p:cTn id="44" fill="hold">
+                            <p:stCondLst>
+                              <p:cond delay="0"/>
+                            </p:stCondLst>
+                            <p:childTnLst>
+                              <p:par>
+                                <p:cTn id="45" presetID="37" presetClass="entr" presetSubtype="0" fill="hold" grpId="0" nodeType="clickEffect">
+                                  <p:stCondLst>
+                                    <p:cond delay="0"/>
+                                  </p:stCondLst>
+                                  <p:childTnLst>
+                                    <p:set>
+                                      <p:cBhvr>
+                                        <p:cTn id="46" dur="1" fill="hold">
+                                          <p:stCondLst>
+                                            <p:cond delay="0"/>
+                                          </p:stCondLst>
+                                        </p:cTn>
+                                        <p:tgtEl>
+                                          <p:spTgt spid="20"/>
+                                        </p:tgtEl>
+                                        <p:attrNameLst>
+                                          <p:attrName>style.visibility</p:attrName>
+                                        </p:attrNameLst>
+                                      </p:cBhvr>
+                                      <p:to>
+                                        <p:strVal val="visible"/>
+                                      </p:to>
+                                    </p:set>
+                                    <p:animEffect transition="in" filter="fade">
+                                      <p:cBhvr>
+                                        <p:cTn id="47" dur="1000"/>
+                                        <p:tgtEl>
+                                          <p:spTgt spid="20"/>
+                                        </p:tgtEl>
+                                      </p:cBhvr>
+                                    </p:animEffect>
+                                    <p:anim calcmode="lin" valueType="num">
+                                      <p:cBhvr>
+                                        <p:cTn id="48" dur="1000" fill="hold"/>
+                                        <p:tgtEl>
+                                          <p:spTgt spid="20"/>
+                                        </p:tgtEl>
+                                        <p:attrNameLst>
+                                          <p:attrName>ppt_x</p:attrName>
+                                        </p:attrNameLst>
+                                      </p:cBhvr>
+                                      <p:tavLst>
+                                        <p:tav tm="0">
+                                          <p:val>
+                                            <p:strVal val="#ppt_x"/>
+                                          </p:val>
+                                        </p:tav>
+                                        <p:tav tm="100000">
+                                          <p:val>
+                                            <p:strVal val="#ppt_x"/>
+                                          </p:val>
+                                        </p:tav>
+                                      </p:tavLst>
+                                    </p:anim>
+                                    <p:anim calcmode="lin" valueType="num">
+                                      <p:cBhvr>
+                                        <p:cTn id="49" dur="900" decel="100000" fill="hold"/>
+                                        <p:tgtEl>
+                                          <p:spTgt spid="20"/>
+                                        </p:tgtEl>
+                                        <p:attrNameLst>
+                                          <p:attrName>ppt_y</p:attrName>
+                                        </p:attrNameLst>
+                                      </p:cBhvr>
+                                      <p:tavLst>
+                                        <p:tav tm="0">
+                                          <p:val>
+                                            <p:strVal val="#ppt_y+1"/>
+                                          </p:val>
+                                        </p:tav>
+                                        <p:tav tm="100000">
+                                          <p:val>
+                                            <p:strVal val="#ppt_y-.03"/>
+                                          </p:val>
+                                        </p:tav>
+                                      </p:tavLst>
+                                    </p:anim>
+                                    <p:anim calcmode="lin" valueType="num">
+                                      <p:cBhvr>
+                                        <p:cTn id="50" dur="100" accel="100000" fill="hold">
+                                          <p:stCondLst>
+                                            <p:cond delay="900"/>
+                                          </p:stCondLst>
+                                        </p:cTn>
+                                        <p:tgtEl>
+                                          <p:spTgt spid="20"/>
+                                        </p:tgtEl>
+                                        <p:attrNameLst>
+                                          <p:attrName>ppt_y</p:attrName>
+                                        </p:attrNameLst>
+                                      </p:cBhvr>
+                                      <p:tavLst>
+                                        <p:tav tm="0">
+                                          <p:val>
+                                            <p:strVal val="#ppt_y-.03"/>
+                                          </p:val>
+                                        </p:tav>
+                                        <p:tav tm="100000">
+                                          <p:val>
+                                            <p:strVal val="#ppt_y"/>
+                                          </p:val>
+                                        </p:tav>
+                                      </p:tavLst>
+                                    </p:anim>
+                                  </p:childTnLst>
+                                </p:cTn>
+                              </p:par>
+                            </p:childTnLst>
+                          </p:cTn>
+                        </p:par>
+                      </p:childTnLst>
+                    </p:cTn>
+                  </p:par>
+                  <p:par>
+                    <p:cTn id="51" fill="hold">
+                      <p:stCondLst>
+                        <p:cond delay="indefinite"/>
+                      </p:stCondLst>
+                      <p:childTnLst>
+                        <p:par>
+                          <p:cTn id="52" fill="hold">
+                            <p:stCondLst>
+                              <p:cond delay="0"/>
+                            </p:stCondLst>
+                            <p:childTnLst>
+                              <p:par>
+                                <p:cTn id="53" presetID="37" presetClass="entr" presetSubtype="0" fill="hold" grpId="0" nodeType="clickEffect">
+                                  <p:stCondLst>
+                                    <p:cond delay="0"/>
+                                  </p:stCondLst>
+                                  <p:childTnLst>
+                                    <p:set>
+                                      <p:cBhvr>
+                                        <p:cTn id="54" dur="1" fill="hold">
+                                          <p:stCondLst>
+                                            <p:cond delay="0"/>
+                                          </p:stCondLst>
+                                        </p:cTn>
+                                        <p:tgtEl>
+                                          <p:spTgt spid="21"/>
+                                        </p:tgtEl>
+                                        <p:attrNameLst>
+                                          <p:attrName>style.visibility</p:attrName>
+                                        </p:attrNameLst>
+                                      </p:cBhvr>
+                                      <p:to>
+                                        <p:strVal val="visible"/>
+                                      </p:to>
+                                    </p:set>
+                                    <p:animEffect transition="in" filter="fade">
+                                      <p:cBhvr>
+                                        <p:cTn id="55" dur="1000"/>
+                                        <p:tgtEl>
+                                          <p:spTgt spid="21"/>
+                                        </p:tgtEl>
+                                      </p:cBhvr>
+                                    </p:animEffect>
+                                    <p:anim calcmode="lin" valueType="num">
+                                      <p:cBhvr>
+                                        <p:cTn id="56" dur="1000" fill="hold"/>
+                                        <p:tgtEl>
+                                          <p:spTgt spid="21"/>
+                                        </p:tgtEl>
+                                        <p:attrNameLst>
+                                          <p:attrName>ppt_x</p:attrName>
+                                        </p:attrNameLst>
+                                      </p:cBhvr>
+                                      <p:tavLst>
+                                        <p:tav tm="0">
+                                          <p:val>
+                                            <p:strVal val="#ppt_x"/>
+                                          </p:val>
+                                        </p:tav>
+                                        <p:tav tm="100000">
+                                          <p:val>
+                                            <p:strVal val="#ppt_x"/>
+                                          </p:val>
+                                        </p:tav>
+                                      </p:tavLst>
+                                    </p:anim>
+                                    <p:anim calcmode="lin" valueType="num">
+                                      <p:cBhvr>
+                                        <p:cTn id="57" dur="900" decel="100000" fill="hold"/>
+                                        <p:tgtEl>
+                                          <p:spTgt spid="21"/>
+                                        </p:tgtEl>
+                                        <p:attrNameLst>
+                                          <p:attrName>ppt_y</p:attrName>
+                                        </p:attrNameLst>
+                                      </p:cBhvr>
+                                      <p:tavLst>
+                                        <p:tav tm="0">
+                                          <p:val>
+                                            <p:strVal val="#ppt_y+1"/>
+                                          </p:val>
+                                        </p:tav>
+                                        <p:tav tm="100000">
+                                          <p:val>
+                                            <p:strVal val="#ppt_y-.03"/>
+                                          </p:val>
+                                        </p:tav>
+                                      </p:tavLst>
+                                    </p:anim>
+                                    <p:anim calcmode="lin" valueType="num">
+                                      <p:cBhvr>
+                                        <p:cTn id="58" dur="100" accel="100000" fill="hold">
+                                          <p:stCondLst>
+                                            <p:cond delay="900"/>
+                                          </p:stCondLst>
+                                        </p:cTn>
+                                        <p:tgtEl>
+                                          <p:spTgt spid="21"/>
+                                        </p:tgtEl>
+                                        <p:attrNameLst>
+                                          <p:attrName>ppt_y</p:attrName>
+                                        </p:attrNameLst>
+                                      </p:cBhvr>
+                                      <p:tavLst>
+                                        <p:tav tm="0">
+                                          <p:val>
+                                            <p:strVal val="#ppt_y-.03"/>
+                                          </p:val>
+                                        </p:tav>
+                                        <p:tav tm="100000">
+                                          <p:val>
+                                            <p:strVal val="#ppt_y"/>
+                                          </p:val>
+                                        </p:tav>
+                                      </p:tavLst>
+                                    </p:anim>
+                                  </p:childTnLst>
+                                </p:cTn>
+                              </p:par>
+                            </p:childTnLst>
+                          </p:cTn>
+                        </p:par>
+                      </p:childTnLst>
+                    </p:cTn>
+                  </p:par>
+                  <p:par>
+                    <p:cTn id="59" fill="hold">
+                      <p:stCondLst>
+                        <p:cond delay="indefinite"/>
+                      </p:stCondLst>
+                      <p:childTnLst>
+                        <p:par>
+                          <p:cTn id="60" fill="hold">
+                            <p:stCondLst>
+                              <p:cond delay="0"/>
+                            </p:stCondLst>
+                            <p:childTnLst>
+                              <p:par>
+                                <p:cTn id="61" presetID="37" presetClass="entr" presetSubtype="0" fill="hold" grpId="0" nodeType="clickEffect">
+                                  <p:stCondLst>
+                                    <p:cond delay="0"/>
+                                  </p:stCondLst>
+                                  <p:childTnLst>
+                                    <p:set>
+                                      <p:cBhvr>
+                                        <p:cTn id="62" dur="1" fill="hold">
+                                          <p:stCondLst>
+                                            <p:cond delay="0"/>
+                                          </p:stCondLst>
+                                        </p:cTn>
+                                        <p:tgtEl>
+                                          <p:spTgt spid="8"/>
+                                        </p:tgtEl>
+                                        <p:attrNameLst>
+                                          <p:attrName>style.visibility</p:attrName>
+                                        </p:attrNameLst>
+                                      </p:cBhvr>
+                                      <p:to>
+                                        <p:strVal val="visible"/>
+                                      </p:to>
+                                    </p:set>
+                                    <p:animEffect transition="in" filter="fade">
+                                      <p:cBhvr>
+                                        <p:cTn id="63" dur="1000"/>
+                                        <p:tgtEl>
+                                          <p:spTgt spid="8"/>
+                                        </p:tgtEl>
+                                      </p:cBhvr>
+                                    </p:animEffect>
+                                    <p:anim calcmode="lin" valueType="num">
+                                      <p:cBhvr>
+                                        <p:cTn id="64" dur="1000" fill="hold"/>
+                                        <p:tgtEl>
+                                          <p:spTgt spid="8"/>
+                                        </p:tgtEl>
+                                        <p:attrNameLst>
+                                          <p:attrName>ppt_x</p:attrName>
+                                        </p:attrNameLst>
+                                      </p:cBhvr>
+                                      <p:tavLst>
+                                        <p:tav tm="0">
+                                          <p:val>
+                                            <p:strVal val="#ppt_x"/>
+                                          </p:val>
+                                        </p:tav>
+                                        <p:tav tm="100000">
+                                          <p:val>
+                                            <p:strVal val="#ppt_x"/>
+                                          </p:val>
+                                        </p:tav>
+                                      </p:tavLst>
+                                    </p:anim>
+                                    <p:anim calcmode="lin" valueType="num">
+                                      <p:cBhvr>
+                                        <p:cTn id="65" dur="900" decel="100000" fill="hold"/>
+                                        <p:tgtEl>
+                                          <p:spTgt spid="8"/>
+                                        </p:tgtEl>
+                                        <p:attrNameLst>
+                                          <p:attrName>ppt_y</p:attrName>
+                                        </p:attrNameLst>
+                                      </p:cBhvr>
+                                      <p:tavLst>
+                                        <p:tav tm="0">
+                                          <p:val>
+                                            <p:strVal val="#ppt_y+1"/>
+                                          </p:val>
+                                        </p:tav>
+                                        <p:tav tm="100000">
+                                          <p:val>
+                                            <p:strVal val="#ppt_y-.03"/>
+                                          </p:val>
+                                        </p:tav>
+                                      </p:tavLst>
+                                    </p:anim>
+                                    <p:anim calcmode="lin" valueType="num">
+                                      <p:cBhvr>
+                                        <p:cTn id="66" dur="100" accel="100000" fill="hold">
+                                          <p:stCondLst>
+                                            <p:cond delay="900"/>
+                                          </p:stCondLst>
+                                        </p:cTn>
+                                        <p:tgtEl>
+                                          <p:spTgt spid="8"/>
+                                        </p:tgtEl>
+                                        <p:attrNameLst>
+                                          <p:attrName>ppt_y</p:attrName>
+                                        </p:attrNameLst>
+                                      </p:cBhvr>
+                                      <p:tavLst>
+                                        <p:tav tm="0">
+                                          <p:val>
+                                            <p:strVal val="#ppt_y-.03"/>
+                                          </p:val>
+                                        </p:tav>
+                                        <p:tav tm="100000">
+                                          <p:val>
+                                            <p:strVal val="#ppt_y"/>
+                                          </p:val>
+                                        </p:tav>
+                                      </p:tavLst>
+                                    </p:anim>
+                                  </p:childTnLst>
+                                </p:cTn>
+                              </p:par>
+                            </p:childTnLst>
+                          </p:cTn>
+                        </p:par>
+                      </p:childTnLst>
+                    </p:cTn>
+                  </p:par>
+                </p:childTnLst>
+              </p:cTn>
+              <p:prevCondLst>
+                <p:cond evt="onPrev" delay="0">
+                  <p:tgtEl>
+                    <p:sldTgt/>
+                  </p:tgtEl>
+                </p:cond>
+              </p:prevCondLst>
+              <p:nextCondLst>
+                <p:cond evt="onNext" delay="0">
+                  <p:tgtEl>
+                    <p:sldTgt/>
+                  </p:tgtEl>
+                </p:cond>
+              </p:nextCondLst>
+            </p:seq>
+          </p:childTnLst>
+        </p:cTn>
+      </p:par>
+    </p:tnLst>
+    <p:bldLst>
+      <p:bldP spid="7" grpId="0"/>
+      <p:bldP spid="14" grpId="0"/>
+      <p:bldP spid="15" grpId="0"/>
+      <p:bldP spid="16" grpId="0"/>
+      <p:bldP spid="17" grpId="0"/>
+      <p:bldP spid="20" grpId="0"/>
+      <p:bldP spid="21" grpId="0"/>
+      <p:bldP spid="8" grpId="0"/>
+    </p:bldLst>
+  </p:timing>
+</p:sld>
+</file>
+
+<file path=ppt/slides/slide24.xml><?xml version="1.0" encoding="utf-8"?>
+<p:sld xmlns:a="http://schemas.openxmlformats.org/drawingml/2006/main" xmlns:r="http://schemas.openxmlformats.org/officeDocument/2006/relationships" xmlns:p="http://schemas.openxmlformats.org/presentationml/2006/main">
+  <p:cSld>
+    <p:bg>
+      <p:bgPr>
+        <a:solidFill>
+          <a:schemeClr val="bg1"/>
+        </a:solidFill>
+        <a:effectLst/>
+      </p:bgPr>
+    </p:bg>
+    <p:spTree>
+      <p:nvGrpSpPr>
+        <p:cNvPr id="1" name=""/>
+        <p:cNvGrpSpPr/>
+        <p:nvPr/>
+      </p:nvGrpSpPr>
+      <p:grpSpPr>
+        <a:xfrm>
+          <a:off x="0" y="0"/>
+          <a:ext cx="0" cy="0"/>
+          <a:chOff x="0" y="0"/>
+          <a:chExt cx="0" cy="0"/>
+        </a:xfrm>
+      </p:grpSpPr>
+      <p:sp>
+        <p:nvSpPr>
+          <p:cNvPr id="19" name="Freeform: Shape 10">
+            <a:extLst>
+              <a:ext uri="{FF2B5EF4-FFF2-40B4-BE49-F238E27FC236}">
+                <a16:creationId xmlns:a16="http://schemas.microsoft.com/office/drawing/2014/main" id="{CA815F2C-4E80-4019-8E59-FAD3F7F8473D}"/>
+              </a:ext>
+              <a:ext uri="{C183D7F6-B498-43B3-948B-1728B52AA6E4}">
+                <adec:decorative xmlns:adec="http://schemas.microsoft.com/office/drawing/2017/decorative" val="1"/>
+              </a:ext>
+            </a:extLst>
+          </p:cNvPr>
+          <p:cNvSpPr>
+            <a:spLocks noGrp="1" noRot="1" noChangeAspect="1" noMove="1" noResize="1" noEditPoints="1" noAdjustHandles="1" noChangeArrowheads="1" noChangeShapeType="1" noTextEdit="1"/>
+          </p:cNvSpPr>
+          <p:nvPr>
+            <p:extLst>
+              <p:ext uri="{386F3935-93C4-4BCD-93E2-E3B085C9AB24}">
+                <p16:designElem xmlns:p16="http://schemas.microsoft.com/office/powerpoint/2015/main" val="1"/>
+              </p:ext>
+            </p:extLst>
+          </p:nvPr>
+        </p:nvSpPr>
+        <p:spPr>
+          <a:xfrm>
+            <a:off x="0" y="0"/>
+            <a:ext cx="12009304" cy="6858000"/>
+          </a:xfrm>
+          <a:custGeom>
+            <a:avLst/>
+            <a:gdLst>
+              <a:gd name="connsiteX0" fmla="*/ 8239723 w 12009304"/>
+              <a:gd name="connsiteY0" fmla="*/ 5083103 h 6858000"/>
+              <a:gd name="connsiteX1" fmla="*/ 9505105 w 12009304"/>
+              <a:gd name="connsiteY1" fmla="*/ 5083103 h 6858000"/>
+              <a:gd name="connsiteX2" fmla="*/ 9564676 w 12009304"/>
+              <a:gd name="connsiteY2" fmla="*/ 5091016 h 6858000"/>
+              <a:gd name="connsiteX3" fmla="*/ 9605648 w 12009304"/>
+              <a:gd name="connsiteY3" fmla="*/ 5108194 h 6858000"/>
+              <a:gd name="connsiteX4" fmla="*/ 9580608 w 12009304"/>
+              <a:gd name="connsiteY4" fmla="*/ 5151499 h 6858000"/>
+              <a:gd name="connsiteX5" fmla="*/ 8693486 w 12009304"/>
+              <a:gd name="connsiteY5" fmla="*/ 6685800 h 6858000"/>
+              <a:gd name="connsiteX6" fmla="*/ 8595419 w 12009304"/>
+              <a:gd name="connsiteY6" fmla="*/ 6814017 h 6858000"/>
+              <a:gd name="connsiteX7" fmla="*/ 8545620 w 12009304"/>
+              <a:gd name="connsiteY7" fmla="*/ 6858000 h 6858000"/>
+              <a:gd name="connsiteX8" fmla="*/ 7612173 w 12009304"/>
+              <a:gd name="connsiteY8" fmla="*/ 6858000 h 6858000"/>
+              <a:gd name="connsiteX9" fmla="*/ 7591825 w 12009304"/>
+              <a:gd name="connsiteY9" fmla="*/ 6822959 h 6858000"/>
+              <a:gd name="connsiteX10" fmla="*/ 7411622 w 12009304"/>
+              <a:gd name="connsiteY10" fmla="*/ 6512633 h 6858000"/>
+              <a:gd name="connsiteX11" fmla="*/ 7411622 w 12009304"/>
+              <a:gd name="connsiteY11" fmla="*/ 6289354 h 6858000"/>
+              <a:gd name="connsiteX12" fmla="*/ 8045680 w 12009304"/>
+              <a:gd name="connsiteY12" fmla="*/ 5197465 h 6858000"/>
+              <a:gd name="connsiteX13" fmla="*/ 8239723 w 12009304"/>
+              <a:gd name="connsiteY13" fmla="*/ 5083103 h 6858000"/>
+              <a:gd name="connsiteX14" fmla="*/ 10622296 w 12009304"/>
+              <a:gd name="connsiteY14" fmla="*/ 1326563 h 6858000"/>
+              <a:gd name="connsiteX15" fmla="*/ 11448522 w 12009304"/>
+              <a:gd name="connsiteY15" fmla="*/ 1326563 h 6858000"/>
+              <a:gd name="connsiteX16" fmla="*/ 11577006 w 12009304"/>
+              <a:gd name="connsiteY16" fmla="*/ 1401233 h 6858000"/>
+              <a:gd name="connsiteX17" fmla="*/ 11989228 w 12009304"/>
+              <a:gd name="connsiteY17" fmla="*/ 2114179 h 6858000"/>
+              <a:gd name="connsiteX18" fmla="*/ 11989228 w 12009304"/>
+              <a:gd name="connsiteY18" fmla="*/ 2259969 h 6858000"/>
+              <a:gd name="connsiteX19" fmla="*/ 11577006 w 12009304"/>
+              <a:gd name="connsiteY19" fmla="*/ 2972914 h 6858000"/>
+              <a:gd name="connsiteX20" fmla="*/ 11448522 w 12009304"/>
+              <a:gd name="connsiteY20" fmla="*/ 3047587 h 6858000"/>
+              <a:gd name="connsiteX21" fmla="*/ 10622296 w 12009304"/>
+              <a:gd name="connsiteY21" fmla="*/ 3047587 h 6858000"/>
+              <a:gd name="connsiteX22" fmla="*/ 10495594 w 12009304"/>
+              <a:gd name="connsiteY22" fmla="*/ 2972914 h 6858000"/>
+              <a:gd name="connsiteX23" fmla="*/ 10081589 w 12009304"/>
+              <a:gd name="connsiteY23" fmla="*/ 2259969 h 6858000"/>
+              <a:gd name="connsiteX24" fmla="*/ 10081589 w 12009304"/>
+              <a:gd name="connsiteY24" fmla="*/ 2114179 h 6858000"/>
+              <a:gd name="connsiteX25" fmla="*/ 10495594 w 12009304"/>
+              <a:gd name="connsiteY25" fmla="*/ 1401233 h 6858000"/>
+              <a:gd name="connsiteX26" fmla="*/ 10622296 w 12009304"/>
+              <a:gd name="connsiteY26" fmla="*/ 1326563 h 6858000"/>
+              <a:gd name="connsiteX27" fmla="*/ 0 w 12009304"/>
+              <a:gd name="connsiteY27" fmla="*/ 0 h 6858000"/>
+              <a:gd name="connsiteX28" fmla="*/ 4457990 w 12009304"/>
+              <a:gd name="connsiteY28" fmla="*/ 0 h 6858000"/>
+              <a:gd name="connsiteX29" fmla="*/ 5902610 w 12009304"/>
+              <a:gd name="connsiteY29" fmla="*/ 0 h 6858000"/>
+              <a:gd name="connsiteX30" fmla="*/ 8476869 w 12009304"/>
+              <a:gd name="connsiteY30" fmla="*/ 0 h 6858000"/>
+              <a:gd name="connsiteX31" fmla="*/ 8535933 w 12009304"/>
+              <a:gd name="connsiteY31" fmla="*/ 39849 h 6858000"/>
+              <a:gd name="connsiteX32" fmla="*/ 8693486 w 12009304"/>
+              <a:gd name="connsiteY32" fmla="*/ 220603 h 6858000"/>
+              <a:gd name="connsiteX33" fmla="*/ 10389180 w 12009304"/>
+              <a:gd name="connsiteY33" fmla="*/ 3153347 h 6858000"/>
+              <a:gd name="connsiteX34" fmla="*/ 10389180 w 12009304"/>
+              <a:gd name="connsiteY34" fmla="*/ 3753061 h 6858000"/>
+              <a:gd name="connsiteX35" fmla="*/ 9759557 w 12009304"/>
+              <a:gd name="connsiteY35" fmla="*/ 4842009 h 6858000"/>
+              <a:gd name="connsiteX36" fmla="*/ 9706493 w 12009304"/>
+              <a:gd name="connsiteY36" fmla="*/ 4933778 h 6858000"/>
+              <a:gd name="connsiteX37" fmla="*/ 9708360 w 12009304"/>
+              <a:gd name="connsiteY37" fmla="*/ 4934561 h 6858000"/>
+              <a:gd name="connsiteX38" fmla="*/ 9802002 w 12009304"/>
+              <a:gd name="connsiteY38" fmla="*/ 5029008 h 6858000"/>
+              <a:gd name="connsiteX39" fmla="*/ 10514131 w 12009304"/>
+              <a:gd name="connsiteY39" fmla="*/ 6260653 h 6858000"/>
+              <a:gd name="connsiteX40" fmla="*/ 10514131 w 12009304"/>
+              <a:gd name="connsiteY40" fmla="*/ 6512512 h 6858000"/>
+              <a:gd name="connsiteX41" fmla="*/ 10340271 w 12009304"/>
+              <a:gd name="connsiteY41" fmla="*/ 6813206 h 6858000"/>
+              <a:gd name="connsiteX42" fmla="*/ 10314372 w 12009304"/>
+              <a:gd name="connsiteY42" fmla="*/ 6858000 h 6858000"/>
+              <a:gd name="connsiteX43" fmla="*/ 10119136 w 12009304"/>
+              <a:gd name="connsiteY43" fmla="*/ 6858000 h 6858000"/>
+              <a:gd name="connsiteX44" fmla="*/ 10122008 w 12009304"/>
+              <a:gd name="connsiteY44" fmla="*/ 6853033 h 6858000"/>
+              <a:gd name="connsiteX45" fmla="*/ 10327158 w 12009304"/>
+              <a:gd name="connsiteY45" fmla="*/ 6498223 h 6858000"/>
+              <a:gd name="connsiteX46" fmla="*/ 10327158 w 12009304"/>
+              <a:gd name="connsiteY46" fmla="*/ 6274942 h 6858000"/>
+              <a:gd name="connsiteX47" fmla="*/ 9695832 w 12009304"/>
+              <a:gd name="connsiteY47" fmla="*/ 5183053 h 6858000"/>
+              <a:gd name="connsiteX48" fmla="*/ 9612819 w 12009304"/>
+              <a:gd name="connsiteY48" fmla="*/ 5099323 h 6858000"/>
+              <a:gd name="connsiteX49" fmla="*/ 9603213 w 12009304"/>
+              <a:gd name="connsiteY49" fmla="*/ 5095298 h 6858000"/>
+              <a:gd name="connsiteX50" fmla="*/ 9654707 w 12009304"/>
+              <a:gd name="connsiteY50" fmla="*/ 5006238 h 6858000"/>
+              <a:gd name="connsiteX51" fmla="*/ 9693004 w 12009304"/>
+              <a:gd name="connsiteY51" fmla="*/ 4940002 h 6858000"/>
+              <a:gd name="connsiteX52" fmla="*/ 9653283 w 12009304"/>
+              <a:gd name="connsiteY52" fmla="*/ 4923348 h 6858000"/>
+              <a:gd name="connsiteX53" fmla="*/ 9586087 w 12009304"/>
+              <a:gd name="connsiteY53" fmla="*/ 4914420 h 6858000"/>
+              <a:gd name="connsiteX54" fmla="*/ 8158743 w 12009304"/>
+              <a:gd name="connsiteY54" fmla="*/ 4914420 h 6858000"/>
+              <a:gd name="connsiteX55" fmla="*/ 7939863 w 12009304"/>
+              <a:gd name="connsiteY55" fmla="*/ 5043420 h 6858000"/>
+              <a:gd name="connsiteX56" fmla="*/ 7224650 w 12009304"/>
+              <a:gd name="connsiteY56" fmla="*/ 6275065 h 6858000"/>
+              <a:gd name="connsiteX57" fmla="*/ 7224650 w 12009304"/>
+              <a:gd name="connsiteY57" fmla="*/ 6526922 h 6858000"/>
+              <a:gd name="connsiteX58" fmla="*/ 7350544 w 12009304"/>
+              <a:gd name="connsiteY58" fmla="*/ 6743723 h 6858000"/>
+              <a:gd name="connsiteX59" fmla="*/ 7416905 w 12009304"/>
+              <a:gd name="connsiteY59" fmla="*/ 6858000 h 6858000"/>
+              <a:gd name="connsiteX60" fmla="*/ 5902610 w 12009304"/>
+              <a:gd name="connsiteY60" fmla="*/ 6858000 h 6858000"/>
+              <a:gd name="connsiteX61" fmla="*/ 4389357 w 12009304"/>
+              <a:gd name="connsiteY61" fmla="*/ 6858000 h 6858000"/>
+              <a:gd name="connsiteX62" fmla="*/ 0 w 12009304"/>
+              <a:gd name="connsiteY62" fmla="*/ 6858000 h 6858000"/>
+            </a:gdLst>
+            <a:ahLst/>
+            <a:cxnLst>
+              <a:cxn ang="0">
+                <a:pos x="connsiteX0" y="connsiteY0"/>
+              </a:cxn>
+              <a:cxn ang="0">
+                <a:pos x="connsiteX1" y="connsiteY1"/>
+              </a:cxn>
+              <a:cxn ang="0">
+                <a:pos x="connsiteX2" y="connsiteY2"/>
+              </a:cxn>
+              <a:cxn ang="0">
+                <a:pos x="connsiteX3" y="connsiteY3"/>
+              </a:cxn>
+              <a:cxn ang="0">
+                <a:pos x="connsiteX4" y="connsiteY4"/>
+              </a:cxn>
+              <a:cxn ang="0">
+                <a:pos x="connsiteX5" y="connsiteY5"/>
+              </a:cxn>
+              <a:cxn ang="0">
+                <a:pos x="connsiteX6" y="connsiteY6"/>
+              </a:cxn>
+              <a:cxn ang="0">
+                <a:pos x="connsiteX7" y="connsiteY7"/>
+              </a:cxn>
+              <a:cxn ang="0">
+                <a:pos x="connsiteX8" y="connsiteY8"/>
+              </a:cxn>
+              <a:cxn ang="0">
+                <a:pos x="connsiteX9" y="connsiteY9"/>
+              </a:cxn>
+              <a:cxn ang="0">
+                <a:pos x="connsiteX10" y="connsiteY10"/>
+              </a:cxn>
+              <a:cxn ang="0">
+                <a:pos x="connsiteX11" y="connsiteY11"/>
+              </a:cxn>
+              <a:cxn ang="0">
+                <a:pos x="connsiteX12" y="connsiteY12"/>
+              </a:cxn>
+              <a:cxn ang="0">
+                <a:pos x="connsiteX13" y="connsiteY13"/>
+              </a:cxn>
+              <a:cxn ang="0">
+                <a:pos x="connsiteX14" y="connsiteY14"/>
+              </a:cxn>
+              <a:cxn ang="0">
+                <a:pos x="connsiteX15" y="connsiteY15"/>
+              </a:cxn>
+              <a:cxn ang="0">
+                <a:pos x="connsiteX16" y="connsiteY16"/>
+              </a:cxn>
+              <a:cxn ang="0">
+                <a:pos x="connsiteX17" y="connsiteY17"/>
+              </a:cxn>
+              <a:cxn ang="0">
+                <a:pos x="connsiteX18" y="connsiteY18"/>
+              </a:cxn>
+              <a:cxn ang="0">
+                <a:pos x="connsiteX19" y="connsiteY19"/>
+              </a:cxn>
+              <a:cxn ang="0">
+                <a:pos x="connsiteX20" y="connsiteY20"/>
+              </a:cxn>
+              <a:cxn ang="0">
+                <a:pos x="connsiteX21" y="connsiteY21"/>
+              </a:cxn>
+              <a:cxn ang="0">
+                <a:pos x="connsiteX22" y="connsiteY22"/>
+              </a:cxn>
+              <a:cxn ang="0">
+                <a:pos x="connsiteX23" y="connsiteY23"/>
+              </a:cxn>
+              <a:cxn ang="0">
+                <a:pos x="connsiteX24" y="connsiteY24"/>
+              </a:cxn>
+              <a:cxn ang="0">
+                <a:pos x="connsiteX25" y="connsiteY25"/>
+              </a:cxn>
+              <a:cxn ang="0">
+                <a:pos x="connsiteX26" y="connsiteY26"/>
+              </a:cxn>
+              <a:cxn ang="0">
+                <a:pos x="connsiteX27" y="connsiteY27"/>
+              </a:cxn>
+              <a:cxn ang="0">
+                <a:pos x="connsiteX28" y="connsiteY28"/>
+              </a:cxn>
+              <a:cxn ang="0">
+                <a:pos x="connsiteX29" y="connsiteY29"/>
+              </a:cxn>
+              <a:cxn ang="0">
+                <a:pos x="connsiteX30" y="connsiteY30"/>
+              </a:cxn>
+              <a:cxn ang="0">
+                <a:pos x="connsiteX31" y="connsiteY31"/>
+              </a:cxn>
+              <a:cxn ang="0">
+                <a:pos x="connsiteX32" y="connsiteY32"/>
+              </a:cxn>
+              <a:cxn ang="0">
+                <a:pos x="connsiteX33" y="connsiteY33"/>
+              </a:cxn>
+              <a:cxn ang="0">
+                <a:pos x="connsiteX34" y="connsiteY34"/>
+              </a:cxn>
+              <a:cxn ang="0">
+                <a:pos x="connsiteX35" y="connsiteY35"/>
+              </a:cxn>
+              <a:cxn ang="0">
+                <a:pos x="connsiteX36" y="connsiteY36"/>
+              </a:cxn>
+              <a:cxn ang="0">
+                <a:pos x="connsiteX37" y="connsiteY37"/>
+              </a:cxn>
+              <a:cxn ang="0">
+                <a:pos x="connsiteX38" y="connsiteY38"/>
+              </a:cxn>
+              <a:cxn ang="0">
+                <a:pos x="connsiteX39" y="connsiteY39"/>
+              </a:cxn>
+              <a:cxn ang="0">
+                <a:pos x="connsiteX40" y="connsiteY40"/>
+              </a:cxn>
+              <a:cxn ang="0">
+                <a:pos x="connsiteX41" y="connsiteY41"/>
+              </a:cxn>
+              <a:cxn ang="0">
+                <a:pos x="connsiteX42" y="connsiteY42"/>
+              </a:cxn>
+              <a:cxn ang="0">
+                <a:pos x="connsiteX43" y="connsiteY43"/>
+              </a:cxn>
+              <a:cxn ang="0">
+                <a:pos x="connsiteX44" y="connsiteY44"/>
+              </a:cxn>
+              <a:cxn ang="0">
+                <a:pos x="connsiteX45" y="connsiteY45"/>
+              </a:cxn>
+              <a:cxn ang="0">
+                <a:pos x="connsiteX46" y="connsiteY46"/>
+              </a:cxn>
+              <a:cxn ang="0">
+                <a:pos x="connsiteX47" y="connsiteY47"/>
+              </a:cxn>
+              <a:cxn ang="0">
+                <a:pos x="connsiteX48" y="connsiteY48"/>
+              </a:cxn>
+              <a:cxn ang="0">
+                <a:pos x="connsiteX49" y="connsiteY49"/>
+              </a:cxn>
+              <a:cxn ang="0">
+                <a:pos x="connsiteX50" y="connsiteY50"/>
+              </a:cxn>
+              <a:cxn ang="0">
+                <a:pos x="connsiteX51" y="connsiteY51"/>
+              </a:cxn>
+              <a:cxn ang="0">
+                <a:pos x="connsiteX52" y="connsiteY52"/>
+              </a:cxn>
+              <a:cxn ang="0">
+                <a:pos x="connsiteX53" y="connsiteY53"/>
+              </a:cxn>
+              <a:cxn ang="0">
+                <a:pos x="connsiteX54" y="connsiteY54"/>
+              </a:cxn>
+              <a:cxn ang="0">
+                <a:pos x="connsiteX55" y="connsiteY55"/>
+              </a:cxn>
+              <a:cxn ang="0">
+                <a:pos x="connsiteX56" y="connsiteY56"/>
+              </a:cxn>
+              <a:cxn ang="0">
+                <a:pos x="connsiteX57" y="connsiteY57"/>
+              </a:cxn>
+              <a:cxn ang="0">
+                <a:pos x="connsiteX58" y="connsiteY58"/>
+              </a:cxn>
+              <a:cxn ang="0">
+                <a:pos x="connsiteX59" y="connsiteY59"/>
+              </a:cxn>
+              <a:cxn ang="0">
+                <a:pos x="connsiteX60" y="connsiteY60"/>
+              </a:cxn>
+              <a:cxn ang="0">
+                <a:pos x="connsiteX61" y="connsiteY61"/>
+              </a:cxn>
+              <a:cxn ang="0">
+                <a:pos x="connsiteX62" y="connsiteY62"/>
+              </a:cxn>
+            </a:cxnLst>
+            <a:rect l="l" t="t" r="r" b="b"/>
+            <a:pathLst>
+              <a:path w="12009304" h="6858000">
+                <a:moveTo>
+                  <a:pt x="8239723" y="5083103"/>
+                </a:moveTo>
+                <a:cubicBezTo>
+                  <a:pt x="8239723" y="5083103"/>
+                  <a:pt x="8239723" y="5083103"/>
+                  <a:pt x="9505105" y="5083103"/>
+                </a:cubicBezTo>
+                <a:cubicBezTo>
+                  <a:pt x="9525601" y="5083103"/>
+                  <a:pt x="9545588" y="5085825"/>
+                  <a:pt x="9564676" y="5091016"/>
+                </a:cubicBezTo>
+                <a:lnTo>
+                  <a:pt x="9605648" y="5108194"/>
+                </a:lnTo>
+                <a:lnTo>
+                  <a:pt x="9580608" y="5151499"/>
+                </a:lnTo>
+                <a:cubicBezTo>
+                  <a:pt x="9354208" y="5543062"/>
+                  <a:pt x="9064418" y="6044264"/>
+                  <a:pt x="8693486" y="6685800"/>
+                </a:cubicBezTo>
+                <a:cubicBezTo>
+                  <a:pt x="8665958" y="6733339"/>
+                  <a:pt x="8632925" y="6776306"/>
+                  <a:pt x="8595419" y="6814017"/>
+                </a:cubicBezTo>
+                <a:lnTo>
+                  <a:pt x="8545620" y="6858000"/>
+                </a:lnTo>
+                <a:lnTo>
+                  <a:pt x="7612173" y="6858000"/>
+                </a:lnTo>
+                <a:lnTo>
+                  <a:pt x="7591825" y="6822959"/>
+                </a:lnTo>
+                <a:cubicBezTo>
+                  <a:pt x="7538315" y="6730809"/>
+                  <a:pt x="7478495" y="6627794"/>
+                  <a:pt x="7411622" y="6512633"/>
+                </a:cubicBezTo>
+                <a:cubicBezTo>
+                  <a:pt x="7370628" y="6444560"/>
+                  <a:pt x="7370628" y="6357427"/>
+                  <a:pt x="7411622" y="6289354"/>
+                </a:cubicBezTo>
+                <a:cubicBezTo>
+                  <a:pt x="7411622" y="6289354"/>
+                  <a:pt x="7411622" y="6289354"/>
+                  <a:pt x="8045680" y="5197465"/>
+                </a:cubicBezTo>
+                <a:cubicBezTo>
+                  <a:pt x="8083943" y="5126669"/>
+                  <a:pt x="8160465" y="5083103"/>
+                  <a:pt x="8239723" y="5083103"/>
+                </a:cubicBezTo>
+                <a:close/>
+                <a:moveTo>
+                  <a:pt x="10622296" y="1326563"/>
+                </a:moveTo>
+                <a:cubicBezTo>
+                  <a:pt x="10622296" y="1326563"/>
+                  <a:pt x="10622296" y="1326563"/>
+                  <a:pt x="11448522" y="1326563"/>
+                </a:cubicBezTo>
+                <a:cubicBezTo>
+                  <a:pt x="11502058" y="1326563"/>
+                  <a:pt x="11550238" y="1355009"/>
+                  <a:pt x="11577006" y="1401233"/>
+                </a:cubicBezTo>
+                <a:cubicBezTo>
+                  <a:pt x="11577006" y="1401233"/>
+                  <a:pt x="11577006" y="1401233"/>
+                  <a:pt x="11989228" y="2114179"/>
+                </a:cubicBezTo>
+                <a:cubicBezTo>
+                  <a:pt x="12015996" y="2158629"/>
+                  <a:pt x="12015996" y="2215522"/>
+                  <a:pt x="11989228" y="2259969"/>
+                </a:cubicBezTo>
+                <a:cubicBezTo>
+                  <a:pt x="11989228" y="2259969"/>
+                  <a:pt x="11989228" y="2259969"/>
+                  <a:pt x="11577006" y="2972914"/>
+                </a:cubicBezTo>
+                <a:cubicBezTo>
+                  <a:pt x="11550238" y="3019141"/>
+                  <a:pt x="11502058" y="3047587"/>
+                  <a:pt x="11448522" y="3047587"/>
+                </a:cubicBezTo>
+                <a:cubicBezTo>
+                  <a:pt x="11448522" y="3047587"/>
+                  <a:pt x="11448522" y="3047587"/>
+                  <a:pt x="10622296" y="3047587"/>
+                </a:cubicBezTo>
+                <a:cubicBezTo>
+                  <a:pt x="10570544" y="3047587"/>
+                  <a:pt x="10520578" y="3019141"/>
+                  <a:pt x="10495594" y="2972914"/>
+                </a:cubicBezTo>
+                <a:cubicBezTo>
+                  <a:pt x="10495594" y="2972914"/>
+                  <a:pt x="10495594" y="2972914"/>
+                  <a:pt x="10081589" y="2259969"/>
+                </a:cubicBezTo>
+                <a:cubicBezTo>
+                  <a:pt x="10054821" y="2215522"/>
+                  <a:pt x="10054821" y="2158629"/>
+                  <a:pt x="10081589" y="2114179"/>
+                </a:cubicBezTo>
+                <a:cubicBezTo>
+                  <a:pt x="10081589" y="2114179"/>
+                  <a:pt x="10081589" y="2114179"/>
+                  <a:pt x="10495594" y="1401233"/>
+                </a:cubicBezTo>
+                <a:cubicBezTo>
+                  <a:pt x="10520578" y="1355009"/>
+                  <a:pt x="10570544" y="1326563"/>
+                  <a:pt x="10622296" y="1326563"/>
+                </a:cubicBezTo>
+                <a:close/>
+                <a:moveTo>
+                  <a:pt x="0" y="0"/>
+                </a:moveTo>
+                <a:lnTo>
+                  <a:pt x="4457990" y="0"/>
+                </a:lnTo>
+                <a:lnTo>
+                  <a:pt x="5902610" y="0"/>
+                </a:lnTo>
+                <a:lnTo>
+                  <a:pt x="8476869" y="0"/>
+                </a:lnTo>
+                <a:lnTo>
+                  <a:pt x="8535933" y="39849"/>
+                </a:lnTo>
+                <a:cubicBezTo>
+                  <a:pt x="8598516" y="88273"/>
+                  <a:pt x="8652195" y="149296"/>
+                  <a:pt x="8693486" y="220603"/>
+                </a:cubicBezTo>
+                <a:cubicBezTo>
+                  <a:pt x="8693486" y="220603"/>
+                  <a:pt x="8693486" y="220603"/>
+                  <a:pt x="10389180" y="3153347"/>
+                </a:cubicBezTo>
+                <a:cubicBezTo>
+                  <a:pt x="10499291" y="3336185"/>
+                  <a:pt x="10499291" y="3570221"/>
+                  <a:pt x="10389180" y="3753061"/>
+                </a:cubicBezTo>
+                <a:cubicBezTo>
+                  <a:pt x="10389180" y="3753061"/>
+                  <a:pt x="10389180" y="3753061"/>
+                  <a:pt x="9759557" y="4842009"/>
+                </a:cubicBezTo>
+                <a:lnTo>
+                  <a:pt x="9706493" y="4933778"/>
+                </a:lnTo>
+                <a:lnTo>
+                  <a:pt x="9708360" y="4934561"/>
+                </a:lnTo>
+                <a:cubicBezTo>
+                  <a:pt x="9746510" y="4956830"/>
+                  <a:pt x="9778880" y="4989078"/>
+                  <a:pt x="9802002" y="5029008"/>
+                </a:cubicBezTo>
+                <a:cubicBezTo>
+                  <a:pt x="9802002" y="5029008"/>
+                  <a:pt x="9802002" y="5029008"/>
+                  <a:pt x="10514131" y="6260653"/>
+                </a:cubicBezTo>
+                <a:cubicBezTo>
+                  <a:pt x="10560376" y="6337439"/>
+                  <a:pt x="10560376" y="6435725"/>
+                  <a:pt x="10514131" y="6512512"/>
+                </a:cubicBezTo>
+                <a:cubicBezTo>
+                  <a:pt x="10514131" y="6512512"/>
+                  <a:pt x="10514131" y="6512512"/>
+                  <a:pt x="10340271" y="6813206"/>
+                </a:cubicBezTo>
+                <a:lnTo>
+                  <a:pt x="10314372" y="6858000"/>
+                </a:lnTo>
+                <a:lnTo>
+                  <a:pt x="10119136" y="6858000"/>
+                </a:lnTo>
+                <a:lnTo>
+                  <a:pt x="10122008" y="6853033"/>
+                </a:lnTo>
+                <a:cubicBezTo>
+                  <a:pt x="10327158" y="6498223"/>
+                  <a:pt x="10327158" y="6498223"/>
+                  <a:pt x="10327158" y="6498223"/>
+                </a:cubicBezTo>
+                <a:cubicBezTo>
+                  <a:pt x="10368154" y="6430148"/>
+                  <a:pt x="10368154" y="6343015"/>
+                  <a:pt x="10327158" y="6274942"/>
+                </a:cubicBezTo>
+                <a:cubicBezTo>
+                  <a:pt x="9695832" y="5183053"/>
+                  <a:pt x="9695832" y="5183053"/>
+                  <a:pt x="9695832" y="5183053"/>
+                </a:cubicBezTo>
+                <a:cubicBezTo>
+                  <a:pt x="9675334" y="5147654"/>
+                  <a:pt x="9646640" y="5119063"/>
+                  <a:pt x="9612819" y="5099323"/>
+                </a:cubicBezTo>
+                <a:lnTo>
+                  <a:pt x="9603213" y="5095298"/>
+                </a:lnTo>
+                <a:lnTo>
+                  <a:pt x="9654707" y="5006238"/>
+                </a:lnTo>
+                <a:lnTo>
+                  <a:pt x="9693004" y="4940002"/>
+                </a:lnTo>
+                <a:lnTo>
+                  <a:pt x="9653283" y="4923348"/>
+                </a:lnTo>
+                <a:cubicBezTo>
+                  <a:pt x="9631750" y="4917491"/>
+                  <a:pt x="9609208" y="4914420"/>
+                  <a:pt x="9586087" y="4914420"/>
+                </a:cubicBezTo>
+                <a:cubicBezTo>
+                  <a:pt x="8158743" y="4914420"/>
+                  <a:pt x="8158743" y="4914420"/>
+                  <a:pt x="8158743" y="4914420"/>
+                </a:cubicBezTo>
+                <a:cubicBezTo>
+                  <a:pt x="8069341" y="4914420"/>
+                  <a:pt x="7983024" y="4963563"/>
+                  <a:pt x="7939863" y="5043420"/>
+                </a:cubicBezTo>
+                <a:cubicBezTo>
+                  <a:pt x="7224650" y="6275065"/>
+                  <a:pt x="7224650" y="6275065"/>
+                  <a:pt x="7224650" y="6275065"/>
+                </a:cubicBezTo>
+                <a:cubicBezTo>
+                  <a:pt x="7178407" y="6351849"/>
+                  <a:pt x="7178407" y="6450135"/>
+                  <a:pt x="7224650" y="6526922"/>
+                </a:cubicBezTo>
+                <a:cubicBezTo>
+                  <a:pt x="7269350" y="6603900"/>
+                  <a:pt x="7311257" y="6676067"/>
+                  <a:pt x="7350544" y="6743723"/>
+                </a:cubicBezTo>
+                <a:lnTo>
+                  <a:pt x="7416905" y="6858000"/>
+                </a:lnTo>
+                <a:lnTo>
+                  <a:pt x="5902610" y="6858000"/>
+                </a:lnTo>
+                <a:lnTo>
+                  <a:pt x="4389357" y="6858000"/>
+                </a:lnTo>
+                <a:lnTo>
+                  <a:pt x="0" y="6858000"/>
+                </a:lnTo>
+                <a:close/>
+              </a:path>
+            </a:pathLst>
+          </a:custGeom>
+          <a:solidFill>
+            <a:schemeClr val="tx1">
+              <a:lumMod val="50000"/>
+              <a:lumOff val="50000"/>
+              <a:alpha val="15000"/>
+            </a:schemeClr>
+          </a:solidFill>
+          <a:ln>
+            <a:noFill/>
+          </a:ln>
+        </p:spPr>
+        <p:style>
+          <a:lnRef idx="2">
+            <a:schemeClr val="accent1">
+              <a:shade val="50000"/>
+            </a:schemeClr>
+          </a:lnRef>
+          <a:fillRef idx="1">
+            <a:schemeClr val="accent1"/>
+          </a:fillRef>
+          <a:effectRef idx="0">
+            <a:schemeClr val="accent1"/>
+          </a:effectRef>
+          <a:fontRef idx="minor">
+            <a:schemeClr val="lt1"/>
+          </a:fontRef>
+        </p:style>
+        <p:txBody>
+          <a:bodyPr wrap="square" rtlCol="0" anchor="ctr">
+            <a:noAutofit/>
+          </a:bodyPr>
+          <a:lstStyle/>
+          <a:p>
+            <a:pPr algn="ctr"/>
+            <a:endParaRPr lang="en-US"/>
+          </a:p>
+        </p:txBody>
+      </p:sp>
+      <p:pic>
+        <p:nvPicPr>
+          <p:cNvPr id="2" name="Picture 1">
+            <a:extLst>
+              <a:ext uri="{FF2B5EF4-FFF2-40B4-BE49-F238E27FC236}">
+                <a16:creationId xmlns:a16="http://schemas.microsoft.com/office/drawing/2014/main" id="{EE88C0BC-92AE-8145-820B-00BABA2D8A20}"/>
+              </a:ext>
+            </a:extLst>
+          </p:cNvPr>
+          <p:cNvPicPr>
+            <a:picLocks noChangeAspect="1"/>
+          </p:cNvPicPr>
+          <p:nvPr/>
+        </p:nvPicPr>
+        <p:blipFill>
+          <a:blip r:embed="rId3"/>
+          <a:stretch>
+            <a:fillRect/>
+          </a:stretch>
+        </p:blipFill>
+        <p:spPr>
+          <a:xfrm>
+            <a:off x="0" y="0"/>
+            <a:ext cx="4741102" cy="6858000"/>
+          </a:xfrm>
+          <a:prstGeom prst="rect">
+            <a:avLst/>
+          </a:prstGeom>
+        </p:spPr>
+      </p:pic>
+      <p:sp>
+        <p:nvSpPr>
+          <p:cNvPr id="4" name="TextBox 3">
+            <a:extLst>
+              <a:ext uri="{FF2B5EF4-FFF2-40B4-BE49-F238E27FC236}">
+                <a16:creationId xmlns:a16="http://schemas.microsoft.com/office/drawing/2014/main" id="{2FB17821-1B3D-914C-B701-35613B3738E9}"/>
+              </a:ext>
+            </a:extLst>
+          </p:cNvPr>
+          <p:cNvSpPr txBox="1"/>
+          <p:nvPr/>
+        </p:nvSpPr>
+        <p:spPr>
+          <a:xfrm>
+            <a:off x="5417506" y="3244334"/>
+            <a:ext cx="2949879" cy="369332"/>
+          </a:xfrm>
+          <a:prstGeom prst="rect">
+            <a:avLst/>
+          </a:prstGeom>
+          <a:noFill/>
+        </p:spPr>
+        <p:txBody>
+          <a:bodyPr wrap="square" rtlCol="0">
+            <a:spAutoFit/>
+          </a:bodyPr>
+          <a:lstStyle/>
+          <a:p>
+            <a:r>
+              <a:rPr lang="en-US" dirty="0">
+                <a:latin typeface="Avenir Light" panose="020B0402020203020204" pitchFamily="34" charset="77"/>
+              </a:rPr>
+              <a:t>Component Lifecyle</a:t>
+            </a:r>
+          </a:p>
+        </p:txBody>
+      </p:sp>
+    </p:spTree>
+    <p:extLst>
+      <p:ext uri="{BB962C8B-B14F-4D97-AF65-F5344CB8AC3E}">
+        <p14:creationId xmlns:p14="http://schemas.microsoft.com/office/powerpoint/2010/main" val="3833791762"/>
       </p:ext>
     </p:extLst>
   </p:cSld>
@@ -17640,13 +26191,13 @@
   <p:clrMapOvr>
     <a:masterClrMapping/>
   </p:clrMapOvr>
-  <mc:AlternateContent xmlns:mc="http://schemas.openxmlformats.org/markup-compatibility/2006">
-    <mc:Choice xmlns:p14="http://schemas.microsoft.com/office/powerpoint/2010/main" Requires="p14">
+  <mc:AlternateContent xmlns:mc="http://schemas.openxmlformats.org/markup-compatibility/2006" xmlns:p14="http://schemas.microsoft.com/office/powerpoint/2010/main">
+    <mc:Choice Requires="p14">
       <p:transition spd="med" p14:dur="700">
         <p:fade/>
       </p:transition>
     </mc:Choice>
-    <mc:Fallback>
+    <mc:Fallback xmlns="">
       <p:transition spd="med">
         <p:fade/>
       </p:transition>
@@ -18387,7 +26938,7 @@
         <p:spPr>
           <a:xfrm>
             <a:off x="1210849" y="1605129"/>
-            <a:ext cx="4885151" cy="3785652"/>
+            <a:ext cx="4885151" cy="3539430"/>
           </a:xfrm>
           <a:prstGeom prst="rect">
             <a:avLst/>
@@ -18513,18 +27064,6 @@
                 <a:latin typeface="Avenir Light" panose="020B0402020203020204" pitchFamily="34" charset="77"/>
               </a:rPr>
               <a:t>State</a:t>
-            </a:r>
-          </a:p>
-          <a:p>
-            <a:pPr marL="742950" lvl="1" indent="-285750">
-              <a:buFont typeface="Arial" panose="020B0604020202020204" pitchFamily="34" charset="0"/>
-              <a:buChar char="•"/>
-            </a:pPr>
-            <a:r>
-              <a:rPr lang="en-US" sz="1600" dirty="0">
-                <a:latin typeface="Avenir Light" panose="020B0402020203020204" pitchFamily="34" charset="77"/>
-              </a:rPr>
-              <a:t>Conditionals</a:t>
             </a:r>
           </a:p>
           <a:p>
@@ -18610,13 +27149,13 @@
   <p:clrMapOvr>
     <a:masterClrMapping/>
   </p:clrMapOvr>
-  <mc:AlternateContent xmlns:mc="http://schemas.openxmlformats.org/markup-compatibility/2006">
-    <mc:Choice xmlns:p14="http://schemas.microsoft.com/office/powerpoint/2010/main" Requires="p14">
+  <mc:AlternateContent xmlns:mc="http://schemas.openxmlformats.org/markup-compatibility/2006" xmlns:p14="http://schemas.microsoft.com/office/powerpoint/2010/main">
+    <mc:Choice Requires="p14">
       <p:transition spd="med" p14:dur="700">
         <p:fade/>
       </p:transition>
     </mc:Choice>
-    <mc:Fallback>
+    <mc:Fallback xmlns="">
       <p:transition spd="med">
         <p:fade/>
       </p:transition>
@@ -19743,13 +28282,13 @@
   <p:clrMapOvr>
     <a:masterClrMapping/>
   </p:clrMapOvr>
-  <mc:AlternateContent xmlns:mc="http://schemas.openxmlformats.org/markup-compatibility/2006">
-    <mc:Choice xmlns:p14="http://schemas.microsoft.com/office/powerpoint/2010/main" Requires="p14">
+  <mc:AlternateContent xmlns:mc="http://schemas.openxmlformats.org/markup-compatibility/2006" xmlns:p14="http://schemas.microsoft.com/office/powerpoint/2010/main">
+    <mc:Choice Requires="p14">
       <p:transition spd="med" p14:dur="700">
         <p:fade/>
       </p:transition>
     </mc:Choice>
-    <mc:Fallback>
+    <mc:Fallback xmlns="">
       <p:transition spd="med">
         <p:fade/>
       </p:transition>
@@ -21030,13 +29569,13 @@
   <p:clrMapOvr>
     <a:masterClrMapping/>
   </p:clrMapOvr>
-  <mc:AlternateContent xmlns:mc="http://schemas.openxmlformats.org/markup-compatibility/2006">
-    <mc:Choice xmlns:p14="http://schemas.microsoft.com/office/powerpoint/2010/main" Requires="p14">
+  <mc:AlternateContent xmlns:mc="http://schemas.openxmlformats.org/markup-compatibility/2006" xmlns:p14="http://schemas.microsoft.com/office/powerpoint/2010/main">
+    <mc:Choice Requires="p14">
       <p:transition spd="med" p14:dur="700">
         <p:fade/>
       </p:transition>
     </mc:Choice>
-    <mc:Fallback>
+    <mc:Fallback xmlns="">
       <p:transition spd="med">
         <p:fade/>
       </p:transition>
@@ -21937,13 +30476,13 @@
   <p:clrMapOvr>
     <a:masterClrMapping/>
   </p:clrMapOvr>
-  <mc:AlternateContent xmlns:mc="http://schemas.openxmlformats.org/markup-compatibility/2006">
-    <mc:Choice xmlns:p14="http://schemas.microsoft.com/office/powerpoint/2010/main" Requires="p14">
+  <mc:AlternateContent xmlns:mc="http://schemas.openxmlformats.org/markup-compatibility/2006" xmlns:p14="http://schemas.microsoft.com/office/powerpoint/2010/main">
+    <mc:Choice Requires="p14">
       <p:transition spd="med" p14:dur="700">
         <p:fade/>
       </p:transition>
     </mc:Choice>
-    <mc:Fallback>
+    <mc:Fallback xmlns="">
       <p:transition spd="med">
         <p:fade/>
       </p:transition>
@@ -22783,13 +31322,13 @@
   <p:clrMapOvr>
     <a:masterClrMapping/>
   </p:clrMapOvr>
-  <mc:AlternateContent xmlns:mc="http://schemas.openxmlformats.org/markup-compatibility/2006">
-    <mc:Choice xmlns:p14="http://schemas.microsoft.com/office/powerpoint/2010/main" Requires="p14">
+  <mc:AlternateContent xmlns:mc="http://schemas.openxmlformats.org/markup-compatibility/2006" xmlns:p14="http://schemas.microsoft.com/office/powerpoint/2010/main">
+    <mc:Choice Requires="p14">
       <p:transition spd="med" p14:dur="700">
         <p:fade/>
       </p:transition>
     </mc:Choice>
-    <mc:Fallback>
+    <mc:Fallback xmlns="">
       <p:transition spd="med">
         <p:fade/>
       </p:transition>
